--- a/ONIP/S6_0_Intro/ONIP2_Classes_et_objets.pptx
+++ b/ONIP/S6_0_Intro/ONIP2_Classes_et_objets.pptx
@@ -5,7 +5,7 @@
     <p:sldMasterId id="2147483711" r:id="rId1"/>
   </p:sldMasterIdLst>
   <p:notesMasterIdLst>
-    <p:notesMasterId r:id="rId34"/>
+    <p:notesMasterId r:id="rId35"/>
   </p:notesMasterIdLst>
   <p:sldIdLst>
     <p:sldId id="322" r:id="rId2"/>
@@ -24,22 +24,23 @@
     <p:sldId id="347" r:id="rId15"/>
     <p:sldId id="348" r:id="rId16"/>
     <p:sldId id="349" r:id="rId17"/>
-    <p:sldId id="351" r:id="rId18"/>
-    <p:sldId id="352" r:id="rId19"/>
-    <p:sldId id="350" r:id="rId20"/>
-    <p:sldId id="336" r:id="rId21"/>
-    <p:sldId id="337" r:id="rId22"/>
-    <p:sldId id="338" r:id="rId23"/>
-    <p:sldId id="342" r:id="rId24"/>
-    <p:sldId id="354" r:id="rId25"/>
-    <p:sldId id="355" r:id="rId26"/>
-    <p:sldId id="356" r:id="rId27"/>
-    <p:sldId id="357" r:id="rId28"/>
-    <p:sldId id="358" r:id="rId29"/>
-    <p:sldId id="359" r:id="rId30"/>
-    <p:sldId id="360" r:id="rId31"/>
-    <p:sldId id="340" r:id="rId32"/>
-    <p:sldId id="345" r:id="rId33"/>
+    <p:sldId id="361" r:id="rId18"/>
+    <p:sldId id="351" r:id="rId19"/>
+    <p:sldId id="352" r:id="rId20"/>
+    <p:sldId id="350" r:id="rId21"/>
+    <p:sldId id="336" r:id="rId22"/>
+    <p:sldId id="337" r:id="rId23"/>
+    <p:sldId id="338" r:id="rId24"/>
+    <p:sldId id="342" r:id="rId25"/>
+    <p:sldId id="354" r:id="rId26"/>
+    <p:sldId id="355" r:id="rId27"/>
+    <p:sldId id="356" r:id="rId28"/>
+    <p:sldId id="357" r:id="rId29"/>
+    <p:sldId id="358" r:id="rId30"/>
+    <p:sldId id="359" r:id="rId31"/>
+    <p:sldId id="360" r:id="rId32"/>
+    <p:sldId id="340" r:id="rId33"/>
+    <p:sldId id="345" r:id="rId34"/>
   </p:sldIdLst>
   <p:sldSz cx="12192000" cy="6858000"/>
   <p:notesSz cx="6858000" cy="9144000"/>
@@ -1180,6 +1181,117 @@
         <p:cNvPr id="1" name="">
           <a:extLst>
             <a:ext uri="{FF2B5EF4-FFF2-40B4-BE49-F238E27FC236}">
+              <a16:creationId xmlns:a16="http://schemas.microsoft.com/office/drawing/2014/main" id="{79F3A34D-1770-A6C6-24AE-157F3F637F92}"/>
+            </a:ext>
+          </a:extLst>
+        </p:cNvPr>
+        <p:cNvGrpSpPr/>
+        <p:nvPr/>
+      </p:nvGrpSpPr>
+      <p:grpSpPr>
+        <a:xfrm>
+          <a:off x="0" y="0"/>
+          <a:ext cx="0" cy="0"/>
+          <a:chOff x="0" y="0"/>
+          <a:chExt cx="0" cy="0"/>
+        </a:xfrm>
+      </p:grpSpPr>
+      <p:sp>
+        <p:nvSpPr>
+          <p:cNvPr id="2" name="Espace réservé de l'image des diapositives 1">
+            <a:extLst>
+              <a:ext uri="{FF2B5EF4-FFF2-40B4-BE49-F238E27FC236}">
+                <a16:creationId xmlns:a16="http://schemas.microsoft.com/office/drawing/2014/main" id="{97F6B586-7F42-2BC0-92AD-4F6F15E6CFC1}"/>
+              </a:ext>
+            </a:extLst>
+          </p:cNvPr>
+          <p:cNvSpPr>
+            <a:spLocks noGrp="1" noRot="1" noChangeAspect="1"/>
+          </p:cNvSpPr>
+          <p:nvPr>
+            <p:ph type="sldImg"/>
+          </p:nvPr>
+        </p:nvSpPr>
+        <p:spPr/>
+      </p:sp>
+      <p:sp>
+        <p:nvSpPr>
+          <p:cNvPr id="3" name="Espace réservé des notes 2">
+            <a:extLst>
+              <a:ext uri="{FF2B5EF4-FFF2-40B4-BE49-F238E27FC236}">
+                <a16:creationId xmlns:a16="http://schemas.microsoft.com/office/drawing/2014/main" id="{FF46FC9D-9029-0713-26A5-D2B93DA800D4}"/>
+              </a:ext>
+            </a:extLst>
+          </p:cNvPr>
+          <p:cNvSpPr>
+            <a:spLocks noGrp="1"/>
+          </p:cNvSpPr>
+          <p:nvPr>
+            <p:ph type="body" idx="1"/>
+          </p:nvPr>
+        </p:nvSpPr>
+        <p:spPr/>
+        <p:txBody>
+          <a:bodyPr/>
+          <a:lstStyle/>
+          <a:p>
+            <a:endParaRPr lang="fr-FR" dirty="0"/>
+          </a:p>
+          <a:p>
+            <a:endParaRPr lang="fr-FR" dirty="0"/>
+          </a:p>
+        </p:txBody>
+      </p:sp>
+      <p:sp>
+        <p:nvSpPr>
+          <p:cNvPr id="4" name="Espace réservé du numéro de diapositive 3">
+            <a:extLst>
+              <a:ext uri="{FF2B5EF4-FFF2-40B4-BE49-F238E27FC236}">
+                <a16:creationId xmlns:a16="http://schemas.microsoft.com/office/drawing/2014/main" id="{5E7EB53D-0550-BFB6-4DF3-C2288381E9FC}"/>
+              </a:ext>
+            </a:extLst>
+          </p:cNvPr>
+          <p:cNvSpPr>
+            <a:spLocks noGrp="1"/>
+          </p:cNvSpPr>
+          <p:nvPr>
+            <p:ph type="sldNum" sz="quarter" idx="5"/>
+          </p:nvPr>
+        </p:nvSpPr>
+        <p:spPr/>
+        <p:txBody>
+          <a:bodyPr/>
+          <a:lstStyle/>
+          <a:p>
+            <a:fld id="{6BDC53D4-8BF5-4FDD-81EC-7AC957B0D210}" type="slidenum">
+              <a:rPr lang="fr-FR" smtClean="0"/>
+              <a:t>17</a:t>
+            </a:fld>
+            <a:endParaRPr lang="fr-FR"/>
+          </a:p>
+        </p:txBody>
+      </p:sp>
+    </p:spTree>
+    <p:extLst>
+      <p:ext uri="{BB962C8B-B14F-4D97-AF65-F5344CB8AC3E}">
+        <p14:creationId xmlns:p14="http://schemas.microsoft.com/office/powerpoint/2010/main" val="95430346"/>
+      </p:ext>
+    </p:extLst>
+  </p:cSld>
+  <p:clrMapOvr>
+    <a:masterClrMapping/>
+  </p:clrMapOvr>
+</p:notes>
+</file>
+
+<file path=ppt/notesSlides/notesSlide16.xml><?xml version="1.0" encoding="utf-8"?>
+<p:notes xmlns:a="http://schemas.openxmlformats.org/drawingml/2006/main" xmlns:r="http://schemas.openxmlformats.org/officeDocument/2006/relationships" xmlns:p="http://schemas.openxmlformats.org/presentationml/2006/main">
+  <p:cSld>
+    <p:spTree>
+      <p:nvGrpSpPr>
+        <p:cNvPr id="1" name="">
+          <a:extLst>
+            <a:ext uri="{FF2B5EF4-FFF2-40B4-BE49-F238E27FC236}">
               <a16:creationId xmlns:a16="http://schemas.microsoft.com/office/drawing/2014/main" id="{EEC8839A-DCBD-0A8A-6650-AB81ED3DA763}"/>
             </a:ext>
           </a:extLst>
@@ -1264,7 +1376,7 @@
           <a:p>
             <a:fld id="{6BDC53D4-8BF5-4FDD-81EC-7AC957B0D210}" type="slidenum">
               <a:rPr lang="fr-FR" smtClean="0"/>
-              <a:t>17</a:t>
+              <a:t>18</a:t>
             </a:fld>
             <a:endParaRPr lang="fr-FR"/>
           </a:p>
@@ -1283,7 +1395,7 @@
 </p:notes>
 </file>
 
-<file path=ppt/notesSlides/notesSlide16.xml><?xml version="1.0" encoding="utf-8"?>
+<file path=ppt/notesSlides/notesSlide17.xml><?xml version="1.0" encoding="utf-8"?>
 <p:notes xmlns:a="http://schemas.openxmlformats.org/drawingml/2006/main" xmlns:r="http://schemas.openxmlformats.org/officeDocument/2006/relationships" xmlns:p="http://schemas.openxmlformats.org/presentationml/2006/main">
   <p:cSld>
     <p:spTree>
@@ -1375,7 +1487,7 @@
           <a:p>
             <a:fld id="{6BDC53D4-8BF5-4FDD-81EC-7AC957B0D210}" type="slidenum">
               <a:rPr lang="fr-FR" smtClean="0"/>
-              <a:t>18</a:t>
+              <a:t>19</a:t>
             </a:fld>
             <a:endParaRPr lang="fr-FR"/>
           </a:p>
@@ -1394,7 +1506,7 @@
 </p:notes>
 </file>
 
-<file path=ppt/notesSlides/notesSlide17.xml><?xml version="1.0" encoding="utf-8"?>
+<file path=ppt/notesSlides/notesSlide18.xml><?xml version="1.0" encoding="utf-8"?>
 <p:notes xmlns:a="http://schemas.openxmlformats.org/drawingml/2006/main" xmlns:r="http://schemas.openxmlformats.org/officeDocument/2006/relationships" xmlns:p="http://schemas.openxmlformats.org/presentationml/2006/main">
   <p:cSld>
     <p:spTree>
@@ -1486,7 +1598,7 @@
           <a:p>
             <a:fld id="{6BDC53D4-8BF5-4FDD-81EC-7AC957B0D210}" type="slidenum">
               <a:rPr lang="fr-FR" smtClean="0"/>
-              <a:t>19</a:t>
+              <a:t>20</a:t>
             </a:fld>
             <a:endParaRPr lang="fr-FR"/>
           </a:p>
@@ -1505,7 +1617,7 @@
 </p:notes>
 </file>
 
-<file path=ppt/notesSlides/notesSlide18.xml><?xml version="1.0" encoding="utf-8"?>
+<file path=ppt/notesSlides/notesSlide19.xml><?xml version="1.0" encoding="utf-8"?>
 <p:notes xmlns:a="http://schemas.openxmlformats.org/drawingml/2006/main" xmlns:r="http://schemas.openxmlformats.org/officeDocument/2006/relationships" xmlns:p="http://schemas.openxmlformats.org/presentationml/2006/main">
   <p:cSld>
     <p:spTree>
@@ -1597,7 +1709,7 @@
           <a:p>
             <a:fld id="{6BDC53D4-8BF5-4FDD-81EC-7AC957B0D210}" type="slidenum">
               <a:rPr lang="fr-FR" smtClean="0"/>
-              <a:t>20</a:t>
+              <a:t>21</a:t>
             </a:fld>
             <a:endParaRPr lang="fr-FR"/>
           </a:p>
@@ -1607,117 +1719,6 @@
     <p:extLst>
       <p:ext uri="{BB962C8B-B14F-4D97-AF65-F5344CB8AC3E}">
         <p14:creationId xmlns:p14="http://schemas.microsoft.com/office/powerpoint/2010/main" val="2689343510"/>
-      </p:ext>
-    </p:extLst>
-  </p:cSld>
-  <p:clrMapOvr>
-    <a:masterClrMapping/>
-  </p:clrMapOvr>
-</p:notes>
-</file>
-
-<file path=ppt/notesSlides/notesSlide19.xml><?xml version="1.0" encoding="utf-8"?>
-<p:notes xmlns:a="http://schemas.openxmlformats.org/drawingml/2006/main" xmlns:r="http://schemas.openxmlformats.org/officeDocument/2006/relationships" xmlns:p="http://schemas.openxmlformats.org/presentationml/2006/main">
-  <p:cSld>
-    <p:spTree>
-      <p:nvGrpSpPr>
-        <p:cNvPr id="1" name="">
-          <a:extLst>
-            <a:ext uri="{FF2B5EF4-FFF2-40B4-BE49-F238E27FC236}">
-              <a16:creationId xmlns:a16="http://schemas.microsoft.com/office/drawing/2014/main" id="{69DFDD22-63E7-A50C-9EE6-0B0E60DBB9AC}"/>
-            </a:ext>
-          </a:extLst>
-        </p:cNvPr>
-        <p:cNvGrpSpPr/>
-        <p:nvPr/>
-      </p:nvGrpSpPr>
-      <p:grpSpPr>
-        <a:xfrm>
-          <a:off x="0" y="0"/>
-          <a:ext cx="0" cy="0"/>
-          <a:chOff x="0" y="0"/>
-          <a:chExt cx="0" cy="0"/>
-        </a:xfrm>
-      </p:grpSpPr>
-      <p:sp>
-        <p:nvSpPr>
-          <p:cNvPr id="2" name="Espace réservé de l'image des diapositives 1">
-            <a:extLst>
-              <a:ext uri="{FF2B5EF4-FFF2-40B4-BE49-F238E27FC236}">
-                <a16:creationId xmlns:a16="http://schemas.microsoft.com/office/drawing/2014/main" id="{6A5D2778-2556-0C9A-9DA9-111A60541BD1}"/>
-              </a:ext>
-            </a:extLst>
-          </p:cNvPr>
-          <p:cNvSpPr>
-            <a:spLocks noGrp="1" noRot="1" noChangeAspect="1"/>
-          </p:cNvSpPr>
-          <p:nvPr>
-            <p:ph type="sldImg"/>
-          </p:nvPr>
-        </p:nvSpPr>
-        <p:spPr/>
-      </p:sp>
-      <p:sp>
-        <p:nvSpPr>
-          <p:cNvPr id="3" name="Espace réservé des notes 2">
-            <a:extLst>
-              <a:ext uri="{FF2B5EF4-FFF2-40B4-BE49-F238E27FC236}">
-                <a16:creationId xmlns:a16="http://schemas.microsoft.com/office/drawing/2014/main" id="{336DD0AE-7EB3-7AC5-EF26-70E8B5A96107}"/>
-              </a:ext>
-            </a:extLst>
-          </p:cNvPr>
-          <p:cNvSpPr>
-            <a:spLocks noGrp="1"/>
-          </p:cNvSpPr>
-          <p:nvPr>
-            <p:ph type="body" idx="1"/>
-          </p:nvPr>
-        </p:nvSpPr>
-        <p:spPr/>
-        <p:txBody>
-          <a:bodyPr/>
-          <a:lstStyle/>
-          <a:p>
-            <a:endParaRPr lang="fr-FR" dirty="0"/>
-          </a:p>
-          <a:p>
-            <a:endParaRPr lang="fr-FR" dirty="0"/>
-          </a:p>
-        </p:txBody>
-      </p:sp>
-      <p:sp>
-        <p:nvSpPr>
-          <p:cNvPr id="4" name="Espace réservé du numéro de diapositive 3">
-            <a:extLst>
-              <a:ext uri="{FF2B5EF4-FFF2-40B4-BE49-F238E27FC236}">
-                <a16:creationId xmlns:a16="http://schemas.microsoft.com/office/drawing/2014/main" id="{1BC001C0-4789-E713-5D9C-652A246CB461}"/>
-              </a:ext>
-            </a:extLst>
-          </p:cNvPr>
-          <p:cNvSpPr>
-            <a:spLocks noGrp="1"/>
-          </p:cNvSpPr>
-          <p:nvPr>
-            <p:ph type="sldNum" sz="quarter" idx="5"/>
-          </p:nvPr>
-        </p:nvSpPr>
-        <p:spPr/>
-        <p:txBody>
-          <a:bodyPr/>
-          <a:lstStyle/>
-          <a:p>
-            <a:fld id="{6BDC53D4-8BF5-4FDD-81EC-7AC957B0D210}" type="slidenum">
-              <a:rPr lang="fr-FR" smtClean="0"/>
-              <a:t>22</a:t>
-            </a:fld>
-            <a:endParaRPr lang="fr-FR"/>
-          </a:p>
-        </p:txBody>
-      </p:sp>
-    </p:spTree>
-    <p:extLst>
-      <p:ext uri="{BB962C8B-B14F-4D97-AF65-F5344CB8AC3E}">
-        <p14:creationId xmlns:p14="http://schemas.microsoft.com/office/powerpoint/2010/main" val="4230595632"/>
       </p:ext>
     </p:extLst>
   </p:cSld>
@@ -1846,6 +1847,117 @@
         <p:cNvPr id="1" name="">
           <a:extLst>
             <a:ext uri="{FF2B5EF4-FFF2-40B4-BE49-F238E27FC236}">
+              <a16:creationId xmlns:a16="http://schemas.microsoft.com/office/drawing/2014/main" id="{69DFDD22-63E7-A50C-9EE6-0B0E60DBB9AC}"/>
+            </a:ext>
+          </a:extLst>
+        </p:cNvPr>
+        <p:cNvGrpSpPr/>
+        <p:nvPr/>
+      </p:nvGrpSpPr>
+      <p:grpSpPr>
+        <a:xfrm>
+          <a:off x="0" y="0"/>
+          <a:ext cx="0" cy="0"/>
+          <a:chOff x="0" y="0"/>
+          <a:chExt cx="0" cy="0"/>
+        </a:xfrm>
+      </p:grpSpPr>
+      <p:sp>
+        <p:nvSpPr>
+          <p:cNvPr id="2" name="Espace réservé de l'image des diapositives 1">
+            <a:extLst>
+              <a:ext uri="{FF2B5EF4-FFF2-40B4-BE49-F238E27FC236}">
+                <a16:creationId xmlns:a16="http://schemas.microsoft.com/office/drawing/2014/main" id="{6A5D2778-2556-0C9A-9DA9-111A60541BD1}"/>
+              </a:ext>
+            </a:extLst>
+          </p:cNvPr>
+          <p:cNvSpPr>
+            <a:spLocks noGrp="1" noRot="1" noChangeAspect="1"/>
+          </p:cNvSpPr>
+          <p:nvPr>
+            <p:ph type="sldImg"/>
+          </p:nvPr>
+        </p:nvSpPr>
+        <p:spPr/>
+      </p:sp>
+      <p:sp>
+        <p:nvSpPr>
+          <p:cNvPr id="3" name="Espace réservé des notes 2">
+            <a:extLst>
+              <a:ext uri="{FF2B5EF4-FFF2-40B4-BE49-F238E27FC236}">
+                <a16:creationId xmlns:a16="http://schemas.microsoft.com/office/drawing/2014/main" id="{336DD0AE-7EB3-7AC5-EF26-70E8B5A96107}"/>
+              </a:ext>
+            </a:extLst>
+          </p:cNvPr>
+          <p:cNvSpPr>
+            <a:spLocks noGrp="1"/>
+          </p:cNvSpPr>
+          <p:nvPr>
+            <p:ph type="body" idx="1"/>
+          </p:nvPr>
+        </p:nvSpPr>
+        <p:spPr/>
+        <p:txBody>
+          <a:bodyPr/>
+          <a:lstStyle/>
+          <a:p>
+            <a:endParaRPr lang="fr-FR" dirty="0"/>
+          </a:p>
+          <a:p>
+            <a:endParaRPr lang="fr-FR" dirty="0"/>
+          </a:p>
+        </p:txBody>
+      </p:sp>
+      <p:sp>
+        <p:nvSpPr>
+          <p:cNvPr id="4" name="Espace réservé du numéro de diapositive 3">
+            <a:extLst>
+              <a:ext uri="{FF2B5EF4-FFF2-40B4-BE49-F238E27FC236}">
+                <a16:creationId xmlns:a16="http://schemas.microsoft.com/office/drawing/2014/main" id="{1BC001C0-4789-E713-5D9C-652A246CB461}"/>
+              </a:ext>
+            </a:extLst>
+          </p:cNvPr>
+          <p:cNvSpPr>
+            <a:spLocks noGrp="1"/>
+          </p:cNvSpPr>
+          <p:nvPr>
+            <p:ph type="sldNum" sz="quarter" idx="5"/>
+          </p:nvPr>
+        </p:nvSpPr>
+        <p:spPr/>
+        <p:txBody>
+          <a:bodyPr/>
+          <a:lstStyle/>
+          <a:p>
+            <a:fld id="{6BDC53D4-8BF5-4FDD-81EC-7AC957B0D210}" type="slidenum">
+              <a:rPr lang="fr-FR" smtClean="0"/>
+              <a:t>23</a:t>
+            </a:fld>
+            <a:endParaRPr lang="fr-FR"/>
+          </a:p>
+        </p:txBody>
+      </p:sp>
+    </p:spTree>
+    <p:extLst>
+      <p:ext uri="{BB962C8B-B14F-4D97-AF65-F5344CB8AC3E}">
+        <p14:creationId xmlns:p14="http://schemas.microsoft.com/office/powerpoint/2010/main" val="4230595632"/>
+      </p:ext>
+    </p:extLst>
+  </p:cSld>
+  <p:clrMapOvr>
+    <a:masterClrMapping/>
+  </p:clrMapOvr>
+</p:notes>
+</file>
+
+<file path=ppt/notesSlides/notesSlide21.xml><?xml version="1.0" encoding="utf-8"?>
+<p:notes xmlns:a="http://schemas.openxmlformats.org/drawingml/2006/main" xmlns:r="http://schemas.openxmlformats.org/officeDocument/2006/relationships" xmlns:p="http://schemas.openxmlformats.org/presentationml/2006/main">
+  <p:cSld>
+    <p:spTree>
+      <p:nvGrpSpPr>
+        <p:cNvPr id="1" name="">
+          <a:extLst>
+            <a:ext uri="{FF2B5EF4-FFF2-40B4-BE49-F238E27FC236}">
               <a16:creationId xmlns:a16="http://schemas.microsoft.com/office/drawing/2014/main" id="{76D4CB59-C186-9703-A389-E1B67F48AFE7}"/>
             </a:ext>
           </a:extLst>
@@ -1930,7 +2042,7 @@
           <a:p>
             <a:fld id="{6BDC53D4-8BF5-4FDD-81EC-7AC957B0D210}" type="slidenum">
               <a:rPr lang="fr-FR" smtClean="0"/>
-              <a:t>23</a:t>
+              <a:t>24</a:t>
             </a:fld>
             <a:endParaRPr lang="fr-FR"/>
           </a:p>
@@ -1949,7 +2061,7 @@
 </p:notes>
 </file>
 
-<file path=ppt/notesSlides/notesSlide21.xml><?xml version="1.0" encoding="utf-8"?>
+<file path=ppt/notesSlides/notesSlide22.xml><?xml version="1.0" encoding="utf-8"?>
 <p:notes xmlns:a="http://schemas.openxmlformats.org/drawingml/2006/main" xmlns:r="http://schemas.openxmlformats.org/officeDocument/2006/relationships" xmlns:p="http://schemas.openxmlformats.org/presentationml/2006/main">
   <p:cSld>
     <p:spTree>
@@ -2041,7 +2153,7 @@
           <a:p>
             <a:fld id="{6BDC53D4-8BF5-4FDD-81EC-7AC957B0D210}" type="slidenum">
               <a:rPr lang="fr-FR" smtClean="0"/>
-              <a:t>24</a:t>
+              <a:t>25</a:t>
             </a:fld>
             <a:endParaRPr lang="fr-FR"/>
           </a:p>
@@ -2060,7 +2172,7 @@
 </p:notes>
 </file>
 
-<file path=ppt/notesSlides/notesSlide22.xml><?xml version="1.0" encoding="utf-8"?>
+<file path=ppt/notesSlides/notesSlide23.xml><?xml version="1.0" encoding="utf-8"?>
 <p:notes xmlns:a="http://schemas.openxmlformats.org/drawingml/2006/main" xmlns:r="http://schemas.openxmlformats.org/officeDocument/2006/relationships" xmlns:p="http://schemas.openxmlformats.org/presentationml/2006/main">
   <p:cSld>
     <p:spTree>
@@ -2152,7 +2264,7 @@
           <a:p>
             <a:fld id="{6BDC53D4-8BF5-4FDD-81EC-7AC957B0D210}" type="slidenum">
               <a:rPr lang="fr-FR" smtClean="0"/>
-              <a:t>25</a:t>
+              <a:t>26</a:t>
             </a:fld>
             <a:endParaRPr lang="fr-FR"/>
           </a:p>
@@ -2171,7 +2283,7 @@
 </p:notes>
 </file>
 
-<file path=ppt/notesSlides/notesSlide23.xml><?xml version="1.0" encoding="utf-8"?>
+<file path=ppt/notesSlides/notesSlide24.xml><?xml version="1.0" encoding="utf-8"?>
 <p:notes xmlns:a="http://schemas.openxmlformats.org/drawingml/2006/main" xmlns:r="http://schemas.openxmlformats.org/officeDocument/2006/relationships" xmlns:p="http://schemas.openxmlformats.org/presentationml/2006/main">
   <p:cSld>
     <p:spTree>
@@ -2263,7 +2375,7 @@
           <a:p>
             <a:fld id="{6BDC53D4-8BF5-4FDD-81EC-7AC957B0D210}" type="slidenum">
               <a:rPr lang="fr-FR" smtClean="0"/>
-              <a:t>26</a:t>
+              <a:t>27</a:t>
             </a:fld>
             <a:endParaRPr lang="fr-FR"/>
           </a:p>
@@ -2282,7 +2394,7 @@
 </p:notes>
 </file>
 
-<file path=ppt/notesSlides/notesSlide24.xml><?xml version="1.0" encoding="utf-8"?>
+<file path=ppt/notesSlides/notesSlide25.xml><?xml version="1.0" encoding="utf-8"?>
 <p:notes xmlns:a="http://schemas.openxmlformats.org/drawingml/2006/main" xmlns:r="http://schemas.openxmlformats.org/officeDocument/2006/relationships" xmlns:p="http://schemas.openxmlformats.org/presentationml/2006/main">
   <p:cSld>
     <p:spTree>
@@ -2374,7 +2486,7 @@
           <a:p>
             <a:fld id="{6BDC53D4-8BF5-4FDD-81EC-7AC957B0D210}" type="slidenum">
               <a:rPr lang="fr-FR" smtClean="0"/>
-              <a:t>27</a:t>
+              <a:t>28</a:t>
             </a:fld>
             <a:endParaRPr lang="fr-FR"/>
           </a:p>
@@ -2393,7 +2505,7 @@
 </p:notes>
 </file>
 
-<file path=ppt/notesSlides/notesSlide25.xml><?xml version="1.0" encoding="utf-8"?>
+<file path=ppt/notesSlides/notesSlide26.xml><?xml version="1.0" encoding="utf-8"?>
 <p:notes xmlns:a="http://schemas.openxmlformats.org/drawingml/2006/main" xmlns:r="http://schemas.openxmlformats.org/officeDocument/2006/relationships" xmlns:p="http://schemas.openxmlformats.org/presentationml/2006/main">
   <p:cSld>
     <p:spTree>
@@ -2485,7 +2597,7 @@
           <a:p>
             <a:fld id="{6BDC53D4-8BF5-4FDD-81EC-7AC957B0D210}" type="slidenum">
               <a:rPr lang="fr-FR" smtClean="0"/>
-              <a:t>28</a:t>
+              <a:t>29</a:t>
             </a:fld>
             <a:endParaRPr lang="fr-FR"/>
           </a:p>
@@ -2504,7 +2616,7 @@
 </p:notes>
 </file>
 
-<file path=ppt/notesSlides/notesSlide26.xml><?xml version="1.0" encoding="utf-8"?>
+<file path=ppt/notesSlides/notesSlide27.xml><?xml version="1.0" encoding="utf-8"?>
 <p:notes xmlns:a="http://schemas.openxmlformats.org/drawingml/2006/main" xmlns:r="http://schemas.openxmlformats.org/officeDocument/2006/relationships" xmlns:p="http://schemas.openxmlformats.org/presentationml/2006/main">
   <p:cSld>
     <p:spTree>
@@ -2596,7 +2708,7 @@
           <a:p>
             <a:fld id="{6BDC53D4-8BF5-4FDD-81EC-7AC957B0D210}" type="slidenum">
               <a:rPr lang="fr-FR" smtClean="0"/>
-              <a:t>29</a:t>
+              <a:t>30</a:t>
             </a:fld>
             <a:endParaRPr lang="fr-FR"/>
           </a:p>
@@ -2615,7 +2727,7 @@
 </p:notes>
 </file>
 
-<file path=ppt/notesSlides/notesSlide27.xml><?xml version="1.0" encoding="utf-8"?>
+<file path=ppt/notesSlides/notesSlide28.xml><?xml version="1.0" encoding="utf-8"?>
 <p:notes xmlns:a="http://schemas.openxmlformats.org/drawingml/2006/main" xmlns:r="http://schemas.openxmlformats.org/officeDocument/2006/relationships" xmlns:p="http://schemas.openxmlformats.org/presentationml/2006/main">
   <p:cSld>
     <p:spTree>
@@ -2707,7 +2819,7 @@
           <a:p>
             <a:fld id="{6BDC53D4-8BF5-4FDD-81EC-7AC957B0D210}" type="slidenum">
               <a:rPr lang="fr-FR" smtClean="0"/>
-              <a:t>30</a:t>
+              <a:t>31</a:t>
             </a:fld>
             <a:endParaRPr lang="fr-FR"/>
           </a:p>
@@ -2726,7 +2838,7 @@
 </p:notes>
 </file>
 
-<file path=ppt/notesSlides/notesSlide28.xml><?xml version="1.0" encoding="utf-8"?>
+<file path=ppt/notesSlides/notesSlide29.xml><?xml version="1.0" encoding="utf-8"?>
 <p:notes xmlns:a="http://schemas.openxmlformats.org/drawingml/2006/main" xmlns:r="http://schemas.openxmlformats.org/officeDocument/2006/relationships" xmlns:p="http://schemas.openxmlformats.org/presentationml/2006/main">
   <p:cSld>
     <p:spTree>
@@ -2818,7 +2930,7 @@
           <a:p>
             <a:fld id="{6BDC53D4-8BF5-4FDD-81EC-7AC957B0D210}" type="slidenum">
               <a:rPr lang="fr-FR" smtClean="0"/>
-              <a:t>31</a:t>
+              <a:t>32</a:t>
             </a:fld>
             <a:endParaRPr lang="fr-FR"/>
           </a:p>
@@ -2828,117 +2940,6 @@
     <p:extLst>
       <p:ext uri="{BB962C8B-B14F-4D97-AF65-F5344CB8AC3E}">
         <p14:creationId xmlns:p14="http://schemas.microsoft.com/office/powerpoint/2010/main" val="2757291329"/>
-      </p:ext>
-    </p:extLst>
-  </p:cSld>
-  <p:clrMapOvr>
-    <a:masterClrMapping/>
-  </p:clrMapOvr>
-</p:notes>
-</file>
-
-<file path=ppt/notesSlides/notesSlide29.xml><?xml version="1.0" encoding="utf-8"?>
-<p:notes xmlns:a="http://schemas.openxmlformats.org/drawingml/2006/main" xmlns:r="http://schemas.openxmlformats.org/officeDocument/2006/relationships" xmlns:p="http://schemas.openxmlformats.org/presentationml/2006/main">
-  <p:cSld>
-    <p:spTree>
-      <p:nvGrpSpPr>
-        <p:cNvPr id="1" name="">
-          <a:extLst>
-            <a:ext uri="{FF2B5EF4-FFF2-40B4-BE49-F238E27FC236}">
-              <a16:creationId xmlns:a16="http://schemas.microsoft.com/office/drawing/2014/main" id="{FD9FEDDB-4FB8-260D-E295-2687D740B1FE}"/>
-            </a:ext>
-          </a:extLst>
-        </p:cNvPr>
-        <p:cNvGrpSpPr/>
-        <p:nvPr/>
-      </p:nvGrpSpPr>
-      <p:grpSpPr>
-        <a:xfrm>
-          <a:off x="0" y="0"/>
-          <a:ext cx="0" cy="0"/>
-          <a:chOff x="0" y="0"/>
-          <a:chExt cx="0" cy="0"/>
-        </a:xfrm>
-      </p:grpSpPr>
-      <p:sp>
-        <p:nvSpPr>
-          <p:cNvPr id="2" name="Espace réservé de l'image des diapositives 1">
-            <a:extLst>
-              <a:ext uri="{FF2B5EF4-FFF2-40B4-BE49-F238E27FC236}">
-                <a16:creationId xmlns:a16="http://schemas.microsoft.com/office/drawing/2014/main" id="{CA9F278E-CE83-FC20-A251-50C576D01921}"/>
-              </a:ext>
-            </a:extLst>
-          </p:cNvPr>
-          <p:cNvSpPr>
-            <a:spLocks noGrp="1" noRot="1" noChangeAspect="1"/>
-          </p:cNvSpPr>
-          <p:nvPr>
-            <p:ph type="sldImg"/>
-          </p:nvPr>
-        </p:nvSpPr>
-        <p:spPr/>
-      </p:sp>
-      <p:sp>
-        <p:nvSpPr>
-          <p:cNvPr id="3" name="Espace réservé des notes 2">
-            <a:extLst>
-              <a:ext uri="{FF2B5EF4-FFF2-40B4-BE49-F238E27FC236}">
-                <a16:creationId xmlns:a16="http://schemas.microsoft.com/office/drawing/2014/main" id="{675E1979-8241-52CB-AFA1-7F97D4B77F6B}"/>
-              </a:ext>
-            </a:extLst>
-          </p:cNvPr>
-          <p:cNvSpPr>
-            <a:spLocks noGrp="1"/>
-          </p:cNvSpPr>
-          <p:nvPr>
-            <p:ph type="body" idx="1"/>
-          </p:nvPr>
-        </p:nvSpPr>
-        <p:spPr/>
-        <p:txBody>
-          <a:bodyPr/>
-          <a:lstStyle/>
-          <a:p>
-            <a:endParaRPr lang="fr-FR" dirty="0"/>
-          </a:p>
-          <a:p>
-            <a:endParaRPr lang="fr-FR" dirty="0"/>
-          </a:p>
-        </p:txBody>
-      </p:sp>
-      <p:sp>
-        <p:nvSpPr>
-          <p:cNvPr id="4" name="Espace réservé du numéro de diapositive 3">
-            <a:extLst>
-              <a:ext uri="{FF2B5EF4-FFF2-40B4-BE49-F238E27FC236}">
-                <a16:creationId xmlns:a16="http://schemas.microsoft.com/office/drawing/2014/main" id="{CFA31523-A6CB-9821-8049-51EE88C76935}"/>
-              </a:ext>
-            </a:extLst>
-          </p:cNvPr>
-          <p:cNvSpPr>
-            <a:spLocks noGrp="1"/>
-          </p:cNvSpPr>
-          <p:nvPr>
-            <p:ph type="sldNum" sz="quarter" idx="5"/>
-          </p:nvPr>
-        </p:nvSpPr>
-        <p:spPr/>
-        <p:txBody>
-          <a:bodyPr/>
-          <a:lstStyle/>
-          <a:p>
-            <a:fld id="{6BDC53D4-8BF5-4FDD-81EC-7AC957B0D210}" type="slidenum">
-              <a:rPr lang="fr-FR" smtClean="0"/>
-              <a:t>32</a:t>
-            </a:fld>
-            <a:endParaRPr lang="fr-FR"/>
-          </a:p>
-        </p:txBody>
-      </p:sp>
-    </p:spTree>
-    <p:extLst>
-      <p:ext uri="{BB962C8B-B14F-4D97-AF65-F5344CB8AC3E}">
-        <p14:creationId xmlns:p14="http://schemas.microsoft.com/office/powerpoint/2010/main" val="933452965"/>
       </p:ext>
     </p:extLst>
   </p:cSld>
@@ -3050,6 +3051,117 @@
     <p:extLst>
       <p:ext uri="{BB962C8B-B14F-4D97-AF65-F5344CB8AC3E}">
         <p14:creationId xmlns:p14="http://schemas.microsoft.com/office/powerpoint/2010/main" val="3401770664"/>
+      </p:ext>
+    </p:extLst>
+  </p:cSld>
+  <p:clrMapOvr>
+    <a:masterClrMapping/>
+  </p:clrMapOvr>
+</p:notes>
+</file>
+
+<file path=ppt/notesSlides/notesSlide30.xml><?xml version="1.0" encoding="utf-8"?>
+<p:notes xmlns:a="http://schemas.openxmlformats.org/drawingml/2006/main" xmlns:r="http://schemas.openxmlformats.org/officeDocument/2006/relationships" xmlns:p="http://schemas.openxmlformats.org/presentationml/2006/main">
+  <p:cSld>
+    <p:spTree>
+      <p:nvGrpSpPr>
+        <p:cNvPr id="1" name="">
+          <a:extLst>
+            <a:ext uri="{FF2B5EF4-FFF2-40B4-BE49-F238E27FC236}">
+              <a16:creationId xmlns:a16="http://schemas.microsoft.com/office/drawing/2014/main" id="{FD9FEDDB-4FB8-260D-E295-2687D740B1FE}"/>
+            </a:ext>
+          </a:extLst>
+        </p:cNvPr>
+        <p:cNvGrpSpPr/>
+        <p:nvPr/>
+      </p:nvGrpSpPr>
+      <p:grpSpPr>
+        <a:xfrm>
+          <a:off x="0" y="0"/>
+          <a:ext cx="0" cy="0"/>
+          <a:chOff x="0" y="0"/>
+          <a:chExt cx="0" cy="0"/>
+        </a:xfrm>
+      </p:grpSpPr>
+      <p:sp>
+        <p:nvSpPr>
+          <p:cNvPr id="2" name="Espace réservé de l'image des diapositives 1">
+            <a:extLst>
+              <a:ext uri="{FF2B5EF4-FFF2-40B4-BE49-F238E27FC236}">
+                <a16:creationId xmlns:a16="http://schemas.microsoft.com/office/drawing/2014/main" id="{CA9F278E-CE83-FC20-A251-50C576D01921}"/>
+              </a:ext>
+            </a:extLst>
+          </p:cNvPr>
+          <p:cNvSpPr>
+            <a:spLocks noGrp="1" noRot="1" noChangeAspect="1"/>
+          </p:cNvSpPr>
+          <p:nvPr>
+            <p:ph type="sldImg"/>
+          </p:nvPr>
+        </p:nvSpPr>
+        <p:spPr/>
+      </p:sp>
+      <p:sp>
+        <p:nvSpPr>
+          <p:cNvPr id="3" name="Espace réservé des notes 2">
+            <a:extLst>
+              <a:ext uri="{FF2B5EF4-FFF2-40B4-BE49-F238E27FC236}">
+                <a16:creationId xmlns:a16="http://schemas.microsoft.com/office/drawing/2014/main" id="{675E1979-8241-52CB-AFA1-7F97D4B77F6B}"/>
+              </a:ext>
+            </a:extLst>
+          </p:cNvPr>
+          <p:cNvSpPr>
+            <a:spLocks noGrp="1"/>
+          </p:cNvSpPr>
+          <p:nvPr>
+            <p:ph type="body" idx="1"/>
+          </p:nvPr>
+        </p:nvSpPr>
+        <p:spPr/>
+        <p:txBody>
+          <a:bodyPr/>
+          <a:lstStyle/>
+          <a:p>
+            <a:endParaRPr lang="fr-FR" dirty="0"/>
+          </a:p>
+          <a:p>
+            <a:endParaRPr lang="fr-FR" dirty="0"/>
+          </a:p>
+        </p:txBody>
+      </p:sp>
+      <p:sp>
+        <p:nvSpPr>
+          <p:cNvPr id="4" name="Espace réservé du numéro de diapositive 3">
+            <a:extLst>
+              <a:ext uri="{FF2B5EF4-FFF2-40B4-BE49-F238E27FC236}">
+                <a16:creationId xmlns:a16="http://schemas.microsoft.com/office/drawing/2014/main" id="{CFA31523-A6CB-9821-8049-51EE88C76935}"/>
+              </a:ext>
+            </a:extLst>
+          </p:cNvPr>
+          <p:cNvSpPr>
+            <a:spLocks noGrp="1"/>
+          </p:cNvSpPr>
+          <p:nvPr>
+            <p:ph type="sldNum" sz="quarter" idx="5"/>
+          </p:nvPr>
+        </p:nvSpPr>
+        <p:spPr/>
+        <p:txBody>
+          <a:bodyPr/>
+          <a:lstStyle/>
+          <a:p>
+            <a:fld id="{6BDC53D4-8BF5-4FDD-81EC-7AC957B0D210}" type="slidenum">
+              <a:rPr lang="fr-FR" smtClean="0"/>
+              <a:t>33</a:t>
+            </a:fld>
+            <a:endParaRPr lang="fr-FR"/>
+          </a:p>
+        </p:txBody>
+      </p:sp>
+    </p:spTree>
+    <p:extLst>
+      <p:ext uri="{BB962C8B-B14F-4D97-AF65-F5344CB8AC3E}">
+        <p14:creationId xmlns:p14="http://schemas.microsoft.com/office/powerpoint/2010/main" val="933452965"/>
       </p:ext>
     </p:extLst>
   </p:cSld>
@@ -17254,8 +17366,16 @@
           </a:p>
           <a:p>
             <a:r>
+              <a:rPr lang="fr-FR" sz="1600" dirty="0">
+                <a:highlight>
+                  <a:srgbClr val="D6B4B2"/>
+                </a:highlight>
+              </a:rPr>
+              <a:t>animal2</a:t>
+            </a:r>
+            <a:r>
               <a:rPr lang="fr-FR" sz="1600" dirty="0"/>
-              <a:t>animal2 = Animal("Garfield", 2015)</a:t>
+              <a:t> = Animal("Garfield", 2015)</a:t>
             </a:r>
           </a:p>
         </p:txBody>
@@ -17856,6 +17976,1009 @@
 </file>
 
 <file path=ppt/slides/slide17.xml><?xml version="1.0" encoding="utf-8"?>
+<p:sld xmlns:a="http://schemas.openxmlformats.org/drawingml/2006/main" xmlns:r="http://schemas.openxmlformats.org/officeDocument/2006/relationships" xmlns:p="http://schemas.openxmlformats.org/presentationml/2006/main">
+  <p:cSld>
+    <p:spTree>
+      <p:nvGrpSpPr>
+        <p:cNvPr id="1" name="">
+          <a:extLst>
+            <a:ext uri="{FF2B5EF4-FFF2-40B4-BE49-F238E27FC236}">
+              <a16:creationId xmlns:a16="http://schemas.microsoft.com/office/drawing/2014/main" id="{8599067A-2C45-EC38-96A0-4CAE4065AC1A}"/>
+            </a:ext>
+          </a:extLst>
+        </p:cNvPr>
+        <p:cNvGrpSpPr/>
+        <p:nvPr/>
+      </p:nvGrpSpPr>
+      <p:grpSpPr>
+        <a:xfrm>
+          <a:off x="0" y="0"/>
+          <a:ext cx="0" cy="0"/>
+          <a:chOff x="0" y="0"/>
+          <a:chExt cx="0" cy="0"/>
+        </a:xfrm>
+      </p:grpSpPr>
+      <p:sp>
+        <p:nvSpPr>
+          <p:cNvPr id="3" name="Rectangle 2">
+            <a:extLst>
+              <a:ext uri="{FF2B5EF4-FFF2-40B4-BE49-F238E27FC236}">
+                <a16:creationId xmlns:a16="http://schemas.microsoft.com/office/drawing/2014/main" id="{48C19535-EC8D-0953-1DD9-B2B7A56DE827}"/>
+              </a:ext>
+            </a:extLst>
+          </p:cNvPr>
+          <p:cNvSpPr/>
+          <p:nvPr/>
+        </p:nvSpPr>
+        <p:spPr>
+          <a:xfrm>
+            <a:off x="673975" y="405113"/>
+            <a:ext cx="11020314" cy="937549"/>
+          </a:xfrm>
+          <a:prstGeom prst="rect">
+            <a:avLst/>
+          </a:prstGeom>
+          <a:solidFill>
+            <a:schemeClr val="bg1"/>
+          </a:solidFill>
+          <a:ln>
+            <a:solidFill>
+              <a:schemeClr val="bg1">
+                <a:lumMod val="95000"/>
+              </a:schemeClr>
+            </a:solidFill>
+          </a:ln>
+          <a:effectLst>
+            <a:outerShdw blurRad="50800" dist="38100" dir="2700000" algn="tl" rotWithShape="0">
+              <a:prstClr val="black">
+                <a:alpha val="40000"/>
+              </a:prstClr>
+            </a:outerShdw>
+          </a:effectLst>
+        </p:spPr>
+        <p:style>
+          <a:lnRef idx="2">
+            <a:schemeClr val="accent1">
+              <a:shade val="15000"/>
+            </a:schemeClr>
+          </a:lnRef>
+          <a:fillRef idx="1">
+            <a:schemeClr val="accent1"/>
+          </a:fillRef>
+          <a:effectRef idx="0">
+            <a:schemeClr val="accent1"/>
+          </a:effectRef>
+          <a:fontRef idx="minor">
+            <a:schemeClr val="lt1"/>
+          </a:fontRef>
+        </p:style>
+        <p:txBody>
+          <a:bodyPr rtlCol="0" anchor="ctr"/>
+          <a:lstStyle/>
+          <a:p>
+            <a:pPr algn="ctr"/>
+            <a:endParaRPr lang="fr-FR"/>
+          </a:p>
+        </p:txBody>
+      </p:sp>
+      <p:sp>
+        <p:nvSpPr>
+          <p:cNvPr id="2" name="Titre 1">
+            <a:extLst>
+              <a:ext uri="{FF2B5EF4-FFF2-40B4-BE49-F238E27FC236}">
+                <a16:creationId xmlns:a16="http://schemas.microsoft.com/office/drawing/2014/main" id="{0714C520-8252-4336-FF3C-6C9EF5580D10}"/>
+              </a:ext>
+            </a:extLst>
+          </p:cNvPr>
+          <p:cNvSpPr txBox="1">
+            <a:spLocks/>
+          </p:cNvSpPr>
+          <p:nvPr/>
+        </p:nvSpPr>
+        <p:spPr>
+          <a:xfrm>
+            <a:off x="907225" y="583365"/>
+            <a:ext cx="8970548" cy="701426"/>
+          </a:xfrm>
+          <a:prstGeom prst="rect">
+            <a:avLst/>
+          </a:prstGeom>
+        </p:spPr>
+        <p:txBody>
+          <a:bodyPr>
+            <a:normAutofit/>
+          </a:bodyPr>
+          <a:lstStyle>
+            <a:lvl1pPr algn="l" defTabSz="914400" rtl="0" eaLnBrk="1" latinLnBrk="0" hangingPunct="1">
+              <a:lnSpc>
+                <a:spcPct val="90000"/>
+              </a:lnSpc>
+              <a:spcBef>
+                <a:spcPct val="0"/>
+              </a:spcBef>
+              <a:buNone/>
+              <a:defRPr sz="4400" kern="1200">
+                <a:solidFill>
+                  <a:schemeClr val="tx1"/>
+                </a:solidFill>
+                <a:latin typeface="+mj-lt"/>
+                <a:ea typeface="+mj-ea"/>
+                <a:cs typeface="+mj-cs"/>
+              </a:defRPr>
+            </a:lvl1pPr>
+          </a:lstStyle>
+          <a:p>
+            <a:r>
+              <a:rPr lang="fr-FR" sz="4000" dirty="0"/>
+              <a:t>Utilisation d’une classe</a:t>
+            </a:r>
+          </a:p>
+        </p:txBody>
+      </p:sp>
+      <p:sp>
+        <p:nvSpPr>
+          <p:cNvPr id="7" name="Rectangle 6">
+            <a:extLst>
+              <a:ext uri="{FF2B5EF4-FFF2-40B4-BE49-F238E27FC236}">
+                <a16:creationId xmlns:a16="http://schemas.microsoft.com/office/drawing/2014/main" id="{B1F09A27-C958-1EE8-C2F3-9B79F8000DCC}"/>
+              </a:ext>
+            </a:extLst>
+          </p:cNvPr>
+          <p:cNvSpPr/>
+          <p:nvPr/>
+        </p:nvSpPr>
+        <p:spPr>
+          <a:xfrm>
+            <a:off x="619125" y="500258"/>
+            <a:ext cx="124142" cy="749808"/>
+          </a:xfrm>
+          <a:prstGeom prst="rect">
+            <a:avLst/>
+          </a:prstGeom>
+          <a:solidFill>
+            <a:srgbClr val="002060"/>
+          </a:solidFill>
+          <a:ln>
+            <a:noFill/>
+          </a:ln>
+        </p:spPr>
+        <p:style>
+          <a:lnRef idx="2">
+            <a:schemeClr val="accent1">
+              <a:shade val="15000"/>
+            </a:schemeClr>
+          </a:lnRef>
+          <a:fillRef idx="1">
+            <a:schemeClr val="accent1"/>
+          </a:fillRef>
+          <a:effectRef idx="0">
+            <a:schemeClr val="accent1"/>
+          </a:effectRef>
+          <a:fontRef idx="minor">
+            <a:schemeClr val="lt1"/>
+          </a:fontRef>
+        </p:style>
+        <p:txBody>
+          <a:bodyPr rtlCol="0" anchor="ctr"/>
+          <a:lstStyle/>
+          <a:p>
+            <a:pPr algn="ctr"/>
+            <a:endParaRPr lang="fr-FR"/>
+          </a:p>
+        </p:txBody>
+      </p:sp>
+      <p:pic>
+        <p:nvPicPr>
+          <p:cNvPr id="4" name="Image 3" descr="Une image contenant texte&#10;&#10;Description générée automatiquement">
+            <a:extLst>
+              <a:ext uri="{FF2B5EF4-FFF2-40B4-BE49-F238E27FC236}">
+                <a16:creationId xmlns:a16="http://schemas.microsoft.com/office/drawing/2014/main" id="{D9EB3B68-E96A-671D-BFAC-013ED4E27625}"/>
+              </a:ext>
+            </a:extLst>
+          </p:cNvPr>
+          <p:cNvPicPr>
+            <a:picLocks noChangeAspect="1"/>
+          </p:cNvPicPr>
+          <p:nvPr/>
+        </p:nvPicPr>
+        <p:blipFill>
+          <a:blip r:embed="rId3" cstate="print">
+            <a:extLst>
+              <a:ext uri="{28A0092B-C50C-407E-A947-70E740481C1C}">
+                <a14:useLocalDpi xmlns:a14="http://schemas.microsoft.com/office/drawing/2010/main" val="0"/>
+              </a:ext>
+            </a:extLst>
+          </a:blip>
+          <a:stretch>
+            <a:fillRect/>
+          </a:stretch>
+        </p:blipFill>
+        <p:spPr>
+          <a:xfrm>
+            <a:off x="9808481" y="509288"/>
+            <a:ext cx="1825291" cy="749808"/>
+          </a:xfrm>
+          <a:prstGeom prst="rect">
+            <a:avLst/>
+          </a:prstGeom>
+        </p:spPr>
+      </p:pic>
+      <p:sp>
+        <p:nvSpPr>
+          <p:cNvPr id="5" name="ZoneTexte 4">
+            <a:extLst>
+              <a:ext uri="{FF2B5EF4-FFF2-40B4-BE49-F238E27FC236}">
+                <a16:creationId xmlns:a16="http://schemas.microsoft.com/office/drawing/2014/main" id="{B14E0754-B755-C5DF-B2CE-98512D343ABC}"/>
+              </a:ext>
+            </a:extLst>
+          </p:cNvPr>
+          <p:cNvSpPr txBox="1"/>
+          <p:nvPr/>
+        </p:nvSpPr>
+        <p:spPr>
+          <a:xfrm>
+            <a:off x="1572223" y="1361430"/>
+            <a:ext cx="9931799" cy="369332"/>
+          </a:xfrm>
+          <a:prstGeom prst="rect">
+            <a:avLst/>
+          </a:prstGeom>
+          <a:noFill/>
+        </p:spPr>
+        <p:txBody>
+          <a:bodyPr wrap="square">
+            <a:spAutoFit/>
+          </a:bodyPr>
+          <a:lstStyle/>
+          <a:p>
+            <a:r>
+              <a:rPr lang="fr-FR" sz="1800" b="1" dirty="0"/>
+              <a:t>Liste d’objets</a:t>
+            </a:r>
+            <a:endParaRPr lang="fr-FR" sz="1800" dirty="0"/>
+          </a:p>
+        </p:txBody>
+      </p:sp>
+      <p:sp>
+        <p:nvSpPr>
+          <p:cNvPr id="6" name="ZoneTexte 5">
+            <a:extLst>
+              <a:ext uri="{FF2B5EF4-FFF2-40B4-BE49-F238E27FC236}">
+                <a16:creationId xmlns:a16="http://schemas.microsoft.com/office/drawing/2014/main" id="{4D651BCC-7F78-9D8C-F3E2-872E53C3A5A5}"/>
+              </a:ext>
+            </a:extLst>
+          </p:cNvPr>
+          <p:cNvSpPr txBox="1"/>
+          <p:nvPr/>
+        </p:nvSpPr>
+        <p:spPr>
+          <a:xfrm>
+            <a:off x="7804250" y="44933"/>
+            <a:ext cx="3679771" cy="307777"/>
+          </a:xfrm>
+          <a:prstGeom prst="rect">
+            <a:avLst/>
+          </a:prstGeom>
+          <a:noFill/>
+        </p:spPr>
+        <p:txBody>
+          <a:bodyPr wrap="square">
+            <a:spAutoFit/>
+          </a:bodyPr>
+          <a:lstStyle/>
+          <a:p>
+            <a:r>
+              <a:rPr lang="fr-FR" sz="1400" dirty="0"/>
+              <a:t>animal_1.py</a:t>
+            </a:r>
+          </a:p>
+        </p:txBody>
+      </p:sp>
+      <p:pic>
+        <p:nvPicPr>
+          <p:cNvPr id="8" name="Picture 4" descr="Résultat de recherche d'images pour &quot;python logo&quot;">
+            <a:extLst>
+              <a:ext uri="{FF2B5EF4-FFF2-40B4-BE49-F238E27FC236}">
+                <a16:creationId xmlns:a16="http://schemas.microsoft.com/office/drawing/2014/main" id="{0C896125-E7BE-A24B-4C41-3079603E373E}"/>
+              </a:ext>
+            </a:extLst>
+          </p:cNvPr>
+          <p:cNvPicPr>
+            <a:picLocks noChangeAspect="1" noChangeArrowheads="1"/>
+          </p:cNvPicPr>
+          <p:nvPr/>
+        </p:nvPicPr>
+        <p:blipFill>
+          <a:blip r:embed="rId4" cstate="print">
+            <a:extLst>
+              <a:ext uri="{28A0092B-C50C-407E-A947-70E740481C1C}">
+                <a14:useLocalDpi xmlns:a14="http://schemas.microsoft.com/office/drawing/2010/main" val="0"/>
+              </a:ext>
+            </a:extLst>
+          </a:blip>
+          <a:srcRect/>
+          <a:stretch>
+            <a:fillRect/>
+          </a:stretch>
+        </p:blipFill>
+        <p:spPr bwMode="auto">
+          <a:xfrm>
+            <a:off x="7531280" y="48320"/>
+            <a:ext cx="272970" cy="300073"/>
+          </a:xfrm>
+          <a:prstGeom prst="rect">
+            <a:avLst/>
+          </a:prstGeom>
+          <a:noFill/>
+          <a:extLst>
+            <a:ext uri="{909E8E84-426E-40DD-AFC4-6F175D3DCCD1}">
+              <a14:hiddenFill xmlns:a14="http://schemas.microsoft.com/office/drawing/2010/main">
+                <a:solidFill>
+                  <a:srgbClr val="FFFFFF"/>
+                </a:solidFill>
+              </a14:hiddenFill>
+            </a:ext>
+          </a:extLst>
+        </p:spPr>
+      </p:pic>
+      <p:sp>
+        <p:nvSpPr>
+          <p:cNvPr id="9" name="Rectangle 8">
+            <a:extLst>
+              <a:ext uri="{FF2B5EF4-FFF2-40B4-BE49-F238E27FC236}">
+                <a16:creationId xmlns:a16="http://schemas.microsoft.com/office/drawing/2014/main" id="{8C7E6EE4-3FBB-89D4-2D15-C83F5F7E9884}"/>
+              </a:ext>
+            </a:extLst>
+          </p:cNvPr>
+          <p:cNvSpPr/>
+          <p:nvPr/>
+        </p:nvSpPr>
+        <p:spPr>
+          <a:xfrm>
+            <a:off x="808897" y="2994712"/>
+            <a:ext cx="3337560" cy="434288"/>
+          </a:xfrm>
+          <a:prstGeom prst="rect">
+            <a:avLst/>
+          </a:prstGeom>
+          <a:solidFill>
+            <a:schemeClr val="accent3">
+              <a:lumMod val="60000"/>
+              <a:lumOff val="40000"/>
+            </a:schemeClr>
+          </a:solidFill>
+          <a:ln w="28575">
+            <a:solidFill>
+              <a:schemeClr val="tx1"/>
+            </a:solidFill>
+          </a:ln>
+        </p:spPr>
+        <p:style>
+          <a:lnRef idx="2">
+            <a:schemeClr val="accent1">
+              <a:shade val="15000"/>
+            </a:schemeClr>
+          </a:lnRef>
+          <a:fillRef idx="1">
+            <a:schemeClr val="accent1"/>
+          </a:fillRef>
+          <a:effectRef idx="0">
+            <a:schemeClr val="accent1"/>
+          </a:effectRef>
+          <a:fontRef idx="minor">
+            <a:schemeClr val="lt1"/>
+          </a:fontRef>
+        </p:style>
+        <p:txBody>
+          <a:bodyPr rtlCol="0" anchor="ctr"/>
+          <a:lstStyle/>
+          <a:p>
+            <a:pPr algn="ctr"/>
+            <a:r>
+              <a:rPr lang="fr-FR" sz="1600" b="1" dirty="0">
+                <a:solidFill>
+                  <a:schemeClr val="tx1"/>
+                </a:solidFill>
+              </a:rPr>
+              <a:t>Animal</a:t>
+            </a:r>
+          </a:p>
+        </p:txBody>
+      </p:sp>
+      <p:sp>
+        <p:nvSpPr>
+          <p:cNvPr id="10" name="Rectangle 9">
+            <a:extLst>
+              <a:ext uri="{FF2B5EF4-FFF2-40B4-BE49-F238E27FC236}">
+                <a16:creationId xmlns:a16="http://schemas.microsoft.com/office/drawing/2014/main" id="{AAD79C0E-80CF-9497-887B-8E02D527B690}"/>
+              </a:ext>
+            </a:extLst>
+          </p:cNvPr>
+          <p:cNvSpPr/>
+          <p:nvPr/>
+        </p:nvSpPr>
+        <p:spPr>
+          <a:xfrm>
+            <a:off x="808065" y="3421783"/>
+            <a:ext cx="3337560" cy="993815"/>
+          </a:xfrm>
+          <a:prstGeom prst="rect">
+            <a:avLst/>
+          </a:prstGeom>
+          <a:solidFill>
+            <a:srgbClr val="002060"/>
+          </a:solidFill>
+          <a:ln w="28575">
+            <a:solidFill>
+              <a:schemeClr val="tx1"/>
+            </a:solidFill>
+          </a:ln>
+        </p:spPr>
+        <p:style>
+          <a:lnRef idx="2">
+            <a:schemeClr val="accent1">
+              <a:shade val="15000"/>
+            </a:schemeClr>
+          </a:lnRef>
+          <a:fillRef idx="1">
+            <a:schemeClr val="accent1"/>
+          </a:fillRef>
+          <a:effectRef idx="0">
+            <a:schemeClr val="accent1"/>
+          </a:effectRef>
+          <a:fontRef idx="minor">
+            <a:schemeClr val="lt1"/>
+          </a:fontRef>
+        </p:style>
+        <p:txBody>
+          <a:bodyPr rtlCol="0" anchor="ctr"/>
+          <a:lstStyle/>
+          <a:p>
+            <a:pPr algn="ctr"/>
+            <a:r>
+              <a:rPr lang="fr-FR" sz="1600" dirty="0">
+                <a:solidFill>
+                  <a:schemeClr val="bg1"/>
+                </a:solidFill>
+              </a:rPr>
+              <a:t>+ </a:t>
+            </a:r>
+            <a:r>
+              <a:rPr lang="fr-FR" sz="1600" dirty="0" err="1">
+                <a:solidFill>
+                  <a:schemeClr val="bg1"/>
+                </a:solidFill>
+              </a:rPr>
+              <a:t>name</a:t>
+            </a:r>
+            <a:r>
+              <a:rPr lang="fr-FR" sz="1600" dirty="0">
+                <a:solidFill>
+                  <a:schemeClr val="bg1"/>
+                </a:solidFill>
+              </a:rPr>
+              <a:t>: </a:t>
+            </a:r>
+            <a:r>
+              <a:rPr lang="fr-FR" sz="1600" dirty="0" err="1">
+                <a:solidFill>
+                  <a:schemeClr val="bg1"/>
+                </a:solidFill>
+              </a:rPr>
+              <a:t>str</a:t>
+            </a:r>
+            <a:endParaRPr lang="fr-FR" sz="1600" dirty="0">
+              <a:solidFill>
+                <a:schemeClr val="bg1"/>
+              </a:solidFill>
+            </a:endParaRPr>
+          </a:p>
+          <a:p>
+            <a:pPr algn="ctr"/>
+            <a:r>
+              <a:rPr lang="fr-FR" sz="1600" dirty="0">
+                <a:solidFill>
+                  <a:schemeClr val="bg1"/>
+                </a:solidFill>
+              </a:rPr>
+              <a:t>+ </a:t>
+            </a:r>
+            <a:r>
+              <a:rPr lang="fr-FR" sz="1600" dirty="0" err="1">
+                <a:solidFill>
+                  <a:schemeClr val="bg1"/>
+                </a:solidFill>
+              </a:rPr>
+              <a:t>birthyear</a:t>
+            </a:r>
+            <a:r>
+              <a:rPr lang="fr-FR" sz="1600" dirty="0">
+                <a:solidFill>
+                  <a:schemeClr val="bg1"/>
+                </a:solidFill>
+              </a:rPr>
+              <a:t>: </a:t>
+            </a:r>
+            <a:r>
+              <a:rPr lang="fr-FR" sz="1600" dirty="0" err="1">
+                <a:solidFill>
+                  <a:schemeClr val="bg1"/>
+                </a:solidFill>
+              </a:rPr>
+              <a:t>int</a:t>
+            </a:r>
+            <a:r>
+              <a:rPr lang="fr-FR" sz="1600" dirty="0">
+                <a:solidFill>
+                  <a:schemeClr val="bg1"/>
+                </a:solidFill>
+              </a:rPr>
+              <a:t> </a:t>
+            </a:r>
+          </a:p>
+        </p:txBody>
+      </p:sp>
+      <p:sp>
+        <p:nvSpPr>
+          <p:cNvPr id="13" name="Rectangle 12">
+            <a:extLst>
+              <a:ext uri="{FF2B5EF4-FFF2-40B4-BE49-F238E27FC236}">
+                <a16:creationId xmlns:a16="http://schemas.microsoft.com/office/drawing/2014/main" id="{9988D768-FAA8-86E0-30B7-2FDED665B478}"/>
+              </a:ext>
+            </a:extLst>
+          </p:cNvPr>
+          <p:cNvSpPr/>
+          <p:nvPr/>
+        </p:nvSpPr>
+        <p:spPr>
+          <a:xfrm rot="16200000">
+            <a:off x="-48846" y="3791153"/>
+            <a:ext cx="993816" cy="255073"/>
+          </a:xfrm>
+          <a:prstGeom prst="rect">
+            <a:avLst/>
+          </a:prstGeom>
+          <a:solidFill>
+            <a:srgbClr val="002060"/>
+          </a:solidFill>
+          <a:ln>
+            <a:noFill/>
+          </a:ln>
+        </p:spPr>
+        <p:style>
+          <a:lnRef idx="2">
+            <a:schemeClr val="accent1">
+              <a:shade val="15000"/>
+            </a:schemeClr>
+          </a:lnRef>
+          <a:fillRef idx="1">
+            <a:schemeClr val="accent1"/>
+          </a:fillRef>
+          <a:effectRef idx="0">
+            <a:schemeClr val="accent1"/>
+          </a:effectRef>
+          <a:fontRef idx="minor">
+            <a:schemeClr val="lt1"/>
+          </a:fontRef>
+        </p:style>
+        <p:txBody>
+          <a:bodyPr vert="horz" rtlCol="0" anchor="ctr"/>
+          <a:lstStyle/>
+          <a:p>
+            <a:pPr algn="ctr"/>
+            <a:r>
+              <a:rPr lang="fr-FR" sz="1200" b="1" dirty="0"/>
+              <a:t>ETAT</a:t>
+            </a:r>
+          </a:p>
+        </p:txBody>
+      </p:sp>
+      <p:sp>
+        <p:nvSpPr>
+          <p:cNvPr id="17" name="ZoneTexte 16">
+            <a:extLst>
+              <a:ext uri="{FF2B5EF4-FFF2-40B4-BE49-F238E27FC236}">
+                <a16:creationId xmlns:a16="http://schemas.microsoft.com/office/drawing/2014/main" id="{6DDD84D2-5464-462D-F789-30260845CE22}"/>
+              </a:ext>
+            </a:extLst>
+          </p:cNvPr>
+          <p:cNvSpPr txBox="1"/>
+          <p:nvPr/>
+        </p:nvSpPr>
+        <p:spPr>
+          <a:xfrm>
+            <a:off x="5287103" y="3232069"/>
+            <a:ext cx="6096000" cy="830997"/>
+          </a:xfrm>
+          <a:prstGeom prst="rect">
+            <a:avLst/>
+          </a:prstGeom>
+          <a:solidFill>
+            <a:schemeClr val="bg1">
+              <a:lumMod val="85000"/>
+            </a:schemeClr>
+          </a:solidFill>
+        </p:spPr>
+        <p:txBody>
+          <a:bodyPr wrap="square">
+            <a:spAutoFit/>
+          </a:bodyPr>
+          <a:lstStyle/>
+          <a:p>
+            <a:r>
+              <a:rPr lang="en-US" sz="1600" dirty="0">
+                <a:highlight>
+                  <a:srgbClr val="D6B4B2"/>
+                </a:highlight>
+              </a:rPr>
+              <a:t>animal1</a:t>
+            </a:r>
+            <a:r>
+              <a:rPr lang="fr-FR" sz="1600" dirty="0"/>
+              <a:t> </a:t>
+            </a:r>
+            <a:r>
+              <a:rPr lang="fr-FR" sz="1600" b="1" dirty="0"/>
+              <a:t>=</a:t>
+            </a:r>
+            <a:r>
+              <a:rPr lang="fr-FR" sz="1600" dirty="0"/>
+              <a:t> Animal("Felix", 2021)</a:t>
+            </a:r>
+          </a:p>
+          <a:p>
+            <a:endParaRPr lang="fr-FR" sz="1600" dirty="0"/>
+          </a:p>
+          <a:p>
+            <a:r>
+              <a:rPr lang="fr-FR" sz="1600" dirty="0">
+                <a:highlight>
+                  <a:srgbClr val="D6B4B2"/>
+                </a:highlight>
+              </a:rPr>
+              <a:t>animal2</a:t>
+            </a:r>
+            <a:r>
+              <a:rPr lang="fr-FR" sz="1600" dirty="0"/>
+              <a:t> = Animal("Garfield", 2015)</a:t>
+            </a:r>
+          </a:p>
+        </p:txBody>
+      </p:sp>
+      <p:sp>
+        <p:nvSpPr>
+          <p:cNvPr id="11" name="Rectangle 10">
+            <a:extLst>
+              <a:ext uri="{FF2B5EF4-FFF2-40B4-BE49-F238E27FC236}">
+                <a16:creationId xmlns:a16="http://schemas.microsoft.com/office/drawing/2014/main" id="{1CF0ECBE-9D07-2C12-8C77-C5319FF2A575}"/>
+              </a:ext>
+            </a:extLst>
+          </p:cNvPr>
+          <p:cNvSpPr/>
+          <p:nvPr/>
+        </p:nvSpPr>
+        <p:spPr>
+          <a:xfrm>
+            <a:off x="808064" y="4415599"/>
+            <a:ext cx="3337560" cy="1060914"/>
+          </a:xfrm>
+          <a:prstGeom prst="rect">
+            <a:avLst/>
+          </a:prstGeom>
+          <a:solidFill>
+            <a:srgbClr val="00B0F0"/>
+          </a:solidFill>
+          <a:ln w="28575">
+            <a:solidFill>
+              <a:schemeClr val="tx1"/>
+            </a:solidFill>
+          </a:ln>
+        </p:spPr>
+        <p:style>
+          <a:lnRef idx="2">
+            <a:schemeClr val="accent1">
+              <a:shade val="15000"/>
+            </a:schemeClr>
+          </a:lnRef>
+          <a:fillRef idx="1">
+            <a:schemeClr val="accent1"/>
+          </a:fillRef>
+          <a:effectRef idx="0">
+            <a:schemeClr val="accent1"/>
+          </a:effectRef>
+          <a:fontRef idx="minor">
+            <a:schemeClr val="lt1"/>
+          </a:fontRef>
+        </p:style>
+        <p:txBody>
+          <a:bodyPr rtlCol="0" anchor="ctr"/>
+          <a:lstStyle/>
+          <a:p>
+            <a:pPr algn="ctr"/>
+            <a:r>
+              <a:rPr lang="fr-FR" sz="1600" dirty="0">
+                <a:solidFill>
+                  <a:schemeClr val="tx1"/>
+                </a:solidFill>
+              </a:rPr>
+              <a:t>+ move()</a:t>
+            </a:r>
+          </a:p>
+          <a:p>
+            <a:pPr algn="ctr"/>
+            <a:r>
+              <a:rPr lang="fr-FR" sz="1600" dirty="0">
+                <a:solidFill>
+                  <a:schemeClr val="tx1"/>
+                </a:solidFill>
+              </a:rPr>
+              <a:t>+ </a:t>
+            </a:r>
+            <a:r>
+              <a:rPr lang="fr-FR" sz="1600" dirty="0" err="1">
+                <a:solidFill>
+                  <a:schemeClr val="tx1"/>
+                </a:solidFill>
+              </a:rPr>
+              <a:t>get_age</a:t>
+            </a:r>
+            <a:r>
+              <a:rPr lang="fr-FR" sz="1600" dirty="0">
+                <a:solidFill>
+                  <a:schemeClr val="tx1"/>
+                </a:solidFill>
+              </a:rPr>
+              <a:t>(): </a:t>
+            </a:r>
+            <a:r>
+              <a:rPr lang="fr-FR" sz="1600" dirty="0" err="1">
+                <a:solidFill>
+                  <a:schemeClr val="tx1"/>
+                </a:solidFill>
+              </a:rPr>
+              <a:t>int</a:t>
+            </a:r>
+            <a:endParaRPr lang="fr-FR" sz="1600" dirty="0">
+              <a:solidFill>
+                <a:schemeClr val="tx1"/>
+              </a:solidFill>
+            </a:endParaRPr>
+          </a:p>
+        </p:txBody>
+      </p:sp>
+      <p:sp>
+        <p:nvSpPr>
+          <p:cNvPr id="12" name="Rectangle 11">
+            <a:extLst>
+              <a:ext uri="{FF2B5EF4-FFF2-40B4-BE49-F238E27FC236}">
+                <a16:creationId xmlns:a16="http://schemas.microsoft.com/office/drawing/2014/main" id="{A8D987DE-4EB7-A354-4697-AE0EB286EA6D}"/>
+              </a:ext>
+            </a:extLst>
+          </p:cNvPr>
+          <p:cNvSpPr/>
+          <p:nvPr/>
+        </p:nvSpPr>
+        <p:spPr>
+          <a:xfrm rot="16200000">
+            <a:off x="-82395" y="4818517"/>
+            <a:ext cx="1060913" cy="255073"/>
+          </a:xfrm>
+          <a:prstGeom prst="rect">
+            <a:avLst/>
+          </a:prstGeom>
+          <a:solidFill>
+            <a:srgbClr val="00B0F0"/>
+          </a:solidFill>
+          <a:ln>
+            <a:noFill/>
+          </a:ln>
+        </p:spPr>
+        <p:style>
+          <a:lnRef idx="2">
+            <a:schemeClr val="accent1">
+              <a:shade val="15000"/>
+            </a:schemeClr>
+          </a:lnRef>
+          <a:fillRef idx="1">
+            <a:schemeClr val="accent1"/>
+          </a:fillRef>
+          <a:effectRef idx="0">
+            <a:schemeClr val="accent1"/>
+          </a:effectRef>
+          <a:fontRef idx="minor">
+            <a:schemeClr val="lt1"/>
+          </a:fontRef>
+        </p:style>
+        <p:txBody>
+          <a:bodyPr vert="horz" rtlCol="0" anchor="ctr"/>
+          <a:lstStyle/>
+          <a:p>
+            <a:pPr algn="ctr"/>
+            <a:r>
+              <a:rPr lang="fr-FR" sz="700" b="1" dirty="0"/>
+              <a:t>COMPORTEMENT</a:t>
+            </a:r>
+          </a:p>
+        </p:txBody>
+      </p:sp>
+      <p:sp>
+        <p:nvSpPr>
+          <p:cNvPr id="14" name="ZoneTexte 13">
+            <a:extLst>
+              <a:ext uri="{FF2B5EF4-FFF2-40B4-BE49-F238E27FC236}">
+                <a16:creationId xmlns:a16="http://schemas.microsoft.com/office/drawing/2014/main" id="{14A1A9B5-7F77-F30C-8D27-98D69E0DC3FD}"/>
+              </a:ext>
+            </a:extLst>
+          </p:cNvPr>
+          <p:cNvSpPr txBox="1"/>
+          <p:nvPr/>
+        </p:nvSpPr>
+        <p:spPr>
+          <a:xfrm>
+            <a:off x="6525770" y="4175498"/>
+            <a:ext cx="4857333" cy="1077218"/>
+          </a:xfrm>
+          <a:prstGeom prst="rect">
+            <a:avLst/>
+          </a:prstGeom>
+          <a:solidFill>
+            <a:schemeClr val="bg1">
+              <a:lumMod val="85000"/>
+            </a:schemeClr>
+          </a:solidFill>
+        </p:spPr>
+        <p:txBody>
+          <a:bodyPr wrap="square">
+            <a:spAutoFit/>
+          </a:bodyPr>
+          <a:lstStyle/>
+          <a:p>
+            <a:r>
+              <a:rPr lang="en-US" sz="1600" dirty="0" err="1"/>
+              <a:t>animaux</a:t>
+            </a:r>
+            <a:r>
+              <a:rPr lang="en-US" sz="1600" dirty="0"/>
+              <a:t> = []</a:t>
+            </a:r>
+          </a:p>
+          <a:p>
+            <a:r>
+              <a:rPr lang="en-US" sz="1600" dirty="0" err="1"/>
+              <a:t>animaux</a:t>
+            </a:r>
+            <a:r>
+              <a:rPr lang="en-US" sz="1600" i="1" dirty="0" err="1"/>
+              <a:t>.append</a:t>
+            </a:r>
+            <a:r>
+              <a:rPr lang="en-US" sz="1600" i="1" dirty="0"/>
+              <a:t>(</a:t>
+            </a:r>
+            <a:r>
+              <a:rPr lang="en-US" sz="1600" dirty="0">
+                <a:highlight>
+                  <a:srgbClr val="D6B4B2"/>
+                </a:highlight>
+              </a:rPr>
+              <a:t>animal1</a:t>
+            </a:r>
+            <a:r>
+              <a:rPr lang="en-US" sz="1600" i="1" dirty="0"/>
+              <a:t>)</a:t>
+            </a:r>
+            <a:endParaRPr lang="en-US" sz="1600" dirty="0"/>
+          </a:p>
+          <a:p>
+            <a:r>
+              <a:rPr lang="en-US" sz="1600" dirty="0" err="1"/>
+              <a:t>animaux.</a:t>
+            </a:r>
+            <a:r>
+              <a:rPr lang="en-US" sz="1600" i="1" dirty="0" err="1"/>
+              <a:t>append</a:t>
+            </a:r>
+            <a:r>
+              <a:rPr lang="en-US" sz="1600" i="1" dirty="0"/>
+              <a:t>(</a:t>
+            </a:r>
+            <a:r>
+              <a:rPr lang="en-US" sz="1600" dirty="0">
+                <a:highlight>
+                  <a:srgbClr val="D6B4B2"/>
+                </a:highlight>
+              </a:rPr>
+              <a:t>animal2</a:t>
+            </a:r>
+            <a:r>
+              <a:rPr lang="en-US" sz="1600" i="1" dirty="0"/>
+              <a:t>)</a:t>
+            </a:r>
+            <a:endParaRPr lang="fr-FR" sz="1600" i="1" dirty="0"/>
+          </a:p>
+          <a:p>
+            <a:r>
+              <a:rPr lang="fr-FR" sz="1600" dirty="0"/>
+              <a:t>animaux[0]</a:t>
+            </a:r>
+            <a:r>
+              <a:rPr lang="fr-FR" sz="1600" b="1" i="1" dirty="0"/>
+              <a:t>.</a:t>
+            </a:r>
+            <a:r>
+              <a:rPr lang="fr-FR" sz="1600" i="1" dirty="0"/>
+              <a:t>move()</a:t>
+            </a:r>
+          </a:p>
+        </p:txBody>
+      </p:sp>
+      <p:sp>
+        <p:nvSpPr>
+          <p:cNvPr id="22" name="ZoneTexte 21">
+            <a:extLst>
+              <a:ext uri="{FF2B5EF4-FFF2-40B4-BE49-F238E27FC236}">
+                <a16:creationId xmlns:a16="http://schemas.microsoft.com/office/drawing/2014/main" id="{1AA3BC9A-A6A0-DA1A-204A-674B2C240CA6}"/>
+              </a:ext>
+            </a:extLst>
+          </p:cNvPr>
+          <p:cNvSpPr txBox="1"/>
+          <p:nvPr/>
+        </p:nvSpPr>
+        <p:spPr>
+          <a:xfrm>
+            <a:off x="7004750" y="5357307"/>
+            <a:ext cx="4378353" cy="338554"/>
+          </a:xfrm>
+          <a:prstGeom prst="rect">
+            <a:avLst/>
+          </a:prstGeom>
+          <a:solidFill>
+            <a:schemeClr val="bg1">
+              <a:lumMod val="95000"/>
+            </a:schemeClr>
+          </a:solidFill>
+          <a:ln>
+            <a:solidFill>
+              <a:schemeClr val="accent1"/>
+            </a:solidFill>
+          </a:ln>
+        </p:spPr>
+        <p:txBody>
+          <a:bodyPr wrap="square">
+            <a:spAutoFit/>
+          </a:bodyPr>
+          <a:lstStyle/>
+          <a:p>
+            <a:r>
+              <a:rPr lang="en-US" sz="1600" dirty="0"/>
+              <a:t>&gt;&gt;&gt;    [ </a:t>
+            </a:r>
+            <a:r>
+              <a:rPr lang="fr-FR" sz="1600" dirty="0"/>
+              <a:t>Felix</a:t>
+            </a:r>
+            <a:r>
+              <a:rPr lang="en-US" sz="1600" dirty="0"/>
+              <a:t> ] is moving</a:t>
+            </a:r>
+            <a:endParaRPr lang="fr-FR" sz="1600" dirty="0"/>
+          </a:p>
+        </p:txBody>
+      </p:sp>
+    </p:spTree>
+    <p:extLst>
+      <p:ext uri="{BB962C8B-B14F-4D97-AF65-F5344CB8AC3E}">
+        <p14:creationId xmlns:p14="http://schemas.microsoft.com/office/powerpoint/2010/main" val="2688467117"/>
+      </p:ext>
+    </p:extLst>
+  </p:cSld>
+  <p:clrMapOvr>
+    <a:masterClrMapping/>
+  </p:clrMapOvr>
+</p:sld>
+</file>
+
+<file path=ppt/slides/slide18.xml><?xml version="1.0" encoding="utf-8"?>
 <p:sld xmlns:a="http://schemas.openxmlformats.org/drawingml/2006/main" xmlns:r="http://schemas.openxmlformats.org/officeDocument/2006/relationships" xmlns:p="http://schemas.openxmlformats.org/presentationml/2006/main">
   <p:cSld>
     <p:spTree>
@@ -18998,7 +20121,7 @@
 </p:sld>
 </file>
 
-<file path=ppt/slides/slide18.xml><?xml version="1.0" encoding="utf-8"?>
+<file path=ppt/slides/slide19.xml><?xml version="1.0" encoding="utf-8"?>
 <p:sld xmlns:a="http://schemas.openxmlformats.org/drawingml/2006/main" xmlns:r="http://schemas.openxmlformats.org/officeDocument/2006/relationships" xmlns:p="http://schemas.openxmlformats.org/presentationml/2006/main">
   <p:cSld>
     <p:spTree>
@@ -20411,1657 +21534,6 @@
     <p:extLst>
       <p:ext uri="{BB962C8B-B14F-4D97-AF65-F5344CB8AC3E}">
         <p14:creationId xmlns:p14="http://schemas.microsoft.com/office/powerpoint/2010/main" val="2328021399"/>
-      </p:ext>
-    </p:extLst>
-  </p:cSld>
-  <p:clrMapOvr>
-    <a:masterClrMapping/>
-  </p:clrMapOvr>
-</p:sld>
-</file>
-
-<file path=ppt/slides/slide19.xml><?xml version="1.0" encoding="utf-8"?>
-<p:sld xmlns:a="http://schemas.openxmlformats.org/drawingml/2006/main" xmlns:r="http://schemas.openxmlformats.org/officeDocument/2006/relationships" xmlns:p="http://schemas.openxmlformats.org/presentationml/2006/main">
-  <p:cSld>
-    <p:spTree>
-      <p:nvGrpSpPr>
-        <p:cNvPr id="1" name="">
-          <a:extLst>
-            <a:ext uri="{FF2B5EF4-FFF2-40B4-BE49-F238E27FC236}">
-              <a16:creationId xmlns:a16="http://schemas.microsoft.com/office/drawing/2014/main" id="{95FAD80E-04D2-6FD9-43B9-94F9A919D0FC}"/>
-            </a:ext>
-          </a:extLst>
-        </p:cNvPr>
-        <p:cNvGrpSpPr/>
-        <p:nvPr/>
-      </p:nvGrpSpPr>
-      <p:grpSpPr>
-        <a:xfrm>
-          <a:off x="0" y="0"/>
-          <a:ext cx="0" cy="0"/>
-          <a:chOff x="0" y="0"/>
-          <a:chExt cx="0" cy="0"/>
-        </a:xfrm>
-      </p:grpSpPr>
-      <p:sp>
-        <p:nvSpPr>
-          <p:cNvPr id="3" name="Rectangle 2">
-            <a:extLst>
-              <a:ext uri="{FF2B5EF4-FFF2-40B4-BE49-F238E27FC236}">
-                <a16:creationId xmlns:a16="http://schemas.microsoft.com/office/drawing/2014/main" id="{78465FDD-752B-2DD2-5168-E454F8CE2A95}"/>
-              </a:ext>
-            </a:extLst>
-          </p:cNvPr>
-          <p:cNvSpPr/>
-          <p:nvPr/>
-        </p:nvSpPr>
-        <p:spPr>
-          <a:xfrm>
-            <a:off x="673975" y="405113"/>
-            <a:ext cx="11020314" cy="937549"/>
-          </a:xfrm>
-          <a:prstGeom prst="rect">
-            <a:avLst/>
-          </a:prstGeom>
-          <a:solidFill>
-            <a:schemeClr val="bg1"/>
-          </a:solidFill>
-          <a:ln>
-            <a:solidFill>
-              <a:schemeClr val="bg1">
-                <a:lumMod val="95000"/>
-              </a:schemeClr>
-            </a:solidFill>
-          </a:ln>
-          <a:effectLst>
-            <a:outerShdw blurRad="50800" dist="38100" dir="2700000" algn="tl" rotWithShape="0">
-              <a:prstClr val="black">
-                <a:alpha val="40000"/>
-              </a:prstClr>
-            </a:outerShdw>
-          </a:effectLst>
-        </p:spPr>
-        <p:style>
-          <a:lnRef idx="2">
-            <a:schemeClr val="accent1">
-              <a:shade val="15000"/>
-            </a:schemeClr>
-          </a:lnRef>
-          <a:fillRef idx="1">
-            <a:schemeClr val="accent1"/>
-          </a:fillRef>
-          <a:effectRef idx="0">
-            <a:schemeClr val="accent1"/>
-          </a:effectRef>
-          <a:fontRef idx="minor">
-            <a:schemeClr val="lt1"/>
-          </a:fontRef>
-        </p:style>
-        <p:txBody>
-          <a:bodyPr rtlCol="0" anchor="ctr"/>
-          <a:lstStyle/>
-          <a:p>
-            <a:pPr algn="ctr"/>
-            <a:endParaRPr lang="fr-FR"/>
-          </a:p>
-        </p:txBody>
-      </p:sp>
-      <p:sp>
-        <p:nvSpPr>
-          <p:cNvPr id="2" name="Titre 1">
-            <a:extLst>
-              <a:ext uri="{FF2B5EF4-FFF2-40B4-BE49-F238E27FC236}">
-                <a16:creationId xmlns:a16="http://schemas.microsoft.com/office/drawing/2014/main" id="{D37E2AAC-4771-A96B-3515-C36685627387}"/>
-              </a:ext>
-            </a:extLst>
-          </p:cNvPr>
-          <p:cNvSpPr txBox="1">
-            <a:spLocks/>
-          </p:cNvSpPr>
-          <p:nvPr/>
-        </p:nvSpPr>
-        <p:spPr>
-          <a:xfrm>
-            <a:off x="907225" y="583365"/>
-            <a:ext cx="8970548" cy="701426"/>
-          </a:xfrm>
-          <a:prstGeom prst="rect">
-            <a:avLst/>
-          </a:prstGeom>
-        </p:spPr>
-        <p:txBody>
-          <a:bodyPr>
-            <a:normAutofit/>
-          </a:bodyPr>
-          <a:lstStyle>
-            <a:lvl1pPr algn="l" defTabSz="914400" rtl="0" eaLnBrk="1" latinLnBrk="0" hangingPunct="1">
-              <a:lnSpc>
-                <a:spcPct val="90000"/>
-              </a:lnSpc>
-              <a:spcBef>
-                <a:spcPct val="0"/>
-              </a:spcBef>
-              <a:buNone/>
-              <a:defRPr sz="4400" kern="1200">
-                <a:solidFill>
-                  <a:schemeClr val="tx1"/>
-                </a:solidFill>
-                <a:latin typeface="+mj-lt"/>
-                <a:ea typeface="+mj-ea"/>
-                <a:cs typeface="+mj-cs"/>
-              </a:defRPr>
-            </a:lvl1pPr>
-          </a:lstStyle>
-          <a:p>
-            <a:r>
-              <a:rPr lang="fr-FR" sz="4000" dirty="0"/>
-              <a:t>Utilisation d’une classe</a:t>
-            </a:r>
-          </a:p>
-        </p:txBody>
-      </p:sp>
-      <p:sp>
-        <p:nvSpPr>
-          <p:cNvPr id="7" name="Rectangle 6">
-            <a:extLst>
-              <a:ext uri="{FF2B5EF4-FFF2-40B4-BE49-F238E27FC236}">
-                <a16:creationId xmlns:a16="http://schemas.microsoft.com/office/drawing/2014/main" id="{51E388D6-BFFE-5904-66E4-7BCF1A49DE59}"/>
-              </a:ext>
-            </a:extLst>
-          </p:cNvPr>
-          <p:cNvSpPr/>
-          <p:nvPr/>
-        </p:nvSpPr>
-        <p:spPr>
-          <a:xfrm>
-            <a:off x="619125" y="500258"/>
-            <a:ext cx="124142" cy="749808"/>
-          </a:xfrm>
-          <a:prstGeom prst="rect">
-            <a:avLst/>
-          </a:prstGeom>
-          <a:solidFill>
-            <a:srgbClr val="002060"/>
-          </a:solidFill>
-          <a:ln>
-            <a:noFill/>
-          </a:ln>
-        </p:spPr>
-        <p:style>
-          <a:lnRef idx="2">
-            <a:schemeClr val="accent1">
-              <a:shade val="15000"/>
-            </a:schemeClr>
-          </a:lnRef>
-          <a:fillRef idx="1">
-            <a:schemeClr val="accent1"/>
-          </a:fillRef>
-          <a:effectRef idx="0">
-            <a:schemeClr val="accent1"/>
-          </a:effectRef>
-          <a:fontRef idx="minor">
-            <a:schemeClr val="lt1"/>
-          </a:fontRef>
-        </p:style>
-        <p:txBody>
-          <a:bodyPr rtlCol="0" anchor="ctr"/>
-          <a:lstStyle/>
-          <a:p>
-            <a:pPr algn="ctr"/>
-            <a:endParaRPr lang="fr-FR"/>
-          </a:p>
-        </p:txBody>
-      </p:sp>
-      <p:pic>
-        <p:nvPicPr>
-          <p:cNvPr id="4" name="Image 3" descr="Une image contenant texte&#10;&#10;Description générée automatiquement">
-            <a:extLst>
-              <a:ext uri="{FF2B5EF4-FFF2-40B4-BE49-F238E27FC236}">
-                <a16:creationId xmlns:a16="http://schemas.microsoft.com/office/drawing/2014/main" id="{4BA4B56A-14EE-2F5A-EFE1-0F9501797AC2}"/>
-              </a:ext>
-            </a:extLst>
-          </p:cNvPr>
-          <p:cNvPicPr>
-            <a:picLocks noChangeAspect="1"/>
-          </p:cNvPicPr>
-          <p:nvPr/>
-        </p:nvPicPr>
-        <p:blipFill>
-          <a:blip r:embed="rId3" cstate="print">
-            <a:extLst>
-              <a:ext uri="{28A0092B-C50C-407E-A947-70E740481C1C}">
-                <a14:useLocalDpi xmlns:a14="http://schemas.microsoft.com/office/drawing/2010/main" val="0"/>
-              </a:ext>
-            </a:extLst>
-          </a:blip>
-          <a:stretch>
-            <a:fillRect/>
-          </a:stretch>
-        </p:blipFill>
-        <p:spPr>
-          <a:xfrm>
-            <a:off x="9808481" y="509288"/>
-            <a:ext cx="1825291" cy="749808"/>
-          </a:xfrm>
-          <a:prstGeom prst="rect">
-            <a:avLst/>
-          </a:prstGeom>
-        </p:spPr>
-      </p:pic>
-      <p:sp>
-        <p:nvSpPr>
-          <p:cNvPr id="5" name="ZoneTexte 4">
-            <a:extLst>
-              <a:ext uri="{FF2B5EF4-FFF2-40B4-BE49-F238E27FC236}">
-                <a16:creationId xmlns:a16="http://schemas.microsoft.com/office/drawing/2014/main" id="{24B6B41A-2CA3-124D-65EC-85A82B991ACB}"/>
-              </a:ext>
-            </a:extLst>
-          </p:cNvPr>
-          <p:cNvSpPr txBox="1"/>
-          <p:nvPr/>
-        </p:nvSpPr>
-        <p:spPr>
-          <a:xfrm>
-            <a:off x="1572223" y="1361430"/>
-            <a:ext cx="9931799" cy="369332"/>
-          </a:xfrm>
-          <a:prstGeom prst="rect">
-            <a:avLst/>
-          </a:prstGeom>
-          <a:noFill/>
-        </p:spPr>
-        <p:txBody>
-          <a:bodyPr wrap="square">
-            <a:spAutoFit/>
-          </a:bodyPr>
-          <a:lstStyle/>
-          <a:p>
-            <a:r>
-              <a:rPr lang="fr-FR" sz="1800" b="1" dirty="0"/>
-              <a:t>Appel à une méthode à l’intérieur d’une classe</a:t>
-            </a:r>
-            <a:endParaRPr lang="fr-FR" sz="1800" dirty="0"/>
-          </a:p>
-        </p:txBody>
-      </p:sp>
-      <p:sp>
-        <p:nvSpPr>
-          <p:cNvPr id="6" name="ZoneTexte 5">
-            <a:extLst>
-              <a:ext uri="{FF2B5EF4-FFF2-40B4-BE49-F238E27FC236}">
-                <a16:creationId xmlns:a16="http://schemas.microsoft.com/office/drawing/2014/main" id="{3A941652-CD26-6C6E-16F2-0A0DF7E354A2}"/>
-              </a:ext>
-            </a:extLst>
-          </p:cNvPr>
-          <p:cNvSpPr txBox="1"/>
-          <p:nvPr/>
-        </p:nvSpPr>
-        <p:spPr>
-          <a:xfrm>
-            <a:off x="7804250" y="44933"/>
-            <a:ext cx="3679771" cy="307777"/>
-          </a:xfrm>
-          <a:prstGeom prst="rect">
-            <a:avLst/>
-          </a:prstGeom>
-          <a:noFill/>
-        </p:spPr>
-        <p:txBody>
-          <a:bodyPr wrap="square">
-            <a:spAutoFit/>
-          </a:bodyPr>
-          <a:lstStyle/>
-          <a:p>
-            <a:r>
-              <a:rPr lang="fr-FR" sz="1400" dirty="0"/>
-              <a:t>animal_1.py</a:t>
-            </a:r>
-          </a:p>
-        </p:txBody>
-      </p:sp>
-      <p:pic>
-        <p:nvPicPr>
-          <p:cNvPr id="8" name="Picture 4" descr="Résultat de recherche d'images pour &quot;python logo&quot;">
-            <a:extLst>
-              <a:ext uri="{FF2B5EF4-FFF2-40B4-BE49-F238E27FC236}">
-                <a16:creationId xmlns:a16="http://schemas.microsoft.com/office/drawing/2014/main" id="{1C7D1420-9C4D-1F53-2B8E-980C52D92E1E}"/>
-              </a:ext>
-            </a:extLst>
-          </p:cNvPr>
-          <p:cNvPicPr>
-            <a:picLocks noChangeAspect="1" noChangeArrowheads="1"/>
-          </p:cNvPicPr>
-          <p:nvPr/>
-        </p:nvPicPr>
-        <p:blipFill>
-          <a:blip r:embed="rId4" cstate="print">
-            <a:extLst>
-              <a:ext uri="{28A0092B-C50C-407E-A947-70E740481C1C}">
-                <a14:useLocalDpi xmlns:a14="http://schemas.microsoft.com/office/drawing/2010/main" val="0"/>
-              </a:ext>
-            </a:extLst>
-          </a:blip>
-          <a:srcRect/>
-          <a:stretch>
-            <a:fillRect/>
-          </a:stretch>
-        </p:blipFill>
-        <p:spPr bwMode="auto">
-          <a:xfrm>
-            <a:off x="7531280" y="48320"/>
-            <a:ext cx="272970" cy="300073"/>
-          </a:xfrm>
-          <a:prstGeom prst="rect">
-            <a:avLst/>
-          </a:prstGeom>
-          <a:noFill/>
-          <a:extLst>
-            <a:ext uri="{909E8E84-426E-40DD-AFC4-6F175D3DCCD1}">
-              <a14:hiddenFill xmlns:a14="http://schemas.microsoft.com/office/drawing/2010/main">
-                <a:solidFill>
-                  <a:srgbClr val="FFFFFF"/>
-                </a:solidFill>
-              </a14:hiddenFill>
-            </a:ext>
-          </a:extLst>
-        </p:spPr>
-      </p:pic>
-      <p:sp>
-        <p:nvSpPr>
-          <p:cNvPr id="9" name="Rectangle 8">
-            <a:extLst>
-              <a:ext uri="{FF2B5EF4-FFF2-40B4-BE49-F238E27FC236}">
-                <a16:creationId xmlns:a16="http://schemas.microsoft.com/office/drawing/2014/main" id="{50C5C448-2047-96D0-5AED-C76455D47A1A}"/>
-              </a:ext>
-            </a:extLst>
-          </p:cNvPr>
-          <p:cNvSpPr/>
-          <p:nvPr/>
-        </p:nvSpPr>
-        <p:spPr>
-          <a:xfrm>
-            <a:off x="808897" y="3305608"/>
-            <a:ext cx="3337560" cy="434288"/>
-          </a:xfrm>
-          <a:prstGeom prst="rect">
-            <a:avLst/>
-          </a:prstGeom>
-          <a:solidFill>
-            <a:schemeClr val="accent3">
-              <a:lumMod val="60000"/>
-              <a:lumOff val="40000"/>
-            </a:schemeClr>
-          </a:solidFill>
-          <a:ln w="28575">
-            <a:solidFill>
-              <a:schemeClr val="tx1"/>
-            </a:solidFill>
-          </a:ln>
-        </p:spPr>
-        <p:style>
-          <a:lnRef idx="2">
-            <a:schemeClr val="accent1">
-              <a:shade val="15000"/>
-            </a:schemeClr>
-          </a:lnRef>
-          <a:fillRef idx="1">
-            <a:schemeClr val="accent1"/>
-          </a:fillRef>
-          <a:effectRef idx="0">
-            <a:schemeClr val="accent1"/>
-          </a:effectRef>
-          <a:fontRef idx="minor">
-            <a:schemeClr val="lt1"/>
-          </a:fontRef>
-        </p:style>
-        <p:txBody>
-          <a:bodyPr rtlCol="0" anchor="ctr"/>
-          <a:lstStyle/>
-          <a:p>
-            <a:pPr algn="ctr"/>
-            <a:r>
-              <a:rPr lang="fr-FR" sz="1600" b="1" dirty="0">
-                <a:solidFill>
-                  <a:schemeClr val="tx1"/>
-                </a:solidFill>
-              </a:rPr>
-              <a:t>Animal</a:t>
-            </a:r>
-          </a:p>
-        </p:txBody>
-      </p:sp>
-      <p:sp>
-        <p:nvSpPr>
-          <p:cNvPr id="10" name="Rectangle 9">
-            <a:extLst>
-              <a:ext uri="{FF2B5EF4-FFF2-40B4-BE49-F238E27FC236}">
-                <a16:creationId xmlns:a16="http://schemas.microsoft.com/office/drawing/2014/main" id="{FBDFFEF4-FCDF-A201-9C3F-03AA6BABBA41}"/>
-              </a:ext>
-            </a:extLst>
-          </p:cNvPr>
-          <p:cNvSpPr/>
-          <p:nvPr/>
-        </p:nvSpPr>
-        <p:spPr>
-          <a:xfrm>
-            <a:off x="808065" y="3732679"/>
-            <a:ext cx="3337560" cy="993815"/>
-          </a:xfrm>
-          <a:prstGeom prst="rect">
-            <a:avLst/>
-          </a:prstGeom>
-          <a:solidFill>
-            <a:srgbClr val="002060"/>
-          </a:solidFill>
-          <a:ln w="28575">
-            <a:solidFill>
-              <a:schemeClr val="tx1"/>
-            </a:solidFill>
-          </a:ln>
-        </p:spPr>
-        <p:style>
-          <a:lnRef idx="2">
-            <a:schemeClr val="accent1">
-              <a:shade val="15000"/>
-            </a:schemeClr>
-          </a:lnRef>
-          <a:fillRef idx="1">
-            <a:schemeClr val="accent1"/>
-          </a:fillRef>
-          <a:effectRef idx="0">
-            <a:schemeClr val="accent1"/>
-          </a:effectRef>
-          <a:fontRef idx="minor">
-            <a:schemeClr val="lt1"/>
-          </a:fontRef>
-        </p:style>
-        <p:txBody>
-          <a:bodyPr rtlCol="0" anchor="ctr"/>
-          <a:lstStyle/>
-          <a:p>
-            <a:pPr algn="ctr"/>
-            <a:r>
-              <a:rPr lang="fr-FR" sz="1600" dirty="0">
-                <a:solidFill>
-                  <a:schemeClr val="bg1"/>
-                </a:solidFill>
-              </a:rPr>
-              <a:t>+ </a:t>
-            </a:r>
-            <a:r>
-              <a:rPr lang="fr-FR" sz="1600" dirty="0" err="1">
-                <a:solidFill>
-                  <a:schemeClr val="bg1"/>
-                </a:solidFill>
-              </a:rPr>
-              <a:t>name</a:t>
-            </a:r>
-            <a:r>
-              <a:rPr lang="fr-FR" sz="1600" dirty="0">
-                <a:solidFill>
-                  <a:schemeClr val="bg1"/>
-                </a:solidFill>
-              </a:rPr>
-              <a:t>: </a:t>
-            </a:r>
-            <a:r>
-              <a:rPr lang="fr-FR" sz="1600" dirty="0" err="1">
-                <a:solidFill>
-                  <a:schemeClr val="bg1"/>
-                </a:solidFill>
-              </a:rPr>
-              <a:t>str</a:t>
-            </a:r>
-            <a:endParaRPr lang="fr-FR" sz="1600" dirty="0">
-              <a:solidFill>
-                <a:schemeClr val="bg1"/>
-              </a:solidFill>
-            </a:endParaRPr>
-          </a:p>
-          <a:p>
-            <a:pPr algn="ctr"/>
-            <a:r>
-              <a:rPr lang="fr-FR" sz="1600" dirty="0">
-                <a:solidFill>
-                  <a:schemeClr val="bg1"/>
-                </a:solidFill>
-              </a:rPr>
-              <a:t>+ </a:t>
-            </a:r>
-            <a:r>
-              <a:rPr lang="fr-FR" sz="1600" dirty="0" err="1">
-                <a:solidFill>
-                  <a:schemeClr val="bg1"/>
-                </a:solidFill>
-              </a:rPr>
-              <a:t>birthyear</a:t>
-            </a:r>
-            <a:r>
-              <a:rPr lang="fr-FR" sz="1600" dirty="0">
-                <a:solidFill>
-                  <a:schemeClr val="bg1"/>
-                </a:solidFill>
-              </a:rPr>
-              <a:t>: </a:t>
-            </a:r>
-            <a:r>
-              <a:rPr lang="fr-FR" sz="1600" dirty="0" err="1">
-                <a:solidFill>
-                  <a:schemeClr val="bg1"/>
-                </a:solidFill>
-              </a:rPr>
-              <a:t>int</a:t>
-            </a:r>
-            <a:r>
-              <a:rPr lang="fr-FR" sz="1600" dirty="0">
-                <a:solidFill>
-                  <a:schemeClr val="bg1"/>
-                </a:solidFill>
-              </a:rPr>
-              <a:t> </a:t>
-            </a:r>
-          </a:p>
-        </p:txBody>
-      </p:sp>
-      <p:sp>
-        <p:nvSpPr>
-          <p:cNvPr id="13" name="Rectangle 12">
-            <a:extLst>
-              <a:ext uri="{FF2B5EF4-FFF2-40B4-BE49-F238E27FC236}">
-                <a16:creationId xmlns:a16="http://schemas.microsoft.com/office/drawing/2014/main" id="{1314163A-EC6E-2805-D553-EA13CD6D82E8}"/>
-              </a:ext>
-            </a:extLst>
-          </p:cNvPr>
-          <p:cNvSpPr/>
-          <p:nvPr/>
-        </p:nvSpPr>
-        <p:spPr>
-          <a:xfrm rot="16200000">
-            <a:off x="-48846" y="4102049"/>
-            <a:ext cx="993816" cy="255073"/>
-          </a:xfrm>
-          <a:prstGeom prst="rect">
-            <a:avLst/>
-          </a:prstGeom>
-          <a:solidFill>
-            <a:srgbClr val="002060"/>
-          </a:solidFill>
-          <a:ln>
-            <a:noFill/>
-          </a:ln>
-        </p:spPr>
-        <p:style>
-          <a:lnRef idx="2">
-            <a:schemeClr val="accent1">
-              <a:shade val="15000"/>
-            </a:schemeClr>
-          </a:lnRef>
-          <a:fillRef idx="1">
-            <a:schemeClr val="accent1"/>
-          </a:fillRef>
-          <a:effectRef idx="0">
-            <a:schemeClr val="accent1"/>
-          </a:effectRef>
-          <a:fontRef idx="minor">
-            <a:schemeClr val="lt1"/>
-          </a:fontRef>
-        </p:style>
-        <p:txBody>
-          <a:bodyPr vert="horz" rtlCol="0" anchor="ctr"/>
-          <a:lstStyle/>
-          <a:p>
-            <a:pPr algn="ctr"/>
-            <a:r>
-              <a:rPr lang="fr-FR" sz="1200" b="1" dirty="0"/>
-              <a:t>ETAT</a:t>
-            </a:r>
-          </a:p>
-        </p:txBody>
-      </p:sp>
-      <p:sp>
-        <p:nvSpPr>
-          <p:cNvPr id="16" name="ZoneTexte 15">
-            <a:extLst>
-              <a:ext uri="{FF2B5EF4-FFF2-40B4-BE49-F238E27FC236}">
-                <a16:creationId xmlns:a16="http://schemas.microsoft.com/office/drawing/2014/main" id="{188499B1-252D-9494-DBAB-E80742B8068E}"/>
-              </a:ext>
-            </a:extLst>
-          </p:cNvPr>
-          <p:cNvSpPr txBox="1"/>
-          <p:nvPr/>
-        </p:nvSpPr>
-        <p:spPr>
-          <a:xfrm>
-            <a:off x="7667765" y="1798968"/>
-            <a:ext cx="6497160" cy="1077218"/>
-          </a:xfrm>
-          <a:prstGeom prst="rect">
-            <a:avLst/>
-          </a:prstGeom>
-          <a:solidFill>
-            <a:schemeClr val="bg1">
-              <a:lumMod val="95000"/>
-            </a:schemeClr>
-          </a:solidFill>
-        </p:spPr>
-        <p:txBody>
-          <a:bodyPr wrap="square">
-            <a:spAutoFit/>
-          </a:bodyPr>
-          <a:lstStyle/>
-          <a:p>
-            <a:r>
-              <a:rPr lang="fr-FR" sz="1600" b="1" dirty="0"/>
-              <a:t>	</a:t>
-            </a:r>
-            <a:r>
-              <a:rPr lang="fr-FR" sz="1600" b="1" dirty="0" err="1"/>
-              <a:t>def</a:t>
-            </a:r>
-            <a:r>
-              <a:rPr lang="fr-FR" sz="1600" b="1" dirty="0"/>
-              <a:t> </a:t>
-            </a:r>
-            <a:r>
-              <a:rPr lang="fr-FR" sz="1600" i="1" dirty="0"/>
-              <a:t>__</a:t>
-            </a:r>
-            <a:r>
-              <a:rPr lang="fr-FR" sz="1600" i="1" dirty="0" err="1"/>
-              <a:t>str</a:t>
-            </a:r>
-            <a:r>
-              <a:rPr lang="fr-FR" sz="1600" i="1" dirty="0"/>
-              <a:t>__</a:t>
-            </a:r>
-            <a:r>
-              <a:rPr lang="fr-FR" sz="1600" dirty="0"/>
-              <a:t>(</a:t>
-            </a:r>
-            <a:r>
-              <a:rPr lang="fr-FR" sz="1600" b="1" dirty="0"/>
-              <a:t>self</a:t>
-            </a:r>
-            <a:r>
-              <a:rPr lang="fr-FR" sz="1600" dirty="0"/>
-              <a:t>):</a:t>
-            </a:r>
-          </a:p>
-          <a:p>
-            <a:r>
-              <a:rPr lang="fr-FR" sz="1600" b="1" dirty="0"/>
-              <a:t>		</a:t>
-            </a:r>
-            <a:r>
-              <a:rPr lang="fr-FR" sz="1600" dirty="0" err="1"/>
-              <a:t>str</a:t>
-            </a:r>
-            <a:r>
-              <a:rPr lang="fr-FR" sz="1600" b="1" dirty="0"/>
-              <a:t> = </a:t>
-            </a:r>
-            <a:r>
-              <a:rPr lang="fr-FR" sz="1600" b="1" i="1" dirty="0" err="1"/>
-              <a:t>f"</a:t>
-            </a:r>
-            <a:r>
-              <a:rPr lang="fr-FR" sz="1600" dirty="0" err="1"/>
-              <a:t>Animal</a:t>
-            </a:r>
-            <a:r>
-              <a:rPr lang="fr-FR" sz="1600" dirty="0"/>
-              <a:t> [ </a:t>
-            </a:r>
-            <a:r>
-              <a:rPr lang="fr-FR" sz="1600" b="1" dirty="0"/>
-              <a:t>{self.name} </a:t>
-            </a:r>
-            <a:r>
-              <a:rPr lang="fr-FR" sz="1600" dirty="0"/>
-              <a:t>] </a:t>
-            </a:r>
-            <a:r>
-              <a:rPr lang="fr-FR" sz="1600" b="1" dirty="0" err="1"/>
-              <a:t>born</a:t>
-            </a:r>
-            <a:r>
-              <a:rPr lang="fr-FR" sz="1600" b="1" dirty="0"/>
-              <a:t> in {</a:t>
-            </a:r>
-            <a:r>
-              <a:rPr lang="fr-FR" sz="1600" b="1" dirty="0" err="1"/>
-              <a:t>self.birthyear</a:t>
-            </a:r>
-            <a:r>
-              <a:rPr lang="fr-FR" sz="1600" b="1" dirty="0"/>
-              <a:t>}</a:t>
-            </a:r>
-            <a:r>
-              <a:rPr lang="fr-FR" sz="1600" b="1" i="1" dirty="0"/>
-              <a:t>"</a:t>
-            </a:r>
-          </a:p>
-          <a:p>
-            <a:r>
-              <a:rPr lang="fr-FR" sz="1600" b="1" dirty="0"/>
-              <a:t>		</a:t>
-            </a:r>
-            <a:r>
-              <a:rPr lang="fr-FR" sz="1600" b="1" dirty="0" err="1"/>
-              <a:t>str</a:t>
-            </a:r>
-            <a:r>
-              <a:rPr lang="fr-FR" sz="1600" b="1" dirty="0"/>
-              <a:t> += f" ({</a:t>
-            </a:r>
-            <a:r>
-              <a:rPr lang="fr-FR" sz="1600" b="1" dirty="0" err="1"/>
-              <a:t>self.get_age</a:t>
-            </a:r>
-            <a:r>
-              <a:rPr lang="fr-FR" sz="1600" b="1" dirty="0"/>
-              <a:t>()} yo)"</a:t>
-            </a:r>
-          </a:p>
-          <a:p>
-            <a:r>
-              <a:rPr lang="fr-FR" sz="1600" b="1" dirty="0"/>
-              <a:t>		return </a:t>
-            </a:r>
-            <a:r>
-              <a:rPr lang="fr-FR" sz="1600" b="1" dirty="0" err="1"/>
-              <a:t>str</a:t>
-            </a:r>
-            <a:endParaRPr lang="fr-FR" sz="1600" dirty="0"/>
-          </a:p>
-        </p:txBody>
-      </p:sp>
-      <p:sp>
-        <p:nvSpPr>
-          <p:cNvPr id="18" name="Rectangle 17">
-            <a:extLst>
-              <a:ext uri="{FF2B5EF4-FFF2-40B4-BE49-F238E27FC236}">
-                <a16:creationId xmlns:a16="http://schemas.microsoft.com/office/drawing/2014/main" id="{9F6D1D89-1A86-1FE6-E897-014EF0FEC863}"/>
-              </a:ext>
-            </a:extLst>
-          </p:cNvPr>
-          <p:cNvSpPr/>
-          <p:nvPr/>
-        </p:nvSpPr>
-        <p:spPr>
-          <a:xfrm>
-            <a:off x="3677065" y="5130085"/>
-            <a:ext cx="2103120" cy="434288"/>
-          </a:xfrm>
-          <a:prstGeom prst="rect">
-            <a:avLst/>
-          </a:prstGeom>
-          <a:solidFill>
-            <a:srgbClr val="D7C5B5">
-              <a:alpha val="54902"/>
-            </a:srgbClr>
-          </a:solidFill>
-          <a:ln w="28575">
-            <a:solidFill>
-              <a:schemeClr val="tx1"/>
-            </a:solidFill>
-          </a:ln>
-        </p:spPr>
-        <p:style>
-          <a:lnRef idx="2">
-            <a:schemeClr val="accent1">
-              <a:shade val="15000"/>
-            </a:schemeClr>
-          </a:lnRef>
-          <a:fillRef idx="1">
-            <a:schemeClr val="accent1"/>
-          </a:fillRef>
-          <a:effectRef idx="0">
-            <a:schemeClr val="accent1"/>
-          </a:effectRef>
-          <a:fontRef idx="minor">
-            <a:schemeClr val="lt1"/>
-          </a:fontRef>
-        </p:style>
-        <p:txBody>
-          <a:bodyPr rtlCol="0" anchor="ctr"/>
-          <a:lstStyle/>
-          <a:p>
-            <a:pPr algn="ctr"/>
-            <a:r>
-              <a:rPr lang="fr-FR" sz="1600" b="1" dirty="0">
-                <a:solidFill>
-                  <a:schemeClr val="tx1"/>
-                </a:solidFill>
-              </a:rPr>
-              <a:t>animal1</a:t>
-            </a:r>
-          </a:p>
-        </p:txBody>
-      </p:sp>
-      <p:sp>
-        <p:nvSpPr>
-          <p:cNvPr id="19" name="Rectangle 18">
-            <a:extLst>
-              <a:ext uri="{FF2B5EF4-FFF2-40B4-BE49-F238E27FC236}">
-                <a16:creationId xmlns:a16="http://schemas.microsoft.com/office/drawing/2014/main" id="{55AF6DD8-92F6-E531-D88E-06D1A0081330}"/>
-              </a:ext>
-            </a:extLst>
-          </p:cNvPr>
-          <p:cNvSpPr/>
-          <p:nvPr/>
-        </p:nvSpPr>
-        <p:spPr>
-          <a:xfrm>
-            <a:off x="3676233" y="5557156"/>
-            <a:ext cx="2103120" cy="993815"/>
-          </a:xfrm>
-          <a:prstGeom prst="rect">
-            <a:avLst/>
-          </a:prstGeom>
-          <a:solidFill>
-            <a:srgbClr val="002060">
-              <a:alpha val="40000"/>
-            </a:srgbClr>
-          </a:solidFill>
-          <a:ln w="28575">
-            <a:solidFill>
-              <a:schemeClr val="tx1"/>
-            </a:solidFill>
-          </a:ln>
-        </p:spPr>
-        <p:style>
-          <a:lnRef idx="2">
-            <a:schemeClr val="accent1">
-              <a:shade val="15000"/>
-            </a:schemeClr>
-          </a:lnRef>
-          <a:fillRef idx="1">
-            <a:schemeClr val="accent1"/>
-          </a:fillRef>
-          <a:effectRef idx="0">
-            <a:schemeClr val="accent1"/>
-          </a:effectRef>
-          <a:fontRef idx="minor">
-            <a:schemeClr val="lt1"/>
-          </a:fontRef>
-        </p:style>
-        <p:txBody>
-          <a:bodyPr rtlCol="0" anchor="ctr"/>
-          <a:lstStyle/>
-          <a:p>
-            <a:pPr algn="ctr"/>
-            <a:r>
-              <a:rPr lang="fr-FR" sz="1600" dirty="0">
-                <a:solidFill>
-                  <a:schemeClr val="bg1"/>
-                </a:solidFill>
-              </a:rPr>
-              <a:t>+ Felix</a:t>
-            </a:r>
-          </a:p>
-          <a:p>
-            <a:pPr algn="ctr"/>
-            <a:r>
-              <a:rPr lang="fr-FR" sz="1600" dirty="0">
-                <a:solidFill>
-                  <a:schemeClr val="bg1"/>
-                </a:solidFill>
-              </a:rPr>
-              <a:t>+ 2021</a:t>
-            </a:r>
-          </a:p>
-        </p:txBody>
-      </p:sp>
-      <p:cxnSp>
-        <p:nvCxnSpPr>
-          <p:cNvPr id="23" name="Connecteur droit avec flèche 22">
-            <a:extLst>
-              <a:ext uri="{FF2B5EF4-FFF2-40B4-BE49-F238E27FC236}">
-                <a16:creationId xmlns:a16="http://schemas.microsoft.com/office/drawing/2014/main" id="{F3BB1DDE-FD4F-739A-A919-2F4AB29A42BD}"/>
-              </a:ext>
-            </a:extLst>
-          </p:cNvPr>
-          <p:cNvCxnSpPr>
-            <a:cxnSpLocks/>
-          </p:cNvCxnSpPr>
-          <p:nvPr/>
-        </p:nvCxnSpPr>
-        <p:spPr>
-          <a:xfrm>
-            <a:off x="4249257" y="4514052"/>
-            <a:ext cx="292608" cy="523170"/>
-          </a:xfrm>
-          <a:prstGeom prst="straightConnector1">
-            <a:avLst/>
-          </a:prstGeom>
-          <a:ln w="57150">
-            <a:solidFill>
-              <a:srgbClr val="7030A0"/>
-            </a:solidFill>
-            <a:tailEnd type="triangle"/>
-          </a:ln>
-        </p:spPr>
-        <p:style>
-          <a:lnRef idx="1">
-            <a:schemeClr val="accent1"/>
-          </a:lnRef>
-          <a:fillRef idx="0">
-            <a:schemeClr val="accent1"/>
-          </a:fillRef>
-          <a:effectRef idx="0">
-            <a:schemeClr val="accent1"/>
-          </a:effectRef>
-          <a:fontRef idx="minor">
-            <a:schemeClr val="tx1"/>
-          </a:fontRef>
-        </p:style>
-      </p:cxnSp>
-      <p:sp>
-        <p:nvSpPr>
-          <p:cNvPr id="35" name="ZoneTexte 34">
-            <a:extLst>
-              <a:ext uri="{FF2B5EF4-FFF2-40B4-BE49-F238E27FC236}">
-                <a16:creationId xmlns:a16="http://schemas.microsoft.com/office/drawing/2014/main" id="{D705C9A2-64D5-1CA3-8F96-A237FC003D30}"/>
-              </a:ext>
-            </a:extLst>
-          </p:cNvPr>
-          <p:cNvSpPr txBox="1"/>
-          <p:nvPr/>
-        </p:nvSpPr>
-        <p:spPr>
-          <a:xfrm>
-            <a:off x="4572393" y="4506057"/>
-            <a:ext cx="1160895" cy="369332"/>
-          </a:xfrm>
-          <a:prstGeom prst="rect">
-            <a:avLst/>
-          </a:prstGeom>
-          <a:noFill/>
-        </p:spPr>
-        <p:txBody>
-          <a:bodyPr wrap="none" rtlCol="0">
-            <a:spAutoFit/>
-          </a:bodyPr>
-          <a:lstStyle/>
-          <a:p>
-            <a:r>
-              <a:rPr lang="fr-FR" dirty="0"/>
-              <a:t>instances</a:t>
-            </a:r>
-          </a:p>
-        </p:txBody>
-      </p:sp>
-      <p:sp>
-        <p:nvSpPr>
-          <p:cNvPr id="11" name="Rectangle 10">
-            <a:extLst>
-              <a:ext uri="{FF2B5EF4-FFF2-40B4-BE49-F238E27FC236}">
-                <a16:creationId xmlns:a16="http://schemas.microsoft.com/office/drawing/2014/main" id="{3270964F-9934-AED8-0697-8C3A87BD15F2}"/>
-              </a:ext>
-            </a:extLst>
-          </p:cNvPr>
-          <p:cNvSpPr/>
-          <p:nvPr/>
-        </p:nvSpPr>
-        <p:spPr>
-          <a:xfrm>
-            <a:off x="808064" y="4726495"/>
-            <a:ext cx="3337560" cy="1060914"/>
-          </a:xfrm>
-          <a:prstGeom prst="rect">
-            <a:avLst/>
-          </a:prstGeom>
-          <a:solidFill>
-            <a:srgbClr val="00B0F0"/>
-          </a:solidFill>
-          <a:ln w="28575">
-            <a:solidFill>
-              <a:schemeClr val="tx1"/>
-            </a:solidFill>
-          </a:ln>
-        </p:spPr>
-        <p:style>
-          <a:lnRef idx="2">
-            <a:schemeClr val="accent1">
-              <a:shade val="15000"/>
-            </a:schemeClr>
-          </a:lnRef>
-          <a:fillRef idx="1">
-            <a:schemeClr val="accent1"/>
-          </a:fillRef>
-          <a:effectRef idx="0">
-            <a:schemeClr val="accent1"/>
-          </a:effectRef>
-          <a:fontRef idx="minor">
-            <a:schemeClr val="lt1"/>
-          </a:fontRef>
-        </p:style>
-        <p:txBody>
-          <a:bodyPr rtlCol="0" anchor="ctr"/>
-          <a:lstStyle/>
-          <a:p>
-            <a:pPr algn="ctr"/>
-            <a:r>
-              <a:rPr lang="fr-FR" sz="1600" dirty="0">
-                <a:solidFill>
-                  <a:schemeClr val="tx1"/>
-                </a:solidFill>
-              </a:rPr>
-              <a:t>+ move()</a:t>
-            </a:r>
-          </a:p>
-          <a:p>
-            <a:pPr algn="ctr"/>
-            <a:r>
-              <a:rPr lang="fr-FR" sz="1600" dirty="0">
-                <a:solidFill>
-                  <a:schemeClr val="tx1"/>
-                </a:solidFill>
-              </a:rPr>
-              <a:t>+ </a:t>
-            </a:r>
-            <a:r>
-              <a:rPr lang="fr-FR" sz="1600" dirty="0" err="1">
-                <a:solidFill>
-                  <a:schemeClr val="tx1"/>
-                </a:solidFill>
-              </a:rPr>
-              <a:t>get_age</a:t>
-            </a:r>
-            <a:r>
-              <a:rPr lang="fr-FR" sz="1600" dirty="0">
-                <a:solidFill>
-                  <a:schemeClr val="tx1"/>
-                </a:solidFill>
-              </a:rPr>
-              <a:t>(): </a:t>
-            </a:r>
-            <a:r>
-              <a:rPr lang="fr-FR" sz="1600" dirty="0" err="1">
-                <a:solidFill>
-                  <a:schemeClr val="tx1"/>
-                </a:solidFill>
-              </a:rPr>
-              <a:t>int</a:t>
-            </a:r>
-            <a:endParaRPr lang="fr-FR" sz="1600" dirty="0">
-              <a:solidFill>
-                <a:schemeClr val="tx1"/>
-              </a:solidFill>
-            </a:endParaRPr>
-          </a:p>
-          <a:p>
-            <a:pPr algn="ctr"/>
-            <a:r>
-              <a:rPr lang="fr-FR" sz="1600" dirty="0">
-                <a:solidFill>
-                  <a:schemeClr val="tx1"/>
-                </a:solidFill>
-              </a:rPr>
-              <a:t>+ __</a:t>
-            </a:r>
-            <a:r>
-              <a:rPr lang="fr-FR" sz="1600" dirty="0" err="1">
-                <a:solidFill>
-                  <a:schemeClr val="tx1"/>
-                </a:solidFill>
-              </a:rPr>
-              <a:t>str</a:t>
-            </a:r>
-            <a:r>
-              <a:rPr lang="fr-FR" sz="1600" dirty="0">
-                <a:solidFill>
-                  <a:schemeClr val="tx1"/>
-                </a:solidFill>
-              </a:rPr>
-              <a:t>__()</a:t>
-            </a:r>
-          </a:p>
-        </p:txBody>
-      </p:sp>
-      <p:sp>
-        <p:nvSpPr>
-          <p:cNvPr id="12" name="Rectangle 11">
-            <a:extLst>
-              <a:ext uri="{FF2B5EF4-FFF2-40B4-BE49-F238E27FC236}">
-                <a16:creationId xmlns:a16="http://schemas.microsoft.com/office/drawing/2014/main" id="{5D2F5EC6-B060-FFFD-9EA7-E253C4703DE4}"/>
-              </a:ext>
-            </a:extLst>
-          </p:cNvPr>
-          <p:cNvSpPr/>
-          <p:nvPr/>
-        </p:nvSpPr>
-        <p:spPr>
-          <a:xfrm rot="16200000">
-            <a:off x="-82395" y="5129413"/>
-            <a:ext cx="1060913" cy="255073"/>
-          </a:xfrm>
-          <a:prstGeom prst="rect">
-            <a:avLst/>
-          </a:prstGeom>
-          <a:solidFill>
-            <a:srgbClr val="00B0F0"/>
-          </a:solidFill>
-          <a:ln>
-            <a:noFill/>
-          </a:ln>
-        </p:spPr>
-        <p:style>
-          <a:lnRef idx="2">
-            <a:schemeClr val="accent1">
-              <a:shade val="15000"/>
-            </a:schemeClr>
-          </a:lnRef>
-          <a:fillRef idx="1">
-            <a:schemeClr val="accent1"/>
-          </a:fillRef>
-          <a:effectRef idx="0">
-            <a:schemeClr val="accent1"/>
-          </a:effectRef>
-          <a:fontRef idx="minor">
-            <a:schemeClr val="lt1"/>
-          </a:fontRef>
-        </p:style>
-        <p:txBody>
-          <a:bodyPr vert="horz" rtlCol="0" anchor="ctr"/>
-          <a:lstStyle/>
-          <a:p>
-            <a:pPr algn="ctr"/>
-            <a:r>
-              <a:rPr lang="fr-FR" sz="700" b="1" dirty="0"/>
-              <a:t>COMPORTEMENT</a:t>
-            </a:r>
-          </a:p>
-        </p:txBody>
-      </p:sp>
-      <p:sp>
-        <p:nvSpPr>
-          <p:cNvPr id="22" name="ZoneTexte 21">
-            <a:extLst>
-              <a:ext uri="{FF2B5EF4-FFF2-40B4-BE49-F238E27FC236}">
-                <a16:creationId xmlns:a16="http://schemas.microsoft.com/office/drawing/2014/main" id="{28FE1DD2-E912-C275-3752-0CF922B01FD8}"/>
-              </a:ext>
-            </a:extLst>
-          </p:cNvPr>
-          <p:cNvSpPr txBox="1"/>
-          <p:nvPr/>
-        </p:nvSpPr>
-        <p:spPr>
-          <a:xfrm>
-            <a:off x="7531280" y="602014"/>
-            <a:ext cx="6096000" cy="584775"/>
-          </a:xfrm>
-          <a:prstGeom prst="rect">
-            <a:avLst/>
-          </a:prstGeom>
-          <a:solidFill>
-            <a:schemeClr val="bg1">
-              <a:lumMod val="95000"/>
-            </a:schemeClr>
-          </a:solidFill>
-        </p:spPr>
-        <p:txBody>
-          <a:bodyPr wrap="square">
-            <a:spAutoFit/>
-          </a:bodyPr>
-          <a:lstStyle/>
-          <a:p>
-            <a:r>
-              <a:rPr lang="fr-FR" sz="1600" b="1" dirty="0"/>
-              <a:t>	</a:t>
-            </a:r>
-            <a:r>
-              <a:rPr lang="fr-FR" sz="1600" b="1" dirty="0" err="1"/>
-              <a:t>def</a:t>
-            </a:r>
-            <a:r>
-              <a:rPr lang="fr-FR" sz="1600" b="1" dirty="0"/>
-              <a:t> </a:t>
-            </a:r>
-            <a:r>
-              <a:rPr lang="fr-FR" sz="1600" dirty="0"/>
-              <a:t>move(</a:t>
-            </a:r>
-            <a:r>
-              <a:rPr lang="fr-FR" sz="1600" b="1" dirty="0"/>
-              <a:t>self</a:t>
-            </a:r>
-            <a:r>
-              <a:rPr lang="fr-FR" sz="1600" dirty="0"/>
-              <a:t>):</a:t>
-            </a:r>
-          </a:p>
-          <a:p>
-            <a:r>
-              <a:rPr lang="fr-FR" sz="1600" dirty="0"/>
-              <a:t>		</a:t>
-            </a:r>
-            <a:r>
-              <a:rPr lang="fr-FR" sz="1600" b="1" dirty="0" err="1"/>
-              <a:t>print</a:t>
-            </a:r>
-            <a:r>
-              <a:rPr lang="fr-FR" sz="1600" dirty="0"/>
-              <a:t>(</a:t>
-            </a:r>
-            <a:r>
-              <a:rPr lang="fr-FR" sz="1600" b="1" i="1" dirty="0"/>
-              <a:t>f"</a:t>
-            </a:r>
-            <a:r>
-              <a:rPr lang="fr-FR" sz="1600" dirty="0"/>
-              <a:t>\t[ {</a:t>
-            </a:r>
-            <a:r>
-              <a:rPr lang="fr-FR" sz="1600" b="1" dirty="0"/>
-              <a:t>self.</a:t>
-            </a:r>
-            <a:r>
-              <a:rPr lang="fr-FR" sz="1600" i="1" dirty="0"/>
-              <a:t>name</a:t>
-            </a:r>
-            <a:r>
-              <a:rPr lang="fr-FR" sz="1600" dirty="0"/>
-              <a:t>} ] </a:t>
-            </a:r>
-            <a:r>
-              <a:rPr lang="fr-FR" sz="1600" dirty="0" err="1"/>
-              <a:t>is</a:t>
-            </a:r>
-            <a:r>
-              <a:rPr lang="fr-FR" sz="1600" dirty="0"/>
-              <a:t> </a:t>
-            </a:r>
-            <a:r>
-              <a:rPr lang="fr-FR" sz="1600" dirty="0" err="1"/>
-              <a:t>moving</a:t>
-            </a:r>
-            <a:r>
-              <a:rPr lang="fr-FR" sz="1600" b="1" i="1" dirty="0"/>
-              <a:t>"</a:t>
-            </a:r>
-            <a:r>
-              <a:rPr lang="fr-FR" sz="1600" dirty="0"/>
-              <a:t>)</a:t>
-            </a:r>
-          </a:p>
-        </p:txBody>
-      </p:sp>
-      <p:sp>
-        <p:nvSpPr>
-          <p:cNvPr id="24" name="ZoneTexte 23">
-            <a:extLst>
-              <a:ext uri="{FF2B5EF4-FFF2-40B4-BE49-F238E27FC236}">
-                <a16:creationId xmlns:a16="http://schemas.microsoft.com/office/drawing/2014/main" id="{BA284359-8B20-8145-9CF1-B16E4C6496AC}"/>
-              </a:ext>
-            </a:extLst>
-          </p:cNvPr>
-          <p:cNvSpPr txBox="1"/>
-          <p:nvPr/>
-        </p:nvSpPr>
-        <p:spPr>
-          <a:xfrm>
-            <a:off x="808064" y="2011373"/>
-            <a:ext cx="6497160" cy="1077218"/>
-          </a:xfrm>
-          <a:prstGeom prst="rect">
-            <a:avLst/>
-          </a:prstGeom>
-          <a:solidFill>
-            <a:schemeClr val="bg1">
-              <a:lumMod val="95000"/>
-            </a:schemeClr>
-          </a:solidFill>
-        </p:spPr>
-        <p:txBody>
-          <a:bodyPr wrap="square">
-            <a:spAutoFit/>
-          </a:bodyPr>
-          <a:lstStyle/>
-          <a:p>
-            <a:r>
-              <a:rPr lang="fr-FR" sz="1600" b="1" dirty="0"/>
-              <a:t>	</a:t>
-            </a:r>
-            <a:r>
-              <a:rPr lang="fr-FR" sz="1600" b="1" dirty="0" err="1"/>
-              <a:t>def</a:t>
-            </a:r>
-            <a:r>
-              <a:rPr lang="fr-FR" sz="1600" b="1" dirty="0"/>
-              <a:t> </a:t>
-            </a:r>
-            <a:r>
-              <a:rPr lang="fr-FR" sz="1600" i="1" dirty="0"/>
-              <a:t>__</a:t>
-            </a:r>
-            <a:r>
-              <a:rPr lang="fr-FR" sz="1600" i="1" dirty="0" err="1"/>
-              <a:t>str</a:t>
-            </a:r>
-            <a:r>
-              <a:rPr lang="fr-FR" sz="1600" i="1" dirty="0"/>
-              <a:t>__</a:t>
-            </a:r>
-            <a:r>
-              <a:rPr lang="fr-FR" sz="1600" dirty="0"/>
-              <a:t>(</a:t>
-            </a:r>
-            <a:r>
-              <a:rPr lang="fr-FR" sz="1600" b="1" dirty="0"/>
-              <a:t>self</a:t>
-            </a:r>
-            <a:r>
-              <a:rPr lang="fr-FR" sz="1600" dirty="0"/>
-              <a:t>):</a:t>
-            </a:r>
-          </a:p>
-          <a:p>
-            <a:r>
-              <a:rPr lang="fr-FR" sz="1600" b="1" dirty="0"/>
-              <a:t>		</a:t>
-            </a:r>
-            <a:r>
-              <a:rPr lang="fr-FR" sz="1600" dirty="0" err="1"/>
-              <a:t>str</a:t>
-            </a:r>
-            <a:r>
-              <a:rPr lang="fr-FR" sz="1600" b="1" dirty="0"/>
-              <a:t> = </a:t>
-            </a:r>
-            <a:r>
-              <a:rPr lang="fr-FR" sz="1600" b="1" i="1" dirty="0" err="1"/>
-              <a:t>f"</a:t>
-            </a:r>
-            <a:r>
-              <a:rPr lang="fr-FR" sz="1600" dirty="0" err="1"/>
-              <a:t>Animal</a:t>
-            </a:r>
-            <a:r>
-              <a:rPr lang="fr-FR" sz="1600" dirty="0"/>
-              <a:t> [ {</a:t>
-            </a:r>
-            <a:r>
-              <a:rPr lang="fr-FR" sz="1600" b="1" dirty="0"/>
-              <a:t>self.</a:t>
-            </a:r>
-            <a:r>
-              <a:rPr lang="fr-FR" sz="1600" i="1" dirty="0"/>
-              <a:t>name</a:t>
-            </a:r>
-            <a:r>
-              <a:rPr lang="fr-FR" sz="1600" dirty="0"/>
-              <a:t>}</a:t>
-            </a:r>
-            <a:r>
-              <a:rPr lang="fr-FR" sz="1600" b="1" dirty="0"/>
-              <a:t> </a:t>
-            </a:r>
-            <a:r>
-              <a:rPr lang="fr-FR" sz="1600" dirty="0"/>
-              <a:t>] </a:t>
-            </a:r>
-            <a:r>
-              <a:rPr lang="fr-FR" sz="1600" dirty="0" err="1"/>
-              <a:t>born</a:t>
-            </a:r>
-            <a:r>
-              <a:rPr lang="fr-FR" sz="1600" dirty="0"/>
-              <a:t> in {</a:t>
-            </a:r>
-            <a:r>
-              <a:rPr lang="fr-FR" sz="1600" b="1" dirty="0" err="1"/>
-              <a:t>self.</a:t>
-            </a:r>
-            <a:r>
-              <a:rPr lang="fr-FR" sz="1600" i="1" dirty="0" err="1"/>
-              <a:t>birthyear</a:t>
-            </a:r>
-            <a:r>
-              <a:rPr lang="fr-FR" sz="1600" dirty="0"/>
-              <a:t>}</a:t>
-            </a:r>
-            <a:r>
-              <a:rPr lang="fr-FR" sz="1600" b="1" i="1" dirty="0"/>
-              <a:t>"</a:t>
-            </a:r>
-          </a:p>
-          <a:p>
-            <a:r>
-              <a:rPr lang="fr-FR" sz="1600" b="1" dirty="0"/>
-              <a:t>		</a:t>
-            </a:r>
-            <a:r>
-              <a:rPr lang="fr-FR" sz="1600" dirty="0" err="1"/>
-              <a:t>str</a:t>
-            </a:r>
-            <a:r>
-              <a:rPr lang="fr-FR" sz="1600" b="1" dirty="0"/>
-              <a:t> += </a:t>
-            </a:r>
-            <a:r>
-              <a:rPr lang="fr-FR" sz="1600" b="1" i="1" dirty="0"/>
-              <a:t>f"</a:t>
-            </a:r>
-            <a:r>
-              <a:rPr lang="fr-FR" sz="1600" b="1" dirty="0"/>
-              <a:t> </a:t>
-            </a:r>
-            <a:r>
-              <a:rPr lang="fr-FR" sz="1600" dirty="0"/>
-              <a:t>({</a:t>
-            </a:r>
-            <a:r>
-              <a:rPr lang="fr-FR" sz="1600" b="1" dirty="0" err="1"/>
-              <a:t>self.</a:t>
-            </a:r>
-            <a:r>
-              <a:rPr lang="fr-FR" sz="1600" i="1" dirty="0" err="1"/>
-              <a:t>get_age</a:t>
-            </a:r>
-            <a:r>
-              <a:rPr lang="fr-FR" sz="1600" i="1" dirty="0"/>
-              <a:t>()</a:t>
-            </a:r>
-            <a:r>
-              <a:rPr lang="fr-FR" sz="1600" dirty="0"/>
-              <a:t>}</a:t>
-            </a:r>
-            <a:r>
-              <a:rPr lang="fr-FR" sz="1600" b="1" dirty="0"/>
-              <a:t> </a:t>
-            </a:r>
-            <a:r>
-              <a:rPr lang="fr-FR" sz="1600" dirty="0"/>
-              <a:t>yo)</a:t>
-            </a:r>
-            <a:r>
-              <a:rPr lang="fr-FR" sz="1600" b="1" i="1" dirty="0"/>
-              <a:t>"</a:t>
-            </a:r>
-          </a:p>
-          <a:p>
-            <a:r>
-              <a:rPr lang="fr-FR" sz="1600" b="1" dirty="0"/>
-              <a:t>		return </a:t>
-            </a:r>
-            <a:r>
-              <a:rPr lang="fr-FR" sz="1600" dirty="0" err="1"/>
-              <a:t>str</a:t>
-            </a:r>
-            <a:endParaRPr lang="fr-FR" sz="1600" dirty="0"/>
-          </a:p>
-        </p:txBody>
-      </p:sp>
-      <p:sp>
-        <p:nvSpPr>
-          <p:cNvPr id="25" name="ZoneTexte 24">
-            <a:extLst>
-              <a:ext uri="{FF2B5EF4-FFF2-40B4-BE49-F238E27FC236}">
-                <a16:creationId xmlns:a16="http://schemas.microsoft.com/office/drawing/2014/main" id="{21521148-36DB-28C7-D0A6-84B69067529F}"/>
-              </a:ext>
-            </a:extLst>
-          </p:cNvPr>
-          <p:cNvSpPr txBox="1"/>
-          <p:nvPr/>
-        </p:nvSpPr>
-        <p:spPr>
-          <a:xfrm>
-            <a:off x="5388021" y="3319088"/>
-            <a:ext cx="6096000" cy="338554"/>
-          </a:xfrm>
-          <a:prstGeom prst="rect">
-            <a:avLst/>
-          </a:prstGeom>
-          <a:solidFill>
-            <a:schemeClr val="bg1">
-              <a:lumMod val="85000"/>
-            </a:schemeClr>
-          </a:solidFill>
-        </p:spPr>
-        <p:txBody>
-          <a:bodyPr wrap="square">
-            <a:spAutoFit/>
-          </a:bodyPr>
-          <a:lstStyle/>
-          <a:p>
-            <a:r>
-              <a:rPr lang="en-US" sz="1600" dirty="0">
-                <a:highlight>
-                  <a:srgbClr val="D6B4B2"/>
-                </a:highlight>
-              </a:rPr>
-              <a:t>animal1</a:t>
-            </a:r>
-            <a:r>
-              <a:rPr lang="fr-FR" sz="1600" dirty="0"/>
-              <a:t> </a:t>
-            </a:r>
-            <a:r>
-              <a:rPr lang="fr-FR" sz="1600" b="1" dirty="0"/>
-              <a:t>=</a:t>
-            </a:r>
-            <a:r>
-              <a:rPr lang="fr-FR" sz="1600" dirty="0"/>
-              <a:t> Animal("Felix", 2021)</a:t>
-            </a:r>
-          </a:p>
-        </p:txBody>
-      </p:sp>
-      <p:sp>
-        <p:nvSpPr>
-          <p:cNvPr id="26" name="ZoneTexte 25">
-            <a:extLst>
-              <a:ext uri="{FF2B5EF4-FFF2-40B4-BE49-F238E27FC236}">
-                <a16:creationId xmlns:a16="http://schemas.microsoft.com/office/drawing/2014/main" id="{BFD10F90-383A-21AA-89C8-8BF8F903064D}"/>
-              </a:ext>
-            </a:extLst>
-          </p:cNvPr>
-          <p:cNvSpPr txBox="1"/>
-          <p:nvPr/>
-        </p:nvSpPr>
-        <p:spPr>
-          <a:xfrm>
-            <a:off x="5388021" y="3723021"/>
-            <a:ext cx="6096000" cy="338554"/>
-          </a:xfrm>
-          <a:prstGeom prst="rect">
-            <a:avLst/>
-          </a:prstGeom>
-          <a:solidFill>
-            <a:schemeClr val="bg1">
-              <a:lumMod val="85000"/>
-            </a:schemeClr>
-          </a:solidFill>
-        </p:spPr>
-        <p:txBody>
-          <a:bodyPr wrap="square">
-            <a:spAutoFit/>
-          </a:bodyPr>
-          <a:lstStyle/>
-          <a:p>
-            <a:r>
-              <a:rPr lang="en-US" sz="1600" b="1" dirty="0"/>
-              <a:t>print</a:t>
-            </a:r>
-            <a:r>
-              <a:rPr lang="en-US" sz="1600" dirty="0"/>
-              <a:t>(</a:t>
-            </a:r>
-            <a:r>
-              <a:rPr lang="en-US" sz="1600" dirty="0">
-                <a:highlight>
-                  <a:srgbClr val="D6B4B2"/>
-                </a:highlight>
-              </a:rPr>
-              <a:t>animal1</a:t>
-            </a:r>
-            <a:r>
-              <a:rPr lang="en-US" sz="1600" dirty="0"/>
-              <a:t>)</a:t>
-            </a:r>
-            <a:endParaRPr lang="fr-FR" sz="1600" i="1" dirty="0"/>
-          </a:p>
-        </p:txBody>
-      </p:sp>
-      <p:sp>
-        <p:nvSpPr>
-          <p:cNvPr id="27" name="ZoneTexte 26">
-            <a:extLst>
-              <a:ext uri="{FF2B5EF4-FFF2-40B4-BE49-F238E27FC236}">
-                <a16:creationId xmlns:a16="http://schemas.microsoft.com/office/drawing/2014/main" id="{12058F8F-B776-8B19-4704-36E498823C46}"/>
-              </a:ext>
-            </a:extLst>
-          </p:cNvPr>
-          <p:cNvSpPr txBox="1"/>
-          <p:nvPr/>
-        </p:nvSpPr>
-        <p:spPr>
-          <a:xfrm>
-            <a:off x="5751910" y="4206924"/>
-            <a:ext cx="5732111" cy="338554"/>
-          </a:xfrm>
-          <a:prstGeom prst="rect">
-            <a:avLst/>
-          </a:prstGeom>
-          <a:solidFill>
-            <a:schemeClr val="bg1">
-              <a:lumMod val="95000"/>
-            </a:schemeClr>
-          </a:solidFill>
-          <a:ln>
-            <a:solidFill>
-              <a:schemeClr val="accent1"/>
-            </a:solidFill>
-          </a:ln>
-        </p:spPr>
-        <p:txBody>
-          <a:bodyPr wrap="square">
-            <a:spAutoFit/>
-          </a:bodyPr>
-          <a:lstStyle/>
-          <a:p>
-            <a:r>
-              <a:rPr lang="en-US" sz="1600" dirty="0"/>
-              <a:t>&gt;&gt;&gt;  Animal [ Felix ] born in 2021 (4 </a:t>
-            </a:r>
-            <a:r>
-              <a:rPr lang="en-US" sz="1600" dirty="0" err="1"/>
-              <a:t>yo</a:t>
-            </a:r>
-            <a:r>
-              <a:rPr lang="en-US" sz="1600" dirty="0"/>
-              <a:t>)</a:t>
-            </a:r>
-            <a:endParaRPr lang="fr-FR" sz="1600" dirty="0"/>
-          </a:p>
-        </p:txBody>
-      </p:sp>
-    </p:spTree>
-    <p:extLst>
-      <p:ext uri="{BB962C8B-B14F-4D97-AF65-F5344CB8AC3E}">
-        <p14:creationId xmlns:p14="http://schemas.microsoft.com/office/powerpoint/2010/main" val="4125402623"/>
       </p:ext>
     </p:extLst>
   </p:cSld>
@@ -22584,6 +22056,1386 @@
         <p:cNvPr id="1" name="">
           <a:extLst>
             <a:ext uri="{FF2B5EF4-FFF2-40B4-BE49-F238E27FC236}">
+              <a16:creationId xmlns:a16="http://schemas.microsoft.com/office/drawing/2014/main" id="{95FAD80E-04D2-6FD9-43B9-94F9A919D0FC}"/>
+            </a:ext>
+          </a:extLst>
+        </p:cNvPr>
+        <p:cNvGrpSpPr/>
+        <p:nvPr/>
+      </p:nvGrpSpPr>
+      <p:grpSpPr>
+        <a:xfrm>
+          <a:off x="0" y="0"/>
+          <a:ext cx="0" cy="0"/>
+          <a:chOff x="0" y="0"/>
+          <a:chExt cx="0" cy="0"/>
+        </a:xfrm>
+      </p:grpSpPr>
+      <p:sp>
+        <p:nvSpPr>
+          <p:cNvPr id="3" name="Rectangle 2">
+            <a:extLst>
+              <a:ext uri="{FF2B5EF4-FFF2-40B4-BE49-F238E27FC236}">
+                <a16:creationId xmlns:a16="http://schemas.microsoft.com/office/drawing/2014/main" id="{78465FDD-752B-2DD2-5168-E454F8CE2A95}"/>
+              </a:ext>
+            </a:extLst>
+          </p:cNvPr>
+          <p:cNvSpPr/>
+          <p:nvPr/>
+        </p:nvSpPr>
+        <p:spPr>
+          <a:xfrm>
+            <a:off x="673975" y="405113"/>
+            <a:ext cx="11020314" cy="937549"/>
+          </a:xfrm>
+          <a:prstGeom prst="rect">
+            <a:avLst/>
+          </a:prstGeom>
+          <a:solidFill>
+            <a:schemeClr val="bg1"/>
+          </a:solidFill>
+          <a:ln>
+            <a:solidFill>
+              <a:schemeClr val="bg1">
+                <a:lumMod val="95000"/>
+              </a:schemeClr>
+            </a:solidFill>
+          </a:ln>
+          <a:effectLst>
+            <a:outerShdw blurRad="50800" dist="38100" dir="2700000" algn="tl" rotWithShape="0">
+              <a:prstClr val="black">
+                <a:alpha val="40000"/>
+              </a:prstClr>
+            </a:outerShdw>
+          </a:effectLst>
+        </p:spPr>
+        <p:style>
+          <a:lnRef idx="2">
+            <a:schemeClr val="accent1">
+              <a:shade val="15000"/>
+            </a:schemeClr>
+          </a:lnRef>
+          <a:fillRef idx="1">
+            <a:schemeClr val="accent1"/>
+          </a:fillRef>
+          <a:effectRef idx="0">
+            <a:schemeClr val="accent1"/>
+          </a:effectRef>
+          <a:fontRef idx="minor">
+            <a:schemeClr val="lt1"/>
+          </a:fontRef>
+        </p:style>
+        <p:txBody>
+          <a:bodyPr rtlCol="0" anchor="ctr"/>
+          <a:lstStyle/>
+          <a:p>
+            <a:pPr algn="ctr"/>
+            <a:endParaRPr lang="fr-FR"/>
+          </a:p>
+        </p:txBody>
+      </p:sp>
+      <p:sp>
+        <p:nvSpPr>
+          <p:cNvPr id="2" name="Titre 1">
+            <a:extLst>
+              <a:ext uri="{FF2B5EF4-FFF2-40B4-BE49-F238E27FC236}">
+                <a16:creationId xmlns:a16="http://schemas.microsoft.com/office/drawing/2014/main" id="{D37E2AAC-4771-A96B-3515-C36685627387}"/>
+              </a:ext>
+            </a:extLst>
+          </p:cNvPr>
+          <p:cNvSpPr txBox="1">
+            <a:spLocks/>
+          </p:cNvSpPr>
+          <p:nvPr/>
+        </p:nvSpPr>
+        <p:spPr>
+          <a:xfrm>
+            <a:off x="907225" y="583365"/>
+            <a:ext cx="8970548" cy="701426"/>
+          </a:xfrm>
+          <a:prstGeom prst="rect">
+            <a:avLst/>
+          </a:prstGeom>
+        </p:spPr>
+        <p:txBody>
+          <a:bodyPr>
+            <a:normAutofit/>
+          </a:bodyPr>
+          <a:lstStyle>
+            <a:lvl1pPr algn="l" defTabSz="914400" rtl="0" eaLnBrk="1" latinLnBrk="0" hangingPunct="1">
+              <a:lnSpc>
+                <a:spcPct val="90000"/>
+              </a:lnSpc>
+              <a:spcBef>
+                <a:spcPct val="0"/>
+              </a:spcBef>
+              <a:buNone/>
+              <a:defRPr sz="4400" kern="1200">
+                <a:solidFill>
+                  <a:schemeClr val="tx1"/>
+                </a:solidFill>
+                <a:latin typeface="+mj-lt"/>
+                <a:ea typeface="+mj-ea"/>
+                <a:cs typeface="+mj-cs"/>
+              </a:defRPr>
+            </a:lvl1pPr>
+          </a:lstStyle>
+          <a:p>
+            <a:r>
+              <a:rPr lang="fr-FR" sz="4000" dirty="0"/>
+              <a:t>Utilisation d’une classe</a:t>
+            </a:r>
+          </a:p>
+        </p:txBody>
+      </p:sp>
+      <p:sp>
+        <p:nvSpPr>
+          <p:cNvPr id="7" name="Rectangle 6">
+            <a:extLst>
+              <a:ext uri="{FF2B5EF4-FFF2-40B4-BE49-F238E27FC236}">
+                <a16:creationId xmlns:a16="http://schemas.microsoft.com/office/drawing/2014/main" id="{51E388D6-BFFE-5904-66E4-7BCF1A49DE59}"/>
+              </a:ext>
+            </a:extLst>
+          </p:cNvPr>
+          <p:cNvSpPr/>
+          <p:nvPr/>
+        </p:nvSpPr>
+        <p:spPr>
+          <a:xfrm>
+            <a:off x="619125" y="500258"/>
+            <a:ext cx="124142" cy="749808"/>
+          </a:xfrm>
+          <a:prstGeom prst="rect">
+            <a:avLst/>
+          </a:prstGeom>
+          <a:solidFill>
+            <a:srgbClr val="002060"/>
+          </a:solidFill>
+          <a:ln>
+            <a:noFill/>
+          </a:ln>
+        </p:spPr>
+        <p:style>
+          <a:lnRef idx="2">
+            <a:schemeClr val="accent1">
+              <a:shade val="15000"/>
+            </a:schemeClr>
+          </a:lnRef>
+          <a:fillRef idx="1">
+            <a:schemeClr val="accent1"/>
+          </a:fillRef>
+          <a:effectRef idx="0">
+            <a:schemeClr val="accent1"/>
+          </a:effectRef>
+          <a:fontRef idx="minor">
+            <a:schemeClr val="lt1"/>
+          </a:fontRef>
+        </p:style>
+        <p:txBody>
+          <a:bodyPr rtlCol="0" anchor="ctr"/>
+          <a:lstStyle/>
+          <a:p>
+            <a:pPr algn="ctr"/>
+            <a:endParaRPr lang="fr-FR"/>
+          </a:p>
+        </p:txBody>
+      </p:sp>
+      <p:pic>
+        <p:nvPicPr>
+          <p:cNvPr id="4" name="Image 3" descr="Une image contenant texte&#10;&#10;Description générée automatiquement">
+            <a:extLst>
+              <a:ext uri="{FF2B5EF4-FFF2-40B4-BE49-F238E27FC236}">
+                <a16:creationId xmlns:a16="http://schemas.microsoft.com/office/drawing/2014/main" id="{4BA4B56A-14EE-2F5A-EFE1-0F9501797AC2}"/>
+              </a:ext>
+            </a:extLst>
+          </p:cNvPr>
+          <p:cNvPicPr>
+            <a:picLocks noChangeAspect="1"/>
+          </p:cNvPicPr>
+          <p:nvPr/>
+        </p:nvPicPr>
+        <p:blipFill>
+          <a:blip r:embed="rId3" cstate="print">
+            <a:extLst>
+              <a:ext uri="{28A0092B-C50C-407E-A947-70E740481C1C}">
+                <a14:useLocalDpi xmlns:a14="http://schemas.microsoft.com/office/drawing/2010/main" val="0"/>
+              </a:ext>
+            </a:extLst>
+          </a:blip>
+          <a:stretch>
+            <a:fillRect/>
+          </a:stretch>
+        </p:blipFill>
+        <p:spPr>
+          <a:xfrm>
+            <a:off x="9808481" y="509288"/>
+            <a:ext cx="1825291" cy="749808"/>
+          </a:xfrm>
+          <a:prstGeom prst="rect">
+            <a:avLst/>
+          </a:prstGeom>
+        </p:spPr>
+      </p:pic>
+      <p:sp>
+        <p:nvSpPr>
+          <p:cNvPr id="5" name="ZoneTexte 4">
+            <a:extLst>
+              <a:ext uri="{FF2B5EF4-FFF2-40B4-BE49-F238E27FC236}">
+                <a16:creationId xmlns:a16="http://schemas.microsoft.com/office/drawing/2014/main" id="{24B6B41A-2CA3-124D-65EC-85A82B991ACB}"/>
+              </a:ext>
+            </a:extLst>
+          </p:cNvPr>
+          <p:cNvSpPr txBox="1"/>
+          <p:nvPr/>
+        </p:nvSpPr>
+        <p:spPr>
+          <a:xfrm>
+            <a:off x="1572223" y="1361430"/>
+            <a:ext cx="9931799" cy="369332"/>
+          </a:xfrm>
+          <a:prstGeom prst="rect">
+            <a:avLst/>
+          </a:prstGeom>
+          <a:noFill/>
+        </p:spPr>
+        <p:txBody>
+          <a:bodyPr wrap="square">
+            <a:spAutoFit/>
+          </a:bodyPr>
+          <a:lstStyle/>
+          <a:p>
+            <a:r>
+              <a:rPr lang="fr-FR" sz="1800" b="1" dirty="0"/>
+              <a:t>Appel à une méthode à l’intérieur d’une classe</a:t>
+            </a:r>
+            <a:endParaRPr lang="fr-FR" sz="1800" dirty="0"/>
+          </a:p>
+        </p:txBody>
+      </p:sp>
+      <p:sp>
+        <p:nvSpPr>
+          <p:cNvPr id="6" name="ZoneTexte 5">
+            <a:extLst>
+              <a:ext uri="{FF2B5EF4-FFF2-40B4-BE49-F238E27FC236}">
+                <a16:creationId xmlns:a16="http://schemas.microsoft.com/office/drawing/2014/main" id="{3A941652-CD26-6C6E-16F2-0A0DF7E354A2}"/>
+              </a:ext>
+            </a:extLst>
+          </p:cNvPr>
+          <p:cNvSpPr txBox="1"/>
+          <p:nvPr/>
+        </p:nvSpPr>
+        <p:spPr>
+          <a:xfrm>
+            <a:off x="7804250" y="44933"/>
+            <a:ext cx="3679771" cy="307777"/>
+          </a:xfrm>
+          <a:prstGeom prst="rect">
+            <a:avLst/>
+          </a:prstGeom>
+          <a:noFill/>
+        </p:spPr>
+        <p:txBody>
+          <a:bodyPr wrap="square">
+            <a:spAutoFit/>
+          </a:bodyPr>
+          <a:lstStyle/>
+          <a:p>
+            <a:r>
+              <a:rPr lang="fr-FR" sz="1400" dirty="0"/>
+              <a:t>animal_1.py</a:t>
+            </a:r>
+          </a:p>
+        </p:txBody>
+      </p:sp>
+      <p:pic>
+        <p:nvPicPr>
+          <p:cNvPr id="8" name="Picture 4" descr="Résultat de recherche d'images pour &quot;python logo&quot;">
+            <a:extLst>
+              <a:ext uri="{FF2B5EF4-FFF2-40B4-BE49-F238E27FC236}">
+                <a16:creationId xmlns:a16="http://schemas.microsoft.com/office/drawing/2014/main" id="{1C7D1420-9C4D-1F53-2B8E-980C52D92E1E}"/>
+              </a:ext>
+            </a:extLst>
+          </p:cNvPr>
+          <p:cNvPicPr>
+            <a:picLocks noChangeAspect="1" noChangeArrowheads="1"/>
+          </p:cNvPicPr>
+          <p:nvPr/>
+        </p:nvPicPr>
+        <p:blipFill>
+          <a:blip r:embed="rId4" cstate="print">
+            <a:extLst>
+              <a:ext uri="{28A0092B-C50C-407E-A947-70E740481C1C}">
+                <a14:useLocalDpi xmlns:a14="http://schemas.microsoft.com/office/drawing/2010/main" val="0"/>
+              </a:ext>
+            </a:extLst>
+          </a:blip>
+          <a:srcRect/>
+          <a:stretch>
+            <a:fillRect/>
+          </a:stretch>
+        </p:blipFill>
+        <p:spPr bwMode="auto">
+          <a:xfrm>
+            <a:off x="7531280" y="48320"/>
+            <a:ext cx="272970" cy="300073"/>
+          </a:xfrm>
+          <a:prstGeom prst="rect">
+            <a:avLst/>
+          </a:prstGeom>
+          <a:noFill/>
+          <a:extLst>
+            <a:ext uri="{909E8E84-426E-40DD-AFC4-6F175D3DCCD1}">
+              <a14:hiddenFill xmlns:a14="http://schemas.microsoft.com/office/drawing/2010/main">
+                <a:solidFill>
+                  <a:srgbClr val="FFFFFF"/>
+                </a:solidFill>
+              </a14:hiddenFill>
+            </a:ext>
+          </a:extLst>
+        </p:spPr>
+      </p:pic>
+      <p:sp>
+        <p:nvSpPr>
+          <p:cNvPr id="9" name="Rectangle 8">
+            <a:extLst>
+              <a:ext uri="{FF2B5EF4-FFF2-40B4-BE49-F238E27FC236}">
+                <a16:creationId xmlns:a16="http://schemas.microsoft.com/office/drawing/2014/main" id="{50C5C448-2047-96D0-5AED-C76455D47A1A}"/>
+              </a:ext>
+            </a:extLst>
+          </p:cNvPr>
+          <p:cNvSpPr/>
+          <p:nvPr/>
+        </p:nvSpPr>
+        <p:spPr>
+          <a:xfrm>
+            <a:off x="808897" y="3305608"/>
+            <a:ext cx="3337560" cy="434288"/>
+          </a:xfrm>
+          <a:prstGeom prst="rect">
+            <a:avLst/>
+          </a:prstGeom>
+          <a:solidFill>
+            <a:schemeClr val="accent3">
+              <a:lumMod val="60000"/>
+              <a:lumOff val="40000"/>
+            </a:schemeClr>
+          </a:solidFill>
+          <a:ln w="28575">
+            <a:solidFill>
+              <a:schemeClr val="tx1"/>
+            </a:solidFill>
+          </a:ln>
+        </p:spPr>
+        <p:style>
+          <a:lnRef idx="2">
+            <a:schemeClr val="accent1">
+              <a:shade val="15000"/>
+            </a:schemeClr>
+          </a:lnRef>
+          <a:fillRef idx="1">
+            <a:schemeClr val="accent1"/>
+          </a:fillRef>
+          <a:effectRef idx="0">
+            <a:schemeClr val="accent1"/>
+          </a:effectRef>
+          <a:fontRef idx="minor">
+            <a:schemeClr val="lt1"/>
+          </a:fontRef>
+        </p:style>
+        <p:txBody>
+          <a:bodyPr rtlCol="0" anchor="ctr"/>
+          <a:lstStyle/>
+          <a:p>
+            <a:pPr algn="ctr"/>
+            <a:r>
+              <a:rPr lang="fr-FR" sz="1600" b="1" dirty="0">
+                <a:solidFill>
+                  <a:schemeClr val="tx1"/>
+                </a:solidFill>
+              </a:rPr>
+              <a:t>Animal</a:t>
+            </a:r>
+          </a:p>
+        </p:txBody>
+      </p:sp>
+      <p:sp>
+        <p:nvSpPr>
+          <p:cNvPr id="10" name="Rectangle 9">
+            <a:extLst>
+              <a:ext uri="{FF2B5EF4-FFF2-40B4-BE49-F238E27FC236}">
+                <a16:creationId xmlns:a16="http://schemas.microsoft.com/office/drawing/2014/main" id="{FBDFFEF4-FCDF-A201-9C3F-03AA6BABBA41}"/>
+              </a:ext>
+            </a:extLst>
+          </p:cNvPr>
+          <p:cNvSpPr/>
+          <p:nvPr/>
+        </p:nvSpPr>
+        <p:spPr>
+          <a:xfrm>
+            <a:off x="808065" y="3732679"/>
+            <a:ext cx="3337560" cy="993815"/>
+          </a:xfrm>
+          <a:prstGeom prst="rect">
+            <a:avLst/>
+          </a:prstGeom>
+          <a:solidFill>
+            <a:srgbClr val="002060"/>
+          </a:solidFill>
+          <a:ln w="28575">
+            <a:solidFill>
+              <a:schemeClr val="tx1"/>
+            </a:solidFill>
+          </a:ln>
+        </p:spPr>
+        <p:style>
+          <a:lnRef idx="2">
+            <a:schemeClr val="accent1">
+              <a:shade val="15000"/>
+            </a:schemeClr>
+          </a:lnRef>
+          <a:fillRef idx="1">
+            <a:schemeClr val="accent1"/>
+          </a:fillRef>
+          <a:effectRef idx="0">
+            <a:schemeClr val="accent1"/>
+          </a:effectRef>
+          <a:fontRef idx="minor">
+            <a:schemeClr val="lt1"/>
+          </a:fontRef>
+        </p:style>
+        <p:txBody>
+          <a:bodyPr rtlCol="0" anchor="ctr"/>
+          <a:lstStyle/>
+          <a:p>
+            <a:pPr algn="ctr"/>
+            <a:r>
+              <a:rPr lang="fr-FR" sz="1600" dirty="0">
+                <a:solidFill>
+                  <a:schemeClr val="bg1"/>
+                </a:solidFill>
+              </a:rPr>
+              <a:t>+ </a:t>
+            </a:r>
+            <a:r>
+              <a:rPr lang="fr-FR" sz="1600" dirty="0" err="1">
+                <a:solidFill>
+                  <a:schemeClr val="bg1"/>
+                </a:solidFill>
+              </a:rPr>
+              <a:t>name</a:t>
+            </a:r>
+            <a:r>
+              <a:rPr lang="fr-FR" sz="1600" dirty="0">
+                <a:solidFill>
+                  <a:schemeClr val="bg1"/>
+                </a:solidFill>
+              </a:rPr>
+              <a:t>: </a:t>
+            </a:r>
+            <a:r>
+              <a:rPr lang="fr-FR" sz="1600" dirty="0" err="1">
+                <a:solidFill>
+                  <a:schemeClr val="bg1"/>
+                </a:solidFill>
+              </a:rPr>
+              <a:t>str</a:t>
+            </a:r>
+            <a:endParaRPr lang="fr-FR" sz="1600" dirty="0">
+              <a:solidFill>
+                <a:schemeClr val="bg1"/>
+              </a:solidFill>
+            </a:endParaRPr>
+          </a:p>
+          <a:p>
+            <a:pPr algn="ctr"/>
+            <a:r>
+              <a:rPr lang="fr-FR" sz="1600" dirty="0">
+                <a:solidFill>
+                  <a:schemeClr val="bg1"/>
+                </a:solidFill>
+              </a:rPr>
+              <a:t>+ </a:t>
+            </a:r>
+            <a:r>
+              <a:rPr lang="fr-FR" sz="1600" dirty="0" err="1">
+                <a:solidFill>
+                  <a:schemeClr val="bg1"/>
+                </a:solidFill>
+              </a:rPr>
+              <a:t>birthyear</a:t>
+            </a:r>
+            <a:r>
+              <a:rPr lang="fr-FR" sz="1600" dirty="0">
+                <a:solidFill>
+                  <a:schemeClr val="bg1"/>
+                </a:solidFill>
+              </a:rPr>
+              <a:t>: </a:t>
+            </a:r>
+            <a:r>
+              <a:rPr lang="fr-FR" sz="1600" dirty="0" err="1">
+                <a:solidFill>
+                  <a:schemeClr val="bg1"/>
+                </a:solidFill>
+              </a:rPr>
+              <a:t>int</a:t>
+            </a:r>
+            <a:r>
+              <a:rPr lang="fr-FR" sz="1600" dirty="0">
+                <a:solidFill>
+                  <a:schemeClr val="bg1"/>
+                </a:solidFill>
+              </a:rPr>
+              <a:t> </a:t>
+            </a:r>
+          </a:p>
+        </p:txBody>
+      </p:sp>
+      <p:sp>
+        <p:nvSpPr>
+          <p:cNvPr id="13" name="Rectangle 12">
+            <a:extLst>
+              <a:ext uri="{FF2B5EF4-FFF2-40B4-BE49-F238E27FC236}">
+                <a16:creationId xmlns:a16="http://schemas.microsoft.com/office/drawing/2014/main" id="{1314163A-EC6E-2805-D553-EA13CD6D82E8}"/>
+              </a:ext>
+            </a:extLst>
+          </p:cNvPr>
+          <p:cNvSpPr/>
+          <p:nvPr/>
+        </p:nvSpPr>
+        <p:spPr>
+          <a:xfrm rot="16200000">
+            <a:off x="-48846" y="4102049"/>
+            <a:ext cx="993816" cy="255073"/>
+          </a:xfrm>
+          <a:prstGeom prst="rect">
+            <a:avLst/>
+          </a:prstGeom>
+          <a:solidFill>
+            <a:srgbClr val="002060"/>
+          </a:solidFill>
+          <a:ln>
+            <a:noFill/>
+          </a:ln>
+        </p:spPr>
+        <p:style>
+          <a:lnRef idx="2">
+            <a:schemeClr val="accent1">
+              <a:shade val="15000"/>
+            </a:schemeClr>
+          </a:lnRef>
+          <a:fillRef idx="1">
+            <a:schemeClr val="accent1"/>
+          </a:fillRef>
+          <a:effectRef idx="0">
+            <a:schemeClr val="accent1"/>
+          </a:effectRef>
+          <a:fontRef idx="minor">
+            <a:schemeClr val="lt1"/>
+          </a:fontRef>
+        </p:style>
+        <p:txBody>
+          <a:bodyPr vert="horz" rtlCol="0" anchor="ctr"/>
+          <a:lstStyle/>
+          <a:p>
+            <a:pPr algn="ctr"/>
+            <a:r>
+              <a:rPr lang="fr-FR" sz="1200" b="1" dirty="0"/>
+              <a:t>ETAT</a:t>
+            </a:r>
+          </a:p>
+        </p:txBody>
+      </p:sp>
+      <p:sp>
+        <p:nvSpPr>
+          <p:cNvPr id="18" name="Rectangle 17">
+            <a:extLst>
+              <a:ext uri="{FF2B5EF4-FFF2-40B4-BE49-F238E27FC236}">
+                <a16:creationId xmlns:a16="http://schemas.microsoft.com/office/drawing/2014/main" id="{9F6D1D89-1A86-1FE6-E897-014EF0FEC863}"/>
+              </a:ext>
+            </a:extLst>
+          </p:cNvPr>
+          <p:cNvSpPr/>
+          <p:nvPr/>
+        </p:nvSpPr>
+        <p:spPr>
+          <a:xfrm>
+            <a:off x="3677065" y="5130085"/>
+            <a:ext cx="2103120" cy="434288"/>
+          </a:xfrm>
+          <a:prstGeom prst="rect">
+            <a:avLst/>
+          </a:prstGeom>
+          <a:solidFill>
+            <a:srgbClr val="D7C5B5">
+              <a:alpha val="54902"/>
+            </a:srgbClr>
+          </a:solidFill>
+          <a:ln w="28575">
+            <a:solidFill>
+              <a:schemeClr val="tx1"/>
+            </a:solidFill>
+          </a:ln>
+        </p:spPr>
+        <p:style>
+          <a:lnRef idx="2">
+            <a:schemeClr val="accent1">
+              <a:shade val="15000"/>
+            </a:schemeClr>
+          </a:lnRef>
+          <a:fillRef idx="1">
+            <a:schemeClr val="accent1"/>
+          </a:fillRef>
+          <a:effectRef idx="0">
+            <a:schemeClr val="accent1"/>
+          </a:effectRef>
+          <a:fontRef idx="minor">
+            <a:schemeClr val="lt1"/>
+          </a:fontRef>
+        </p:style>
+        <p:txBody>
+          <a:bodyPr rtlCol="0" anchor="ctr"/>
+          <a:lstStyle/>
+          <a:p>
+            <a:pPr algn="ctr"/>
+            <a:r>
+              <a:rPr lang="fr-FR" sz="1600" b="1" dirty="0">
+                <a:solidFill>
+                  <a:schemeClr val="tx1"/>
+                </a:solidFill>
+              </a:rPr>
+              <a:t>animal1</a:t>
+            </a:r>
+          </a:p>
+        </p:txBody>
+      </p:sp>
+      <p:sp>
+        <p:nvSpPr>
+          <p:cNvPr id="19" name="Rectangle 18">
+            <a:extLst>
+              <a:ext uri="{FF2B5EF4-FFF2-40B4-BE49-F238E27FC236}">
+                <a16:creationId xmlns:a16="http://schemas.microsoft.com/office/drawing/2014/main" id="{55AF6DD8-92F6-E531-D88E-06D1A0081330}"/>
+              </a:ext>
+            </a:extLst>
+          </p:cNvPr>
+          <p:cNvSpPr/>
+          <p:nvPr/>
+        </p:nvSpPr>
+        <p:spPr>
+          <a:xfrm>
+            <a:off x="3676233" y="5557156"/>
+            <a:ext cx="2103120" cy="993815"/>
+          </a:xfrm>
+          <a:prstGeom prst="rect">
+            <a:avLst/>
+          </a:prstGeom>
+          <a:solidFill>
+            <a:srgbClr val="002060">
+              <a:alpha val="40000"/>
+            </a:srgbClr>
+          </a:solidFill>
+          <a:ln w="28575">
+            <a:solidFill>
+              <a:schemeClr val="tx1"/>
+            </a:solidFill>
+          </a:ln>
+        </p:spPr>
+        <p:style>
+          <a:lnRef idx="2">
+            <a:schemeClr val="accent1">
+              <a:shade val="15000"/>
+            </a:schemeClr>
+          </a:lnRef>
+          <a:fillRef idx="1">
+            <a:schemeClr val="accent1"/>
+          </a:fillRef>
+          <a:effectRef idx="0">
+            <a:schemeClr val="accent1"/>
+          </a:effectRef>
+          <a:fontRef idx="minor">
+            <a:schemeClr val="lt1"/>
+          </a:fontRef>
+        </p:style>
+        <p:txBody>
+          <a:bodyPr rtlCol="0" anchor="ctr"/>
+          <a:lstStyle/>
+          <a:p>
+            <a:pPr algn="ctr"/>
+            <a:r>
+              <a:rPr lang="fr-FR" sz="1600" dirty="0">
+                <a:solidFill>
+                  <a:schemeClr val="bg1"/>
+                </a:solidFill>
+              </a:rPr>
+              <a:t>+ Felix</a:t>
+            </a:r>
+          </a:p>
+          <a:p>
+            <a:pPr algn="ctr"/>
+            <a:r>
+              <a:rPr lang="fr-FR" sz="1600" dirty="0">
+                <a:solidFill>
+                  <a:schemeClr val="bg1"/>
+                </a:solidFill>
+              </a:rPr>
+              <a:t>+ 2021</a:t>
+            </a:r>
+          </a:p>
+        </p:txBody>
+      </p:sp>
+      <p:cxnSp>
+        <p:nvCxnSpPr>
+          <p:cNvPr id="23" name="Connecteur droit avec flèche 22">
+            <a:extLst>
+              <a:ext uri="{FF2B5EF4-FFF2-40B4-BE49-F238E27FC236}">
+                <a16:creationId xmlns:a16="http://schemas.microsoft.com/office/drawing/2014/main" id="{F3BB1DDE-FD4F-739A-A919-2F4AB29A42BD}"/>
+              </a:ext>
+            </a:extLst>
+          </p:cNvPr>
+          <p:cNvCxnSpPr>
+            <a:cxnSpLocks/>
+          </p:cNvCxnSpPr>
+          <p:nvPr/>
+        </p:nvCxnSpPr>
+        <p:spPr>
+          <a:xfrm>
+            <a:off x="4249257" y="4514052"/>
+            <a:ext cx="292608" cy="523170"/>
+          </a:xfrm>
+          <a:prstGeom prst="straightConnector1">
+            <a:avLst/>
+          </a:prstGeom>
+          <a:ln w="57150">
+            <a:solidFill>
+              <a:srgbClr val="7030A0"/>
+            </a:solidFill>
+            <a:tailEnd type="triangle"/>
+          </a:ln>
+        </p:spPr>
+        <p:style>
+          <a:lnRef idx="1">
+            <a:schemeClr val="accent1"/>
+          </a:lnRef>
+          <a:fillRef idx="0">
+            <a:schemeClr val="accent1"/>
+          </a:fillRef>
+          <a:effectRef idx="0">
+            <a:schemeClr val="accent1"/>
+          </a:effectRef>
+          <a:fontRef idx="minor">
+            <a:schemeClr val="tx1"/>
+          </a:fontRef>
+        </p:style>
+      </p:cxnSp>
+      <p:sp>
+        <p:nvSpPr>
+          <p:cNvPr id="35" name="ZoneTexte 34">
+            <a:extLst>
+              <a:ext uri="{FF2B5EF4-FFF2-40B4-BE49-F238E27FC236}">
+                <a16:creationId xmlns:a16="http://schemas.microsoft.com/office/drawing/2014/main" id="{D705C9A2-64D5-1CA3-8F96-A237FC003D30}"/>
+              </a:ext>
+            </a:extLst>
+          </p:cNvPr>
+          <p:cNvSpPr txBox="1"/>
+          <p:nvPr/>
+        </p:nvSpPr>
+        <p:spPr>
+          <a:xfrm>
+            <a:off x="4572393" y="4506057"/>
+            <a:ext cx="1160895" cy="369332"/>
+          </a:xfrm>
+          <a:prstGeom prst="rect">
+            <a:avLst/>
+          </a:prstGeom>
+          <a:noFill/>
+        </p:spPr>
+        <p:txBody>
+          <a:bodyPr wrap="none" rtlCol="0">
+            <a:spAutoFit/>
+          </a:bodyPr>
+          <a:lstStyle/>
+          <a:p>
+            <a:r>
+              <a:rPr lang="fr-FR" dirty="0"/>
+              <a:t>instances</a:t>
+            </a:r>
+          </a:p>
+        </p:txBody>
+      </p:sp>
+      <p:sp>
+        <p:nvSpPr>
+          <p:cNvPr id="11" name="Rectangle 10">
+            <a:extLst>
+              <a:ext uri="{FF2B5EF4-FFF2-40B4-BE49-F238E27FC236}">
+                <a16:creationId xmlns:a16="http://schemas.microsoft.com/office/drawing/2014/main" id="{3270964F-9934-AED8-0697-8C3A87BD15F2}"/>
+              </a:ext>
+            </a:extLst>
+          </p:cNvPr>
+          <p:cNvSpPr/>
+          <p:nvPr/>
+        </p:nvSpPr>
+        <p:spPr>
+          <a:xfrm>
+            <a:off x="808064" y="4726495"/>
+            <a:ext cx="3337560" cy="1060914"/>
+          </a:xfrm>
+          <a:prstGeom prst="rect">
+            <a:avLst/>
+          </a:prstGeom>
+          <a:solidFill>
+            <a:srgbClr val="00B0F0"/>
+          </a:solidFill>
+          <a:ln w="28575">
+            <a:solidFill>
+              <a:schemeClr val="tx1"/>
+            </a:solidFill>
+          </a:ln>
+        </p:spPr>
+        <p:style>
+          <a:lnRef idx="2">
+            <a:schemeClr val="accent1">
+              <a:shade val="15000"/>
+            </a:schemeClr>
+          </a:lnRef>
+          <a:fillRef idx="1">
+            <a:schemeClr val="accent1"/>
+          </a:fillRef>
+          <a:effectRef idx="0">
+            <a:schemeClr val="accent1"/>
+          </a:effectRef>
+          <a:fontRef idx="minor">
+            <a:schemeClr val="lt1"/>
+          </a:fontRef>
+        </p:style>
+        <p:txBody>
+          <a:bodyPr rtlCol="0" anchor="ctr"/>
+          <a:lstStyle/>
+          <a:p>
+            <a:pPr algn="ctr"/>
+            <a:r>
+              <a:rPr lang="fr-FR" sz="1600" dirty="0">
+                <a:solidFill>
+                  <a:schemeClr val="tx1"/>
+                </a:solidFill>
+              </a:rPr>
+              <a:t>+ move()</a:t>
+            </a:r>
+          </a:p>
+          <a:p>
+            <a:pPr algn="ctr"/>
+            <a:r>
+              <a:rPr lang="fr-FR" sz="1600" dirty="0">
+                <a:solidFill>
+                  <a:schemeClr val="tx1"/>
+                </a:solidFill>
+              </a:rPr>
+              <a:t>+ </a:t>
+            </a:r>
+            <a:r>
+              <a:rPr lang="fr-FR" sz="1600" dirty="0" err="1">
+                <a:solidFill>
+                  <a:schemeClr val="tx1"/>
+                </a:solidFill>
+              </a:rPr>
+              <a:t>get_age</a:t>
+            </a:r>
+            <a:r>
+              <a:rPr lang="fr-FR" sz="1600" dirty="0">
+                <a:solidFill>
+                  <a:schemeClr val="tx1"/>
+                </a:solidFill>
+              </a:rPr>
+              <a:t>(): </a:t>
+            </a:r>
+            <a:r>
+              <a:rPr lang="fr-FR" sz="1600" dirty="0" err="1">
+                <a:solidFill>
+                  <a:schemeClr val="tx1"/>
+                </a:solidFill>
+              </a:rPr>
+              <a:t>int</a:t>
+            </a:r>
+            <a:endParaRPr lang="fr-FR" sz="1600" dirty="0">
+              <a:solidFill>
+                <a:schemeClr val="tx1"/>
+              </a:solidFill>
+            </a:endParaRPr>
+          </a:p>
+          <a:p>
+            <a:pPr algn="ctr"/>
+            <a:r>
+              <a:rPr lang="fr-FR" sz="1600" dirty="0">
+                <a:solidFill>
+                  <a:schemeClr val="tx1"/>
+                </a:solidFill>
+              </a:rPr>
+              <a:t>+ __</a:t>
+            </a:r>
+            <a:r>
+              <a:rPr lang="fr-FR" sz="1600" dirty="0" err="1">
+                <a:solidFill>
+                  <a:schemeClr val="tx1"/>
+                </a:solidFill>
+              </a:rPr>
+              <a:t>str</a:t>
+            </a:r>
+            <a:r>
+              <a:rPr lang="fr-FR" sz="1600" dirty="0">
+                <a:solidFill>
+                  <a:schemeClr val="tx1"/>
+                </a:solidFill>
+              </a:rPr>
+              <a:t>__()</a:t>
+            </a:r>
+          </a:p>
+        </p:txBody>
+      </p:sp>
+      <p:sp>
+        <p:nvSpPr>
+          <p:cNvPr id="12" name="Rectangle 11">
+            <a:extLst>
+              <a:ext uri="{FF2B5EF4-FFF2-40B4-BE49-F238E27FC236}">
+                <a16:creationId xmlns:a16="http://schemas.microsoft.com/office/drawing/2014/main" id="{5D2F5EC6-B060-FFFD-9EA7-E253C4703DE4}"/>
+              </a:ext>
+            </a:extLst>
+          </p:cNvPr>
+          <p:cNvSpPr/>
+          <p:nvPr/>
+        </p:nvSpPr>
+        <p:spPr>
+          <a:xfrm rot="16200000">
+            <a:off x="-82395" y="5129413"/>
+            <a:ext cx="1060913" cy="255073"/>
+          </a:xfrm>
+          <a:prstGeom prst="rect">
+            <a:avLst/>
+          </a:prstGeom>
+          <a:solidFill>
+            <a:srgbClr val="00B0F0"/>
+          </a:solidFill>
+          <a:ln>
+            <a:noFill/>
+          </a:ln>
+        </p:spPr>
+        <p:style>
+          <a:lnRef idx="2">
+            <a:schemeClr val="accent1">
+              <a:shade val="15000"/>
+            </a:schemeClr>
+          </a:lnRef>
+          <a:fillRef idx="1">
+            <a:schemeClr val="accent1"/>
+          </a:fillRef>
+          <a:effectRef idx="0">
+            <a:schemeClr val="accent1"/>
+          </a:effectRef>
+          <a:fontRef idx="minor">
+            <a:schemeClr val="lt1"/>
+          </a:fontRef>
+        </p:style>
+        <p:txBody>
+          <a:bodyPr vert="horz" rtlCol="0" anchor="ctr"/>
+          <a:lstStyle/>
+          <a:p>
+            <a:pPr algn="ctr"/>
+            <a:r>
+              <a:rPr lang="fr-FR" sz="700" b="1" dirty="0"/>
+              <a:t>COMPORTEMENT</a:t>
+            </a:r>
+          </a:p>
+        </p:txBody>
+      </p:sp>
+      <p:sp>
+        <p:nvSpPr>
+          <p:cNvPr id="24" name="ZoneTexte 23">
+            <a:extLst>
+              <a:ext uri="{FF2B5EF4-FFF2-40B4-BE49-F238E27FC236}">
+                <a16:creationId xmlns:a16="http://schemas.microsoft.com/office/drawing/2014/main" id="{BA284359-8B20-8145-9CF1-B16E4C6496AC}"/>
+              </a:ext>
+            </a:extLst>
+          </p:cNvPr>
+          <p:cNvSpPr txBox="1"/>
+          <p:nvPr/>
+        </p:nvSpPr>
+        <p:spPr>
+          <a:xfrm>
+            <a:off x="808064" y="2011373"/>
+            <a:ext cx="6497160" cy="1077218"/>
+          </a:xfrm>
+          <a:prstGeom prst="rect">
+            <a:avLst/>
+          </a:prstGeom>
+          <a:solidFill>
+            <a:schemeClr val="bg1">
+              <a:lumMod val="95000"/>
+            </a:schemeClr>
+          </a:solidFill>
+        </p:spPr>
+        <p:txBody>
+          <a:bodyPr wrap="square">
+            <a:spAutoFit/>
+          </a:bodyPr>
+          <a:lstStyle/>
+          <a:p>
+            <a:r>
+              <a:rPr lang="fr-FR" sz="1600" b="1" dirty="0"/>
+              <a:t>	</a:t>
+            </a:r>
+            <a:r>
+              <a:rPr lang="fr-FR" sz="1600" b="1" dirty="0" err="1"/>
+              <a:t>def</a:t>
+            </a:r>
+            <a:r>
+              <a:rPr lang="fr-FR" sz="1600" b="1" dirty="0"/>
+              <a:t> </a:t>
+            </a:r>
+            <a:r>
+              <a:rPr lang="fr-FR" sz="1600" i="1" dirty="0"/>
+              <a:t>__</a:t>
+            </a:r>
+            <a:r>
+              <a:rPr lang="fr-FR" sz="1600" i="1" dirty="0" err="1"/>
+              <a:t>str</a:t>
+            </a:r>
+            <a:r>
+              <a:rPr lang="fr-FR" sz="1600" i="1" dirty="0"/>
+              <a:t>__</a:t>
+            </a:r>
+            <a:r>
+              <a:rPr lang="fr-FR" sz="1600" dirty="0"/>
+              <a:t>(</a:t>
+            </a:r>
+            <a:r>
+              <a:rPr lang="fr-FR" sz="1600" b="1" dirty="0"/>
+              <a:t>self</a:t>
+            </a:r>
+            <a:r>
+              <a:rPr lang="fr-FR" sz="1600" dirty="0"/>
+              <a:t>):</a:t>
+            </a:r>
+          </a:p>
+          <a:p>
+            <a:r>
+              <a:rPr lang="fr-FR" sz="1600" b="1" dirty="0"/>
+              <a:t>		</a:t>
+            </a:r>
+            <a:r>
+              <a:rPr lang="fr-FR" sz="1600" dirty="0" err="1"/>
+              <a:t>str</a:t>
+            </a:r>
+            <a:r>
+              <a:rPr lang="fr-FR" sz="1600" b="1" dirty="0"/>
+              <a:t> = </a:t>
+            </a:r>
+            <a:r>
+              <a:rPr lang="fr-FR" sz="1600" b="1" i="1" dirty="0" err="1"/>
+              <a:t>f"</a:t>
+            </a:r>
+            <a:r>
+              <a:rPr lang="fr-FR" sz="1600" dirty="0" err="1"/>
+              <a:t>Animal</a:t>
+            </a:r>
+            <a:r>
+              <a:rPr lang="fr-FR" sz="1600" dirty="0"/>
+              <a:t> [ {</a:t>
+            </a:r>
+            <a:r>
+              <a:rPr lang="fr-FR" sz="1600" b="1" dirty="0"/>
+              <a:t>self.</a:t>
+            </a:r>
+            <a:r>
+              <a:rPr lang="fr-FR" sz="1600" i="1" dirty="0"/>
+              <a:t>name</a:t>
+            </a:r>
+            <a:r>
+              <a:rPr lang="fr-FR" sz="1600" dirty="0"/>
+              <a:t>}</a:t>
+            </a:r>
+            <a:r>
+              <a:rPr lang="fr-FR" sz="1600" b="1" dirty="0"/>
+              <a:t> </a:t>
+            </a:r>
+            <a:r>
+              <a:rPr lang="fr-FR" sz="1600" dirty="0"/>
+              <a:t>] </a:t>
+            </a:r>
+            <a:r>
+              <a:rPr lang="fr-FR" sz="1600" dirty="0" err="1"/>
+              <a:t>born</a:t>
+            </a:r>
+            <a:r>
+              <a:rPr lang="fr-FR" sz="1600" dirty="0"/>
+              <a:t> in {</a:t>
+            </a:r>
+            <a:r>
+              <a:rPr lang="fr-FR" sz="1600" b="1" dirty="0" err="1"/>
+              <a:t>self.</a:t>
+            </a:r>
+            <a:r>
+              <a:rPr lang="fr-FR" sz="1600" i="1" dirty="0" err="1"/>
+              <a:t>birthyear</a:t>
+            </a:r>
+            <a:r>
+              <a:rPr lang="fr-FR" sz="1600" dirty="0"/>
+              <a:t>}</a:t>
+            </a:r>
+            <a:r>
+              <a:rPr lang="fr-FR" sz="1600" b="1" i="1" dirty="0"/>
+              <a:t>"</a:t>
+            </a:r>
+          </a:p>
+          <a:p>
+            <a:r>
+              <a:rPr lang="fr-FR" sz="1600" b="1" dirty="0"/>
+              <a:t>		</a:t>
+            </a:r>
+            <a:r>
+              <a:rPr lang="fr-FR" sz="1600" dirty="0" err="1"/>
+              <a:t>str</a:t>
+            </a:r>
+            <a:r>
+              <a:rPr lang="fr-FR" sz="1600" b="1" dirty="0"/>
+              <a:t> += </a:t>
+            </a:r>
+            <a:r>
+              <a:rPr lang="fr-FR" sz="1600" b="1" i="1" dirty="0"/>
+              <a:t>f"</a:t>
+            </a:r>
+            <a:r>
+              <a:rPr lang="fr-FR" sz="1600" b="1" dirty="0"/>
+              <a:t> </a:t>
+            </a:r>
+            <a:r>
+              <a:rPr lang="fr-FR" sz="1600" dirty="0"/>
+              <a:t>({</a:t>
+            </a:r>
+            <a:r>
+              <a:rPr lang="fr-FR" sz="1600" b="1" dirty="0" err="1"/>
+              <a:t>self.</a:t>
+            </a:r>
+            <a:r>
+              <a:rPr lang="fr-FR" sz="1600" i="1" dirty="0" err="1"/>
+              <a:t>get_age</a:t>
+            </a:r>
+            <a:r>
+              <a:rPr lang="fr-FR" sz="1600" i="1" dirty="0"/>
+              <a:t>()</a:t>
+            </a:r>
+            <a:r>
+              <a:rPr lang="fr-FR" sz="1600" dirty="0"/>
+              <a:t>}</a:t>
+            </a:r>
+            <a:r>
+              <a:rPr lang="fr-FR" sz="1600" b="1" dirty="0"/>
+              <a:t> </a:t>
+            </a:r>
+            <a:r>
+              <a:rPr lang="fr-FR" sz="1600" dirty="0"/>
+              <a:t>yo)</a:t>
+            </a:r>
+            <a:r>
+              <a:rPr lang="fr-FR" sz="1600" b="1" i="1" dirty="0"/>
+              <a:t>"</a:t>
+            </a:r>
+          </a:p>
+          <a:p>
+            <a:r>
+              <a:rPr lang="fr-FR" sz="1600" b="1" dirty="0"/>
+              <a:t>		return </a:t>
+            </a:r>
+            <a:r>
+              <a:rPr lang="fr-FR" sz="1600" dirty="0" err="1"/>
+              <a:t>str</a:t>
+            </a:r>
+            <a:endParaRPr lang="fr-FR" sz="1600" dirty="0"/>
+          </a:p>
+        </p:txBody>
+      </p:sp>
+      <p:sp>
+        <p:nvSpPr>
+          <p:cNvPr id="25" name="ZoneTexte 24">
+            <a:extLst>
+              <a:ext uri="{FF2B5EF4-FFF2-40B4-BE49-F238E27FC236}">
+                <a16:creationId xmlns:a16="http://schemas.microsoft.com/office/drawing/2014/main" id="{21521148-36DB-28C7-D0A6-84B69067529F}"/>
+              </a:ext>
+            </a:extLst>
+          </p:cNvPr>
+          <p:cNvSpPr txBox="1"/>
+          <p:nvPr/>
+        </p:nvSpPr>
+        <p:spPr>
+          <a:xfrm>
+            <a:off x="5388021" y="3319088"/>
+            <a:ext cx="6096000" cy="338554"/>
+          </a:xfrm>
+          <a:prstGeom prst="rect">
+            <a:avLst/>
+          </a:prstGeom>
+          <a:solidFill>
+            <a:schemeClr val="bg1">
+              <a:lumMod val="85000"/>
+            </a:schemeClr>
+          </a:solidFill>
+        </p:spPr>
+        <p:txBody>
+          <a:bodyPr wrap="square">
+            <a:spAutoFit/>
+          </a:bodyPr>
+          <a:lstStyle/>
+          <a:p>
+            <a:r>
+              <a:rPr lang="en-US" sz="1600" dirty="0">
+                <a:highlight>
+                  <a:srgbClr val="D6B4B2"/>
+                </a:highlight>
+              </a:rPr>
+              <a:t>animal1</a:t>
+            </a:r>
+            <a:r>
+              <a:rPr lang="fr-FR" sz="1600" dirty="0"/>
+              <a:t> </a:t>
+            </a:r>
+            <a:r>
+              <a:rPr lang="fr-FR" sz="1600" b="1" dirty="0"/>
+              <a:t>=</a:t>
+            </a:r>
+            <a:r>
+              <a:rPr lang="fr-FR" sz="1600" dirty="0"/>
+              <a:t> Animal("Felix", 2021)</a:t>
+            </a:r>
+          </a:p>
+        </p:txBody>
+      </p:sp>
+      <p:sp>
+        <p:nvSpPr>
+          <p:cNvPr id="26" name="ZoneTexte 25">
+            <a:extLst>
+              <a:ext uri="{FF2B5EF4-FFF2-40B4-BE49-F238E27FC236}">
+                <a16:creationId xmlns:a16="http://schemas.microsoft.com/office/drawing/2014/main" id="{BFD10F90-383A-21AA-89C8-8BF8F903064D}"/>
+              </a:ext>
+            </a:extLst>
+          </p:cNvPr>
+          <p:cNvSpPr txBox="1"/>
+          <p:nvPr/>
+        </p:nvSpPr>
+        <p:spPr>
+          <a:xfrm>
+            <a:off x="5388021" y="3723021"/>
+            <a:ext cx="6096000" cy="338554"/>
+          </a:xfrm>
+          <a:prstGeom prst="rect">
+            <a:avLst/>
+          </a:prstGeom>
+          <a:solidFill>
+            <a:schemeClr val="bg1">
+              <a:lumMod val="85000"/>
+            </a:schemeClr>
+          </a:solidFill>
+        </p:spPr>
+        <p:txBody>
+          <a:bodyPr wrap="square">
+            <a:spAutoFit/>
+          </a:bodyPr>
+          <a:lstStyle/>
+          <a:p>
+            <a:r>
+              <a:rPr lang="en-US" sz="1600" b="1" dirty="0"/>
+              <a:t>print</a:t>
+            </a:r>
+            <a:r>
+              <a:rPr lang="en-US" sz="1600" dirty="0"/>
+              <a:t>(</a:t>
+            </a:r>
+            <a:r>
+              <a:rPr lang="en-US" sz="1600" dirty="0">
+                <a:highlight>
+                  <a:srgbClr val="D6B4B2"/>
+                </a:highlight>
+              </a:rPr>
+              <a:t>animal1</a:t>
+            </a:r>
+            <a:r>
+              <a:rPr lang="en-US" sz="1600" dirty="0"/>
+              <a:t>)</a:t>
+            </a:r>
+            <a:endParaRPr lang="fr-FR" sz="1600" i="1" dirty="0"/>
+          </a:p>
+        </p:txBody>
+      </p:sp>
+      <p:sp>
+        <p:nvSpPr>
+          <p:cNvPr id="27" name="ZoneTexte 26">
+            <a:extLst>
+              <a:ext uri="{FF2B5EF4-FFF2-40B4-BE49-F238E27FC236}">
+                <a16:creationId xmlns:a16="http://schemas.microsoft.com/office/drawing/2014/main" id="{12058F8F-B776-8B19-4704-36E498823C46}"/>
+              </a:ext>
+            </a:extLst>
+          </p:cNvPr>
+          <p:cNvSpPr txBox="1"/>
+          <p:nvPr/>
+        </p:nvSpPr>
+        <p:spPr>
+          <a:xfrm>
+            <a:off x="5751910" y="4206924"/>
+            <a:ext cx="5732111" cy="338554"/>
+          </a:xfrm>
+          <a:prstGeom prst="rect">
+            <a:avLst/>
+          </a:prstGeom>
+          <a:solidFill>
+            <a:schemeClr val="bg1">
+              <a:lumMod val="95000"/>
+            </a:schemeClr>
+          </a:solidFill>
+          <a:ln>
+            <a:solidFill>
+              <a:schemeClr val="accent1"/>
+            </a:solidFill>
+          </a:ln>
+        </p:spPr>
+        <p:txBody>
+          <a:bodyPr wrap="square">
+            <a:spAutoFit/>
+          </a:bodyPr>
+          <a:lstStyle/>
+          <a:p>
+            <a:r>
+              <a:rPr lang="en-US" sz="1600" dirty="0"/>
+              <a:t>&gt;&gt;&gt;  Animal [ Felix ] born in 2021 (4 </a:t>
+            </a:r>
+            <a:r>
+              <a:rPr lang="en-US" sz="1600" dirty="0" err="1"/>
+              <a:t>yo</a:t>
+            </a:r>
+            <a:r>
+              <a:rPr lang="en-US" sz="1600" dirty="0"/>
+              <a:t>)</a:t>
+            </a:r>
+            <a:endParaRPr lang="fr-FR" sz="1600" dirty="0"/>
+          </a:p>
+        </p:txBody>
+      </p:sp>
+    </p:spTree>
+    <p:extLst>
+      <p:ext uri="{BB962C8B-B14F-4D97-AF65-F5344CB8AC3E}">
+        <p14:creationId xmlns:p14="http://schemas.microsoft.com/office/powerpoint/2010/main" val="4125402623"/>
+      </p:ext>
+    </p:extLst>
+  </p:cSld>
+  <p:clrMapOvr>
+    <a:masterClrMapping/>
+  </p:clrMapOvr>
+</p:sld>
+</file>
+
+<file path=ppt/slides/slide21.xml><?xml version="1.0" encoding="utf-8"?>
+<p:sld xmlns:a="http://schemas.openxmlformats.org/drawingml/2006/main" xmlns:r="http://schemas.openxmlformats.org/officeDocument/2006/relationships" xmlns:p="http://schemas.openxmlformats.org/presentationml/2006/main">
+  <p:cSld>
+    <p:spTree>
+      <p:nvGrpSpPr>
+        <p:cNvPr id="1" name="">
+          <a:extLst>
+            <a:ext uri="{FF2B5EF4-FFF2-40B4-BE49-F238E27FC236}">
               <a16:creationId xmlns:a16="http://schemas.microsoft.com/office/drawing/2014/main" id="{5C86CB60-0A02-843E-817A-4E4C232C7E57}"/>
             </a:ext>
           </a:extLst>
@@ -23659,7 +24511,7 @@
 </p:sld>
 </file>
 
-<file path=ppt/slides/slide21.xml><?xml version="1.0" encoding="utf-8"?>
+<file path=ppt/slides/slide22.xml><?xml version="1.0" encoding="utf-8"?>
 <p:sld xmlns:a="http://schemas.openxmlformats.org/drawingml/2006/main" xmlns:r="http://schemas.openxmlformats.org/officeDocument/2006/relationships" xmlns:p="http://schemas.openxmlformats.org/presentationml/2006/main">
   <p:cSld>
     <p:bg>
@@ -24171,7 +25023,7 @@
 </p:sld>
 </file>
 
-<file path=ppt/slides/slide22.xml><?xml version="1.0" encoding="utf-8"?>
+<file path=ppt/slides/slide23.xml><?xml version="1.0" encoding="utf-8"?>
 <p:sld xmlns:a="http://schemas.openxmlformats.org/drawingml/2006/main" xmlns:r="http://schemas.openxmlformats.org/officeDocument/2006/relationships" xmlns:p="http://schemas.openxmlformats.org/presentationml/2006/main">
   <p:cSld>
     <p:spTree>
@@ -24869,7 +25721,7 @@
 </p:sld>
 </file>
 
-<file path=ppt/slides/slide23.xml><?xml version="1.0" encoding="utf-8"?>
+<file path=ppt/slides/slide24.xml><?xml version="1.0" encoding="utf-8"?>
 <p:sld xmlns:a="http://schemas.openxmlformats.org/drawingml/2006/main" xmlns:r="http://schemas.openxmlformats.org/officeDocument/2006/relationships" xmlns:p="http://schemas.openxmlformats.org/presentationml/2006/main">
   <p:cSld>
     <p:spTree>
@@ -25808,7 +26660,7 @@
 </p:sld>
 </file>
 
-<file path=ppt/slides/slide24.xml><?xml version="1.0" encoding="utf-8"?>
+<file path=ppt/slides/slide25.xml><?xml version="1.0" encoding="utf-8"?>
 <p:sld xmlns:a="http://schemas.openxmlformats.org/drawingml/2006/main" xmlns:r="http://schemas.openxmlformats.org/officeDocument/2006/relationships" xmlns:p="http://schemas.openxmlformats.org/presentationml/2006/main">
   <p:cSld>
     <p:spTree>
@@ -26567,7 +27419,7 @@
 </p:sld>
 </file>
 
-<file path=ppt/slides/slide25.xml><?xml version="1.0" encoding="utf-8"?>
+<file path=ppt/slides/slide26.xml><?xml version="1.0" encoding="utf-8"?>
 <p:sld xmlns:a="http://schemas.openxmlformats.org/drawingml/2006/main" xmlns:r="http://schemas.openxmlformats.org/officeDocument/2006/relationships" xmlns:p="http://schemas.openxmlformats.org/presentationml/2006/main">
   <p:cSld>
     <p:spTree>
@@ -27553,7 +28405,7 @@
 </p:sld>
 </file>
 
-<file path=ppt/slides/slide26.xml><?xml version="1.0" encoding="utf-8"?>
+<file path=ppt/slides/slide27.xml><?xml version="1.0" encoding="utf-8"?>
 <p:sld xmlns:a="http://schemas.openxmlformats.org/drawingml/2006/main" xmlns:r="http://schemas.openxmlformats.org/officeDocument/2006/relationships" xmlns:p="http://schemas.openxmlformats.org/presentationml/2006/main">
   <p:cSld>
     <p:spTree>
@@ -28594,7 +29446,7 @@
 </p:sld>
 </file>
 
-<file path=ppt/slides/slide27.xml><?xml version="1.0" encoding="utf-8"?>
+<file path=ppt/slides/slide28.xml><?xml version="1.0" encoding="utf-8"?>
 <p:sld xmlns:a="http://schemas.openxmlformats.org/drawingml/2006/main" xmlns:r="http://schemas.openxmlformats.org/officeDocument/2006/relationships" xmlns:p="http://schemas.openxmlformats.org/presentationml/2006/main">
   <p:cSld>
     <p:spTree>
@@ -29903,7 +30755,7 @@
 </p:sld>
 </file>
 
-<file path=ppt/slides/slide28.xml><?xml version="1.0" encoding="utf-8"?>
+<file path=ppt/slides/slide29.xml><?xml version="1.0" encoding="utf-8"?>
 <p:sld xmlns:a="http://schemas.openxmlformats.org/drawingml/2006/main" xmlns:r="http://schemas.openxmlformats.org/officeDocument/2006/relationships" xmlns:p="http://schemas.openxmlformats.org/presentationml/2006/main">
   <p:cSld>
     <p:spTree>
@@ -31148,1167 +32000,6 @@
     <p:extLst>
       <p:ext uri="{BB962C8B-B14F-4D97-AF65-F5344CB8AC3E}">
         <p14:creationId xmlns:p14="http://schemas.microsoft.com/office/powerpoint/2010/main" val="180896055"/>
-      </p:ext>
-    </p:extLst>
-  </p:cSld>
-  <p:clrMapOvr>
-    <a:masterClrMapping/>
-  </p:clrMapOvr>
-</p:sld>
-</file>
-
-<file path=ppt/slides/slide29.xml><?xml version="1.0" encoding="utf-8"?>
-<p:sld xmlns:a="http://schemas.openxmlformats.org/drawingml/2006/main" xmlns:r="http://schemas.openxmlformats.org/officeDocument/2006/relationships" xmlns:p="http://schemas.openxmlformats.org/presentationml/2006/main">
-  <p:cSld>
-    <p:spTree>
-      <p:nvGrpSpPr>
-        <p:cNvPr id="1" name="">
-          <a:extLst>
-            <a:ext uri="{FF2B5EF4-FFF2-40B4-BE49-F238E27FC236}">
-              <a16:creationId xmlns:a16="http://schemas.microsoft.com/office/drawing/2014/main" id="{5662AF62-256E-FEAC-E649-3118D535C9BB}"/>
-            </a:ext>
-          </a:extLst>
-        </p:cNvPr>
-        <p:cNvGrpSpPr/>
-        <p:nvPr/>
-      </p:nvGrpSpPr>
-      <p:grpSpPr>
-        <a:xfrm>
-          <a:off x="0" y="0"/>
-          <a:ext cx="0" cy="0"/>
-          <a:chOff x="0" y="0"/>
-          <a:chExt cx="0" cy="0"/>
-        </a:xfrm>
-      </p:grpSpPr>
-      <p:sp>
-        <p:nvSpPr>
-          <p:cNvPr id="3" name="Rectangle 2">
-            <a:extLst>
-              <a:ext uri="{FF2B5EF4-FFF2-40B4-BE49-F238E27FC236}">
-                <a16:creationId xmlns:a16="http://schemas.microsoft.com/office/drawing/2014/main" id="{C5B62972-B367-1B5A-F6FE-94D2B339D78E}"/>
-              </a:ext>
-            </a:extLst>
-          </p:cNvPr>
-          <p:cNvSpPr/>
-          <p:nvPr/>
-        </p:nvSpPr>
-        <p:spPr>
-          <a:xfrm>
-            <a:off x="673975" y="405113"/>
-            <a:ext cx="11020314" cy="937549"/>
-          </a:xfrm>
-          <a:prstGeom prst="rect">
-            <a:avLst/>
-          </a:prstGeom>
-          <a:solidFill>
-            <a:schemeClr val="bg1"/>
-          </a:solidFill>
-          <a:ln>
-            <a:solidFill>
-              <a:schemeClr val="bg1">
-                <a:lumMod val="95000"/>
-              </a:schemeClr>
-            </a:solidFill>
-          </a:ln>
-          <a:effectLst>
-            <a:outerShdw blurRad="50800" dist="38100" dir="2700000" algn="tl" rotWithShape="0">
-              <a:prstClr val="black">
-                <a:alpha val="40000"/>
-              </a:prstClr>
-            </a:outerShdw>
-          </a:effectLst>
-        </p:spPr>
-        <p:style>
-          <a:lnRef idx="2">
-            <a:schemeClr val="accent1">
-              <a:shade val="15000"/>
-            </a:schemeClr>
-          </a:lnRef>
-          <a:fillRef idx="1">
-            <a:schemeClr val="accent1"/>
-          </a:fillRef>
-          <a:effectRef idx="0">
-            <a:schemeClr val="accent1"/>
-          </a:effectRef>
-          <a:fontRef idx="minor">
-            <a:schemeClr val="lt1"/>
-          </a:fontRef>
-        </p:style>
-        <p:txBody>
-          <a:bodyPr rtlCol="0" anchor="ctr"/>
-          <a:lstStyle/>
-          <a:p>
-            <a:pPr algn="ctr"/>
-            <a:endParaRPr lang="fr-FR"/>
-          </a:p>
-        </p:txBody>
-      </p:sp>
-      <p:sp>
-        <p:nvSpPr>
-          <p:cNvPr id="2" name="Titre 1">
-            <a:extLst>
-              <a:ext uri="{FF2B5EF4-FFF2-40B4-BE49-F238E27FC236}">
-                <a16:creationId xmlns:a16="http://schemas.microsoft.com/office/drawing/2014/main" id="{D272BFD5-FD3A-7032-9017-5CA6A0C58209}"/>
-              </a:ext>
-            </a:extLst>
-          </p:cNvPr>
-          <p:cNvSpPr txBox="1">
-            <a:spLocks/>
-          </p:cNvSpPr>
-          <p:nvPr/>
-        </p:nvSpPr>
-        <p:spPr>
-          <a:xfrm>
-            <a:off x="907225" y="583365"/>
-            <a:ext cx="8970548" cy="701426"/>
-          </a:xfrm>
-          <a:prstGeom prst="rect">
-            <a:avLst/>
-          </a:prstGeom>
-        </p:spPr>
-        <p:txBody>
-          <a:bodyPr>
-            <a:normAutofit/>
-          </a:bodyPr>
-          <a:lstStyle>
-            <a:lvl1pPr algn="l" defTabSz="914400" rtl="0" eaLnBrk="1" latinLnBrk="0" hangingPunct="1">
-              <a:lnSpc>
-                <a:spcPct val="90000"/>
-              </a:lnSpc>
-              <a:spcBef>
-                <a:spcPct val="0"/>
-              </a:spcBef>
-              <a:buNone/>
-              <a:defRPr sz="4400" kern="1200">
-                <a:solidFill>
-                  <a:schemeClr val="tx1"/>
-                </a:solidFill>
-                <a:latin typeface="+mj-lt"/>
-                <a:ea typeface="+mj-ea"/>
-                <a:cs typeface="+mj-cs"/>
-              </a:defRPr>
-            </a:lvl1pPr>
-          </a:lstStyle>
-          <a:p>
-            <a:r>
-              <a:rPr lang="fr-FR" sz="4000" dirty="0"/>
-              <a:t>S’entrainer à la POO</a:t>
-            </a:r>
-          </a:p>
-        </p:txBody>
-      </p:sp>
-      <p:sp>
-        <p:nvSpPr>
-          <p:cNvPr id="7" name="Rectangle 6">
-            <a:extLst>
-              <a:ext uri="{FF2B5EF4-FFF2-40B4-BE49-F238E27FC236}">
-                <a16:creationId xmlns:a16="http://schemas.microsoft.com/office/drawing/2014/main" id="{9CC5EA68-0D31-64BE-793C-203462F9CA7A}"/>
-              </a:ext>
-            </a:extLst>
-          </p:cNvPr>
-          <p:cNvSpPr/>
-          <p:nvPr/>
-        </p:nvSpPr>
-        <p:spPr>
-          <a:xfrm>
-            <a:off x="619125" y="500258"/>
-            <a:ext cx="124142" cy="749808"/>
-          </a:xfrm>
-          <a:prstGeom prst="rect">
-            <a:avLst/>
-          </a:prstGeom>
-          <a:solidFill>
-            <a:srgbClr val="002060"/>
-          </a:solidFill>
-          <a:ln>
-            <a:noFill/>
-          </a:ln>
-        </p:spPr>
-        <p:style>
-          <a:lnRef idx="2">
-            <a:schemeClr val="accent1">
-              <a:shade val="15000"/>
-            </a:schemeClr>
-          </a:lnRef>
-          <a:fillRef idx="1">
-            <a:schemeClr val="accent1"/>
-          </a:fillRef>
-          <a:effectRef idx="0">
-            <a:schemeClr val="accent1"/>
-          </a:effectRef>
-          <a:fontRef idx="minor">
-            <a:schemeClr val="lt1"/>
-          </a:fontRef>
-        </p:style>
-        <p:txBody>
-          <a:bodyPr rtlCol="0" anchor="ctr"/>
-          <a:lstStyle/>
-          <a:p>
-            <a:pPr algn="ctr"/>
-            <a:endParaRPr lang="fr-FR"/>
-          </a:p>
-        </p:txBody>
-      </p:sp>
-      <p:pic>
-        <p:nvPicPr>
-          <p:cNvPr id="4" name="Image 3" descr="Une image contenant texte&#10;&#10;Description générée automatiquement">
-            <a:extLst>
-              <a:ext uri="{FF2B5EF4-FFF2-40B4-BE49-F238E27FC236}">
-                <a16:creationId xmlns:a16="http://schemas.microsoft.com/office/drawing/2014/main" id="{DF87172B-7D02-1A0C-172E-B106A30F27FD}"/>
-              </a:ext>
-            </a:extLst>
-          </p:cNvPr>
-          <p:cNvPicPr>
-            <a:picLocks noChangeAspect="1"/>
-          </p:cNvPicPr>
-          <p:nvPr/>
-        </p:nvPicPr>
-        <p:blipFill>
-          <a:blip r:embed="rId3" cstate="print">
-            <a:extLst>
-              <a:ext uri="{28A0092B-C50C-407E-A947-70E740481C1C}">
-                <a14:useLocalDpi xmlns:a14="http://schemas.microsoft.com/office/drawing/2010/main" val="0"/>
-              </a:ext>
-            </a:extLst>
-          </a:blip>
-          <a:stretch>
-            <a:fillRect/>
-          </a:stretch>
-        </p:blipFill>
-        <p:spPr>
-          <a:xfrm>
-            <a:off x="9808481" y="509288"/>
-            <a:ext cx="1825291" cy="749808"/>
-          </a:xfrm>
-          <a:prstGeom prst="rect">
-            <a:avLst/>
-          </a:prstGeom>
-        </p:spPr>
-      </p:pic>
-      <p:sp>
-        <p:nvSpPr>
-          <p:cNvPr id="5" name="ZoneTexte 4">
-            <a:extLst>
-              <a:ext uri="{FF2B5EF4-FFF2-40B4-BE49-F238E27FC236}">
-                <a16:creationId xmlns:a16="http://schemas.microsoft.com/office/drawing/2014/main" id="{94A50248-075E-FFD9-4A17-0A6FF5057892}"/>
-              </a:ext>
-            </a:extLst>
-          </p:cNvPr>
-          <p:cNvSpPr txBox="1"/>
-          <p:nvPr/>
-        </p:nvSpPr>
-        <p:spPr>
-          <a:xfrm>
-            <a:off x="808897" y="2000517"/>
-            <a:ext cx="6096000" cy="1323439"/>
-          </a:xfrm>
-          <a:prstGeom prst="rect">
-            <a:avLst/>
-          </a:prstGeom>
-          <a:solidFill>
-            <a:schemeClr val="bg1">
-              <a:lumMod val="95000"/>
-            </a:schemeClr>
-          </a:solidFill>
-        </p:spPr>
-        <p:txBody>
-          <a:bodyPr wrap="square">
-            <a:spAutoFit/>
-          </a:bodyPr>
-          <a:lstStyle/>
-          <a:p>
-            <a:r>
-              <a:rPr lang="fr-FR" sz="1600" b="1" dirty="0"/>
-              <a:t>class</a:t>
-            </a:r>
-            <a:r>
-              <a:rPr lang="fr-FR" sz="1600" dirty="0"/>
-              <a:t> Point:	</a:t>
-            </a:r>
-          </a:p>
-          <a:p>
-            <a:r>
-              <a:rPr lang="fr-FR" sz="1600" dirty="0"/>
-              <a:t>	</a:t>
-            </a:r>
-            <a:r>
-              <a:rPr lang="fr-FR" sz="1600" b="1" dirty="0" err="1"/>
-              <a:t>def</a:t>
-            </a:r>
-            <a:r>
-              <a:rPr lang="fr-FR" sz="1600" dirty="0"/>
-              <a:t> </a:t>
-            </a:r>
-            <a:r>
-              <a:rPr lang="fr-FR" sz="1600" b="1" i="1" dirty="0"/>
-              <a:t>__init__</a:t>
-            </a:r>
-            <a:r>
-              <a:rPr lang="fr-FR" sz="1600" dirty="0"/>
-              <a:t>(</a:t>
-            </a:r>
-            <a:r>
-              <a:rPr lang="fr-FR" sz="1600" b="1" dirty="0"/>
-              <a:t>self</a:t>
-            </a:r>
-            <a:r>
-              <a:rPr lang="fr-FR" sz="1600" dirty="0"/>
-              <a:t>, </a:t>
-            </a:r>
-            <a:r>
-              <a:rPr lang="fr-FR" sz="1600" dirty="0">
-                <a:solidFill>
-                  <a:schemeClr val="tx1">
-                    <a:lumMod val="65000"/>
-                    <a:lumOff val="35000"/>
-                  </a:schemeClr>
-                </a:solidFill>
-              </a:rPr>
-              <a:t>x</a:t>
-            </a:r>
-            <a:r>
-              <a:rPr lang="fr-FR" sz="1600" dirty="0"/>
-              <a:t>:</a:t>
-            </a:r>
-            <a:r>
-              <a:rPr lang="fr-FR" sz="1600" b="1" i="1" dirty="0"/>
-              <a:t>float</a:t>
-            </a:r>
-            <a:r>
-              <a:rPr lang="fr-FR" sz="1600" dirty="0"/>
-              <a:t>, </a:t>
-            </a:r>
-            <a:r>
-              <a:rPr lang="fr-FR" sz="1600" dirty="0">
-                <a:solidFill>
-                  <a:schemeClr val="tx1">
-                    <a:lumMod val="65000"/>
-                    <a:lumOff val="35000"/>
-                  </a:schemeClr>
-                </a:solidFill>
-              </a:rPr>
-              <a:t>y</a:t>
-            </a:r>
-            <a:r>
-              <a:rPr lang="fr-FR" sz="1600" dirty="0"/>
-              <a:t>:</a:t>
-            </a:r>
-            <a:r>
-              <a:rPr lang="fr-FR" sz="1600" b="1" i="1" dirty="0"/>
-              <a:t>float</a:t>
-            </a:r>
-            <a:r>
-              <a:rPr lang="fr-FR" sz="1600" dirty="0"/>
-              <a:t>, </a:t>
-            </a:r>
-            <a:r>
-              <a:rPr lang="fr-FR" sz="1600" dirty="0" err="1">
-                <a:solidFill>
-                  <a:schemeClr val="tx1">
-                    <a:lumMod val="65000"/>
-                    <a:lumOff val="35000"/>
-                  </a:schemeClr>
-                </a:solidFill>
-              </a:rPr>
-              <a:t>name</a:t>
-            </a:r>
-            <a:r>
-              <a:rPr lang="fr-FR" sz="1600" dirty="0" err="1"/>
-              <a:t>:</a:t>
-            </a:r>
-            <a:r>
-              <a:rPr lang="fr-FR" sz="1600" b="1" i="1" dirty="0" err="1"/>
-              <a:t>str</a:t>
-            </a:r>
-            <a:r>
-              <a:rPr lang="fr-FR" sz="1600" dirty="0"/>
-              <a:t>):</a:t>
-            </a:r>
-          </a:p>
-          <a:p>
-            <a:r>
-              <a:rPr lang="fr-FR" sz="1600" dirty="0"/>
-              <a:t>		</a:t>
-            </a:r>
-            <a:r>
-              <a:rPr lang="fr-FR" sz="1600" b="1" dirty="0" err="1"/>
-              <a:t>self.</a:t>
-            </a:r>
-            <a:r>
-              <a:rPr lang="fr-FR" sz="1600" i="1" dirty="0" err="1"/>
-              <a:t>x</a:t>
-            </a:r>
-            <a:r>
-              <a:rPr lang="fr-FR" sz="1600" dirty="0"/>
-              <a:t> = x</a:t>
-            </a:r>
-            <a:endParaRPr lang="fr-FR" sz="1600" dirty="0">
-              <a:solidFill>
-                <a:schemeClr val="tx1">
-                  <a:lumMod val="65000"/>
-                  <a:lumOff val="35000"/>
-                </a:schemeClr>
-              </a:solidFill>
-            </a:endParaRPr>
-          </a:p>
-          <a:p>
-            <a:r>
-              <a:rPr lang="fr-FR" sz="1600" dirty="0"/>
-              <a:t>		</a:t>
-            </a:r>
-            <a:r>
-              <a:rPr lang="fr-FR" sz="1600" b="1" dirty="0" err="1"/>
-              <a:t>self.</a:t>
-            </a:r>
-            <a:r>
-              <a:rPr lang="fr-FR" sz="1600" i="1" dirty="0" err="1"/>
-              <a:t>y</a:t>
-            </a:r>
-            <a:r>
-              <a:rPr lang="fr-FR" sz="1600" dirty="0"/>
-              <a:t> = </a:t>
-            </a:r>
-            <a:r>
-              <a:rPr lang="fr-FR" sz="1600" dirty="0">
-                <a:solidFill>
-                  <a:schemeClr val="tx1">
-                    <a:lumMod val="65000"/>
-                    <a:lumOff val="35000"/>
-                  </a:schemeClr>
-                </a:solidFill>
-              </a:rPr>
-              <a:t>y</a:t>
-            </a:r>
-          </a:p>
-          <a:p>
-            <a:r>
-              <a:rPr lang="fr-FR" sz="1600" dirty="0"/>
-              <a:t>		</a:t>
-            </a:r>
-            <a:r>
-              <a:rPr lang="fr-FR" sz="1600" b="1" dirty="0"/>
-              <a:t>self.</a:t>
-            </a:r>
-            <a:r>
-              <a:rPr lang="fr-FR" sz="1600" i="1" dirty="0"/>
-              <a:t>name</a:t>
-            </a:r>
-            <a:r>
-              <a:rPr lang="fr-FR" sz="1600" dirty="0"/>
-              <a:t> = </a:t>
-            </a:r>
-            <a:r>
-              <a:rPr lang="fr-FR" sz="1600" dirty="0" err="1"/>
-              <a:t>name</a:t>
-            </a:r>
-            <a:endParaRPr lang="fr-FR" sz="1600" dirty="0">
-              <a:solidFill>
-                <a:schemeClr val="tx1">
-                  <a:lumMod val="65000"/>
-                  <a:lumOff val="35000"/>
-                </a:schemeClr>
-              </a:solidFill>
-            </a:endParaRPr>
-          </a:p>
-        </p:txBody>
-      </p:sp>
-      <p:sp>
-        <p:nvSpPr>
-          <p:cNvPr id="6" name="Rectangle 5">
-            <a:extLst>
-              <a:ext uri="{FF2B5EF4-FFF2-40B4-BE49-F238E27FC236}">
-                <a16:creationId xmlns:a16="http://schemas.microsoft.com/office/drawing/2014/main" id="{E50D5302-A98E-54AE-2788-685E250FB145}"/>
-              </a:ext>
-            </a:extLst>
-          </p:cNvPr>
-          <p:cNvSpPr/>
-          <p:nvPr/>
-        </p:nvSpPr>
-        <p:spPr>
-          <a:xfrm>
-            <a:off x="7892115" y="2372921"/>
-            <a:ext cx="3337560" cy="434288"/>
-          </a:xfrm>
-          <a:prstGeom prst="rect">
-            <a:avLst/>
-          </a:prstGeom>
-          <a:solidFill>
-            <a:schemeClr val="accent3">
-              <a:lumMod val="60000"/>
-              <a:lumOff val="40000"/>
-            </a:schemeClr>
-          </a:solidFill>
-          <a:ln w="28575">
-            <a:solidFill>
-              <a:schemeClr val="tx1"/>
-            </a:solidFill>
-          </a:ln>
-        </p:spPr>
-        <p:style>
-          <a:lnRef idx="2">
-            <a:schemeClr val="accent1">
-              <a:shade val="15000"/>
-            </a:schemeClr>
-          </a:lnRef>
-          <a:fillRef idx="1">
-            <a:schemeClr val="accent1"/>
-          </a:fillRef>
-          <a:effectRef idx="0">
-            <a:schemeClr val="accent1"/>
-          </a:effectRef>
-          <a:fontRef idx="minor">
-            <a:schemeClr val="lt1"/>
-          </a:fontRef>
-        </p:style>
-        <p:txBody>
-          <a:bodyPr rtlCol="0" anchor="ctr"/>
-          <a:lstStyle/>
-          <a:p>
-            <a:pPr algn="ctr"/>
-            <a:r>
-              <a:rPr lang="fr-FR" sz="1600" b="1" dirty="0">
-                <a:solidFill>
-                  <a:schemeClr val="tx1"/>
-                </a:solidFill>
-              </a:rPr>
-              <a:t>Point</a:t>
-            </a:r>
-          </a:p>
-        </p:txBody>
-      </p:sp>
-      <p:sp>
-        <p:nvSpPr>
-          <p:cNvPr id="8" name="Rectangle 7">
-            <a:extLst>
-              <a:ext uri="{FF2B5EF4-FFF2-40B4-BE49-F238E27FC236}">
-                <a16:creationId xmlns:a16="http://schemas.microsoft.com/office/drawing/2014/main" id="{9CC46E56-6CF3-E76A-8BA2-B91BF5BE6885}"/>
-              </a:ext>
-            </a:extLst>
-          </p:cNvPr>
-          <p:cNvSpPr/>
-          <p:nvPr/>
-        </p:nvSpPr>
-        <p:spPr>
-          <a:xfrm>
-            <a:off x="7891283" y="2799992"/>
-            <a:ext cx="3337560" cy="993815"/>
-          </a:xfrm>
-          <a:prstGeom prst="rect">
-            <a:avLst/>
-          </a:prstGeom>
-          <a:solidFill>
-            <a:srgbClr val="002060"/>
-          </a:solidFill>
-          <a:ln w="28575">
-            <a:solidFill>
-              <a:schemeClr val="tx1"/>
-            </a:solidFill>
-          </a:ln>
-        </p:spPr>
-        <p:style>
-          <a:lnRef idx="2">
-            <a:schemeClr val="accent1">
-              <a:shade val="15000"/>
-            </a:schemeClr>
-          </a:lnRef>
-          <a:fillRef idx="1">
-            <a:schemeClr val="accent1"/>
-          </a:fillRef>
-          <a:effectRef idx="0">
-            <a:schemeClr val="accent1"/>
-          </a:effectRef>
-          <a:fontRef idx="minor">
-            <a:schemeClr val="lt1"/>
-          </a:fontRef>
-        </p:style>
-        <p:txBody>
-          <a:bodyPr rtlCol="0" anchor="ctr"/>
-          <a:lstStyle/>
-          <a:p>
-            <a:pPr algn="ctr"/>
-            <a:r>
-              <a:rPr lang="fr-FR" sz="1600" b="1" dirty="0">
-                <a:solidFill>
-                  <a:schemeClr val="bg1"/>
-                </a:solidFill>
-              </a:rPr>
-              <a:t>x</a:t>
-            </a:r>
-            <a:r>
-              <a:rPr lang="fr-FR" sz="1600" dirty="0">
-                <a:solidFill>
-                  <a:schemeClr val="bg1"/>
-                </a:solidFill>
-              </a:rPr>
-              <a:t> : </a:t>
-            </a:r>
-            <a:r>
-              <a:rPr lang="fr-FR" sz="1600" dirty="0" err="1">
-                <a:solidFill>
-                  <a:schemeClr val="bg1"/>
-                </a:solidFill>
-              </a:rPr>
-              <a:t>float</a:t>
-            </a:r>
-            <a:r>
-              <a:rPr lang="fr-FR" sz="1600" dirty="0">
-                <a:solidFill>
-                  <a:schemeClr val="bg1"/>
-                </a:solidFill>
-              </a:rPr>
-              <a:t> </a:t>
-            </a:r>
-          </a:p>
-          <a:p>
-            <a:pPr algn="ctr"/>
-            <a:r>
-              <a:rPr lang="fr-FR" sz="1600" b="1" dirty="0">
-                <a:solidFill>
-                  <a:schemeClr val="bg1"/>
-                </a:solidFill>
-              </a:rPr>
-              <a:t>y</a:t>
-            </a:r>
-            <a:r>
-              <a:rPr lang="fr-FR" sz="1600" dirty="0">
-                <a:solidFill>
-                  <a:schemeClr val="bg1"/>
-                </a:solidFill>
-              </a:rPr>
-              <a:t> : </a:t>
-            </a:r>
-            <a:r>
-              <a:rPr lang="fr-FR" sz="1600" dirty="0" err="1">
-                <a:solidFill>
-                  <a:schemeClr val="bg1"/>
-                </a:solidFill>
-              </a:rPr>
-              <a:t>float</a:t>
-            </a:r>
-            <a:r>
-              <a:rPr lang="fr-FR" sz="1600" dirty="0">
-                <a:solidFill>
-                  <a:schemeClr val="bg1"/>
-                </a:solidFill>
-              </a:rPr>
-              <a:t> </a:t>
-            </a:r>
-          </a:p>
-          <a:p>
-            <a:pPr algn="ctr"/>
-            <a:r>
-              <a:rPr lang="fr-FR" sz="1600" b="1" dirty="0" err="1">
-                <a:solidFill>
-                  <a:schemeClr val="bg1"/>
-                </a:solidFill>
-              </a:rPr>
-              <a:t>name</a:t>
-            </a:r>
-            <a:r>
-              <a:rPr lang="fr-FR" sz="1600" dirty="0">
-                <a:solidFill>
-                  <a:schemeClr val="bg1"/>
-                </a:solidFill>
-              </a:rPr>
-              <a:t>: </a:t>
-            </a:r>
-            <a:r>
-              <a:rPr lang="fr-FR" sz="1600" dirty="0" err="1">
-                <a:solidFill>
-                  <a:schemeClr val="bg1"/>
-                </a:solidFill>
-              </a:rPr>
-              <a:t>str</a:t>
-            </a:r>
-            <a:endParaRPr lang="fr-FR" sz="1600" dirty="0">
-              <a:solidFill>
-                <a:schemeClr val="bg1"/>
-              </a:solidFill>
-            </a:endParaRPr>
-          </a:p>
-        </p:txBody>
-      </p:sp>
-      <p:sp>
-        <p:nvSpPr>
-          <p:cNvPr id="10" name="Rectangle 9">
-            <a:extLst>
-              <a:ext uri="{FF2B5EF4-FFF2-40B4-BE49-F238E27FC236}">
-                <a16:creationId xmlns:a16="http://schemas.microsoft.com/office/drawing/2014/main" id="{AD7DED79-7A22-273E-C914-93619C62CAEC}"/>
-              </a:ext>
-            </a:extLst>
-          </p:cNvPr>
-          <p:cNvSpPr/>
-          <p:nvPr/>
-        </p:nvSpPr>
-        <p:spPr>
-          <a:xfrm>
-            <a:off x="7891283" y="3793807"/>
-            <a:ext cx="3337560" cy="1472521"/>
-          </a:xfrm>
-          <a:prstGeom prst="rect">
-            <a:avLst/>
-          </a:prstGeom>
-          <a:solidFill>
-            <a:srgbClr val="00B0F0"/>
-          </a:solidFill>
-          <a:ln w="28575">
-            <a:solidFill>
-              <a:schemeClr val="tx1"/>
-            </a:solidFill>
-          </a:ln>
-        </p:spPr>
-        <p:style>
-          <a:lnRef idx="2">
-            <a:schemeClr val="accent1">
-              <a:shade val="15000"/>
-            </a:schemeClr>
-          </a:lnRef>
-          <a:fillRef idx="1">
-            <a:schemeClr val="accent1"/>
-          </a:fillRef>
-          <a:effectRef idx="0">
-            <a:schemeClr val="accent1"/>
-          </a:effectRef>
-          <a:fontRef idx="minor">
-            <a:schemeClr val="lt1"/>
-          </a:fontRef>
-        </p:style>
-        <p:txBody>
-          <a:bodyPr rtlCol="0" anchor="ctr"/>
-          <a:lstStyle/>
-          <a:p>
-            <a:pPr algn="ctr"/>
-            <a:r>
-              <a:rPr lang="fr-FR" sz="1600" b="1" dirty="0">
-                <a:solidFill>
-                  <a:schemeClr val="tx1"/>
-                </a:solidFill>
-              </a:rPr>
-              <a:t>__init__</a:t>
-            </a:r>
-            <a:r>
-              <a:rPr lang="fr-FR" sz="1600" dirty="0">
-                <a:solidFill>
-                  <a:schemeClr val="tx1"/>
-                </a:solidFill>
-              </a:rPr>
-              <a:t>(x: </a:t>
-            </a:r>
-            <a:r>
-              <a:rPr lang="fr-FR" sz="1600" dirty="0" err="1">
-                <a:solidFill>
-                  <a:schemeClr val="tx1"/>
-                </a:solidFill>
-              </a:rPr>
-              <a:t>float</a:t>
-            </a:r>
-            <a:r>
-              <a:rPr lang="fr-FR" sz="1600" dirty="0">
-                <a:solidFill>
-                  <a:schemeClr val="tx1"/>
-                </a:solidFill>
-              </a:rPr>
-              <a:t>, y: </a:t>
-            </a:r>
-            <a:r>
-              <a:rPr lang="fr-FR" sz="1600" dirty="0" err="1">
-                <a:solidFill>
-                  <a:schemeClr val="tx1"/>
-                </a:solidFill>
-              </a:rPr>
-              <a:t>float</a:t>
-            </a:r>
-            <a:r>
-              <a:rPr lang="fr-FR" sz="1600" dirty="0">
-                <a:solidFill>
-                  <a:schemeClr val="tx1"/>
-                </a:solidFill>
-              </a:rPr>
-              <a:t>)  </a:t>
-            </a:r>
-          </a:p>
-          <a:p>
-            <a:pPr algn="ctr"/>
-            <a:r>
-              <a:rPr lang="fr-FR" sz="1600" b="1" dirty="0">
-                <a:solidFill>
-                  <a:schemeClr val="tx1"/>
-                </a:solidFill>
-              </a:rPr>
-              <a:t>__</a:t>
-            </a:r>
-            <a:r>
-              <a:rPr lang="fr-FR" sz="1600" b="1" dirty="0" err="1">
-                <a:solidFill>
-                  <a:schemeClr val="tx1"/>
-                </a:solidFill>
-              </a:rPr>
-              <a:t>str</a:t>
-            </a:r>
-            <a:r>
-              <a:rPr lang="fr-FR" sz="1600" b="1" dirty="0">
-                <a:solidFill>
-                  <a:schemeClr val="tx1"/>
-                </a:solidFill>
-              </a:rPr>
-              <a:t>__</a:t>
-            </a:r>
-            <a:r>
-              <a:rPr lang="fr-FR" sz="1600" dirty="0">
-                <a:solidFill>
-                  <a:schemeClr val="tx1"/>
-                </a:solidFill>
-              </a:rPr>
-              <a:t>()</a:t>
-            </a:r>
-          </a:p>
-          <a:p>
-            <a:pPr algn="ctr"/>
-            <a:r>
-              <a:rPr lang="fr-FR" sz="1600" b="1" dirty="0">
-                <a:solidFill>
-                  <a:schemeClr val="tx1"/>
-                </a:solidFill>
-              </a:rPr>
-              <a:t>move(</a:t>
-            </a:r>
-            <a:r>
-              <a:rPr lang="fr-FR" sz="1600" dirty="0">
-                <a:solidFill>
-                  <a:schemeClr val="tx1"/>
-                </a:solidFill>
-              </a:rPr>
-              <a:t>x: </a:t>
-            </a:r>
-            <a:r>
-              <a:rPr lang="fr-FR" sz="1600" dirty="0" err="1">
-                <a:solidFill>
-                  <a:schemeClr val="tx1"/>
-                </a:solidFill>
-              </a:rPr>
-              <a:t>float</a:t>
-            </a:r>
-            <a:r>
-              <a:rPr lang="fr-FR" sz="1600" dirty="0">
-                <a:solidFill>
-                  <a:schemeClr val="tx1"/>
-                </a:solidFill>
-              </a:rPr>
-              <a:t>, y: </a:t>
-            </a:r>
-            <a:r>
-              <a:rPr lang="fr-FR" sz="1600" dirty="0" err="1">
-                <a:solidFill>
-                  <a:schemeClr val="tx1"/>
-                </a:solidFill>
-              </a:rPr>
-              <a:t>float</a:t>
-            </a:r>
-            <a:r>
-              <a:rPr lang="fr-FR" sz="1600" b="1" dirty="0">
-                <a:solidFill>
-                  <a:schemeClr val="tx1"/>
-                </a:solidFill>
-              </a:rPr>
-              <a:t>)</a:t>
-            </a:r>
-          </a:p>
-          <a:p>
-            <a:pPr algn="ctr"/>
-            <a:r>
-              <a:rPr lang="fr-FR" sz="1600" b="1" dirty="0">
-                <a:solidFill>
-                  <a:schemeClr val="tx1"/>
-                </a:solidFill>
-              </a:rPr>
-              <a:t>distance( </a:t>
-            </a:r>
-            <a:r>
-              <a:rPr lang="fr-FR" sz="1600" dirty="0">
-                <a:solidFill>
-                  <a:schemeClr val="tx1"/>
-                </a:solidFill>
-              </a:rPr>
-              <a:t>?</a:t>
-            </a:r>
-            <a:r>
-              <a:rPr lang="fr-FR" sz="1600" b="1" dirty="0">
-                <a:solidFill>
-                  <a:schemeClr val="tx1"/>
-                </a:solidFill>
-              </a:rPr>
-              <a:t> )</a:t>
-            </a:r>
-            <a:r>
-              <a:rPr lang="fr-FR" sz="1600" i="1" dirty="0">
-                <a:solidFill>
-                  <a:schemeClr val="tx1"/>
-                </a:solidFill>
-              </a:rPr>
-              <a:t>: </a:t>
-            </a:r>
-            <a:r>
-              <a:rPr lang="fr-FR" sz="1600" i="1" dirty="0" err="1">
-                <a:solidFill>
-                  <a:schemeClr val="tx1"/>
-                </a:solidFill>
-              </a:rPr>
-              <a:t>float</a:t>
-            </a:r>
-            <a:endParaRPr lang="fr-FR" sz="1600" i="1" dirty="0">
-              <a:solidFill>
-                <a:schemeClr val="tx1"/>
-              </a:solidFill>
-            </a:endParaRPr>
-          </a:p>
-        </p:txBody>
-      </p:sp>
-      <p:sp>
-        <p:nvSpPr>
-          <p:cNvPr id="11" name="Rectangle 10">
-            <a:extLst>
-              <a:ext uri="{FF2B5EF4-FFF2-40B4-BE49-F238E27FC236}">
-                <a16:creationId xmlns:a16="http://schemas.microsoft.com/office/drawing/2014/main" id="{BC413374-92A9-8C60-4158-3D3499EC6939}"/>
-              </a:ext>
-            </a:extLst>
-          </p:cNvPr>
-          <p:cNvSpPr/>
-          <p:nvPr/>
-        </p:nvSpPr>
-        <p:spPr>
-          <a:xfrm rot="16200000">
-            <a:off x="6795020" y="4402529"/>
-            <a:ext cx="1472520" cy="255073"/>
-          </a:xfrm>
-          <a:prstGeom prst="rect">
-            <a:avLst/>
-          </a:prstGeom>
-          <a:solidFill>
-            <a:srgbClr val="00B0F0"/>
-          </a:solidFill>
-          <a:ln>
-            <a:noFill/>
-          </a:ln>
-        </p:spPr>
-        <p:style>
-          <a:lnRef idx="2">
-            <a:schemeClr val="accent1">
-              <a:shade val="15000"/>
-            </a:schemeClr>
-          </a:lnRef>
-          <a:fillRef idx="1">
-            <a:schemeClr val="accent1"/>
-          </a:fillRef>
-          <a:effectRef idx="0">
-            <a:schemeClr val="accent1"/>
-          </a:effectRef>
-          <a:fontRef idx="minor">
-            <a:schemeClr val="lt1"/>
-          </a:fontRef>
-        </p:style>
-        <p:txBody>
-          <a:bodyPr vert="horz" rtlCol="0" anchor="ctr"/>
-          <a:lstStyle/>
-          <a:p>
-            <a:pPr algn="ctr"/>
-            <a:r>
-              <a:rPr lang="fr-FR" sz="1100" b="1" dirty="0"/>
-              <a:t>COMPORTEMENT</a:t>
-            </a:r>
-          </a:p>
-        </p:txBody>
-      </p:sp>
-      <p:sp>
-        <p:nvSpPr>
-          <p:cNvPr id="14" name="Rectangle 13">
-            <a:extLst>
-              <a:ext uri="{FF2B5EF4-FFF2-40B4-BE49-F238E27FC236}">
-                <a16:creationId xmlns:a16="http://schemas.microsoft.com/office/drawing/2014/main" id="{55558313-49B9-3662-34AF-79892D778FA0}"/>
-              </a:ext>
-            </a:extLst>
-          </p:cNvPr>
-          <p:cNvSpPr/>
-          <p:nvPr/>
-        </p:nvSpPr>
-        <p:spPr>
-          <a:xfrm rot="16200000">
-            <a:off x="7034372" y="3169362"/>
-            <a:ext cx="993816" cy="255073"/>
-          </a:xfrm>
-          <a:prstGeom prst="rect">
-            <a:avLst/>
-          </a:prstGeom>
-          <a:solidFill>
-            <a:srgbClr val="002060"/>
-          </a:solidFill>
-          <a:ln>
-            <a:noFill/>
-          </a:ln>
-        </p:spPr>
-        <p:style>
-          <a:lnRef idx="2">
-            <a:schemeClr val="accent1">
-              <a:shade val="15000"/>
-            </a:schemeClr>
-          </a:lnRef>
-          <a:fillRef idx="1">
-            <a:schemeClr val="accent1"/>
-          </a:fillRef>
-          <a:effectRef idx="0">
-            <a:schemeClr val="accent1"/>
-          </a:effectRef>
-          <a:fontRef idx="minor">
-            <a:schemeClr val="lt1"/>
-          </a:fontRef>
-        </p:style>
-        <p:txBody>
-          <a:bodyPr vert="horz" rtlCol="0" anchor="ctr"/>
-          <a:lstStyle/>
-          <a:p>
-            <a:pPr algn="ctr"/>
-            <a:r>
-              <a:rPr lang="fr-FR" sz="1200" b="1" dirty="0"/>
-              <a:t>ETAT</a:t>
-            </a:r>
-          </a:p>
-        </p:txBody>
-      </p:sp>
-      <p:sp>
-        <p:nvSpPr>
-          <p:cNvPr id="12" name="ZoneTexte 11">
-            <a:extLst>
-              <a:ext uri="{FF2B5EF4-FFF2-40B4-BE49-F238E27FC236}">
-                <a16:creationId xmlns:a16="http://schemas.microsoft.com/office/drawing/2014/main" id="{45BE2059-D850-DEE0-F5E6-C9197ED39184}"/>
-              </a:ext>
-            </a:extLst>
-          </p:cNvPr>
-          <p:cNvSpPr txBox="1"/>
-          <p:nvPr/>
-        </p:nvSpPr>
-        <p:spPr>
-          <a:xfrm>
-            <a:off x="1380743" y="3506323"/>
-            <a:ext cx="5524153" cy="338554"/>
-          </a:xfrm>
-          <a:prstGeom prst="rect">
-            <a:avLst/>
-          </a:prstGeom>
-          <a:solidFill>
-            <a:schemeClr val="bg1">
-              <a:lumMod val="85000"/>
-            </a:schemeClr>
-          </a:solidFill>
-        </p:spPr>
-        <p:txBody>
-          <a:bodyPr wrap="square">
-            <a:spAutoFit/>
-          </a:bodyPr>
-          <a:lstStyle/>
-          <a:p>
-            <a:r>
-              <a:rPr lang="en-US" sz="1600" dirty="0" err="1">
-                <a:highlight>
-                  <a:srgbClr val="D6B4B2"/>
-                </a:highlight>
-              </a:rPr>
-              <a:t>pointA</a:t>
-            </a:r>
-            <a:r>
-              <a:rPr lang="fr-FR" sz="1600" dirty="0"/>
-              <a:t> </a:t>
-            </a:r>
-            <a:r>
-              <a:rPr lang="fr-FR" sz="1600" b="1" dirty="0"/>
-              <a:t>=</a:t>
-            </a:r>
-            <a:r>
-              <a:rPr lang="fr-FR" sz="1600" dirty="0"/>
-              <a:t> Point(-0.5, 5.5, ‘A’)</a:t>
-            </a:r>
-          </a:p>
-        </p:txBody>
-      </p:sp>
-      <p:sp>
-        <p:nvSpPr>
-          <p:cNvPr id="9" name="ZoneTexte 8">
-            <a:extLst>
-              <a:ext uri="{FF2B5EF4-FFF2-40B4-BE49-F238E27FC236}">
-                <a16:creationId xmlns:a16="http://schemas.microsoft.com/office/drawing/2014/main" id="{4388EDFA-1D3D-EBBA-8FDE-EA077319C5CF}"/>
-              </a:ext>
-            </a:extLst>
-          </p:cNvPr>
-          <p:cNvSpPr txBox="1"/>
-          <p:nvPr/>
-        </p:nvSpPr>
-        <p:spPr>
-          <a:xfrm>
-            <a:off x="808897" y="4027244"/>
-            <a:ext cx="6096000" cy="584775"/>
-          </a:xfrm>
-          <a:prstGeom prst="rect">
-            <a:avLst/>
-          </a:prstGeom>
-          <a:solidFill>
-            <a:schemeClr val="bg1">
-              <a:lumMod val="95000"/>
-            </a:schemeClr>
-          </a:solidFill>
-        </p:spPr>
-        <p:txBody>
-          <a:bodyPr wrap="square">
-            <a:spAutoFit/>
-          </a:bodyPr>
-          <a:lstStyle/>
-          <a:p>
-            <a:r>
-              <a:rPr lang="fr-FR" sz="1600" b="1" dirty="0"/>
-              <a:t>	</a:t>
-            </a:r>
-            <a:r>
-              <a:rPr lang="fr-FR" sz="1600" b="1" dirty="0" err="1"/>
-              <a:t>def</a:t>
-            </a:r>
-            <a:r>
-              <a:rPr lang="fr-FR" sz="1600" dirty="0"/>
-              <a:t> </a:t>
-            </a:r>
-            <a:r>
-              <a:rPr lang="fr-FR" sz="1600" i="1" dirty="0"/>
-              <a:t>distance</a:t>
-            </a:r>
-            <a:r>
-              <a:rPr lang="fr-FR" sz="1600" dirty="0"/>
-              <a:t>(</a:t>
-            </a:r>
-            <a:r>
-              <a:rPr lang="fr-FR" sz="1600" b="1" dirty="0"/>
-              <a:t>self</a:t>
-            </a:r>
-            <a:r>
-              <a:rPr lang="fr-FR" sz="1600" dirty="0"/>
-              <a:t>,</a:t>
-            </a:r>
-            <a:r>
-              <a:rPr lang="fr-FR" sz="1600" b="1" dirty="0"/>
-              <a:t> </a:t>
-            </a:r>
-            <a:r>
-              <a:rPr lang="fr-FR" sz="1600" dirty="0"/>
-              <a:t>??):</a:t>
-            </a:r>
-          </a:p>
-          <a:p>
-            <a:r>
-              <a:rPr lang="fr-FR" sz="1600" dirty="0"/>
-              <a:t>		?</a:t>
-            </a:r>
-          </a:p>
-        </p:txBody>
-      </p:sp>
-    </p:spTree>
-    <p:extLst>
-      <p:ext uri="{BB962C8B-B14F-4D97-AF65-F5344CB8AC3E}">
-        <p14:creationId xmlns:p14="http://schemas.microsoft.com/office/powerpoint/2010/main" val="1172841930"/>
       </p:ext>
     </p:extLst>
   </p:cSld>
@@ -32801,7 +32492,7 @@
         <p:cNvPr id="1" name="">
           <a:extLst>
             <a:ext uri="{FF2B5EF4-FFF2-40B4-BE49-F238E27FC236}">
-              <a16:creationId xmlns:a16="http://schemas.microsoft.com/office/drawing/2014/main" id="{F5559286-3EA8-14DC-8BDB-B4F26E71F79F}"/>
+              <a16:creationId xmlns:a16="http://schemas.microsoft.com/office/drawing/2014/main" id="{5662AF62-256E-FEAC-E649-3118D535C9BB}"/>
             </a:ext>
           </a:extLst>
         </p:cNvPr>
@@ -32821,7 +32512,7 @@
           <p:cNvPr id="3" name="Rectangle 2">
             <a:extLst>
               <a:ext uri="{FF2B5EF4-FFF2-40B4-BE49-F238E27FC236}">
-                <a16:creationId xmlns:a16="http://schemas.microsoft.com/office/drawing/2014/main" id="{F3E8127C-BDFE-459C-4156-16992C1E79BB}"/>
+                <a16:creationId xmlns:a16="http://schemas.microsoft.com/office/drawing/2014/main" id="{C5B62972-B367-1B5A-F6FE-94D2B339D78E}"/>
               </a:ext>
             </a:extLst>
           </p:cNvPr>
@@ -32884,7 +32575,7 @@
           <p:cNvPr id="2" name="Titre 1">
             <a:extLst>
               <a:ext uri="{FF2B5EF4-FFF2-40B4-BE49-F238E27FC236}">
-                <a16:creationId xmlns:a16="http://schemas.microsoft.com/office/drawing/2014/main" id="{6F3C41B0-73B2-2013-88B0-C005998E3F5D}"/>
+                <a16:creationId xmlns:a16="http://schemas.microsoft.com/office/drawing/2014/main" id="{D272BFD5-FD3A-7032-9017-5CA6A0C58209}"/>
               </a:ext>
             </a:extLst>
           </p:cNvPr>
@@ -32938,6 +32629,1167 @@
           <p:cNvPr id="7" name="Rectangle 6">
             <a:extLst>
               <a:ext uri="{FF2B5EF4-FFF2-40B4-BE49-F238E27FC236}">
+                <a16:creationId xmlns:a16="http://schemas.microsoft.com/office/drawing/2014/main" id="{9CC5EA68-0D31-64BE-793C-203462F9CA7A}"/>
+              </a:ext>
+            </a:extLst>
+          </p:cNvPr>
+          <p:cNvSpPr/>
+          <p:nvPr/>
+        </p:nvSpPr>
+        <p:spPr>
+          <a:xfrm>
+            <a:off x="619125" y="500258"/>
+            <a:ext cx="124142" cy="749808"/>
+          </a:xfrm>
+          <a:prstGeom prst="rect">
+            <a:avLst/>
+          </a:prstGeom>
+          <a:solidFill>
+            <a:srgbClr val="002060"/>
+          </a:solidFill>
+          <a:ln>
+            <a:noFill/>
+          </a:ln>
+        </p:spPr>
+        <p:style>
+          <a:lnRef idx="2">
+            <a:schemeClr val="accent1">
+              <a:shade val="15000"/>
+            </a:schemeClr>
+          </a:lnRef>
+          <a:fillRef idx="1">
+            <a:schemeClr val="accent1"/>
+          </a:fillRef>
+          <a:effectRef idx="0">
+            <a:schemeClr val="accent1"/>
+          </a:effectRef>
+          <a:fontRef idx="minor">
+            <a:schemeClr val="lt1"/>
+          </a:fontRef>
+        </p:style>
+        <p:txBody>
+          <a:bodyPr rtlCol="0" anchor="ctr"/>
+          <a:lstStyle/>
+          <a:p>
+            <a:pPr algn="ctr"/>
+            <a:endParaRPr lang="fr-FR"/>
+          </a:p>
+        </p:txBody>
+      </p:sp>
+      <p:pic>
+        <p:nvPicPr>
+          <p:cNvPr id="4" name="Image 3" descr="Une image contenant texte&#10;&#10;Description générée automatiquement">
+            <a:extLst>
+              <a:ext uri="{FF2B5EF4-FFF2-40B4-BE49-F238E27FC236}">
+                <a16:creationId xmlns:a16="http://schemas.microsoft.com/office/drawing/2014/main" id="{DF87172B-7D02-1A0C-172E-B106A30F27FD}"/>
+              </a:ext>
+            </a:extLst>
+          </p:cNvPr>
+          <p:cNvPicPr>
+            <a:picLocks noChangeAspect="1"/>
+          </p:cNvPicPr>
+          <p:nvPr/>
+        </p:nvPicPr>
+        <p:blipFill>
+          <a:blip r:embed="rId3" cstate="print">
+            <a:extLst>
+              <a:ext uri="{28A0092B-C50C-407E-A947-70E740481C1C}">
+                <a14:useLocalDpi xmlns:a14="http://schemas.microsoft.com/office/drawing/2010/main" val="0"/>
+              </a:ext>
+            </a:extLst>
+          </a:blip>
+          <a:stretch>
+            <a:fillRect/>
+          </a:stretch>
+        </p:blipFill>
+        <p:spPr>
+          <a:xfrm>
+            <a:off x="9808481" y="509288"/>
+            <a:ext cx="1825291" cy="749808"/>
+          </a:xfrm>
+          <a:prstGeom prst="rect">
+            <a:avLst/>
+          </a:prstGeom>
+        </p:spPr>
+      </p:pic>
+      <p:sp>
+        <p:nvSpPr>
+          <p:cNvPr id="5" name="ZoneTexte 4">
+            <a:extLst>
+              <a:ext uri="{FF2B5EF4-FFF2-40B4-BE49-F238E27FC236}">
+                <a16:creationId xmlns:a16="http://schemas.microsoft.com/office/drawing/2014/main" id="{94A50248-075E-FFD9-4A17-0A6FF5057892}"/>
+              </a:ext>
+            </a:extLst>
+          </p:cNvPr>
+          <p:cNvSpPr txBox="1"/>
+          <p:nvPr/>
+        </p:nvSpPr>
+        <p:spPr>
+          <a:xfrm>
+            <a:off x="808897" y="2000517"/>
+            <a:ext cx="6096000" cy="1323439"/>
+          </a:xfrm>
+          <a:prstGeom prst="rect">
+            <a:avLst/>
+          </a:prstGeom>
+          <a:solidFill>
+            <a:schemeClr val="bg1">
+              <a:lumMod val="95000"/>
+            </a:schemeClr>
+          </a:solidFill>
+        </p:spPr>
+        <p:txBody>
+          <a:bodyPr wrap="square">
+            <a:spAutoFit/>
+          </a:bodyPr>
+          <a:lstStyle/>
+          <a:p>
+            <a:r>
+              <a:rPr lang="fr-FR" sz="1600" b="1" dirty="0"/>
+              <a:t>class</a:t>
+            </a:r>
+            <a:r>
+              <a:rPr lang="fr-FR" sz="1600" dirty="0"/>
+              <a:t> Point:	</a:t>
+            </a:r>
+          </a:p>
+          <a:p>
+            <a:r>
+              <a:rPr lang="fr-FR" sz="1600" dirty="0"/>
+              <a:t>	</a:t>
+            </a:r>
+            <a:r>
+              <a:rPr lang="fr-FR" sz="1600" b="1" dirty="0" err="1"/>
+              <a:t>def</a:t>
+            </a:r>
+            <a:r>
+              <a:rPr lang="fr-FR" sz="1600" dirty="0"/>
+              <a:t> </a:t>
+            </a:r>
+            <a:r>
+              <a:rPr lang="fr-FR" sz="1600" b="1" i="1" dirty="0"/>
+              <a:t>__init__</a:t>
+            </a:r>
+            <a:r>
+              <a:rPr lang="fr-FR" sz="1600" dirty="0"/>
+              <a:t>(</a:t>
+            </a:r>
+            <a:r>
+              <a:rPr lang="fr-FR" sz="1600" b="1" dirty="0"/>
+              <a:t>self</a:t>
+            </a:r>
+            <a:r>
+              <a:rPr lang="fr-FR" sz="1600" dirty="0"/>
+              <a:t>, </a:t>
+            </a:r>
+            <a:r>
+              <a:rPr lang="fr-FR" sz="1600" dirty="0">
+                <a:solidFill>
+                  <a:schemeClr val="tx1">
+                    <a:lumMod val="65000"/>
+                    <a:lumOff val="35000"/>
+                  </a:schemeClr>
+                </a:solidFill>
+              </a:rPr>
+              <a:t>x</a:t>
+            </a:r>
+            <a:r>
+              <a:rPr lang="fr-FR" sz="1600" dirty="0"/>
+              <a:t>:</a:t>
+            </a:r>
+            <a:r>
+              <a:rPr lang="fr-FR" sz="1600" b="1" i="1" dirty="0"/>
+              <a:t>float</a:t>
+            </a:r>
+            <a:r>
+              <a:rPr lang="fr-FR" sz="1600" dirty="0"/>
+              <a:t>, </a:t>
+            </a:r>
+            <a:r>
+              <a:rPr lang="fr-FR" sz="1600" dirty="0">
+                <a:solidFill>
+                  <a:schemeClr val="tx1">
+                    <a:lumMod val="65000"/>
+                    <a:lumOff val="35000"/>
+                  </a:schemeClr>
+                </a:solidFill>
+              </a:rPr>
+              <a:t>y</a:t>
+            </a:r>
+            <a:r>
+              <a:rPr lang="fr-FR" sz="1600" dirty="0"/>
+              <a:t>:</a:t>
+            </a:r>
+            <a:r>
+              <a:rPr lang="fr-FR" sz="1600" b="1" i="1" dirty="0"/>
+              <a:t>float</a:t>
+            </a:r>
+            <a:r>
+              <a:rPr lang="fr-FR" sz="1600" dirty="0"/>
+              <a:t>, </a:t>
+            </a:r>
+            <a:r>
+              <a:rPr lang="fr-FR" sz="1600" dirty="0" err="1">
+                <a:solidFill>
+                  <a:schemeClr val="tx1">
+                    <a:lumMod val="65000"/>
+                    <a:lumOff val="35000"/>
+                  </a:schemeClr>
+                </a:solidFill>
+              </a:rPr>
+              <a:t>name</a:t>
+            </a:r>
+            <a:r>
+              <a:rPr lang="fr-FR" sz="1600" dirty="0" err="1"/>
+              <a:t>:</a:t>
+            </a:r>
+            <a:r>
+              <a:rPr lang="fr-FR" sz="1600" b="1" i="1" dirty="0" err="1"/>
+              <a:t>str</a:t>
+            </a:r>
+            <a:r>
+              <a:rPr lang="fr-FR" sz="1600" dirty="0"/>
+              <a:t>):</a:t>
+            </a:r>
+          </a:p>
+          <a:p>
+            <a:r>
+              <a:rPr lang="fr-FR" sz="1600" dirty="0"/>
+              <a:t>		</a:t>
+            </a:r>
+            <a:r>
+              <a:rPr lang="fr-FR" sz="1600" b="1" dirty="0" err="1"/>
+              <a:t>self.</a:t>
+            </a:r>
+            <a:r>
+              <a:rPr lang="fr-FR" sz="1600" i="1" dirty="0" err="1"/>
+              <a:t>x</a:t>
+            </a:r>
+            <a:r>
+              <a:rPr lang="fr-FR" sz="1600" dirty="0"/>
+              <a:t> = x</a:t>
+            </a:r>
+            <a:endParaRPr lang="fr-FR" sz="1600" dirty="0">
+              <a:solidFill>
+                <a:schemeClr val="tx1">
+                  <a:lumMod val="65000"/>
+                  <a:lumOff val="35000"/>
+                </a:schemeClr>
+              </a:solidFill>
+            </a:endParaRPr>
+          </a:p>
+          <a:p>
+            <a:r>
+              <a:rPr lang="fr-FR" sz="1600" dirty="0"/>
+              <a:t>		</a:t>
+            </a:r>
+            <a:r>
+              <a:rPr lang="fr-FR" sz="1600" b="1" dirty="0" err="1"/>
+              <a:t>self.</a:t>
+            </a:r>
+            <a:r>
+              <a:rPr lang="fr-FR" sz="1600" i="1" dirty="0" err="1"/>
+              <a:t>y</a:t>
+            </a:r>
+            <a:r>
+              <a:rPr lang="fr-FR" sz="1600" dirty="0"/>
+              <a:t> = </a:t>
+            </a:r>
+            <a:r>
+              <a:rPr lang="fr-FR" sz="1600" dirty="0">
+                <a:solidFill>
+                  <a:schemeClr val="tx1">
+                    <a:lumMod val="65000"/>
+                    <a:lumOff val="35000"/>
+                  </a:schemeClr>
+                </a:solidFill>
+              </a:rPr>
+              <a:t>y</a:t>
+            </a:r>
+          </a:p>
+          <a:p>
+            <a:r>
+              <a:rPr lang="fr-FR" sz="1600" dirty="0"/>
+              <a:t>		</a:t>
+            </a:r>
+            <a:r>
+              <a:rPr lang="fr-FR" sz="1600" b="1" dirty="0"/>
+              <a:t>self.</a:t>
+            </a:r>
+            <a:r>
+              <a:rPr lang="fr-FR" sz="1600" i="1" dirty="0"/>
+              <a:t>name</a:t>
+            </a:r>
+            <a:r>
+              <a:rPr lang="fr-FR" sz="1600" dirty="0"/>
+              <a:t> = </a:t>
+            </a:r>
+            <a:r>
+              <a:rPr lang="fr-FR" sz="1600" dirty="0" err="1"/>
+              <a:t>name</a:t>
+            </a:r>
+            <a:endParaRPr lang="fr-FR" sz="1600" dirty="0">
+              <a:solidFill>
+                <a:schemeClr val="tx1">
+                  <a:lumMod val="65000"/>
+                  <a:lumOff val="35000"/>
+                </a:schemeClr>
+              </a:solidFill>
+            </a:endParaRPr>
+          </a:p>
+        </p:txBody>
+      </p:sp>
+      <p:sp>
+        <p:nvSpPr>
+          <p:cNvPr id="6" name="Rectangle 5">
+            <a:extLst>
+              <a:ext uri="{FF2B5EF4-FFF2-40B4-BE49-F238E27FC236}">
+                <a16:creationId xmlns:a16="http://schemas.microsoft.com/office/drawing/2014/main" id="{E50D5302-A98E-54AE-2788-685E250FB145}"/>
+              </a:ext>
+            </a:extLst>
+          </p:cNvPr>
+          <p:cNvSpPr/>
+          <p:nvPr/>
+        </p:nvSpPr>
+        <p:spPr>
+          <a:xfrm>
+            <a:off x="7892115" y="2372921"/>
+            <a:ext cx="3337560" cy="434288"/>
+          </a:xfrm>
+          <a:prstGeom prst="rect">
+            <a:avLst/>
+          </a:prstGeom>
+          <a:solidFill>
+            <a:schemeClr val="accent3">
+              <a:lumMod val="60000"/>
+              <a:lumOff val="40000"/>
+            </a:schemeClr>
+          </a:solidFill>
+          <a:ln w="28575">
+            <a:solidFill>
+              <a:schemeClr val="tx1"/>
+            </a:solidFill>
+          </a:ln>
+        </p:spPr>
+        <p:style>
+          <a:lnRef idx="2">
+            <a:schemeClr val="accent1">
+              <a:shade val="15000"/>
+            </a:schemeClr>
+          </a:lnRef>
+          <a:fillRef idx="1">
+            <a:schemeClr val="accent1"/>
+          </a:fillRef>
+          <a:effectRef idx="0">
+            <a:schemeClr val="accent1"/>
+          </a:effectRef>
+          <a:fontRef idx="minor">
+            <a:schemeClr val="lt1"/>
+          </a:fontRef>
+        </p:style>
+        <p:txBody>
+          <a:bodyPr rtlCol="0" anchor="ctr"/>
+          <a:lstStyle/>
+          <a:p>
+            <a:pPr algn="ctr"/>
+            <a:r>
+              <a:rPr lang="fr-FR" sz="1600" b="1" dirty="0">
+                <a:solidFill>
+                  <a:schemeClr val="tx1"/>
+                </a:solidFill>
+              </a:rPr>
+              <a:t>Point</a:t>
+            </a:r>
+          </a:p>
+        </p:txBody>
+      </p:sp>
+      <p:sp>
+        <p:nvSpPr>
+          <p:cNvPr id="8" name="Rectangle 7">
+            <a:extLst>
+              <a:ext uri="{FF2B5EF4-FFF2-40B4-BE49-F238E27FC236}">
+                <a16:creationId xmlns:a16="http://schemas.microsoft.com/office/drawing/2014/main" id="{9CC46E56-6CF3-E76A-8BA2-B91BF5BE6885}"/>
+              </a:ext>
+            </a:extLst>
+          </p:cNvPr>
+          <p:cNvSpPr/>
+          <p:nvPr/>
+        </p:nvSpPr>
+        <p:spPr>
+          <a:xfrm>
+            <a:off x="7891283" y="2799992"/>
+            <a:ext cx="3337560" cy="993815"/>
+          </a:xfrm>
+          <a:prstGeom prst="rect">
+            <a:avLst/>
+          </a:prstGeom>
+          <a:solidFill>
+            <a:srgbClr val="002060"/>
+          </a:solidFill>
+          <a:ln w="28575">
+            <a:solidFill>
+              <a:schemeClr val="tx1"/>
+            </a:solidFill>
+          </a:ln>
+        </p:spPr>
+        <p:style>
+          <a:lnRef idx="2">
+            <a:schemeClr val="accent1">
+              <a:shade val="15000"/>
+            </a:schemeClr>
+          </a:lnRef>
+          <a:fillRef idx="1">
+            <a:schemeClr val="accent1"/>
+          </a:fillRef>
+          <a:effectRef idx="0">
+            <a:schemeClr val="accent1"/>
+          </a:effectRef>
+          <a:fontRef idx="minor">
+            <a:schemeClr val="lt1"/>
+          </a:fontRef>
+        </p:style>
+        <p:txBody>
+          <a:bodyPr rtlCol="0" anchor="ctr"/>
+          <a:lstStyle/>
+          <a:p>
+            <a:pPr algn="ctr"/>
+            <a:r>
+              <a:rPr lang="fr-FR" sz="1600" b="1" dirty="0">
+                <a:solidFill>
+                  <a:schemeClr val="bg1"/>
+                </a:solidFill>
+              </a:rPr>
+              <a:t>x</a:t>
+            </a:r>
+            <a:r>
+              <a:rPr lang="fr-FR" sz="1600" dirty="0">
+                <a:solidFill>
+                  <a:schemeClr val="bg1"/>
+                </a:solidFill>
+              </a:rPr>
+              <a:t> : </a:t>
+            </a:r>
+            <a:r>
+              <a:rPr lang="fr-FR" sz="1600" dirty="0" err="1">
+                <a:solidFill>
+                  <a:schemeClr val="bg1"/>
+                </a:solidFill>
+              </a:rPr>
+              <a:t>float</a:t>
+            </a:r>
+            <a:r>
+              <a:rPr lang="fr-FR" sz="1600" dirty="0">
+                <a:solidFill>
+                  <a:schemeClr val="bg1"/>
+                </a:solidFill>
+              </a:rPr>
+              <a:t> </a:t>
+            </a:r>
+          </a:p>
+          <a:p>
+            <a:pPr algn="ctr"/>
+            <a:r>
+              <a:rPr lang="fr-FR" sz="1600" b="1" dirty="0">
+                <a:solidFill>
+                  <a:schemeClr val="bg1"/>
+                </a:solidFill>
+              </a:rPr>
+              <a:t>y</a:t>
+            </a:r>
+            <a:r>
+              <a:rPr lang="fr-FR" sz="1600" dirty="0">
+                <a:solidFill>
+                  <a:schemeClr val="bg1"/>
+                </a:solidFill>
+              </a:rPr>
+              <a:t> : </a:t>
+            </a:r>
+            <a:r>
+              <a:rPr lang="fr-FR" sz="1600" dirty="0" err="1">
+                <a:solidFill>
+                  <a:schemeClr val="bg1"/>
+                </a:solidFill>
+              </a:rPr>
+              <a:t>float</a:t>
+            </a:r>
+            <a:r>
+              <a:rPr lang="fr-FR" sz="1600" dirty="0">
+                <a:solidFill>
+                  <a:schemeClr val="bg1"/>
+                </a:solidFill>
+              </a:rPr>
+              <a:t> </a:t>
+            </a:r>
+          </a:p>
+          <a:p>
+            <a:pPr algn="ctr"/>
+            <a:r>
+              <a:rPr lang="fr-FR" sz="1600" b="1" dirty="0" err="1">
+                <a:solidFill>
+                  <a:schemeClr val="bg1"/>
+                </a:solidFill>
+              </a:rPr>
+              <a:t>name</a:t>
+            </a:r>
+            <a:r>
+              <a:rPr lang="fr-FR" sz="1600" dirty="0">
+                <a:solidFill>
+                  <a:schemeClr val="bg1"/>
+                </a:solidFill>
+              </a:rPr>
+              <a:t>: </a:t>
+            </a:r>
+            <a:r>
+              <a:rPr lang="fr-FR" sz="1600" dirty="0" err="1">
+                <a:solidFill>
+                  <a:schemeClr val="bg1"/>
+                </a:solidFill>
+              </a:rPr>
+              <a:t>str</a:t>
+            </a:r>
+            <a:endParaRPr lang="fr-FR" sz="1600" dirty="0">
+              <a:solidFill>
+                <a:schemeClr val="bg1"/>
+              </a:solidFill>
+            </a:endParaRPr>
+          </a:p>
+        </p:txBody>
+      </p:sp>
+      <p:sp>
+        <p:nvSpPr>
+          <p:cNvPr id="10" name="Rectangle 9">
+            <a:extLst>
+              <a:ext uri="{FF2B5EF4-FFF2-40B4-BE49-F238E27FC236}">
+                <a16:creationId xmlns:a16="http://schemas.microsoft.com/office/drawing/2014/main" id="{AD7DED79-7A22-273E-C914-93619C62CAEC}"/>
+              </a:ext>
+            </a:extLst>
+          </p:cNvPr>
+          <p:cNvSpPr/>
+          <p:nvPr/>
+        </p:nvSpPr>
+        <p:spPr>
+          <a:xfrm>
+            <a:off x="7891283" y="3793807"/>
+            <a:ext cx="3337560" cy="1472521"/>
+          </a:xfrm>
+          <a:prstGeom prst="rect">
+            <a:avLst/>
+          </a:prstGeom>
+          <a:solidFill>
+            <a:srgbClr val="00B0F0"/>
+          </a:solidFill>
+          <a:ln w="28575">
+            <a:solidFill>
+              <a:schemeClr val="tx1"/>
+            </a:solidFill>
+          </a:ln>
+        </p:spPr>
+        <p:style>
+          <a:lnRef idx="2">
+            <a:schemeClr val="accent1">
+              <a:shade val="15000"/>
+            </a:schemeClr>
+          </a:lnRef>
+          <a:fillRef idx="1">
+            <a:schemeClr val="accent1"/>
+          </a:fillRef>
+          <a:effectRef idx="0">
+            <a:schemeClr val="accent1"/>
+          </a:effectRef>
+          <a:fontRef idx="minor">
+            <a:schemeClr val="lt1"/>
+          </a:fontRef>
+        </p:style>
+        <p:txBody>
+          <a:bodyPr rtlCol="0" anchor="ctr"/>
+          <a:lstStyle/>
+          <a:p>
+            <a:pPr algn="ctr"/>
+            <a:r>
+              <a:rPr lang="fr-FR" sz="1600" b="1" dirty="0">
+                <a:solidFill>
+                  <a:schemeClr val="tx1"/>
+                </a:solidFill>
+              </a:rPr>
+              <a:t>__init__</a:t>
+            </a:r>
+            <a:r>
+              <a:rPr lang="fr-FR" sz="1600" dirty="0">
+                <a:solidFill>
+                  <a:schemeClr val="tx1"/>
+                </a:solidFill>
+              </a:rPr>
+              <a:t>(x: </a:t>
+            </a:r>
+            <a:r>
+              <a:rPr lang="fr-FR" sz="1600" dirty="0" err="1">
+                <a:solidFill>
+                  <a:schemeClr val="tx1"/>
+                </a:solidFill>
+              </a:rPr>
+              <a:t>float</a:t>
+            </a:r>
+            <a:r>
+              <a:rPr lang="fr-FR" sz="1600" dirty="0">
+                <a:solidFill>
+                  <a:schemeClr val="tx1"/>
+                </a:solidFill>
+              </a:rPr>
+              <a:t>, y: </a:t>
+            </a:r>
+            <a:r>
+              <a:rPr lang="fr-FR" sz="1600" dirty="0" err="1">
+                <a:solidFill>
+                  <a:schemeClr val="tx1"/>
+                </a:solidFill>
+              </a:rPr>
+              <a:t>float</a:t>
+            </a:r>
+            <a:r>
+              <a:rPr lang="fr-FR" sz="1600" dirty="0">
+                <a:solidFill>
+                  <a:schemeClr val="tx1"/>
+                </a:solidFill>
+              </a:rPr>
+              <a:t>)  </a:t>
+            </a:r>
+          </a:p>
+          <a:p>
+            <a:pPr algn="ctr"/>
+            <a:r>
+              <a:rPr lang="fr-FR" sz="1600" b="1" dirty="0">
+                <a:solidFill>
+                  <a:schemeClr val="tx1"/>
+                </a:solidFill>
+              </a:rPr>
+              <a:t>__</a:t>
+            </a:r>
+            <a:r>
+              <a:rPr lang="fr-FR" sz="1600" b="1" dirty="0" err="1">
+                <a:solidFill>
+                  <a:schemeClr val="tx1"/>
+                </a:solidFill>
+              </a:rPr>
+              <a:t>str</a:t>
+            </a:r>
+            <a:r>
+              <a:rPr lang="fr-FR" sz="1600" b="1" dirty="0">
+                <a:solidFill>
+                  <a:schemeClr val="tx1"/>
+                </a:solidFill>
+              </a:rPr>
+              <a:t>__</a:t>
+            </a:r>
+            <a:r>
+              <a:rPr lang="fr-FR" sz="1600" dirty="0">
+                <a:solidFill>
+                  <a:schemeClr val="tx1"/>
+                </a:solidFill>
+              </a:rPr>
+              <a:t>()</a:t>
+            </a:r>
+          </a:p>
+          <a:p>
+            <a:pPr algn="ctr"/>
+            <a:r>
+              <a:rPr lang="fr-FR" sz="1600" b="1" dirty="0">
+                <a:solidFill>
+                  <a:schemeClr val="tx1"/>
+                </a:solidFill>
+              </a:rPr>
+              <a:t>move(</a:t>
+            </a:r>
+            <a:r>
+              <a:rPr lang="fr-FR" sz="1600" dirty="0">
+                <a:solidFill>
+                  <a:schemeClr val="tx1"/>
+                </a:solidFill>
+              </a:rPr>
+              <a:t>x: </a:t>
+            </a:r>
+            <a:r>
+              <a:rPr lang="fr-FR" sz="1600" dirty="0" err="1">
+                <a:solidFill>
+                  <a:schemeClr val="tx1"/>
+                </a:solidFill>
+              </a:rPr>
+              <a:t>float</a:t>
+            </a:r>
+            <a:r>
+              <a:rPr lang="fr-FR" sz="1600" dirty="0">
+                <a:solidFill>
+                  <a:schemeClr val="tx1"/>
+                </a:solidFill>
+              </a:rPr>
+              <a:t>, y: </a:t>
+            </a:r>
+            <a:r>
+              <a:rPr lang="fr-FR" sz="1600" dirty="0" err="1">
+                <a:solidFill>
+                  <a:schemeClr val="tx1"/>
+                </a:solidFill>
+              </a:rPr>
+              <a:t>float</a:t>
+            </a:r>
+            <a:r>
+              <a:rPr lang="fr-FR" sz="1600" b="1" dirty="0">
+                <a:solidFill>
+                  <a:schemeClr val="tx1"/>
+                </a:solidFill>
+              </a:rPr>
+              <a:t>)</a:t>
+            </a:r>
+          </a:p>
+          <a:p>
+            <a:pPr algn="ctr"/>
+            <a:r>
+              <a:rPr lang="fr-FR" sz="1600" b="1" dirty="0">
+                <a:solidFill>
+                  <a:schemeClr val="tx1"/>
+                </a:solidFill>
+              </a:rPr>
+              <a:t>distance( </a:t>
+            </a:r>
+            <a:r>
+              <a:rPr lang="fr-FR" sz="1600" dirty="0">
+                <a:solidFill>
+                  <a:schemeClr val="tx1"/>
+                </a:solidFill>
+              </a:rPr>
+              <a:t>?</a:t>
+            </a:r>
+            <a:r>
+              <a:rPr lang="fr-FR" sz="1600" b="1" dirty="0">
+                <a:solidFill>
+                  <a:schemeClr val="tx1"/>
+                </a:solidFill>
+              </a:rPr>
+              <a:t> )</a:t>
+            </a:r>
+            <a:r>
+              <a:rPr lang="fr-FR" sz="1600" i="1" dirty="0">
+                <a:solidFill>
+                  <a:schemeClr val="tx1"/>
+                </a:solidFill>
+              </a:rPr>
+              <a:t>: </a:t>
+            </a:r>
+            <a:r>
+              <a:rPr lang="fr-FR" sz="1600" i="1" dirty="0" err="1">
+                <a:solidFill>
+                  <a:schemeClr val="tx1"/>
+                </a:solidFill>
+              </a:rPr>
+              <a:t>float</a:t>
+            </a:r>
+            <a:endParaRPr lang="fr-FR" sz="1600" i="1" dirty="0">
+              <a:solidFill>
+                <a:schemeClr val="tx1"/>
+              </a:solidFill>
+            </a:endParaRPr>
+          </a:p>
+        </p:txBody>
+      </p:sp>
+      <p:sp>
+        <p:nvSpPr>
+          <p:cNvPr id="11" name="Rectangle 10">
+            <a:extLst>
+              <a:ext uri="{FF2B5EF4-FFF2-40B4-BE49-F238E27FC236}">
+                <a16:creationId xmlns:a16="http://schemas.microsoft.com/office/drawing/2014/main" id="{BC413374-92A9-8C60-4158-3D3499EC6939}"/>
+              </a:ext>
+            </a:extLst>
+          </p:cNvPr>
+          <p:cNvSpPr/>
+          <p:nvPr/>
+        </p:nvSpPr>
+        <p:spPr>
+          <a:xfrm rot="16200000">
+            <a:off x="6795020" y="4402529"/>
+            <a:ext cx="1472520" cy="255073"/>
+          </a:xfrm>
+          <a:prstGeom prst="rect">
+            <a:avLst/>
+          </a:prstGeom>
+          <a:solidFill>
+            <a:srgbClr val="00B0F0"/>
+          </a:solidFill>
+          <a:ln>
+            <a:noFill/>
+          </a:ln>
+        </p:spPr>
+        <p:style>
+          <a:lnRef idx="2">
+            <a:schemeClr val="accent1">
+              <a:shade val="15000"/>
+            </a:schemeClr>
+          </a:lnRef>
+          <a:fillRef idx="1">
+            <a:schemeClr val="accent1"/>
+          </a:fillRef>
+          <a:effectRef idx="0">
+            <a:schemeClr val="accent1"/>
+          </a:effectRef>
+          <a:fontRef idx="minor">
+            <a:schemeClr val="lt1"/>
+          </a:fontRef>
+        </p:style>
+        <p:txBody>
+          <a:bodyPr vert="horz" rtlCol="0" anchor="ctr"/>
+          <a:lstStyle/>
+          <a:p>
+            <a:pPr algn="ctr"/>
+            <a:r>
+              <a:rPr lang="fr-FR" sz="1100" b="1" dirty="0"/>
+              <a:t>COMPORTEMENT</a:t>
+            </a:r>
+          </a:p>
+        </p:txBody>
+      </p:sp>
+      <p:sp>
+        <p:nvSpPr>
+          <p:cNvPr id="14" name="Rectangle 13">
+            <a:extLst>
+              <a:ext uri="{FF2B5EF4-FFF2-40B4-BE49-F238E27FC236}">
+                <a16:creationId xmlns:a16="http://schemas.microsoft.com/office/drawing/2014/main" id="{55558313-49B9-3662-34AF-79892D778FA0}"/>
+              </a:ext>
+            </a:extLst>
+          </p:cNvPr>
+          <p:cNvSpPr/>
+          <p:nvPr/>
+        </p:nvSpPr>
+        <p:spPr>
+          <a:xfrm rot="16200000">
+            <a:off x="7034372" y="3169362"/>
+            <a:ext cx="993816" cy="255073"/>
+          </a:xfrm>
+          <a:prstGeom prst="rect">
+            <a:avLst/>
+          </a:prstGeom>
+          <a:solidFill>
+            <a:srgbClr val="002060"/>
+          </a:solidFill>
+          <a:ln>
+            <a:noFill/>
+          </a:ln>
+        </p:spPr>
+        <p:style>
+          <a:lnRef idx="2">
+            <a:schemeClr val="accent1">
+              <a:shade val="15000"/>
+            </a:schemeClr>
+          </a:lnRef>
+          <a:fillRef idx="1">
+            <a:schemeClr val="accent1"/>
+          </a:fillRef>
+          <a:effectRef idx="0">
+            <a:schemeClr val="accent1"/>
+          </a:effectRef>
+          <a:fontRef idx="minor">
+            <a:schemeClr val="lt1"/>
+          </a:fontRef>
+        </p:style>
+        <p:txBody>
+          <a:bodyPr vert="horz" rtlCol="0" anchor="ctr"/>
+          <a:lstStyle/>
+          <a:p>
+            <a:pPr algn="ctr"/>
+            <a:r>
+              <a:rPr lang="fr-FR" sz="1200" b="1" dirty="0"/>
+              <a:t>ETAT</a:t>
+            </a:r>
+          </a:p>
+        </p:txBody>
+      </p:sp>
+      <p:sp>
+        <p:nvSpPr>
+          <p:cNvPr id="12" name="ZoneTexte 11">
+            <a:extLst>
+              <a:ext uri="{FF2B5EF4-FFF2-40B4-BE49-F238E27FC236}">
+                <a16:creationId xmlns:a16="http://schemas.microsoft.com/office/drawing/2014/main" id="{45BE2059-D850-DEE0-F5E6-C9197ED39184}"/>
+              </a:ext>
+            </a:extLst>
+          </p:cNvPr>
+          <p:cNvSpPr txBox="1"/>
+          <p:nvPr/>
+        </p:nvSpPr>
+        <p:spPr>
+          <a:xfrm>
+            <a:off x="1380743" y="3506323"/>
+            <a:ext cx="5524153" cy="338554"/>
+          </a:xfrm>
+          <a:prstGeom prst="rect">
+            <a:avLst/>
+          </a:prstGeom>
+          <a:solidFill>
+            <a:schemeClr val="bg1">
+              <a:lumMod val="85000"/>
+            </a:schemeClr>
+          </a:solidFill>
+        </p:spPr>
+        <p:txBody>
+          <a:bodyPr wrap="square">
+            <a:spAutoFit/>
+          </a:bodyPr>
+          <a:lstStyle/>
+          <a:p>
+            <a:r>
+              <a:rPr lang="en-US" sz="1600" dirty="0" err="1">
+                <a:highlight>
+                  <a:srgbClr val="D6B4B2"/>
+                </a:highlight>
+              </a:rPr>
+              <a:t>pointA</a:t>
+            </a:r>
+            <a:r>
+              <a:rPr lang="fr-FR" sz="1600" dirty="0"/>
+              <a:t> </a:t>
+            </a:r>
+            <a:r>
+              <a:rPr lang="fr-FR" sz="1600" b="1" dirty="0"/>
+              <a:t>=</a:t>
+            </a:r>
+            <a:r>
+              <a:rPr lang="fr-FR" sz="1600" dirty="0"/>
+              <a:t> Point(-0.5, 5.5, ‘A’)</a:t>
+            </a:r>
+          </a:p>
+        </p:txBody>
+      </p:sp>
+      <p:sp>
+        <p:nvSpPr>
+          <p:cNvPr id="9" name="ZoneTexte 8">
+            <a:extLst>
+              <a:ext uri="{FF2B5EF4-FFF2-40B4-BE49-F238E27FC236}">
+                <a16:creationId xmlns:a16="http://schemas.microsoft.com/office/drawing/2014/main" id="{4388EDFA-1D3D-EBBA-8FDE-EA077319C5CF}"/>
+              </a:ext>
+            </a:extLst>
+          </p:cNvPr>
+          <p:cNvSpPr txBox="1"/>
+          <p:nvPr/>
+        </p:nvSpPr>
+        <p:spPr>
+          <a:xfrm>
+            <a:off x="808897" y="4027244"/>
+            <a:ext cx="6096000" cy="584775"/>
+          </a:xfrm>
+          <a:prstGeom prst="rect">
+            <a:avLst/>
+          </a:prstGeom>
+          <a:solidFill>
+            <a:schemeClr val="bg1">
+              <a:lumMod val="95000"/>
+            </a:schemeClr>
+          </a:solidFill>
+        </p:spPr>
+        <p:txBody>
+          <a:bodyPr wrap="square">
+            <a:spAutoFit/>
+          </a:bodyPr>
+          <a:lstStyle/>
+          <a:p>
+            <a:r>
+              <a:rPr lang="fr-FR" sz="1600" b="1" dirty="0"/>
+              <a:t>	</a:t>
+            </a:r>
+            <a:r>
+              <a:rPr lang="fr-FR" sz="1600" b="1" dirty="0" err="1"/>
+              <a:t>def</a:t>
+            </a:r>
+            <a:r>
+              <a:rPr lang="fr-FR" sz="1600" dirty="0"/>
+              <a:t> </a:t>
+            </a:r>
+            <a:r>
+              <a:rPr lang="fr-FR" sz="1600" i="1" dirty="0"/>
+              <a:t>distance</a:t>
+            </a:r>
+            <a:r>
+              <a:rPr lang="fr-FR" sz="1600" dirty="0"/>
+              <a:t>(</a:t>
+            </a:r>
+            <a:r>
+              <a:rPr lang="fr-FR" sz="1600" b="1" dirty="0"/>
+              <a:t>self</a:t>
+            </a:r>
+            <a:r>
+              <a:rPr lang="fr-FR" sz="1600" dirty="0"/>
+              <a:t>,</a:t>
+            </a:r>
+            <a:r>
+              <a:rPr lang="fr-FR" sz="1600" b="1" dirty="0"/>
+              <a:t> </a:t>
+            </a:r>
+            <a:r>
+              <a:rPr lang="fr-FR" sz="1600" dirty="0"/>
+              <a:t>??):</a:t>
+            </a:r>
+          </a:p>
+          <a:p>
+            <a:r>
+              <a:rPr lang="fr-FR" sz="1600" dirty="0"/>
+              <a:t>		?</a:t>
+            </a:r>
+          </a:p>
+        </p:txBody>
+      </p:sp>
+    </p:spTree>
+    <p:extLst>
+      <p:ext uri="{BB962C8B-B14F-4D97-AF65-F5344CB8AC3E}">
+        <p14:creationId xmlns:p14="http://schemas.microsoft.com/office/powerpoint/2010/main" val="1172841930"/>
+      </p:ext>
+    </p:extLst>
+  </p:cSld>
+  <p:clrMapOvr>
+    <a:masterClrMapping/>
+  </p:clrMapOvr>
+</p:sld>
+</file>
+
+<file path=ppt/slides/slide31.xml><?xml version="1.0" encoding="utf-8"?>
+<p:sld xmlns:a="http://schemas.openxmlformats.org/drawingml/2006/main" xmlns:r="http://schemas.openxmlformats.org/officeDocument/2006/relationships" xmlns:p="http://schemas.openxmlformats.org/presentationml/2006/main">
+  <p:cSld>
+    <p:spTree>
+      <p:nvGrpSpPr>
+        <p:cNvPr id="1" name="">
+          <a:extLst>
+            <a:ext uri="{FF2B5EF4-FFF2-40B4-BE49-F238E27FC236}">
+              <a16:creationId xmlns:a16="http://schemas.microsoft.com/office/drawing/2014/main" id="{F5559286-3EA8-14DC-8BDB-B4F26E71F79F}"/>
+            </a:ext>
+          </a:extLst>
+        </p:cNvPr>
+        <p:cNvGrpSpPr/>
+        <p:nvPr/>
+      </p:nvGrpSpPr>
+      <p:grpSpPr>
+        <a:xfrm>
+          <a:off x="0" y="0"/>
+          <a:ext cx="0" cy="0"/>
+          <a:chOff x="0" y="0"/>
+          <a:chExt cx="0" cy="0"/>
+        </a:xfrm>
+      </p:grpSpPr>
+      <p:sp>
+        <p:nvSpPr>
+          <p:cNvPr id="3" name="Rectangle 2">
+            <a:extLst>
+              <a:ext uri="{FF2B5EF4-FFF2-40B4-BE49-F238E27FC236}">
+                <a16:creationId xmlns:a16="http://schemas.microsoft.com/office/drawing/2014/main" id="{F3E8127C-BDFE-459C-4156-16992C1E79BB}"/>
+              </a:ext>
+            </a:extLst>
+          </p:cNvPr>
+          <p:cNvSpPr/>
+          <p:nvPr/>
+        </p:nvSpPr>
+        <p:spPr>
+          <a:xfrm>
+            <a:off x="673975" y="405113"/>
+            <a:ext cx="11020314" cy="937549"/>
+          </a:xfrm>
+          <a:prstGeom prst="rect">
+            <a:avLst/>
+          </a:prstGeom>
+          <a:solidFill>
+            <a:schemeClr val="bg1"/>
+          </a:solidFill>
+          <a:ln>
+            <a:solidFill>
+              <a:schemeClr val="bg1">
+                <a:lumMod val="95000"/>
+              </a:schemeClr>
+            </a:solidFill>
+          </a:ln>
+          <a:effectLst>
+            <a:outerShdw blurRad="50800" dist="38100" dir="2700000" algn="tl" rotWithShape="0">
+              <a:prstClr val="black">
+                <a:alpha val="40000"/>
+              </a:prstClr>
+            </a:outerShdw>
+          </a:effectLst>
+        </p:spPr>
+        <p:style>
+          <a:lnRef idx="2">
+            <a:schemeClr val="accent1">
+              <a:shade val="15000"/>
+            </a:schemeClr>
+          </a:lnRef>
+          <a:fillRef idx="1">
+            <a:schemeClr val="accent1"/>
+          </a:fillRef>
+          <a:effectRef idx="0">
+            <a:schemeClr val="accent1"/>
+          </a:effectRef>
+          <a:fontRef idx="minor">
+            <a:schemeClr val="lt1"/>
+          </a:fontRef>
+        </p:style>
+        <p:txBody>
+          <a:bodyPr rtlCol="0" anchor="ctr"/>
+          <a:lstStyle/>
+          <a:p>
+            <a:pPr algn="ctr"/>
+            <a:endParaRPr lang="fr-FR"/>
+          </a:p>
+        </p:txBody>
+      </p:sp>
+      <p:sp>
+        <p:nvSpPr>
+          <p:cNvPr id="2" name="Titre 1">
+            <a:extLst>
+              <a:ext uri="{FF2B5EF4-FFF2-40B4-BE49-F238E27FC236}">
+                <a16:creationId xmlns:a16="http://schemas.microsoft.com/office/drawing/2014/main" id="{6F3C41B0-73B2-2013-88B0-C005998E3F5D}"/>
+              </a:ext>
+            </a:extLst>
+          </p:cNvPr>
+          <p:cNvSpPr txBox="1">
+            <a:spLocks/>
+          </p:cNvSpPr>
+          <p:nvPr/>
+        </p:nvSpPr>
+        <p:spPr>
+          <a:xfrm>
+            <a:off x="907225" y="583365"/>
+            <a:ext cx="8970548" cy="701426"/>
+          </a:xfrm>
+          <a:prstGeom prst="rect">
+            <a:avLst/>
+          </a:prstGeom>
+        </p:spPr>
+        <p:txBody>
+          <a:bodyPr>
+            <a:normAutofit/>
+          </a:bodyPr>
+          <a:lstStyle>
+            <a:lvl1pPr algn="l" defTabSz="914400" rtl="0" eaLnBrk="1" latinLnBrk="0" hangingPunct="1">
+              <a:lnSpc>
+                <a:spcPct val="90000"/>
+              </a:lnSpc>
+              <a:spcBef>
+                <a:spcPct val="0"/>
+              </a:spcBef>
+              <a:buNone/>
+              <a:defRPr sz="4400" kern="1200">
+                <a:solidFill>
+                  <a:schemeClr val="tx1"/>
+                </a:solidFill>
+                <a:latin typeface="+mj-lt"/>
+                <a:ea typeface="+mj-ea"/>
+                <a:cs typeface="+mj-cs"/>
+              </a:defRPr>
+            </a:lvl1pPr>
+          </a:lstStyle>
+          <a:p>
+            <a:r>
+              <a:rPr lang="fr-FR" sz="4000" dirty="0"/>
+              <a:t>S’entrainer à la POO</a:t>
+            </a:r>
+          </a:p>
+        </p:txBody>
+      </p:sp>
+      <p:sp>
+        <p:nvSpPr>
+          <p:cNvPr id="7" name="Rectangle 6">
+            <a:extLst>
+              <a:ext uri="{FF2B5EF4-FFF2-40B4-BE49-F238E27FC236}">
                 <a16:creationId xmlns:a16="http://schemas.microsoft.com/office/drawing/2014/main" id="{43A624B7-81F5-B0DA-F730-9A1DECD875C6}"/>
               </a:ext>
             </a:extLst>
@@ -34182,7 +35034,7 @@
 </p:sld>
 </file>
 
-<file path=ppt/slides/slide31.xml><?xml version="1.0" encoding="utf-8"?>
+<file path=ppt/slides/slide32.xml><?xml version="1.0" encoding="utf-8"?>
 <p:sld xmlns:a="http://schemas.openxmlformats.org/drawingml/2006/main" xmlns:r="http://schemas.openxmlformats.org/officeDocument/2006/relationships" xmlns:p="http://schemas.openxmlformats.org/presentationml/2006/main">
   <p:cSld>
     <p:spTree>
@@ -35300,7 +36152,7 @@
 </p:sld>
 </file>
 
-<file path=ppt/slides/slide32.xml><?xml version="1.0" encoding="utf-8"?>
+<file path=ppt/slides/slide33.xml><?xml version="1.0" encoding="utf-8"?>
 <p:sld xmlns:a="http://schemas.openxmlformats.org/drawingml/2006/main" xmlns:r="http://schemas.openxmlformats.org/officeDocument/2006/relationships" xmlns:p="http://schemas.openxmlformats.org/presentationml/2006/main">
   <p:cSld>
     <p:spTree>

--- a/ONIP/S6_0_Intro/ONIP2_Classes_et_objets.pptx
+++ b/ONIP/S6_0_Intro/ONIP2_Classes_et_objets.pptx
@@ -5,7 +5,7 @@
     <p:sldMasterId id="2147483711" r:id="rId1"/>
   </p:sldMasterIdLst>
   <p:notesMasterIdLst>
-    <p:notesMasterId r:id="rId35"/>
+    <p:notesMasterId r:id="rId34"/>
   </p:notesMasterIdLst>
   <p:sldIdLst>
     <p:sldId id="322" r:id="rId2"/>
@@ -16,31 +16,30 @@
     <p:sldId id="327" r:id="rId7"/>
     <p:sldId id="328" r:id="rId8"/>
     <p:sldId id="329" r:id="rId9"/>
-    <p:sldId id="330" r:id="rId10"/>
-    <p:sldId id="331" r:id="rId11"/>
-    <p:sldId id="332" r:id="rId12"/>
-    <p:sldId id="333" r:id="rId13"/>
-    <p:sldId id="334" r:id="rId14"/>
-    <p:sldId id="347" r:id="rId15"/>
-    <p:sldId id="348" r:id="rId16"/>
-    <p:sldId id="349" r:id="rId17"/>
-    <p:sldId id="361" r:id="rId18"/>
-    <p:sldId id="351" r:id="rId19"/>
-    <p:sldId id="352" r:id="rId20"/>
-    <p:sldId id="350" r:id="rId21"/>
-    <p:sldId id="336" r:id="rId22"/>
-    <p:sldId id="337" r:id="rId23"/>
-    <p:sldId id="338" r:id="rId24"/>
-    <p:sldId id="342" r:id="rId25"/>
-    <p:sldId id="354" r:id="rId26"/>
-    <p:sldId id="355" r:id="rId27"/>
-    <p:sldId id="356" r:id="rId28"/>
-    <p:sldId id="357" r:id="rId29"/>
-    <p:sldId id="358" r:id="rId30"/>
-    <p:sldId id="359" r:id="rId31"/>
-    <p:sldId id="360" r:id="rId32"/>
-    <p:sldId id="340" r:id="rId33"/>
-    <p:sldId id="345" r:id="rId34"/>
+    <p:sldId id="331" r:id="rId10"/>
+    <p:sldId id="332" r:id="rId11"/>
+    <p:sldId id="333" r:id="rId12"/>
+    <p:sldId id="334" r:id="rId13"/>
+    <p:sldId id="347" r:id="rId14"/>
+    <p:sldId id="348" r:id="rId15"/>
+    <p:sldId id="349" r:id="rId16"/>
+    <p:sldId id="361" r:id="rId17"/>
+    <p:sldId id="351" r:id="rId18"/>
+    <p:sldId id="352" r:id="rId19"/>
+    <p:sldId id="350" r:id="rId20"/>
+    <p:sldId id="336" r:id="rId21"/>
+    <p:sldId id="337" r:id="rId22"/>
+    <p:sldId id="338" r:id="rId23"/>
+    <p:sldId id="342" r:id="rId24"/>
+    <p:sldId id="354" r:id="rId25"/>
+    <p:sldId id="355" r:id="rId26"/>
+    <p:sldId id="356" r:id="rId27"/>
+    <p:sldId id="357" r:id="rId28"/>
+    <p:sldId id="358" r:id="rId29"/>
+    <p:sldId id="359" r:id="rId30"/>
+    <p:sldId id="360" r:id="rId31"/>
+    <p:sldId id="340" r:id="rId32"/>
+    <p:sldId id="345" r:id="rId33"/>
   </p:sldIdLst>
   <p:sldSz cx="12192000" cy="6858000"/>
   <p:notesSz cx="6858000" cy="9144000"/>
@@ -240,7 +239,7 @@
           <a:p>
             <a:fld id="{95F60532-AC81-4152-B45E-E054A978F780}" type="datetimeFigureOut">
               <a:rPr lang="fr-FR" smtClean="0"/>
-              <a:t>05/02/2025</a:t>
+              <a:t>21/02/2026</a:t>
             </a:fld>
             <a:endParaRPr lang="fr-FR"/>
           </a:p>
@@ -626,117 +625,6 @@
         <p:cNvPr id="1" name="">
           <a:extLst>
             <a:ext uri="{FF2B5EF4-FFF2-40B4-BE49-F238E27FC236}">
-              <a16:creationId xmlns:a16="http://schemas.microsoft.com/office/drawing/2014/main" id="{5209A11C-5F29-8CDD-EE83-A3858B6170E2}"/>
-            </a:ext>
-          </a:extLst>
-        </p:cNvPr>
-        <p:cNvGrpSpPr/>
-        <p:nvPr/>
-      </p:nvGrpSpPr>
-      <p:grpSpPr>
-        <a:xfrm>
-          <a:off x="0" y="0"/>
-          <a:ext cx="0" cy="0"/>
-          <a:chOff x="0" y="0"/>
-          <a:chExt cx="0" cy="0"/>
-        </a:xfrm>
-      </p:grpSpPr>
-      <p:sp>
-        <p:nvSpPr>
-          <p:cNvPr id="2" name="Espace réservé de l'image des diapositives 1">
-            <a:extLst>
-              <a:ext uri="{FF2B5EF4-FFF2-40B4-BE49-F238E27FC236}">
-                <a16:creationId xmlns:a16="http://schemas.microsoft.com/office/drawing/2014/main" id="{E79EE9B8-7761-AD99-A09B-2C49125116DE}"/>
-              </a:ext>
-            </a:extLst>
-          </p:cNvPr>
-          <p:cNvSpPr>
-            <a:spLocks noGrp="1" noRot="1" noChangeAspect="1"/>
-          </p:cNvSpPr>
-          <p:nvPr>
-            <p:ph type="sldImg"/>
-          </p:nvPr>
-        </p:nvSpPr>
-        <p:spPr/>
-      </p:sp>
-      <p:sp>
-        <p:nvSpPr>
-          <p:cNvPr id="3" name="Espace réservé des notes 2">
-            <a:extLst>
-              <a:ext uri="{FF2B5EF4-FFF2-40B4-BE49-F238E27FC236}">
-                <a16:creationId xmlns:a16="http://schemas.microsoft.com/office/drawing/2014/main" id="{BAE22047-3A41-3277-C094-79F5256C71D7}"/>
-              </a:ext>
-            </a:extLst>
-          </p:cNvPr>
-          <p:cNvSpPr>
-            <a:spLocks noGrp="1"/>
-          </p:cNvSpPr>
-          <p:nvPr>
-            <p:ph type="body" idx="1"/>
-          </p:nvPr>
-        </p:nvSpPr>
-        <p:spPr/>
-        <p:txBody>
-          <a:bodyPr/>
-          <a:lstStyle/>
-          <a:p>
-            <a:endParaRPr lang="fr-FR" dirty="0"/>
-          </a:p>
-          <a:p>
-            <a:endParaRPr lang="fr-FR" dirty="0"/>
-          </a:p>
-        </p:txBody>
-      </p:sp>
-      <p:sp>
-        <p:nvSpPr>
-          <p:cNvPr id="4" name="Espace réservé du numéro de diapositive 3">
-            <a:extLst>
-              <a:ext uri="{FF2B5EF4-FFF2-40B4-BE49-F238E27FC236}">
-                <a16:creationId xmlns:a16="http://schemas.microsoft.com/office/drawing/2014/main" id="{AEEDB2EA-8C40-DCBF-6B48-E25E7A4A8958}"/>
-              </a:ext>
-            </a:extLst>
-          </p:cNvPr>
-          <p:cNvSpPr>
-            <a:spLocks noGrp="1"/>
-          </p:cNvSpPr>
-          <p:nvPr>
-            <p:ph type="sldNum" sz="quarter" idx="5"/>
-          </p:nvPr>
-        </p:nvSpPr>
-        <p:spPr/>
-        <p:txBody>
-          <a:bodyPr/>
-          <a:lstStyle/>
-          <a:p>
-            <a:fld id="{6BDC53D4-8BF5-4FDD-81EC-7AC957B0D210}" type="slidenum">
-              <a:rPr lang="fr-FR" smtClean="0"/>
-              <a:t>12</a:t>
-            </a:fld>
-            <a:endParaRPr lang="fr-FR"/>
-          </a:p>
-        </p:txBody>
-      </p:sp>
-    </p:spTree>
-    <p:extLst>
-      <p:ext uri="{BB962C8B-B14F-4D97-AF65-F5344CB8AC3E}">
-        <p14:creationId xmlns:p14="http://schemas.microsoft.com/office/powerpoint/2010/main" val="3484688094"/>
-      </p:ext>
-    </p:extLst>
-  </p:cSld>
-  <p:clrMapOvr>
-    <a:masterClrMapping/>
-  </p:clrMapOvr>
-</p:notes>
-</file>
-
-<file path=ppt/notesSlides/notesSlide11.xml><?xml version="1.0" encoding="utf-8"?>
-<p:notes xmlns:a="http://schemas.openxmlformats.org/drawingml/2006/main" xmlns:r="http://schemas.openxmlformats.org/officeDocument/2006/relationships" xmlns:p="http://schemas.openxmlformats.org/presentationml/2006/main">
-  <p:cSld>
-    <p:spTree>
-      <p:nvGrpSpPr>
-        <p:cNvPr id="1" name="">
-          <a:extLst>
-            <a:ext uri="{FF2B5EF4-FFF2-40B4-BE49-F238E27FC236}">
               <a16:creationId xmlns:a16="http://schemas.microsoft.com/office/drawing/2014/main" id="{53747E1F-CC8C-FE9B-81FE-DFA322259E76}"/>
             </a:ext>
           </a:extLst>
@@ -821,7 +709,7 @@
           <a:p>
             <a:fld id="{6BDC53D4-8BF5-4FDD-81EC-7AC957B0D210}" type="slidenum">
               <a:rPr lang="fr-FR" smtClean="0"/>
-              <a:t>13</a:t>
+              <a:t>12</a:t>
             </a:fld>
             <a:endParaRPr lang="fr-FR"/>
           </a:p>
@@ -840,7 +728,7 @@
 </p:notes>
 </file>
 
-<file path=ppt/notesSlides/notesSlide12.xml><?xml version="1.0" encoding="utf-8"?>
+<file path=ppt/notesSlides/notesSlide11.xml><?xml version="1.0" encoding="utf-8"?>
 <p:notes xmlns:a="http://schemas.openxmlformats.org/drawingml/2006/main" xmlns:r="http://schemas.openxmlformats.org/officeDocument/2006/relationships" xmlns:p="http://schemas.openxmlformats.org/presentationml/2006/main">
   <p:cSld>
     <p:spTree>
@@ -932,7 +820,7 @@
           <a:p>
             <a:fld id="{6BDC53D4-8BF5-4FDD-81EC-7AC957B0D210}" type="slidenum">
               <a:rPr lang="fr-FR" smtClean="0"/>
-              <a:t>14</a:t>
+              <a:t>13</a:t>
             </a:fld>
             <a:endParaRPr lang="fr-FR"/>
           </a:p>
@@ -951,7 +839,7 @@
 </p:notes>
 </file>
 
-<file path=ppt/notesSlides/notesSlide13.xml><?xml version="1.0" encoding="utf-8"?>
+<file path=ppt/notesSlides/notesSlide12.xml><?xml version="1.0" encoding="utf-8"?>
 <p:notes xmlns:a="http://schemas.openxmlformats.org/drawingml/2006/main" xmlns:r="http://schemas.openxmlformats.org/officeDocument/2006/relationships" xmlns:p="http://schemas.openxmlformats.org/presentationml/2006/main">
   <p:cSld>
     <p:spTree>
@@ -1043,7 +931,7 @@
           <a:p>
             <a:fld id="{6BDC53D4-8BF5-4FDD-81EC-7AC957B0D210}" type="slidenum">
               <a:rPr lang="fr-FR" smtClean="0"/>
-              <a:t>15</a:t>
+              <a:t>14</a:t>
             </a:fld>
             <a:endParaRPr lang="fr-FR"/>
           </a:p>
@@ -1062,7 +950,7 @@
 </p:notes>
 </file>
 
-<file path=ppt/notesSlides/notesSlide14.xml><?xml version="1.0" encoding="utf-8"?>
+<file path=ppt/notesSlides/notesSlide13.xml><?xml version="1.0" encoding="utf-8"?>
 <p:notes xmlns:a="http://schemas.openxmlformats.org/drawingml/2006/main" xmlns:r="http://schemas.openxmlformats.org/officeDocument/2006/relationships" xmlns:p="http://schemas.openxmlformats.org/presentationml/2006/main">
   <p:cSld>
     <p:spTree>
@@ -1154,7 +1042,7 @@
           <a:p>
             <a:fld id="{6BDC53D4-8BF5-4FDD-81EC-7AC957B0D210}" type="slidenum">
               <a:rPr lang="fr-FR" smtClean="0"/>
-              <a:t>16</a:t>
+              <a:t>15</a:t>
             </a:fld>
             <a:endParaRPr lang="fr-FR"/>
           </a:p>
@@ -1173,7 +1061,7 @@
 </p:notes>
 </file>
 
-<file path=ppt/notesSlides/notesSlide15.xml><?xml version="1.0" encoding="utf-8"?>
+<file path=ppt/notesSlides/notesSlide14.xml><?xml version="1.0" encoding="utf-8"?>
 <p:notes xmlns:a="http://schemas.openxmlformats.org/drawingml/2006/main" xmlns:r="http://schemas.openxmlformats.org/officeDocument/2006/relationships" xmlns:p="http://schemas.openxmlformats.org/presentationml/2006/main">
   <p:cSld>
     <p:spTree>
@@ -1265,7 +1153,7 @@
           <a:p>
             <a:fld id="{6BDC53D4-8BF5-4FDD-81EC-7AC957B0D210}" type="slidenum">
               <a:rPr lang="fr-FR" smtClean="0"/>
-              <a:t>17</a:t>
+              <a:t>16</a:t>
             </a:fld>
             <a:endParaRPr lang="fr-FR"/>
           </a:p>
@@ -1284,7 +1172,7 @@
 </p:notes>
 </file>
 
-<file path=ppt/notesSlides/notesSlide16.xml><?xml version="1.0" encoding="utf-8"?>
+<file path=ppt/notesSlides/notesSlide15.xml><?xml version="1.0" encoding="utf-8"?>
 <p:notes xmlns:a="http://schemas.openxmlformats.org/drawingml/2006/main" xmlns:r="http://schemas.openxmlformats.org/officeDocument/2006/relationships" xmlns:p="http://schemas.openxmlformats.org/presentationml/2006/main">
   <p:cSld>
     <p:spTree>
@@ -1376,7 +1264,7 @@
           <a:p>
             <a:fld id="{6BDC53D4-8BF5-4FDD-81EC-7AC957B0D210}" type="slidenum">
               <a:rPr lang="fr-FR" smtClean="0"/>
-              <a:t>18</a:t>
+              <a:t>17</a:t>
             </a:fld>
             <a:endParaRPr lang="fr-FR"/>
           </a:p>
@@ -1395,7 +1283,7 @@
 </p:notes>
 </file>
 
-<file path=ppt/notesSlides/notesSlide17.xml><?xml version="1.0" encoding="utf-8"?>
+<file path=ppt/notesSlides/notesSlide16.xml><?xml version="1.0" encoding="utf-8"?>
 <p:notes xmlns:a="http://schemas.openxmlformats.org/drawingml/2006/main" xmlns:r="http://schemas.openxmlformats.org/officeDocument/2006/relationships" xmlns:p="http://schemas.openxmlformats.org/presentationml/2006/main">
   <p:cSld>
     <p:spTree>
@@ -1487,7 +1375,7 @@
           <a:p>
             <a:fld id="{6BDC53D4-8BF5-4FDD-81EC-7AC957B0D210}" type="slidenum">
               <a:rPr lang="fr-FR" smtClean="0"/>
-              <a:t>19</a:t>
+              <a:t>18</a:t>
             </a:fld>
             <a:endParaRPr lang="fr-FR"/>
           </a:p>
@@ -1506,7 +1394,7 @@
 </p:notes>
 </file>
 
-<file path=ppt/notesSlides/notesSlide18.xml><?xml version="1.0" encoding="utf-8"?>
+<file path=ppt/notesSlides/notesSlide17.xml><?xml version="1.0" encoding="utf-8"?>
 <p:notes xmlns:a="http://schemas.openxmlformats.org/drawingml/2006/main" xmlns:r="http://schemas.openxmlformats.org/officeDocument/2006/relationships" xmlns:p="http://schemas.openxmlformats.org/presentationml/2006/main">
   <p:cSld>
     <p:spTree>
@@ -1598,7 +1486,7 @@
           <a:p>
             <a:fld id="{6BDC53D4-8BF5-4FDD-81EC-7AC957B0D210}" type="slidenum">
               <a:rPr lang="fr-FR" smtClean="0"/>
-              <a:t>20</a:t>
+              <a:t>19</a:t>
             </a:fld>
             <a:endParaRPr lang="fr-FR"/>
           </a:p>
@@ -1617,7 +1505,7 @@
 </p:notes>
 </file>
 
-<file path=ppt/notesSlides/notesSlide19.xml><?xml version="1.0" encoding="utf-8"?>
+<file path=ppt/notesSlides/notesSlide18.xml><?xml version="1.0" encoding="utf-8"?>
 <p:notes xmlns:a="http://schemas.openxmlformats.org/drawingml/2006/main" xmlns:r="http://schemas.openxmlformats.org/officeDocument/2006/relationships" xmlns:p="http://schemas.openxmlformats.org/presentationml/2006/main">
   <p:cSld>
     <p:spTree>
@@ -1709,7 +1597,7 @@
           <a:p>
             <a:fld id="{6BDC53D4-8BF5-4FDD-81EC-7AC957B0D210}" type="slidenum">
               <a:rPr lang="fr-FR" smtClean="0"/>
-              <a:t>21</a:t>
+              <a:t>20</a:t>
             </a:fld>
             <a:endParaRPr lang="fr-FR"/>
           </a:p>
@@ -1719,6 +1607,117 @@
     <p:extLst>
       <p:ext uri="{BB962C8B-B14F-4D97-AF65-F5344CB8AC3E}">
         <p14:creationId xmlns:p14="http://schemas.microsoft.com/office/powerpoint/2010/main" val="2689343510"/>
+      </p:ext>
+    </p:extLst>
+  </p:cSld>
+  <p:clrMapOvr>
+    <a:masterClrMapping/>
+  </p:clrMapOvr>
+</p:notes>
+</file>
+
+<file path=ppt/notesSlides/notesSlide19.xml><?xml version="1.0" encoding="utf-8"?>
+<p:notes xmlns:a="http://schemas.openxmlformats.org/drawingml/2006/main" xmlns:r="http://schemas.openxmlformats.org/officeDocument/2006/relationships" xmlns:p="http://schemas.openxmlformats.org/presentationml/2006/main">
+  <p:cSld>
+    <p:spTree>
+      <p:nvGrpSpPr>
+        <p:cNvPr id="1" name="">
+          <a:extLst>
+            <a:ext uri="{FF2B5EF4-FFF2-40B4-BE49-F238E27FC236}">
+              <a16:creationId xmlns:a16="http://schemas.microsoft.com/office/drawing/2014/main" id="{69DFDD22-63E7-A50C-9EE6-0B0E60DBB9AC}"/>
+            </a:ext>
+          </a:extLst>
+        </p:cNvPr>
+        <p:cNvGrpSpPr/>
+        <p:nvPr/>
+      </p:nvGrpSpPr>
+      <p:grpSpPr>
+        <a:xfrm>
+          <a:off x="0" y="0"/>
+          <a:ext cx="0" cy="0"/>
+          <a:chOff x="0" y="0"/>
+          <a:chExt cx="0" cy="0"/>
+        </a:xfrm>
+      </p:grpSpPr>
+      <p:sp>
+        <p:nvSpPr>
+          <p:cNvPr id="2" name="Espace réservé de l'image des diapositives 1">
+            <a:extLst>
+              <a:ext uri="{FF2B5EF4-FFF2-40B4-BE49-F238E27FC236}">
+                <a16:creationId xmlns:a16="http://schemas.microsoft.com/office/drawing/2014/main" id="{6A5D2778-2556-0C9A-9DA9-111A60541BD1}"/>
+              </a:ext>
+            </a:extLst>
+          </p:cNvPr>
+          <p:cNvSpPr>
+            <a:spLocks noGrp="1" noRot="1" noChangeAspect="1"/>
+          </p:cNvSpPr>
+          <p:nvPr>
+            <p:ph type="sldImg"/>
+          </p:nvPr>
+        </p:nvSpPr>
+        <p:spPr/>
+      </p:sp>
+      <p:sp>
+        <p:nvSpPr>
+          <p:cNvPr id="3" name="Espace réservé des notes 2">
+            <a:extLst>
+              <a:ext uri="{FF2B5EF4-FFF2-40B4-BE49-F238E27FC236}">
+                <a16:creationId xmlns:a16="http://schemas.microsoft.com/office/drawing/2014/main" id="{336DD0AE-7EB3-7AC5-EF26-70E8B5A96107}"/>
+              </a:ext>
+            </a:extLst>
+          </p:cNvPr>
+          <p:cNvSpPr>
+            <a:spLocks noGrp="1"/>
+          </p:cNvSpPr>
+          <p:nvPr>
+            <p:ph type="body" idx="1"/>
+          </p:nvPr>
+        </p:nvSpPr>
+        <p:spPr/>
+        <p:txBody>
+          <a:bodyPr/>
+          <a:lstStyle/>
+          <a:p>
+            <a:endParaRPr lang="fr-FR" dirty="0"/>
+          </a:p>
+          <a:p>
+            <a:endParaRPr lang="fr-FR" dirty="0"/>
+          </a:p>
+        </p:txBody>
+      </p:sp>
+      <p:sp>
+        <p:nvSpPr>
+          <p:cNvPr id="4" name="Espace réservé du numéro de diapositive 3">
+            <a:extLst>
+              <a:ext uri="{FF2B5EF4-FFF2-40B4-BE49-F238E27FC236}">
+                <a16:creationId xmlns:a16="http://schemas.microsoft.com/office/drawing/2014/main" id="{1BC001C0-4789-E713-5D9C-652A246CB461}"/>
+              </a:ext>
+            </a:extLst>
+          </p:cNvPr>
+          <p:cNvSpPr>
+            <a:spLocks noGrp="1"/>
+          </p:cNvSpPr>
+          <p:nvPr>
+            <p:ph type="sldNum" sz="quarter" idx="5"/>
+          </p:nvPr>
+        </p:nvSpPr>
+        <p:spPr/>
+        <p:txBody>
+          <a:bodyPr/>
+          <a:lstStyle/>
+          <a:p>
+            <a:fld id="{6BDC53D4-8BF5-4FDD-81EC-7AC957B0D210}" type="slidenum">
+              <a:rPr lang="fr-FR" smtClean="0"/>
+              <a:t>22</a:t>
+            </a:fld>
+            <a:endParaRPr lang="fr-FR"/>
+          </a:p>
+        </p:txBody>
+      </p:sp>
+    </p:spTree>
+    <p:extLst>
+      <p:ext uri="{BB962C8B-B14F-4D97-AF65-F5344CB8AC3E}">
+        <p14:creationId xmlns:p14="http://schemas.microsoft.com/office/powerpoint/2010/main" val="4230595632"/>
       </p:ext>
     </p:extLst>
   </p:cSld>
@@ -1847,117 +1846,6 @@
         <p:cNvPr id="1" name="">
           <a:extLst>
             <a:ext uri="{FF2B5EF4-FFF2-40B4-BE49-F238E27FC236}">
-              <a16:creationId xmlns:a16="http://schemas.microsoft.com/office/drawing/2014/main" id="{69DFDD22-63E7-A50C-9EE6-0B0E60DBB9AC}"/>
-            </a:ext>
-          </a:extLst>
-        </p:cNvPr>
-        <p:cNvGrpSpPr/>
-        <p:nvPr/>
-      </p:nvGrpSpPr>
-      <p:grpSpPr>
-        <a:xfrm>
-          <a:off x="0" y="0"/>
-          <a:ext cx="0" cy="0"/>
-          <a:chOff x="0" y="0"/>
-          <a:chExt cx="0" cy="0"/>
-        </a:xfrm>
-      </p:grpSpPr>
-      <p:sp>
-        <p:nvSpPr>
-          <p:cNvPr id="2" name="Espace réservé de l'image des diapositives 1">
-            <a:extLst>
-              <a:ext uri="{FF2B5EF4-FFF2-40B4-BE49-F238E27FC236}">
-                <a16:creationId xmlns:a16="http://schemas.microsoft.com/office/drawing/2014/main" id="{6A5D2778-2556-0C9A-9DA9-111A60541BD1}"/>
-              </a:ext>
-            </a:extLst>
-          </p:cNvPr>
-          <p:cNvSpPr>
-            <a:spLocks noGrp="1" noRot="1" noChangeAspect="1"/>
-          </p:cNvSpPr>
-          <p:nvPr>
-            <p:ph type="sldImg"/>
-          </p:nvPr>
-        </p:nvSpPr>
-        <p:spPr/>
-      </p:sp>
-      <p:sp>
-        <p:nvSpPr>
-          <p:cNvPr id="3" name="Espace réservé des notes 2">
-            <a:extLst>
-              <a:ext uri="{FF2B5EF4-FFF2-40B4-BE49-F238E27FC236}">
-                <a16:creationId xmlns:a16="http://schemas.microsoft.com/office/drawing/2014/main" id="{336DD0AE-7EB3-7AC5-EF26-70E8B5A96107}"/>
-              </a:ext>
-            </a:extLst>
-          </p:cNvPr>
-          <p:cNvSpPr>
-            <a:spLocks noGrp="1"/>
-          </p:cNvSpPr>
-          <p:nvPr>
-            <p:ph type="body" idx="1"/>
-          </p:nvPr>
-        </p:nvSpPr>
-        <p:spPr/>
-        <p:txBody>
-          <a:bodyPr/>
-          <a:lstStyle/>
-          <a:p>
-            <a:endParaRPr lang="fr-FR" dirty="0"/>
-          </a:p>
-          <a:p>
-            <a:endParaRPr lang="fr-FR" dirty="0"/>
-          </a:p>
-        </p:txBody>
-      </p:sp>
-      <p:sp>
-        <p:nvSpPr>
-          <p:cNvPr id="4" name="Espace réservé du numéro de diapositive 3">
-            <a:extLst>
-              <a:ext uri="{FF2B5EF4-FFF2-40B4-BE49-F238E27FC236}">
-                <a16:creationId xmlns:a16="http://schemas.microsoft.com/office/drawing/2014/main" id="{1BC001C0-4789-E713-5D9C-652A246CB461}"/>
-              </a:ext>
-            </a:extLst>
-          </p:cNvPr>
-          <p:cNvSpPr>
-            <a:spLocks noGrp="1"/>
-          </p:cNvSpPr>
-          <p:nvPr>
-            <p:ph type="sldNum" sz="quarter" idx="5"/>
-          </p:nvPr>
-        </p:nvSpPr>
-        <p:spPr/>
-        <p:txBody>
-          <a:bodyPr/>
-          <a:lstStyle/>
-          <a:p>
-            <a:fld id="{6BDC53D4-8BF5-4FDD-81EC-7AC957B0D210}" type="slidenum">
-              <a:rPr lang="fr-FR" smtClean="0"/>
-              <a:t>23</a:t>
-            </a:fld>
-            <a:endParaRPr lang="fr-FR"/>
-          </a:p>
-        </p:txBody>
-      </p:sp>
-    </p:spTree>
-    <p:extLst>
-      <p:ext uri="{BB962C8B-B14F-4D97-AF65-F5344CB8AC3E}">
-        <p14:creationId xmlns:p14="http://schemas.microsoft.com/office/powerpoint/2010/main" val="4230595632"/>
-      </p:ext>
-    </p:extLst>
-  </p:cSld>
-  <p:clrMapOvr>
-    <a:masterClrMapping/>
-  </p:clrMapOvr>
-</p:notes>
-</file>
-
-<file path=ppt/notesSlides/notesSlide21.xml><?xml version="1.0" encoding="utf-8"?>
-<p:notes xmlns:a="http://schemas.openxmlformats.org/drawingml/2006/main" xmlns:r="http://schemas.openxmlformats.org/officeDocument/2006/relationships" xmlns:p="http://schemas.openxmlformats.org/presentationml/2006/main">
-  <p:cSld>
-    <p:spTree>
-      <p:nvGrpSpPr>
-        <p:cNvPr id="1" name="">
-          <a:extLst>
-            <a:ext uri="{FF2B5EF4-FFF2-40B4-BE49-F238E27FC236}">
               <a16:creationId xmlns:a16="http://schemas.microsoft.com/office/drawing/2014/main" id="{76D4CB59-C186-9703-A389-E1B67F48AFE7}"/>
             </a:ext>
           </a:extLst>
@@ -2042,7 +1930,7 @@
           <a:p>
             <a:fld id="{6BDC53D4-8BF5-4FDD-81EC-7AC957B0D210}" type="slidenum">
               <a:rPr lang="fr-FR" smtClean="0"/>
-              <a:t>24</a:t>
+              <a:t>23</a:t>
             </a:fld>
             <a:endParaRPr lang="fr-FR"/>
           </a:p>
@@ -2061,7 +1949,7 @@
 </p:notes>
 </file>
 
-<file path=ppt/notesSlides/notesSlide22.xml><?xml version="1.0" encoding="utf-8"?>
+<file path=ppt/notesSlides/notesSlide21.xml><?xml version="1.0" encoding="utf-8"?>
 <p:notes xmlns:a="http://schemas.openxmlformats.org/drawingml/2006/main" xmlns:r="http://schemas.openxmlformats.org/officeDocument/2006/relationships" xmlns:p="http://schemas.openxmlformats.org/presentationml/2006/main">
   <p:cSld>
     <p:spTree>
@@ -2153,7 +2041,7 @@
           <a:p>
             <a:fld id="{6BDC53D4-8BF5-4FDD-81EC-7AC957B0D210}" type="slidenum">
               <a:rPr lang="fr-FR" smtClean="0"/>
-              <a:t>25</a:t>
+              <a:t>24</a:t>
             </a:fld>
             <a:endParaRPr lang="fr-FR"/>
           </a:p>
@@ -2172,7 +2060,7 @@
 </p:notes>
 </file>
 
-<file path=ppt/notesSlides/notesSlide23.xml><?xml version="1.0" encoding="utf-8"?>
+<file path=ppt/notesSlides/notesSlide22.xml><?xml version="1.0" encoding="utf-8"?>
 <p:notes xmlns:a="http://schemas.openxmlformats.org/drawingml/2006/main" xmlns:r="http://schemas.openxmlformats.org/officeDocument/2006/relationships" xmlns:p="http://schemas.openxmlformats.org/presentationml/2006/main">
   <p:cSld>
     <p:spTree>
@@ -2264,7 +2152,7 @@
           <a:p>
             <a:fld id="{6BDC53D4-8BF5-4FDD-81EC-7AC957B0D210}" type="slidenum">
               <a:rPr lang="fr-FR" smtClean="0"/>
-              <a:t>26</a:t>
+              <a:t>25</a:t>
             </a:fld>
             <a:endParaRPr lang="fr-FR"/>
           </a:p>
@@ -2283,7 +2171,7 @@
 </p:notes>
 </file>
 
-<file path=ppt/notesSlides/notesSlide24.xml><?xml version="1.0" encoding="utf-8"?>
+<file path=ppt/notesSlides/notesSlide23.xml><?xml version="1.0" encoding="utf-8"?>
 <p:notes xmlns:a="http://schemas.openxmlformats.org/drawingml/2006/main" xmlns:r="http://schemas.openxmlformats.org/officeDocument/2006/relationships" xmlns:p="http://schemas.openxmlformats.org/presentationml/2006/main">
   <p:cSld>
     <p:spTree>
@@ -2375,7 +2263,7 @@
           <a:p>
             <a:fld id="{6BDC53D4-8BF5-4FDD-81EC-7AC957B0D210}" type="slidenum">
               <a:rPr lang="fr-FR" smtClean="0"/>
-              <a:t>27</a:t>
+              <a:t>26</a:t>
             </a:fld>
             <a:endParaRPr lang="fr-FR"/>
           </a:p>
@@ -2394,7 +2282,7 @@
 </p:notes>
 </file>
 
-<file path=ppt/notesSlides/notesSlide25.xml><?xml version="1.0" encoding="utf-8"?>
+<file path=ppt/notesSlides/notesSlide24.xml><?xml version="1.0" encoding="utf-8"?>
 <p:notes xmlns:a="http://schemas.openxmlformats.org/drawingml/2006/main" xmlns:r="http://schemas.openxmlformats.org/officeDocument/2006/relationships" xmlns:p="http://schemas.openxmlformats.org/presentationml/2006/main">
   <p:cSld>
     <p:spTree>
@@ -2486,7 +2374,7 @@
           <a:p>
             <a:fld id="{6BDC53D4-8BF5-4FDD-81EC-7AC957B0D210}" type="slidenum">
               <a:rPr lang="fr-FR" smtClean="0"/>
-              <a:t>28</a:t>
+              <a:t>27</a:t>
             </a:fld>
             <a:endParaRPr lang="fr-FR"/>
           </a:p>
@@ -2505,7 +2393,7 @@
 </p:notes>
 </file>
 
-<file path=ppt/notesSlides/notesSlide26.xml><?xml version="1.0" encoding="utf-8"?>
+<file path=ppt/notesSlides/notesSlide25.xml><?xml version="1.0" encoding="utf-8"?>
 <p:notes xmlns:a="http://schemas.openxmlformats.org/drawingml/2006/main" xmlns:r="http://schemas.openxmlformats.org/officeDocument/2006/relationships" xmlns:p="http://schemas.openxmlformats.org/presentationml/2006/main">
   <p:cSld>
     <p:spTree>
@@ -2597,7 +2485,7 @@
           <a:p>
             <a:fld id="{6BDC53D4-8BF5-4FDD-81EC-7AC957B0D210}" type="slidenum">
               <a:rPr lang="fr-FR" smtClean="0"/>
-              <a:t>29</a:t>
+              <a:t>28</a:t>
             </a:fld>
             <a:endParaRPr lang="fr-FR"/>
           </a:p>
@@ -2616,7 +2504,7 @@
 </p:notes>
 </file>
 
-<file path=ppt/notesSlides/notesSlide27.xml><?xml version="1.0" encoding="utf-8"?>
+<file path=ppt/notesSlides/notesSlide26.xml><?xml version="1.0" encoding="utf-8"?>
 <p:notes xmlns:a="http://schemas.openxmlformats.org/drawingml/2006/main" xmlns:r="http://schemas.openxmlformats.org/officeDocument/2006/relationships" xmlns:p="http://schemas.openxmlformats.org/presentationml/2006/main">
   <p:cSld>
     <p:spTree>
@@ -2708,7 +2596,7 @@
           <a:p>
             <a:fld id="{6BDC53D4-8BF5-4FDD-81EC-7AC957B0D210}" type="slidenum">
               <a:rPr lang="fr-FR" smtClean="0"/>
-              <a:t>30</a:t>
+              <a:t>29</a:t>
             </a:fld>
             <a:endParaRPr lang="fr-FR"/>
           </a:p>
@@ -2727,7 +2615,7 @@
 </p:notes>
 </file>
 
-<file path=ppt/notesSlides/notesSlide28.xml><?xml version="1.0" encoding="utf-8"?>
+<file path=ppt/notesSlides/notesSlide27.xml><?xml version="1.0" encoding="utf-8"?>
 <p:notes xmlns:a="http://schemas.openxmlformats.org/drawingml/2006/main" xmlns:r="http://schemas.openxmlformats.org/officeDocument/2006/relationships" xmlns:p="http://schemas.openxmlformats.org/presentationml/2006/main">
   <p:cSld>
     <p:spTree>
@@ -2819,7 +2707,7 @@
           <a:p>
             <a:fld id="{6BDC53D4-8BF5-4FDD-81EC-7AC957B0D210}" type="slidenum">
               <a:rPr lang="fr-FR" smtClean="0"/>
-              <a:t>31</a:t>
+              <a:t>30</a:t>
             </a:fld>
             <a:endParaRPr lang="fr-FR"/>
           </a:p>
@@ -2838,7 +2726,7 @@
 </p:notes>
 </file>
 
-<file path=ppt/notesSlides/notesSlide29.xml><?xml version="1.0" encoding="utf-8"?>
+<file path=ppt/notesSlides/notesSlide28.xml><?xml version="1.0" encoding="utf-8"?>
 <p:notes xmlns:a="http://schemas.openxmlformats.org/drawingml/2006/main" xmlns:r="http://schemas.openxmlformats.org/officeDocument/2006/relationships" xmlns:p="http://schemas.openxmlformats.org/presentationml/2006/main">
   <p:cSld>
     <p:spTree>
@@ -2930,7 +2818,7 @@
           <a:p>
             <a:fld id="{6BDC53D4-8BF5-4FDD-81EC-7AC957B0D210}" type="slidenum">
               <a:rPr lang="fr-FR" smtClean="0"/>
-              <a:t>32</a:t>
+              <a:t>31</a:t>
             </a:fld>
             <a:endParaRPr lang="fr-FR"/>
           </a:p>
@@ -2940,6 +2828,117 @@
     <p:extLst>
       <p:ext uri="{BB962C8B-B14F-4D97-AF65-F5344CB8AC3E}">
         <p14:creationId xmlns:p14="http://schemas.microsoft.com/office/powerpoint/2010/main" val="2757291329"/>
+      </p:ext>
+    </p:extLst>
+  </p:cSld>
+  <p:clrMapOvr>
+    <a:masterClrMapping/>
+  </p:clrMapOvr>
+</p:notes>
+</file>
+
+<file path=ppt/notesSlides/notesSlide29.xml><?xml version="1.0" encoding="utf-8"?>
+<p:notes xmlns:a="http://schemas.openxmlformats.org/drawingml/2006/main" xmlns:r="http://schemas.openxmlformats.org/officeDocument/2006/relationships" xmlns:p="http://schemas.openxmlformats.org/presentationml/2006/main">
+  <p:cSld>
+    <p:spTree>
+      <p:nvGrpSpPr>
+        <p:cNvPr id="1" name="">
+          <a:extLst>
+            <a:ext uri="{FF2B5EF4-FFF2-40B4-BE49-F238E27FC236}">
+              <a16:creationId xmlns:a16="http://schemas.microsoft.com/office/drawing/2014/main" id="{FD9FEDDB-4FB8-260D-E295-2687D740B1FE}"/>
+            </a:ext>
+          </a:extLst>
+        </p:cNvPr>
+        <p:cNvGrpSpPr/>
+        <p:nvPr/>
+      </p:nvGrpSpPr>
+      <p:grpSpPr>
+        <a:xfrm>
+          <a:off x="0" y="0"/>
+          <a:ext cx="0" cy="0"/>
+          <a:chOff x="0" y="0"/>
+          <a:chExt cx="0" cy="0"/>
+        </a:xfrm>
+      </p:grpSpPr>
+      <p:sp>
+        <p:nvSpPr>
+          <p:cNvPr id="2" name="Espace réservé de l'image des diapositives 1">
+            <a:extLst>
+              <a:ext uri="{FF2B5EF4-FFF2-40B4-BE49-F238E27FC236}">
+                <a16:creationId xmlns:a16="http://schemas.microsoft.com/office/drawing/2014/main" id="{CA9F278E-CE83-FC20-A251-50C576D01921}"/>
+              </a:ext>
+            </a:extLst>
+          </p:cNvPr>
+          <p:cNvSpPr>
+            <a:spLocks noGrp="1" noRot="1" noChangeAspect="1"/>
+          </p:cNvSpPr>
+          <p:nvPr>
+            <p:ph type="sldImg"/>
+          </p:nvPr>
+        </p:nvSpPr>
+        <p:spPr/>
+      </p:sp>
+      <p:sp>
+        <p:nvSpPr>
+          <p:cNvPr id="3" name="Espace réservé des notes 2">
+            <a:extLst>
+              <a:ext uri="{FF2B5EF4-FFF2-40B4-BE49-F238E27FC236}">
+                <a16:creationId xmlns:a16="http://schemas.microsoft.com/office/drawing/2014/main" id="{675E1979-8241-52CB-AFA1-7F97D4B77F6B}"/>
+              </a:ext>
+            </a:extLst>
+          </p:cNvPr>
+          <p:cNvSpPr>
+            <a:spLocks noGrp="1"/>
+          </p:cNvSpPr>
+          <p:nvPr>
+            <p:ph type="body" idx="1"/>
+          </p:nvPr>
+        </p:nvSpPr>
+        <p:spPr/>
+        <p:txBody>
+          <a:bodyPr/>
+          <a:lstStyle/>
+          <a:p>
+            <a:endParaRPr lang="fr-FR" dirty="0"/>
+          </a:p>
+          <a:p>
+            <a:endParaRPr lang="fr-FR" dirty="0"/>
+          </a:p>
+        </p:txBody>
+      </p:sp>
+      <p:sp>
+        <p:nvSpPr>
+          <p:cNvPr id="4" name="Espace réservé du numéro de diapositive 3">
+            <a:extLst>
+              <a:ext uri="{FF2B5EF4-FFF2-40B4-BE49-F238E27FC236}">
+                <a16:creationId xmlns:a16="http://schemas.microsoft.com/office/drawing/2014/main" id="{CFA31523-A6CB-9821-8049-51EE88C76935}"/>
+              </a:ext>
+            </a:extLst>
+          </p:cNvPr>
+          <p:cNvSpPr>
+            <a:spLocks noGrp="1"/>
+          </p:cNvSpPr>
+          <p:nvPr>
+            <p:ph type="sldNum" sz="quarter" idx="5"/>
+          </p:nvPr>
+        </p:nvSpPr>
+        <p:spPr/>
+        <p:txBody>
+          <a:bodyPr/>
+          <a:lstStyle/>
+          <a:p>
+            <a:fld id="{6BDC53D4-8BF5-4FDD-81EC-7AC957B0D210}" type="slidenum">
+              <a:rPr lang="fr-FR" smtClean="0"/>
+              <a:t>32</a:t>
+            </a:fld>
+            <a:endParaRPr lang="fr-FR"/>
+          </a:p>
+        </p:txBody>
+      </p:sp>
+    </p:spTree>
+    <p:extLst>
+      <p:ext uri="{BB962C8B-B14F-4D97-AF65-F5344CB8AC3E}">
+        <p14:creationId xmlns:p14="http://schemas.microsoft.com/office/powerpoint/2010/main" val="933452965"/>
       </p:ext>
     </p:extLst>
   </p:cSld>
@@ -3051,117 +3050,6 @@
     <p:extLst>
       <p:ext uri="{BB962C8B-B14F-4D97-AF65-F5344CB8AC3E}">
         <p14:creationId xmlns:p14="http://schemas.microsoft.com/office/powerpoint/2010/main" val="3401770664"/>
-      </p:ext>
-    </p:extLst>
-  </p:cSld>
-  <p:clrMapOvr>
-    <a:masterClrMapping/>
-  </p:clrMapOvr>
-</p:notes>
-</file>
-
-<file path=ppt/notesSlides/notesSlide30.xml><?xml version="1.0" encoding="utf-8"?>
-<p:notes xmlns:a="http://schemas.openxmlformats.org/drawingml/2006/main" xmlns:r="http://schemas.openxmlformats.org/officeDocument/2006/relationships" xmlns:p="http://schemas.openxmlformats.org/presentationml/2006/main">
-  <p:cSld>
-    <p:spTree>
-      <p:nvGrpSpPr>
-        <p:cNvPr id="1" name="">
-          <a:extLst>
-            <a:ext uri="{FF2B5EF4-FFF2-40B4-BE49-F238E27FC236}">
-              <a16:creationId xmlns:a16="http://schemas.microsoft.com/office/drawing/2014/main" id="{FD9FEDDB-4FB8-260D-E295-2687D740B1FE}"/>
-            </a:ext>
-          </a:extLst>
-        </p:cNvPr>
-        <p:cNvGrpSpPr/>
-        <p:nvPr/>
-      </p:nvGrpSpPr>
-      <p:grpSpPr>
-        <a:xfrm>
-          <a:off x="0" y="0"/>
-          <a:ext cx="0" cy="0"/>
-          <a:chOff x="0" y="0"/>
-          <a:chExt cx="0" cy="0"/>
-        </a:xfrm>
-      </p:grpSpPr>
-      <p:sp>
-        <p:nvSpPr>
-          <p:cNvPr id="2" name="Espace réservé de l'image des diapositives 1">
-            <a:extLst>
-              <a:ext uri="{FF2B5EF4-FFF2-40B4-BE49-F238E27FC236}">
-                <a16:creationId xmlns:a16="http://schemas.microsoft.com/office/drawing/2014/main" id="{CA9F278E-CE83-FC20-A251-50C576D01921}"/>
-              </a:ext>
-            </a:extLst>
-          </p:cNvPr>
-          <p:cNvSpPr>
-            <a:spLocks noGrp="1" noRot="1" noChangeAspect="1"/>
-          </p:cNvSpPr>
-          <p:nvPr>
-            <p:ph type="sldImg"/>
-          </p:nvPr>
-        </p:nvSpPr>
-        <p:spPr/>
-      </p:sp>
-      <p:sp>
-        <p:nvSpPr>
-          <p:cNvPr id="3" name="Espace réservé des notes 2">
-            <a:extLst>
-              <a:ext uri="{FF2B5EF4-FFF2-40B4-BE49-F238E27FC236}">
-                <a16:creationId xmlns:a16="http://schemas.microsoft.com/office/drawing/2014/main" id="{675E1979-8241-52CB-AFA1-7F97D4B77F6B}"/>
-              </a:ext>
-            </a:extLst>
-          </p:cNvPr>
-          <p:cNvSpPr>
-            <a:spLocks noGrp="1"/>
-          </p:cNvSpPr>
-          <p:nvPr>
-            <p:ph type="body" idx="1"/>
-          </p:nvPr>
-        </p:nvSpPr>
-        <p:spPr/>
-        <p:txBody>
-          <a:bodyPr/>
-          <a:lstStyle/>
-          <a:p>
-            <a:endParaRPr lang="fr-FR" dirty="0"/>
-          </a:p>
-          <a:p>
-            <a:endParaRPr lang="fr-FR" dirty="0"/>
-          </a:p>
-        </p:txBody>
-      </p:sp>
-      <p:sp>
-        <p:nvSpPr>
-          <p:cNvPr id="4" name="Espace réservé du numéro de diapositive 3">
-            <a:extLst>
-              <a:ext uri="{FF2B5EF4-FFF2-40B4-BE49-F238E27FC236}">
-                <a16:creationId xmlns:a16="http://schemas.microsoft.com/office/drawing/2014/main" id="{CFA31523-A6CB-9821-8049-51EE88C76935}"/>
-              </a:ext>
-            </a:extLst>
-          </p:cNvPr>
-          <p:cNvSpPr>
-            <a:spLocks noGrp="1"/>
-          </p:cNvSpPr>
-          <p:nvPr>
-            <p:ph type="sldNum" sz="quarter" idx="5"/>
-          </p:nvPr>
-        </p:nvSpPr>
-        <p:spPr/>
-        <p:txBody>
-          <a:bodyPr/>
-          <a:lstStyle/>
-          <a:p>
-            <a:fld id="{6BDC53D4-8BF5-4FDD-81EC-7AC957B0D210}" type="slidenum">
-              <a:rPr lang="fr-FR" smtClean="0"/>
-              <a:t>33</a:t>
-            </a:fld>
-            <a:endParaRPr lang="fr-FR"/>
-          </a:p>
-        </p:txBody>
-      </p:sp>
-    </p:spTree>
-    <p:extLst>
-      <p:ext uri="{BB962C8B-B14F-4D97-AF65-F5344CB8AC3E}">
-        <p14:creationId xmlns:p14="http://schemas.microsoft.com/office/powerpoint/2010/main" val="933452965"/>
       </p:ext>
     </p:extLst>
   </p:cSld>
@@ -3623,7 +3511,7 @@
         <p:cNvPr id="1" name="">
           <a:extLst>
             <a:ext uri="{FF2B5EF4-FFF2-40B4-BE49-F238E27FC236}">
-              <a16:creationId xmlns:a16="http://schemas.microsoft.com/office/drawing/2014/main" id="{034FC99C-0C8B-B8F8-EF6E-BB422E7A9128}"/>
+              <a16:creationId xmlns:a16="http://schemas.microsoft.com/office/drawing/2014/main" id="{0D27C736-CD83-E37E-0AA4-7FB58E79158E}"/>
             </a:ext>
           </a:extLst>
         </p:cNvPr>
@@ -3643,7 +3531,7 @@
           <p:cNvPr id="2" name="Espace réservé de l'image des diapositives 1">
             <a:extLst>
               <a:ext uri="{FF2B5EF4-FFF2-40B4-BE49-F238E27FC236}">
-                <a16:creationId xmlns:a16="http://schemas.microsoft.com/office/drawing/2014/main" id="{74974BCF-6189-9703-3C6A-8E0964CF73DC}"/>
+                <a16:creationId xmlns:a16="http://schemas.microsoft.com/office/drawing/2014/main" id="{63B27AEB-9B13-F89F-36CF-64AF508FB1F5}"/>
               </a:ext>
             </a:extLst>
           </p:cNvPr>
@@ -3661,7 +3549,7 @@
           <p:cNvPr id="3" name="Espace réservé des notes 2">
             <a:extLst>
               <a:ext uri="{FF2B5EF4-FFF2-40B4-BE49-F238E27FC236}">
-                <a16:creationId xmlns:a16="http://schemas.microsoft.com/office/drawing/2014/main" id="{A56802A2-9B67-C974-8B94-9DD963FDA4C8}"/>
+                <a16:creationId xmlns:a16="http://schemas.microsoft.com/office/drawing/2014/main" id="{7292DBF8-38C5-9267-37F8-C342E995B3B1}"/>
               </a:ext>
             </a:extLst>
           </p:cNvPr>
@@ -3689,7 +3577,7 @@
           <p:cNvPr id="4" name="Espace réservé du numéro de diapositive 3">
             <a:extLst>
               <a:ext uri="{FF2B5EF4-FFF2-40B4-BE49-F238E27FC236}">
-                <a16:creationId xmlns:a16="http://schemas.microsoft.com/office/drawing/2014/main" id="{B403078F-98BD-666F-01CE-B84F27832B7F}"/>
+                <a16:creationId xmlns:a16="http://schemas.microsoft.com/office/drawing/2014/main" id="{BB49665D-618E-768E-88BC-4B06C3FCA743}"/>
               </a:ext>
             </a:extLst>
           </p:cNvPr>
@@ -3707,7 +3595,7 @@
           <a:p>
             <a:fld id="{6BDC53D4-8BF5-4FDD-81EC-7AC957B0D210}" type="slidenum">
               <a:rPr lang="fr-FR" smtClean="0"/>
-              <a:t>9</a:t>
+              <a:t>10</a:t>
             </a:fld>
             <a:endParaRPr lang="fr-FR"/>
           </a:p>
@@ -3716,7 +3604,7 @@
     </p:spTree>
     <p:extLst>
       <p:ext uri="{BB962C8B-B14F-4D97-AF65-F5344CB8AC3E}">
-        <p14:creationId xmlns:p14="http://schemas.microsoft.com/office/powerpoint/2010/main" val="2293820072"/>
+        <p14:creationId xmlns:p14="http://schemas.microsoft.com/office/powerpoint/2010/main" val="363326776"/>
       </p:ext>
     </p:extLst>
   </p:cSld>
@@ -3734,7 +3622,7 @@
         <p:cNvPr id="1" name="">
           <a:extLst>
             <a:ext uri="{FF2B5EF4-FFF2-40B4-BE49-F238E27FC236}">
-              <a16:creationId xmlns:a16="http://schemas.microsoft.com/office/drawing/2014/main" id="{0D27C736-CD83-E37E-0AA4-7FB58E79158E}"/>
+              <a16:creationId xmlns:a16="http://schemas.microsoft.com/office/drawing/2014/main" id="{5209A11C-5F29-8CDD-EE83-A3858B6170E2}"/>
             </a:ext>
           </a:extLst>
         </p:cNvPr>
@@ -3754,7 +3642,7 @@
           <p:cNvPr id="2" name="Espace réservé de l'image des diapositives 1">
             <a:extLst>
               <a:ext uri="{FF2B5EF4-FFF2-40B4-BE49-F238E27FC236}">
-                <a16:creationId xmlns:a16="http://schemas.microsoft.com/office/drawing/2014/main" id="{63B27AEB-9B13-F89F-36CF-64AF508FB1F5}"/>
+                <a16:creationId xmlns:a16="http://schemas.microsoft.com/office/drawing/2014/main" id="{E79EE9B8-7761-AD99-A09B-2C49125116DE}"/>
               </a:ext>
             </a:extLst>
           </p:cNvPr>
@@ -3772,7 +3660,7 @@
           <p:cNvPr id="3" name="Espace réservé des notes 2">
             <a:extLst>
               <a:ext uri="{FF2B5EF4-FFF2-40B4-BE49-F238E27FC236}">
-                <a16:creationId xmlns:a16="http://schemas.microsoft.com/office/drawing/2014/main" id="{7292DBF8-38C5-9267-37F8-C342E995B3B1}"/>
+                <a16:creationId xmlns:a16="http://schemas.microsoft.com/office/drawing/2014/main" id="{BAE22047-3A41-3277-C094-79F5256C71D7}"/>
               </a:ext>
             </a:extLst>
           </p:cNvPr>
@@ -3800,7 +3688,7 @@
           <p:cNvPr id="4" name="Espace réservé du numéro de diapositive 3">
             <a:extLst>
               <a:ext uri="{FF2B5EF4-FFF2-40B4-BE49-F238E27FC236}">
-                <a16:creationId xmlns:a16="http://schemas.microsoft.com/office/drawing/2014/main" id="{BB49665D-618E-768E-88BC-4B06C3FCA743}"/>
+                <a16:creationId xmlns:a16="http://schemas.microsoft.com/office/drawing/2014/main" id="{AEEDB2EA-8C40-DCBF-6B48-E25E7A4A8958}"/>
               </a:ext>
             </a:extLst>
           </p:cNvPr>
@@ -3827,7 +3715,7 @@
     </p:spTree>
     <p:extLst>
       <p:ext uri="{BB962C8B-B14F-4D97-AF65-F5344CB8AC3E}">
-        <p14:creationId xmlns:p14="http://schemas.microsoft.com/office/powerpoint/2010/main" val="363326776"/>
+        <p14:creationId xmlns:p14="http://schemas.microsoft.com/office/powerpoint/2010/main" val="3484688094"/>
       </p:ext>
     </p:extLst>
   </p:cSld>
@@ -3993,7 +3881,7 @@
           <a:p>
             <a:fld id="{02AC24A9-CCB6-4F8D-B8DB-C2F3692CFA5A}" type="datetimeFigureOut">
               <a:rPr lang="en-US" smtClean="0"/>
-              <a:t>2/5/2025</a:t>
+              <a:t>2/21/2026</a:t>
             </a:fld>
             <a:endParaRPr lang="en-US" dirty="0"/>
           </a:p>
@@ -4363,7 +4251,7 @@
           <a:p>
             <a:fld id="{02AC24A9-CCB6-4F8D-B8DB-C2F3692CFA5A}" type="datetimeFigureOut">
               <a:rPr lang="en-US" smtClean="0"/>
-              <a:t>2/5/2025</a:t>
+              <a:t>2/21/2026</a:t>
             </a:fld>
             <a:endParaRPr lang="en-US"/>
           </a:p>
@@ -4572,7 +4460,7 @@
           <a:p>
             <a:fld id="{02AC24A9-CCB6-4F8D-B8DB-C2F3692CFA5A}" type="datetimeFigureOut">
               <a:rPr lang="en-US" smtClean="0"/>
-              <a:t>2/5/2025</a:t>
+              <a:t>2/21/2026</a:t>
             </a:fld>
             <a:endParaRPr lang="en-US"/>
           </a:p>
@@ -5042,7 +4930,7 @@
           <a:p>
             <a:fld id="{02AC24A9-CCB6-4F8D-B8DB-C2F3692CFA5A}" type="datetimeFigureOut">
               <a:rPr lang="en-US" smtClean="0"/>
-              <a:t>2/5/2025</a:t>
+              <a:t>2/21/2026</a:t>
             </a:fld>
             <a:endParaRPr lang="en-US"/>
           </a:p>
@@ -5496,7 +5384,7 @@
           <a:p>
             <a:fld id="{02AC24A9-CCB6-4F8D-B8DB-C2F3692CFA5A}" type="datetimeFigureOut">
               <a:rPr lang="en-US" smtClean="0"/>
-              <a:t>2/5/2025</a:t>
+              <a:t>2/21/2026</a:t>
             </a:fld>
             <a:endParaRPr lang="en-US"/>
           </a:p>
@@ -6028,7 +5916,7 @@
           <a:p>
             <a:fld id="{02AC24A9-CCB6-4F8D-B8DB-C2F3692CFA5A}" type="datetimeFigureOut">
               <a:rPr lang="en-US" smtClean="0"/>
-              <a:t>2/5/2025</a:t>
+              <a:t>2/21/2026</a:t>
             </a:fld>
             <a:endParaRPr lang="en-US"/>
           </a:p>
@@ -6727,7 +6615,7 @@
           <a:p>
             <a:fld id="{02AC24A9-CCB6-4F8D-B8DB-C2F3692CFA5A}" type="datetimeFigureOut">
               <a:rPr lang="en-US" smtClean="0"/>
-              <a:t>2/5/2025</a:t>
+              <a:t>2/21/2026</a:t>
             </a:fld>
             <a:endParaRPr lang="en-US"/>
           </a:p>
@@ -7056,7 +6944,7 @@
           <a:p>
             <a:fld id="{02AC24A9-CCB6-4F8D-B8DB-C2F3692CFA5A}" type="datetimeFigureOut">
               <a:rPr lang="en-US" smtClean="0"/>
-              <a:t>2/5/2025</a:t>
+              <a:t>2/21/2026</a:t>
             </a:fld>
             <a:endParaRPr lang="en-US"/>
           </a:p>
@@ -7169,7 +7057,7 @@
           <a:p>
             <a:fld id="{02AC24A9-CCB6-4F8D-B8DB-C2F3692CFA5A}" type="datetimeFigureOut">
               <a:rPr lang="en-US" smtClean="0"/>
-              <a:t>2/5/2025</a:t>
+              <a:t>2/21/2026</a:t>
             </a:fld>
             <a:endParaRPr lang="en-US"/>
           </a:p>
@@ -7664,7 +7552,7 @@
           <a:p>
             <a:fld id="{02AC24A9-CCB6-4F8D-B8DB-C2F3692CFA5A}" type="datetimeFigureOut">
               <a:rPr lang="en-US" smtClean="0"/>
-              <a:t>2/5/2025</a:t>
+              <a:t>2/21/2026</a:t>
             </a:fld>
             <a:endParaRPr lang="en-US" dirty="0"/>
           </a:p>
@@ -8141,7 +8029,7 @@
           <a:p>
             <a:fld id="{02AC24A9-CCB6-4F8D-B8DB-C2F3692CFA5A}" type="datetimeFigureOut">
               <a:rPr lang="en-US" smtClean="0"/>
-              <a:t>2/5/2025</a:t>
+              <a:t>2/21/2026</a:t>
             </a:fld>
             <a:endParaRPr lang="en-US"/>
           </a:p>
@@ -8384,7 +8272,7 @@
           <a:p>
             <a:fld id="{02AC24A9-CCB6-4F8D-B8DB-C2F3692CFA5A}" type="datetimeFigureOut">
               <a:rPr lang="en-US" smtClean="0"/>
-              <a:t>2/5/2025</a:t>
+              <a:t>2/21/2026</a:t>
             </a:fld>
             <a:endParaRPr lang="en-US"/>
           </a:p>
@@ -9292,511 +9180,6 @@
 <file path=ppt/slides/slide10.xml><?xml version="1.0" encoding="utf-8"?>
 <p:sld xmlns:a="http://schemas.openxmlformats.org/drawingml/2006/main" xmlns:r="http://schemas.openxmlformats.org/officeDocument/2006/relationships" xmlns:p="http://schemas.openxmlformats.org/presentationml/2006/main">
   <p:cSld>
-    <p:bg>
-      <p:bgPr>
-        <a:solidFill>
-          <a:schemeClr val="bg1"/>
-        </a:solidFill>
-        <a:effectLst/>
-      </p:bgPr>
-    </p:bg>
-    <p:spTree>
-      <p:nvGrpSpPr>
-        <p:cNvPr id="1" name="">
-          <a:extLst>
-            <a:ext uri="{FF2B5EF4-FFF2-40B4-BE49-F238E27FC236}">
-              <a16:creationId xmlns:a16="http://schemas.microsoft.com/office/drawing/2014/main" id="{5C203258-A2CD-17E7-4315-4BF5E734A07C}"/>
-            </a:ext>
-          </a:extLst>
-        </p:cNvPr>
-        <p:cNvGrpSpPr/>
-        <p:nvPr/>
-      </p:nvGrpSpPr>
-      <p:grpSpPr>
-        <a:xfrm>
-          <a:off x="0" y="0"/>
-          <a:ext cx="0" cy="0"/>
-          <a:chOff x="0" y="0"/>
-          <a:chExt cx="0" cy="0"/>
-        </a:xfrm>
-      </p:grpSpPr>
-      <p:sp useBgFill="1">
-        <p:nvSpPr>
-          <p:cNvPr id="9" name="Rectangle 8">
-            <a:extLst>
-              <a:ext uri="{FF2B5EF4-FFF2-40B4-BE49-F238E27FC236}">
-                <a16:creationId xmlns:a16="http://schemas.microsoft.com/office/drawing/2014/main" id="{07579AD4-B41E-B72E-2B55-FACE16DFCC8A}"/>
-              </a:ext>
-              <a:ext uri="{C183D7F6-B498-43B3-948B-1728B52AA6E4}">
-                <adec:decorative xmlns:adec="http://schemas.microsoft.com/office/drawing/2017/decorative" val="1"/>
-              </a:ext>
-            </a:extLst>
-          </p:cNvPr>
-          <p:cNvSpPr>
-            <a:spLocks noGrp="1" noRot="1" noChangeAspect="1" noMove="1" noResize="1" noEditPoints="1" noAdjustHandles="1" noChangeArrowheads="1" noChangeShapeType="1" noTextEdit="1"/>
-          </p:cNvSpPr>
-          <p:nvPr>
-            <p:extLst>
-              <p:ext uri="{386F3935-93C4-4BCD-93E2-E3B085C9AB24}">
-                <p16:designElem xmlns:p16="http://schemas.microsoft.com/office/powerpoint/2015/main" val="1"/>
-              </p:ext>
-            </p:extLst>
-          </p:nvPr>
-        </p:nvSpPr>
-        <p:spPr>
-          <a:xfrm>
-            <a:off x="0" y="0"/>
-            <a:ext cx="12192000" cy="6858000"/>
-          </a:xfrm>
-          <a:prstGeom prst="rect">
-            <a:avLst/>
-          </a:prstGeom>
-          <a:ln>
-            <a:noFill/>
-          </a:ln>
-        </p:spPr>
-        <p:style>
-          <a:lnRef idx="2">
-            <a:schemeClr val="accent1">
-              <a:shade val="50000"/>
-            </a:schemeClr>
-          </a:lnRef>
-          <a:fillRef idx="1">
-            <a:schemeClr val="accent1"/>
-          </a:fillRef>
-          <a:effectRef idx="0">
-            <a:schemeClr val="accent1"/>
-          </a:effectRef>
-          <a:fontRef idx="minor">
-            <a:schemeClr val="lt1"/>
-          </a:fontRef>
-        </p:style>
-        <p:txBody>
-          <a:bodyPr rtlCol="0" anchor="ctr"/>
-          <a:lstStyle/>
-          <a:p>
-            <a:pPr algn="ctr"/>
-            <a:endParaRPr lang="en-US"/>
-          </a:p>
-        </p:txBody>
-      </p:sp>
-      <p:pic>
-        <p:nvPicPr>
-          <p:cNvPr id="4" name="Picture 3">
-            <a:extLst>
-              <a:ext uri="{FF2B5EF4-FFF2-40B4-BE49-F238E27FC236}">
-                <a16:creationId xmlns:a16="http://schemas.microsoft.com/office/drawing/2014/main" id="{9EB4A0B7-81CD-8ADB-9D7D-BDD6390E9C18}"/>
-              </a:ext>
-            </a:extLst>
-          </p:cNvPr>
-          <p:cNvPicPr>
-            <a:picLocks noChangeAspect="1"/>
-          </p:cNvPicPr>
-          <p:nvPr/>
-        </p:nvPicPr>
-        <p:blipFill rotWithShape="1">
-          <a:blip r:embed="rId2"/>
-          <a:srcRect t="11669" r="-1" b="426"/>
-          <a:stretch/>
-        </p:blipFill>
-        <p:spPr>
-          <a:xfrm>
-            <a:off x="-2" y="10"/>
-            <a:ext cx="8668512" cy="6857990"/>
-          </a:xfrm>
-          <a:prstGeom prst="rect">
-            <a:avLst/>
-          </a:prstGeom>
-        </p:spPr>
-      </p:pic>
-      <p:sp>
-        <p:nvSpPr>
-          <p:cNvPr id="11" name="Rectangle 10">
-            <a:extLst>
-              <a:ext uri="{FF2B5EF4-FFF2-40B4-BE49-F238E27FC236}">
-                <a16:creationId xmlns:a16="http://schemas.microsoft.com/office/drawing/2014/main" id="{76DF042B-A4A4-F470-8772-00DF3DE0D3E3}"/>
-              </a:ext>
-              <a:ext uri="{C183D7F6-B498-43B3-948B-1728B52AA6E4}">
-                <adec:decorative xmlns:adec="http://schemas.microsoft.com/office/drawing/2017/decorative" val="1"/>
-              </a:ext>
-            </a:extLst>
-          </p:cNvPr>
-          <p:cNvSpPr>
-            <a:spLocks noGrp="1" noRot="1" noChangeAspect="1" noMove="1" noResize="1" noEditPoints="1" noAdjustHandles="1" noChangeArrowheads="1" noChangeShapeType="1" noTextEdit="1"/>
-          </p:cNvSpPr>
-          <p:nvPr>
-            <p:extLst>
-              <p:ext uri="{386F3935-93C4-4BCD-93E2-E3B085C9AB24}">
-                <p16:designElem xmlns:p16="http://schemas.microsoft.com/office/powerpoint/2015/main" val="1"/>
-              </p:ext>
-            </p:extLst>
-          </p:nvPr>
-        </p:nvSpPr>
-        <p:spPr>
-          <a:xfrm flipH="1">
-            <a:off x="2788244" y="0"/>
-            <a:ext cx="9403756" cy="6858000"/>
-          </a:xfrm>
-          <a:prstGeom prst="rect">
-            <a:avLst/>
-          </a:prstGeom>
-          <a:gradFill>
-            <a:gsLst>
-              <a:gs pos="58000">
-                <a:schemeClr val="bg1"/>
-              </a:gs>
-              <a:gs pos="30000">
-                <a:schemeClr val="bg1">
-                  <a:alpha val="64000"/>
-                </a:schemeClr>
-              </a:gs>
-              <a:gs pos="0">
-                <a:schemeClr val="bg1">
-                  <a:alpha val="0"/>
-                </a:schemeClr>
-              </a:gs>
-              <a:gs pos="100000">
-                <a:schemeClr val="bg1"/>
-              </a:gs>
-            </a:gsLst>
-            <a:lin ang="10800000" scaled="0"/>
-          </a:gradFill>
-          <a:ln>
-            <a:noFill/>
-          </a:ln>
-        </p:spPr>
-        <p:style>
-          <a:lnRef idx="2">
-            <a:schemeClr val="accent1">
-              <a:shade val="50000"/>
-            </a:schemeClr>
-          </a:lnRef>
-          <a:fillRef idx="1">
-            <a:schemeClr val="accent1"/>
-          </a:fillRef>
-          <a:effectRef idx="0">
-            <a:schemeClr val="accent1"/>
-          </a:effectRef>
-          <a:fontRef idx="minor">
-            <a:schemeClr val="lt1"/>
-          </a:fontRef>
-        </p:style>
-        <p:txBody>
-          <a:bodyPr rtlCol="0" anchor="ctr"/>
-          <a:lstStyle/>
-          <a:p>
-            <a:pPr algn="ctr"/>
-            <a:endParaRPr lang="en-US" dirty="0"/>
-          </a:p>
-        </p:txBody>
-      </p:sp>
-      <p:sp>
-        <p:nvSpPr>
-          <p:cNvPr id="2" name="Titre 1">
-            <a:extLst>
-              <a:ext uri="{FF2B5EF4-FFF2-40B4-BE49-F238E27FC236}">
-                <a16:creationId xmlns:a16="http://schemas.microsoft.com/office/drawing/2014/main" id="{00817E5B-47BB-5B10-8DB6-E73DBE70802D}"/>
-              </a:ext>
-            </a:extLst>
-          </p:cNvPr>
-          <p:cNvSpPr>
-            <a:spLocks noGrp="1"/>
-          </p:cNvSpPr>
-          <p:nvPr>
-            <p:ph type="ctrTitle"/>
-          </p:nvPr>
-        </p:nvSpPr>
-        <p:spPr>
-          <a:xfrm>
-            <a:off x="7848600" y="1122363"/>
-            <a:ext cx="4023360" cy="3204134"/>
-          </a:xfrm>
-        </p:spPr>
-        <p:txBody>
-          <a:bodyPr anchor="b">
-            <a:normAutofit/>
-          </a:bodyPr>
-          <a:lstStyle/>
-          <a:p>
-            <a:r>
-              <a:rPr lang="fr-FR" sz="4000" dirty="0"/>
-              <a:t>POO en Python</a:t>
-            </a:r>
-          </a:p>
-        </p:txBody>
-      </p:sp>
-      <p:sp>
-        <p:nvSpPr>
-          <p:cNvPr id="3" name="Sous-titre 2">
-            <a:extLst>
-              <a:ext uri="{FF2B5EF4-FFF2-40B4-BE49-F238E27FC236}">
-                <a16:creationId xmlns:a16="http://schemas.microsoft.com/office/drawing/2014/main" id="{AD883A9C-B856-8A1C-0A41-C3D1D1B5FCA5}"/>
-              </a:ext>
-            </a:extLst>
-          </p:cNvPr>
-          <p:cNvSpPr>
-            <a:spLocks noGrp="1"/>
-          </p:cNvSpPr>
-          <p:nvPr>
-            <p:ph type="subTitle" idx="1"/>
-          </p:nvPr>
-        </p:nvSpPr>
-        <p:spPr>
-          <a:xfrm>
-            <a:off x="7848600" y="4872922"/>
-            <a:ext cx="4023360" cy="1208141"/>
-          </a:xfrm>
-        </p:spPr>
-        <p:txBody>
-          <a:bodyPr>
-            <a:normAutofit/>
-          </a:bodyPr>
-          <a:lstStyle/>
-          <a:p>
-            <a:r>
-              <a:rPr lang="fr-FR" sz="2000" dirty="0"/>
-              <a:t>Outils Numériques / Semestre 6 / Institut d’Optique / ONIP-2</a:t>
-            </a:r>
-          </a:p>
-        </p:txBody>
-      </p:sp>
-      <p:sp>
-        <p:nvSpPr>
-          <p:cNvPr id="32" name="Rectangle 12">
-            <a:extLst>
-              <a:ext uri="{FF2B5EF4-FFF2-40B4-BE49-F238E27FC236}">
-                <a16:creationId xmlns:a16="http://schemas.microsoft.com/office/drawing/2014/main" id="{C498FF9D-8DE4-2C7D-F77B-43BD825B7A92}"/>
-              </a:ext>
-              <a:ext uri="{C183D7F6-B498-43B3-948B-1728B52AA6E4}">
-                <adec:decorative xmlns:adec="http://schemas.microsoft.com/office/drawing/2017/decorative" val="1"/>
-              </a:ext>
-            </a:extLst>
-          </p:cNvPr>
-          <p:cNvSpPr>
-            <a:spLocks noGrp="1" noRot="1" noChangeAspect="1" noMove="1" noResize="1" noEditPoints="1" noAdjustHandles="1" noChangeArrowheads="1" noChangeShapeType="1" noTextEdit="1"/>
-          </p:cNvSpPr>
-          <p:nvPr>
-            <p:extLst>
-              <p:ext uri="{386F3935-93C4-4BCD-93E2-E3B085C9AB24}">
-                <p16:designElem xmlns:p16="http://schemas.microsoft.com/office/powerpoint/2015/main" val="1"/>
-              </p:ext>
-            </p:extLst>
-          </p:nvPr>
-        </p:nvSpPr>
-        <p:spPr>
-          <a:xfrm rot="5400000">
-            <a:off x="8130540" y="346791"/>
-            <a:ext cx="146304" cy="704088"/>
-          </a:xfrm>
-          <a:prstGeom prst="rect">
-            <a:avLst/>
-          </a:prstGeom>
-          <a:solidFill>
-            <a:schemeClr val="accent1"/>
-          </a:solidFill>
-          <a:ln>
-            <a:noFill/>
-          </a:ln>
-        </p:spPr>
-        <p:style>
-          <a:lnRef idx="2">
-            <a:schemeClr val="accent1">
-              <a:shade val="50000"/>
-            </a:schemeClr>
-          </a:lnRef>
-          <a:fillRef idx="1">
-            <a:schemeClr val="accent1"/>
-          </a:fillRef>
-          <a:effectRef idx="0">
-            <a:schemeClr val="accent1"/>
-          </a:effectRef>
-          <a:fontRef idx="minor">
-            <a:schemeClr val="lt1"/>
-          </a:fontRef>
-        </p:style>
-        <p:txBody>
-          <a:bodyPr rtlCol="0" anchor="ctr"/>
-          <a:lstStyle/>
-          <a:p>
-            <a:pPr marL="0" marR="0" lvl="0" indent="0" algn="ctr" defTabSz="914400" rtl="0" eaLnBrk="1" fontAlgn="auto" latinLnBrk="0" hangingPunct="1">
-              <a:lnSpc>
-                <a:spcPct val="100000"/>
-              </a:lnSpc>
-              <a:spcBef>
-                <a:spcPts val="0"/>
-              </a:spcBef>
-              <a:spcAft>
-                <a:spcPts val="0"/>
-              </a:spcAft>
-              <a:buClrTx/>
-              <a:buSzTx/>
-              <a:buFontTx/>
-              <a:buNone/>
-              <a:tabLst/>
-              <a:defRPr/>
-            </a:pPr>
-            <a:endParaRPr kumimoji="0" lang="en-US" sz="1800" b="0" i="0" u="none" strike="noStrike" kern="1200" cap="none" spc="0" normalizeH="0" baseline="0" noProof="0">
-              <a:ln>
-                <a:noFill/>
-              </a:ln>
-              <a:solidFill>
-                <a:prstClr val="white"/>
-              </a:solidFill>
-              <a:effectLst/>
-              <a:uLnTx/>
-              <a:uFillTx/>
-              <a:latin typeface="Calibri" panose="020F0502020204030204"/>
-              <a:ea typeface="+mn-ea"/>
-              <a:cs typeface="+mn-cs"/>
-            </a:endParaRPr>
-          </a:p>
-        </p:txBody>
-      </p:sp>
-      <p:sp>
-        <p:nvSpPr>
-          <p:cNvPr id="33" name="Rectangle 14">
-            <a:extLst>
-              <a:ext uri="{FF2B5EF4-FFF2-40B4-BE49-F238E27FC236}">
-                <a16:creationId xmlns:a16="http://schemas.microsoft.com/office/drawing/2014/main" id="{001F81F1-7A70-53AB-2A14-F25A68E97D9C}"/>
-              </a:ext>
-              <a:ext uri="{C183D7F6-B498-43B3-948B-1728B52AA6E4}">
-                <adec:decorative xmlns:adec="http://schemas.microsoft.com/office/drawing/2017/decorative" val="1"/>
-              </a:ext>
-            </a:extLst>
-          </p:cNvPr>
-          <p:cNvSpPr>
-            <a:spLocks noGrp="1" noRot="1" noChangeAspect="1" noMove="1" noResize="1" noEditPoints="1" noAdjustHandles="1" noChangeArrowheads="1" noChangeShapeType="1" noTextEdit="1"/>
-          </p:cNvSpPr>
-          <p:nvPr>
-            <p:extLst>
-              <p:ext uri="{386F3935-93C4-4BCD-93E2-E3B085C9AB24}">
-                <p16:designElem xmlns:p16="http://schemas.microsoft.com/office/powerpoint/2015/main" val="1"/>
-              </p:ext>
-            </p:extLst>
-          </p:nvPr>
-        </p:nvSpPr>
-        <p:spPr>
-          <a:xfrm>
-            <a:off x="7851648" y="4546920"/>
-            <a:ext cx="4023360" cy="18288"/>
-          </a:xfrm>
-          <a:prstGeom prst="rect">
-            <a:avLst/>
-          </a:prstGeom>
-          <a:solidFill>
-            <a:schemeClr val="tx1"/>
-          </a:solidFill>
-          <a:ln w="3175">
-            <a:noFill/>
-          </a:ln>
-          <a:effectLst/>
-        </p:spPr>
-        <p:style>
-          <a:lnRef idx="2">
-            <a:schemeClr val="accent1">
-              <a:shade val="50000"/>
-            </a:schemeClr>
-          </a:lnRef>
-          <a:fillRef idx="1">
-            <a:schemeClr val="accent1"/>
-          </a:fillRef>
-          <a:effectRef idx="0">
-            <a:schemeClr val="accent1"/>
-          </a:effectRef>
-          <a:fontRef idx="minor">
-            <a:schemeClr val="lt1"/>
-          </a:fontRef>
-        </p:style>
-        <p:txBody>
-          <a:bodyPr rtlCol="0" anchor="ctr"/>
-          <a:lstStyle/>
-          <a:p>
-            <a:pPr marL="0" marR="0" lvl="0" indent="0" algn="ctr" defTabSz="914400" rtl="0" eaLnBrk="1" fontAlgn="auto" latinLnBrk="0" hangingPunct="1">
-              <a:lnSpc>
-                <a:spcPct val="100000"/>
-              </a:lnSpc>
-              <a:spcBef>
-                <a:spcPts val="0"/>
-              </a:spcBef>
-              <a:spcAft>
-                <a:spcPts val="0"/>
-              </a:spcAft>
-              <a:buClrTx/>
-              <a:buSzTx/>
-              <a:buFontTx/>
-              <a:buNone/>
-              <a:tabLst/>
-              <a:defRPr/>
-            </a:pPr>
-            <a:endParaRPr kumimoji="0" lang="en-US" sz="1800" b="0" i="0" u="none" strike="noStrike" kern="1200" cap="none" spc="0" normalizeH="0" baseline="0" noProof="0">
-              <a:ln>
-                <a:noFill/>
-              </a:ln>
-              <a:solidFill>
-                <a:prstClr val="white"/>
-              </a:solidFill>
-              <a:effectLst/>
-              <a:uLnTx/>
-              <a:uFillTx/>
-              <a:latin typeface="Calibri" panose="020F0502020204030204"/>
-              <a:ea typeface="+mn-ea"/>
-              <a:cs typeface="+mn-cs"/>
-            </a:endParaRPr>
-          </a:p>
-        </p:txBody>
-      </p:sp>
-      <p:pic>
-        <p:nvPicPr>
-          <p:cNvPr id="5" name="Image 4" descr="Une image contenant texte&#10;&#10;Description générée automatiquement">
-            <a:extLst>
-              <a:ext uri="{FF2B5EF4-FFF2-40B4-BE49-F238E27FC236}">
-                <a16:creationId xmlns:a16="http://schemas.microsoft.com/office/drawing/2014/main" id="{26D9B741-0CB1-9F83-A6CD-9522AA5E84EA}"/>
-              </a:ext>
-            </a:extLst>
-          </p:cNvPr>
-          <p:cNvPicPr>
-            <a:picLocks noChangeAspect="1"/>
-          </p:cNvPicPr>
-          <p:nvPr/>
-        </p:nvPicPr>
-        <p:blipFill>
-          <a:blip r:embed="rId3">
-            <a:extLst>
-              <a:ext uri="{28A0092B-C50C-407E-A947-70E740481C1C}">
-                <a14:useLocalDpi xmlns:a14="http://schemas.microsoft.com/office/drawing/2010/main" val="0"/>
-              </a:ext>
-            </a:extLst>
-          </a:blip>
-          <a:stretch>
-            <a:fillRect/>
-          </a:stretch>
-        </p:blipFill>
-        <p:spPr>
-          <a:xfrm>
-            <a:off x="168033" y="195172"/>
-            <a:ext cx="2452178" cy="1007326"/>
-          </a:xfrm>
-          <a:prstGeom prst="rect">
-            <a:avLst/>
-          </a:prstGeom>
-        </p:spPr>
-      </p:pic>
-    </p:spTree>
-    <p:extLst>
-      <p:ext uri="{BB962C8B-B14F-4D97-AF65-F5344CB8AC3E}">
-        <p14:creationId xmlns:p14="http://schemas.microsoft.com/office/powerpoint/2010/main" val="3098312688"/>
-      </p:ext>
-    </p:extLst>
-  </p:cSld>
-  <p:clrMapOvr>
-    <a:overrideClrMapping bg1="dk1" tx1="lt1" bg2="dk2" tx2="lt2" accent1="accent1" accent2="accent2" accent3="accent3" accent4="accent4" accent5="accent5" accent6="accent6" hlink="hlink" folHlink="folHlink"/>
-  </p:clrMapOvr>
-</p:sld>
-</file>
-
-<file path=ppt/slides/slide11.xml><?xml version="1.0" encoding="utf-8"?>
-<p:sld xmlns:a="http://schemas.openxmlformats.org/drawingml/2006/main" xmlns:r="http://schemas.openxmlformats.org/officeDocument/2006/relationships" xmlns:p="http://schemas.openxmlformats.org/presentationml/2006/main">
-  <p:cSld>
     <p:spTree>
       <p:nvGrpSpPr>
         <p:cNvPr id="1" name="">
@@ -11284,7 +10667,7 @@
 </p:sld>
 </file>
 
-<file path=ppt/slides/slide12.xml><?xml version="1.0" encoding="utf-8"?>
+<file path=ppt/slides/slide11.xml><?xml version="1.0" encoding="utf-8"?>
 <p:sld xmlns:a="http://schemas.openxmlformats.org/drawingml/2006/main" xmlns:r="http://schemas.openxmlformats.org/officeDocument/2006/relationships" xmlns:p="http://schemas.openxmlformats.org/presentationml/2006/main">
   <p:cSld>
     <p:spTree>
@@ -12469,7 +11852,7 @@
 </p:sld>
 </file>
 
-<file path=ppt/slides/slide13.xml><?xml version="1.0" encoding="utf-8"?>
+<file path=ppt/slides/slide12.xml><?xml version="1.0" encoding="utf-8"?>
 <p:sld xmlns:a="http://schemas.openxmlformats.org/drawingml/2006/main" xmlns:r="http://schemas.openxmlformats.org/officeDocument/2006/relationships" xmlns:p="http://schemas.openxmlformats.org/presentationml/2006/main">
   <p:cSld>
     <p:spTree>
@@ -13716,7 +13099,7 @@
 </p:sld>
 </file>
 
-<file path=ppt/slides/slide14.xml><?xml version="1.0" encoding="utf-8"?>
+<file path=ppt/slides/slide13.xml><?xml version="1.0" encoding="utf-8"?>
 <p:sld xmlns:a="http://schemas.openxmlformats.org/drawingml/2006/main" xmlns:r="http://schemas.openxmlformats.org/officeDocument/2006/relationships" xmlns:p="http://schemas.openxmlformats.org/presentationml/2006/main">
   <p:cSld>
     <p:spTree>
@@ -15075,7 +14458,7 @@
 </p:sld>
 </file>
 
-<file path=ppt/slides/slide15.xml><?xml version="1.0" encoding="utf-8"?>
+<file path=ppt/slides/slide14.xml><?xml version="1.0" encoding="utf-8"?>
 <p:sld xmlns:a="http://schemas.openxmlformats.org/drawingml/2006/main" xmlns:r="http://schemas.openxmlformats.org/officeDocument/2006/relationships" xmlns:p="http://schemas.openxmlformats.org/presentationml/2006/main">
   <p:cSld>
     <p:spTree>
@@ -16597,7 +15980,7 @@
 </p:sld>
 </file>
 
-<file path=ppt/slides/slide16.xml><?xml version="1.0" encoding="utf-8"?>
+<file path=ppt/slides/slide15.xml><?xml version="1.0" encoding="utf-8"?>
 <p:sld xmlns:a="http://schemas.openxmlformats.org/drawingml/2006/main" xmlns:r="http://schemas.openxmlformats.org/officeDocument/2006/relationships" xmlns:p="http://schemas.openxmlformats.org/presentationml/2006/main">
   <p:cSld>
     <p:spTree>
@@ -17975,7 +17358,7 @@
 </p:sld>
 </file>
 
-<file path=ppt/slides/slide17.xml><?xml version="1.0" encoding="utf-8"?>
+<file path=ppt/slides/slide16.xml><?xml version="1.0" encoding="utf-8"?>
 <p:sld xmlns:a="http://schemas.openxmlformats.org/drawingml/2006/main" xmlns:r="http://schemas.openxmlformats.org/officeDocument/2006/relationships" xmlns:p="http://schemas.openxmlformats.org/presentationml/2006/main">
   <p:cSld>
     <p:spTree>
@@ -18978,7 +18361,7 @@
 </p:sld>
 </file>
 
-<file path=ppt/slides/slide18.xml><?xml version="1.0" encoding="utf-8"?>
+<file path=ppt/slides/slide17.xml><?xml version="1.0" encoding="utf-8"?>
 <p:sld xmlns:a="http://schemas.openxmlformats.org/drawingml/2006/main" xmlns:r="http://schemas.openxmlformats.org/officeDocument/2006/relationships" xmlns:p="http://schemas.openxmlformats.org/presentationml/2006/main">
   <p:cSld>
     <p:spTree>
@@ -20121,7 +19504,7 @@
 </p:sld>
 </file>
 
-<file path=ppt/slides/slide19.xml><?xml version="1.0" encoding="utf-8"?>
+<file path=ppt/slides/slide18.xml><?xml version="1.0" encoding="utf-8"?>
 <p:sld xmlns:a="http://schemas.openxmlformats.org/drawingml/2006/main" xmlns:r="http://schemas.openxmlformats.org/officeDocument/2006/relationships" xmlns:p="http://schemas.openxmlformats.org/presentationml/2006/main">
   <p:cSld>
     <p:spTree>
@@ -21534,6 +20917,1386 @@
     <p:extLst>
       <p:ext uri="{BB962C8B-B14F-4D97-AF65-F5344CB8AC3E}">
         <p14:creationId xmlns:p14="http://schemas.microsoft.com/office/powerpoint/2010/main" val="2328021399"/>
+      </p:ext>
+    </p:extLst>
+  </p:cSld>
+  <p:clrMapOvr>
+    <a:masterClrMapping/>
+  </p:clrMapOvr>
+</p:sld>
+</file>
+
+<file path=ppt/slides/slide19.xml><?xml version="1.0" encoding="utf-8"?>
+<p:sld xmlns:a="http://schemas.openxmlformats.org/drawingml/2006/main" xmlns:r="http://schemas.openxmlformats.org/officeDocument/2006/relationships" xmlns:p="http://schemas.openxmlformats.org/presentationml/2006/main">
+  <p:cSld>
+    <p:spTree>
+      <p:nvGrpSpPr>
+        <p:cNvPr id="1" name="">
+          <a:extLst>
+            <a:ext uri="{FF2B5EF4-FFF2-40B4-BE49-F238E27FC236}">
+              <a16:creationId xmlns:a16="http://schemas.microsoft.com/office/drawing/2014/main" id="{95FAD80E-04D2-6FD9-43B9-94F9A919D0FC}"/>
+            </a:ext>
+          </a:extLst>
+        </p:cNvPr>
+        <p:cNvGrpSpPr/>
+        <p:nvPr/>
+      </p:nvGrpSpPr>
+      <p:grpSpPr>
+        <a:xfrm>
+          <a:off x="0" y="0"/>
+          <a:ext cx="0" cy="0"/>
+          <a:chOff x="0" y="0"/>
+          <a:chExt cx="0" cy="0"/>
+        </a:xfrm>
+      </p:grpSpPr>
+      <p:sp>
+        <p:nvSpPr>
+          <p:cNvPr id="3" name="Rectangle 2">
+            <a:extLst>
+              <a:ext uri="{FF2B5EF4-FFF2-40B4-BE49-F238E27FC236}">
+                <a16:creationId xmlns:a16="http://schemas.microsoft.com/office/drawing/2014/main" id="{78465FDD-752B-2DD2-5168-E454F8CE2A95}"/>
+              </a:ext>
+            </a:extLst>
+          </p:cNvPr>
+          <p:cNvSpPr/>
+          <p:nvPr/>
+        </p:nvSpPr>
+        <p:spPr>
+          <a:xfrm>
+            <a:off x="673975" y="405113"/>
+            <a:ext cx="11020314" cy="937549"/>
+          </a:xfrm>
+          <a:prstGeom prst="rect">
+            <a:avLst/>
+          </a:prstGeom>
+          <a:solidFill>
+            <a:schemeClr val="bg1"/>
+          </a:solidFill>
+          <a:ln>
+            <a:solidFill>
+              <a:schemeClr val="bg1">
+                <a:lumMod val="95000"/>
+              </a:schemeClr>
+            </a:solidFill>
+          </a:ln>
+          <a:effectLst>
+            <a:outerShdw blurRad="50800" dist="38100" dir="2700000" algn="tl" rotWithShape="0">
+              <a:prstClr val="black">
+                <a:alpha val="40000"/>
+              </a:prstClr>
+            </a:outerShdw>
+          </a:effectLst>
+        </p:spPr>
+        <p:style>
+          <a:lnRef idx="2">
+            <a:schemeClr val="accent1">
+              <a:shade val="15000"/>
+            </a:schemeClr>
+          </a:lnRef>
+          <a:fillRef idx="1">
+            <a:schemeClr val="accent1"/>
+          </a:fillRef>
+          <a:effectRef idx="0">
+            <a:schemeClr val="accent1"/>
+          </a:effectRef>
+          <a:fontRef idx="minor">
+            <a:schemeClr val="lt1"/>
+          </a:fontRef>
+        </p:style>
+        <p:txBody>
+          <a:bodyPr rtlCol="0" anchor="ctr"/>
+          <a:lstStyle/>
+          <a:p>
+            <a:pPr algn="ctr"/>
+            <a:endParaRPr lang="fr-FR"/>
+          </a:p>
+        </p:txBody>
+      </p:sp>
+      <p:sp>
+        <p:nvSpPr>
+          <p:cNvPr id="2" name="Titre 1">
+            <a:extLst>
+              <a:ext uri="{FF2B5EF4-FFF2-40B4-BE49-F238E27FC236}">
+                <a16:creationId xmlns:a16="http://schemas.microsoft.com/office/drawing/2014/main" id="{D37E2AAC-4771-A96B-3515-C36685627387}"/>
+              </a:ext>
+            </a:extLst>
+          </p:cNvPr>
+          <p:cNvSpPr txBox="1">
+            <a:spLocks/>
+          </p:cNvSpPr>
+          <p:nvPr/>
+        </p:nvSpPr>
+        <p:spPr>
+          <a:xfrm>
+            <a:off x="907225" y="583365"/>
+            <a:ext cx="8970548" cy="701426"/>
+          </a:xfrm>
+          <a:prstGeom prst="rect">
+            <a:avLst/>
+          </a:prstGeom>
+        </p:spPr>
+        <p:txBody>
+          <a:bodyPr>
+            <a:normAutofit/>
+          </a:bodyPr>
+          <a:lstStyle>
+            <a:lvl1pPr algn="l" defTabSz="914400" rtl="0" eaLnBrk="1" latinLnBrk="0" hangingPunct="1">
+              <a:lnSpc>
+                <a:spcPct val="90000"/>
+              </a:lnSpc>
+              <a:spcBef>
+                <a:spcPct val="0"/>
+              </a:spcBef>
+              <a:buNone/>
+              <a:defRPr sz="4400" kern="1200">
+                <a:solidFill>
+                  <a:schemeClr val="tx1"/>
+                </a:solidFill>
+                <a:latin typeface="+mj-lt"/>
+                <a:ea typeface="+mj-ea"/>
+                <a:cs typeface="+mj-cs"/>
+              </a:defRPr>
+            </a:lvl1pPr>
+          </a:lstStyle>
+          <a:p>
+            <a:r>
+              <a:rPr lang="fr-FR" sz="4000" dirty="0"/>
+              <a:t>Utilisation d’une classe</a:t>
+            </a:r>
+          </a:p>
+        </p:txBody>
+      </p:sp>
+      <p:sp>
+        <p:nvSpPr>
+          <p:cNvPr id="7" name="Rectangle 6">
+            <a:extLst>
+              <a:ext uri="{FF2B5EF4-FFF2-40B4-BE49-F238E27FC236}">
+                <a16:creationId xmlns:a16="http://schemas.microsoft.com/office/drawing/2014/main" id="{51E388D6-BFFE-5904-66E4-7BCF1A49DE59}"/>
+              </a:ext>
+            </a:extLst>
+          </p:cNvPr>
+          <p:cNvSpPr/>
+          <p:nvPr/>
+        </p:nvSpPr>
+        <p:spPr>
+          <a:xfrm>
+            <a:off x="619125" y="500258"/>
+            <a:ext cx="124142" cy="749808"/>
+          </a:xfrm>
+          <a:prstGeom prst="rect">
+            <a:avLst/>
+          </a:prstGeom>
+          <a:solidFill>
+            <a:srgbClr val="002060"/>
+          </a:solidFill>
+          <a:ln>
+            <a:noFill/>
+          </a:ln>
+        </p:spPr>
+        <p:style>
+          <a:lnRef idx="2">
+            <a:schemeClr val="accent1">
+              <a:shade val="15000"/>
+            </a:schemeClr>
+          </a:lnRef>
+          <a:fillRef idx="1">
+            <a:schemeClr val="accent1"/>
+          </a:fillRef>
+          <a:effectRef idx="0">
+            <a:schemeClr val="accent1"/>
+          </a:effectRef>
+          <a:fontRef idx="minor">
+            <a:schemeClr val="lt1"/>
+          </a:fontRef>
+        </p:style>
+        <p:txBody>
+          <a:bodyPr rtlCol="0" anchor="ctr"/>
+          <a:lstStyle/>
+          <a:p>
+            <a:pPr algn="ctr"/>
+            <a:endParaRPr lang="fr-FR"/>
+          </a:p>
+        </p:txBody>
+      </p:sp>
+      <p:pic>
+        <p:nvPicPr>
+          <p:cNvPr id="4" name="Image 3" descr="Une image contenant texte&#10;&#10;Description générée automatiquement">
+            <a:extLst>
+              <a:ext uri="{FF2B5EF4-FFF2-40B4-BE49-F238E27FC236}">
+                <a16:creationId xmlns:a16="http://schemas.microsoft.com/office/drawing/2014/main" id="{4BA4B56A-14EE-2F5A-EFE1-0F9501797AC2}"/>
+              </a:ext>
+            </a:extLst>
+          </p:cNvPr>
+          <p:cNvPicPr>
+            <a:picLocks noChangeAspect="1"/>
+          </p:cNvPicPr>
+          <p:nvPr/>
+        </p:nvPicPr>
+        <p:blipFill>
+          <a:blip r:embed="rId3" cstate="print">
+            <a:extLst>
+              <a:ext uri="{28A0092B-C50C-407E-A947-70E740481C1C}">
+                <a14:useLocalDpi xmlns:a14="http://schemas.microsoft.com/office/drawing/2010/main" val="0"/>
+              </a:ext>
+            </a:extLst>
+          </a:blip>
+          <a:stretch>
+            <a:fillRect/>
+          </a:stretch>
+        </p:blipFill>
+        <p:spPr>
+          <a:xfrm>
+            <a:off x="9808481" y="509288"/>
+            <a:ext cx="1825291" cy="749808"/>
+          </a:xfrm>
+          <a:prstGeom prst="rect">
+            <a:avLst/>
+          </a:prstGeom>
+        </p:spPr>
+      </p:pic>
+      <p:sp>
+        <p:nvSpPr>
+          <p:cNvPr id="5" name="ZoneTexte 4">
+            <a:extLst>
+              <a:ext uri="{FF2B5EF4-FFF2-40B4-BE49-F238E27FC236}">
+                <a16:creationId xmlns:a16="http://schemas.microsoft.com/office/drawing/2014/main" id="{24B6B41A-2CA3-124D-65EC-85A82B991ACB}"/>
+              </a:ext>
+            </a:extLst>
+          </p:cNvPr>
+          <p:cNvSpPr txBox="1"/>
+          <p:nvPr/>
+        </p:nvSpPr>
+        <p:spPr>
+          <a:xfrm>
+            <a:off x="1572223" y="1361430"/>
+            <a:ext cx="9931799" cy="369332"/>
+          </a:xfrm>
+          <a:prstGeom prst="rect">
+            <a:avLst/>
+          </a:prstGeom>
+          <a:noFill/>
+        </p:spPr>
+        <p:txBody>
+          <a:bodyPr wrap="square">
+            <a:spAutoFit/>
+          </a:bodyPr>
+          <a:lstStyle/>
+          <a:p>
+            <a:r>
+              <a:rPr lang="fr-FR" sz="1800" b="1" dirty="0"/>
+              <a:t>Appel à une méthode à l’intérieur d’une classe</a:t>
+            </a:r>
+            <a:endParaRPr lang="fr-FR" sz="1800" dirty="0"/>
+          </a:p>
+        </p:txBody>
+      </p:sp>
+      <p:sp>
+        <p:nvSpPr>
+          <p:cNvPr id="6" name="ZoneTexte 5">
+            <a:extLst>
+              <a:ext uri="{FF2B5EF4-FFF2-40B4-BE49-F238E27FC236}">
+                <a16:creationId xmlns:a16="http://schemas.microsoft.com/office/drawing/2014/main" id="{3A941652-CD26-6C6E-16F2-0A0DF7E354A2}"/>
+              </a:ext>
+            </a:extLst>
+          </p:cNvPr>
+          <p:cNvSpPr txBox="1"/>
+          <p:nvPr/>
+        </p:nvSpPr>
+        <p:spPr>
+          <a:xfrm>
+            <a:off x="7804250" y="44933"/>
+            <a:ext cx="3679771" cy="307777"/>
+          </a:xfrm>
+          <a:prstGeom prst="rect">
+            <a:avLst/>
+          </a:prstGeom>
+          <a:noFill/>
+        </p:spPr>
+        <p:txBody>
+          <a:bodyPr wrap="square">
+            <a:spAutoFit/>
+          </a:bodyPr>
+          <a:lstStyle/>
+          <a:p>
+            <a:r>
+              <a:rPr lang="fr-FR" sz="1400" dirty="0"/>
+              <a:t>animal_1.py</a:t>
+            </a:r>
+          </a:p>
+        </p:txBody>
+      </p:sp>
+      <p:pic>
+        <p:nvPicPr>
+          <p:cNvPr id="8" name="Picture 4" descr="Résultat de recherche d'images pour &quot;python logo&quot;">
+            <a:extLst>
+              <a:ext uri="{FF2B5EF4-FFF2-40B4-BE49-F238E27FC236}">
+                <a16:creationId xmlns:a16="http://schemas.microsoft.com/office/drawing/2014/main" id="{1C7D1420-9C4D-1F53-2B8E-980C52D92E1E}"/>
+              </a:ext>
+            </a:extLst>
+          </p:cNvPr>
+          <p:cNvPicPr>
+            <a:picLocks noChangeAspect="1" noChangeArrowheads="1"/>
+          </p:cNvPicPr>
+          <p:nvPr/>
+        </p:nvPicPr>
+        <p:blipFill>
+          <a:blip r:embed="rId4" cstate="print">
+            <a:extLst>
+              <a:ext uri="{28A0092B-C50C-407E-A947-70E740481C1C}">
+                <a14:useLocalDpi xmlns:a14="http://schemas.microsoft.com/office/drawing/2010/main" val="0"/>
+              </a:ext>
+            </a:extLst>
+          </a:blip>
+          <a:srcRect/>
+          <a:stretch>
+            <a:fillRect/>
+          </a:stretch>
+        </p:blipFill>
+        <p:spPr bwMode="auto">
+          <a:xfrm>
+            <a:off x="7531280" y="48320"/>
+            <a:ext cx="272970" cy="300073"/>
+          </a:xfrm>
+          <a:prstGeom prst="rect">
+            <a:avLst/>
+          </a:prstGeom>
+          <a:noFill/>
+          <a:extLst>
+            <a:ext uri="{909E8E84-426E-40DD-AFC4-6F175D3DCCD1}">
+              <a14:hiddenFill xmlns:a14="http://schemas.microsoft.com/office/drawing/2010/main">
+                <a:solidFill>
+                  <a:srgbClr val="FFFFFF"/>
+                </a:solidFill>
+              </a14:hiddenFill>
+            </a:ext>
+          </a:extLst>
+        </p:spPr>
+      </p:pic>
+      <p:sp>
+        <p:nvSpPr>
+          <p:cNvPr id="9" name="Rectangle 8">
+            <a:extLst>
+              <a:ext uri="{FF2B5EF4-FFF2-40B4-BE49-F238E27FC236}">
+                <a16:creationId xmlns:a16="http://schemas.microsoft.com/office/drawing/2014/main" id="{50C5C448-2047-96D0-5AED-C76455D47A1A}"/>
+              </a:ext>
+            </a:extLst>
+          </p:cNvPr>
+          <p:cNvSpPr/>
+          <p:nvPr/>
+        </p:nvSpPr>
+        <p:spPr>
+          <a:xfrm>
+            <a:off x="808897" y="3305608"/>
+            <a:ext cx="3337560" cy="434288"/>
+          </a:xfrm>
+          <a:prstGeom prst="rect">
+            <a:avLst/>
+          </a:prstGeom>
+          <a:solidFill>
+            <a:schemeClr val="accent3">
+              <a:lumMod val="60000"/>
+              <a:lumOff val="40000"/>
+            </a:schemeClr>
+          </a:solidFill>
+          <a:ln w="28575">
+            <a:solidFill>
+              <a:schemeClr val="tx1"/>
+            </a:solidFill>
+          </a:ln>
+        </p:spPr>
+        <p:style>
+          <a:lnRef idx="2">
+            <a:schemeClr val="accent1">
+              <a:shade val="15000"/>
+            </a:schemeClr>
+          </a:lnRef>
+          <a:fillRef idx="1">
+            <a:schemeClr val="accent1"/>
+          </a:fillRef>
+          <a:effectRef idx="0">
+            <a:schemeClr val="accent1"/>
+          </a:effectRef>
+          <a:fontRef idx="minor">
+            <a:schemeClr val="lt1"/>
+          </a:fontRef>
+        </p:style>
+        <p:txBody>
+          <a:bodyPr rtlCol="0" anchor="ctr"/>
+          <a:lstStyle/>
+          <a:p>
+            <a:pPr algn="ctr"/>
+            <a:r>
+              <a:rPr lang="fr-FR" sz="1600" b="1" dirty="0">
+                <a:solidFill>
+                  <a:schemeClr val="tx1"/>
+                </a:solidFill>
+              </a:rPr>
+              <a:t>Animal</a:t>
+            </a:r>
+          </a:p>
+        </p:txBody>
+      </p:sp>
+      <p:sp>
+        <p:nvSpPr>
+          <p:cNvPr id="10" name="Rectangle 9">
+            <a:extLst>
+              <a:ext uri="{FF2B5EF4-FFF2-40B4-BE49-F238E27FC236}">
+                <a16:creationId xmlns:a16="http://schemas.microsoft.com/office/drawing/2014/main" id="{FBDFFEF4-FCDF-A201-9C3F-03AA6BABBA41}"/>
+              </a:ext>
+            </a:extLst>
+          </p:cNvPr>
+          <p:cNvSpPr/>
+          <p:nvPr/>
+        </p:nvSpPr>
+        <p:spPr>
+          <a:xfrm>
+            <a:off x="808065" y="3732679"/>
+            <a:ext cx="3337560" cy="993815"/>
+          </a:xfrm>
+          <a:prstGeom prst="rect">
+            <a:avLst/>
+          </a:prstGeom>
+          <a:solidFill>
+            <a:srgbClr val="002060"/>
+          </a:solidFill>
+          <a:ln w="28575">
+            <a:solidFill>
+              <a:schemeClr val="tx1"/>
+            </a:solidFill>
+          </a:ln>
+        </p:spPr>
+        <p:style>
+          <a:lnRef idx="2">
+            <a:schemeClr val="accent1">
+              <a:shade val="15000"/>
+            </a:schemeClr>
+          </a:lnRef>
+          <a:fillRef idx="1">
+            <a:schemeClr val="accent1"/>
+          </a:fillRef>
+          <a:effectRef idx="0">
+            <a:schemeClr val="accent1"/>
+          </a:effectRef>
+          <a:fontRef idx="minor">
+            <a:schemeClr val="lt1"/>
+          </a:fontRef>
+        </p:style>
+        <p:txBody>
+          <a:bodyPr rtlCol="0" anchor="ctr"/>
+          <a:lstStyle/>
+          <a:p>
+            <a:pPr algn="ctr"/>
+            <a:r>
+              <a:rPr lang="fr-FR" sz="1600" dirty="0">
+                <a:solidFill>
+                  <a:schemeClr val="bg1"/>
+                </a:solidFill>
+              </a:rPr>
+              <a:t>+ </a:t>
+            </a:r>
+            <a:r>
+              <a:rPr lang="fr-FR" sz="1600" dirty="0" err="1">
+                <a:solidFill>
+                  <a:schemeClr val="bg1"/>
+                </a:solidFill>
+              </a:rPr>
+              <a:t>name</a:t>
+            </a:r>
+            <a:r>
+              <a:rPr lang="fr-FR" sz="1600" dirty="0">
+                <a:solidFill>
+                  <a:schemeClr val="bg1"/>
+                </a:solidFill>
+              </a:rPr>
+              <a:t>: </a:t>
+            </a:r>
+            <a:r>
+              <a:rPr lang="fr-FR" sz="1600" dirty="0" err="1">
+                <a:solidFill>
+                  <a:schemeClr val="bg1"/>
+                </a:solidFill>
+              </a:rPr>
+              <a:t>str</a:t>
+            </a:r>
+            <a:endParaRPr lang="fr-FR" sz="1600" dirty="0">
+              <a:solidFill>
+                <a:schemeClr val="bg1"/>
+              </a:solidFill>
+            </a:endParaRPr>
+          </a:p>
+          <a:p>
+            <a:pPr algn="ctr"/>
+            <a:r>
+              <a:rPr lang="fr-FR" sz="1600" dirty="0">
+                <a:solidFill>
+                  <a:schemeClr val="bg1"/>
+                </a:solidFill>
+              </a:rPr>
+              <a:t>+ </a:t>
+            </a:r>
+            <a:r>
+              <a:rPr lang="fr-FR" sz="1600" dirty="0" err="1">
+                <a:solidFill>
+                  <a:schemeClr val="bg1"/>
+                </a:solidFill>
+              </a:rPr>
+              <a:t>birthyear</a:t>
+            </a:r>
+            <a:r>
+              <a:rPr lang="fr-FR" sz="1600" dirty="0">
+                <a:solidFill>
+                  <a:schemeClr val="bg1"/>
+                </a:solidFill>
+              </a:rPr>
+              <a:t>: </a:t>
+            </a:r>
+            <a:r>
+              <a:rPr lang="fr-FR" sz="1600" dirty="0" err="1">
+                <a:solidFill>
+                  <a:schemeClr val="bg1"/>
+                </a:solidFill>
+              </a:rPr>
+              <a:t>int</a:t>
+            </a:r>
+            <a:r>
+              <a:rPr lang="fr-FR" sz="1600" dirty="0">
+                <a:solidFill>
+                  <a:schemeClr val="bg1"/>
+                </a:solidFill>
+              </a:rPr>
+              <a:t> </a:t>
+            </a:r>
+          </a:p>
+        </p:txBody>
+      </p:sp>
+      <p:sp>
+        <p:nvSpPr>
+          <p:cNvPr id="13" name="Rectangle 12">
+            <a:extLst>
+              <a:ext uri="{FF2B5EF4-FFF2-40B4-BE49-F238E27FC236}">
+                <a16:creationId xmlns:a16="http://schemas.microsoft.com/office/drawing/2014/main" id="{1314163A-EC6E-2805-D553-EA13CD6D82E8}"/>
+              </a:ext>
+            </a:extLst>
+          </p:cNvPr>
+          <p:cNvSpPr/>
+          <p:nvPr/>
+        </p:nvSpPr>
+        <p:spPr>
+          <a:xfrm rot="16200000">
+            <a:off x="-48846" y="4102049"/>
+            <a:ext cx="993816" cy="255073"/>
+          </a:xfrm>
+          <a:prstGeom prst="rect">
+            <a:avLst/>
+          </a:prstGeom>
+          <a:solidFill>
+            <a:srgbClr val="002060"/>
+          </a:solidFill>
+          <a:ln>
+            <a:noFill/>
+          </a:ln>
+        </p:spPr>
+        <p:style>
+          <a:lnRef idx="2">
+            <a:schemeClr val="accent1">
+              <a:shade val="15000"/>
+            </a:schemeClr>
+          </a:lnRef>
+          <a:fillRef idx="1">
+            <a:schemeClr val="accent1"/>
+          </a:fillRef>
+          <a:effectRef idx="0">
+            <a:schemeClr val="accent1"/>
+          </a:effectRef>
+          <a:fontRef idx="minor">
+            <a:schemeClr val="lt1"/>
+          </a:fontRef>
+        </p:style>
+        <p:txBody>
+          <a:bodyPr vert="horz" rtlCol="0" anchor="ctr"/>
+          <a:lstStyle/>
+          <a:p>
+            <a:pPr algn="ctr"/>
+            <a:r>
+              <a:rPr lang="fr-FR" sz="1200" b="1" dirty="0"/>
+              <a:t>ETAT</a:t>
+            </a:r>
+          </a:p>
+        </p:txBody>
+      </p:sp>
+      <p:sp>
+        <p:nvSpPr>
+          <p:cNvPr id="18" name="Rectangle 17">
+            <a:extLst>
+              <a:ext uri="{FF2B5EF4-FFF2-40B4-BE49-F238E27FC236}">
+                <a16:creationId xmlns:a16="http://schemas.microsoft.com/office/drawing/2014/main" id="{9F6D1D89-1A86-1FE6-E897-014EF0FEC863}"/>
+              </a:ext>
+            </a:extLst>
+          </p:cNvPr>
+          <p:cNvSpPr/>
+          <p:nvPr/>
+        </p:nvSpPr>
+        <p:spPr>
+          <a:xfrm>
+            <a:off x="3677065" y="5130085"/>
+            <a:ext cx="2103120" cy="434288"/>
+          </a:xfrm>
+          <a:prstGeom prst="rect">
+            <a:avLst/>
+          </a:prstGeom>
+          <a:solidFill>
+            <a:srgbClr val="D7C5B5">
+              <a:alpha val="54902"/>
+            </a:srgbClr>
+          </a:solidFill>
+          <a:ln w="28575">
+            <a:solidFill>
+              <a:schemeClr val="tx1"/>
+            </a:solidFill>
+          </a:ln>
+        </p:spPr>
+        <p:style>
+          <a:lnRef idx="2">
+            <a:schemeClr val="accent1">
+              <a:shade val="15000"/>
+            </a:schemeClr>
+          </a:lnRef>
+          <a:fillRef idx="1">
+            <a:schemeClr val="accent1"/>
+          </a:fillRef>
+          <a:effectRef idx="0">
+            <a:schemeClr val="accent1"/>
+          </a:effectRef>
+          <a:fontRef idx="minor">
+            <a:schemeClr val="lt1"/>
+          </a:fontRef>
+        </p:style>
+        <p:txBody>
+          <a:bodyPr rtlCol="0" anchor="ctr"/>
+          <a:lstStyle/>
+          <a:p>
+            <a:pPr algn="ctr"/>
+            <a:r>
+              <a:rPr lang="fr-FR" sz="1600" b="1" dirty="0">
+                <a:solidFill>
+                  <a:schemeClr val="tx1"/>
+                </a:solidFill>
+              </a:rPr>
+              <a:t>animal1</a:t>
+            </a:r>
+          </a:p>
+        </p:txBody>
+      </p:sp>
+      <p:sp>
+        <p:nvSpPr>
+          <p:cNvPr id="19" name="Rectangle 18">
+            <a:extLst>
+              <a:ext uri="{FF2B5EF4-FFF2-40B4-BE49-F238E27FC236}">
+                <a16:creationId xmlns:a16="http://schemas.microsoft.com/office/drawing/2014/main" id="{55AF6DD8-92F6-E531-D88E-06D1A0081330}"/>
+              </a:ext>
+            </a:extLst>
+          </p:cNvPr>
+          <p:cNvSpPr/>
+          <p:nvPr/>
+        </p:nvSpPr>
+        <p:spPr>
+          <a:xfrm>
+            <a:off x="3676233" y="5557156"/>
+            <a:ext cx="2103120" cy="993815"/>
+          </a:xfrm>
+          <a:prstGeom prst="rect">
+            <a:avLst/>
+          </a:prstGeom>
+          <a:solidFill>
+            <a:srgbClr val="002060">
+              <a:alpha val="40000"/>
+            </a:srgbClr>
+          </a:solidFill>
+          <a:ln w="28575">
+            <a:solidFill>
+              <a:schemeClr val="tx1"/>
+            </a:solidFill>
+          </a:ln>
+        </p:spPr>
+        <p:style>
+          <a:lnRef idx="2">
+            <a:schemeClr val="accent1">
+              <a:shade val="15000"/>
+            </a:schemeClr>
+          </a:lnRef>
+          <a:fillRef idx="1">
+            <a:schemeClr val="accent1"/>
+          </a:fillRef>
+          <a:effectRef idx="0">
+            <a:schemeClr val="accent1"/>
+          </a:effectRef>
+          <a:fontRef idx="minor">
+            <a:schemeClr val="lt1"/>
+          </a:fontRef>
+        </p:style>
+        <p:txBody>
+          <a:bodyPr rtlCol="0" anchor="ctr"/>
+          <a:lstStyle/>
+          <a:p>
+            <a:pPr algn="ctr"/>
+            <a:r>
+              <a:rPr lang="fr-FR" sz="1600" dirty="0">
+                <a:solidFill>
+                  <a:schemeClr val="bg1"/>
+                </a:solidFill>
+              </a:rPr>
+              <a:t>+ Felix</a:t>
+            </a:r>
+          </a:p>
+          <a:p>
+            <a:pPr algn="ctr"/>
+            <a:r>
+              <a:rPr lang="fr-FR" sz="1600" dirty="0">
+                <a:solidFill>
+                  <a:schemeClr val="bg1"/>
+                </a:solidFill>
+              </a:rPr>
+              <a:t>+ 2021</a:t>
+            </a:r>
+          </a:p>
+        </p:txBody>
+      </p:sp>
+      <p:cxnSp>
+        <p:nvCxnSpPr>
+          <p:cNvPr id="23" name="Connecteur droit avec flèche 22">
+            <a:extLst>
+              <a:ext uri="{FF2B5EF4-FFF2-40B4-BE49-F238E27FC236}">
+                <a16:creationId xmlns:a16="http://schemas.microsoft.com/office/drawing/2014/main" id="{F3BB1DDE-FD4F-739A-A919-2F4AB29A42BD}"/>
+              </a:ext>
+            </a:extLst>
+          </p:cNvPr>
+          <p:cNvCxnSpPr>
+            <a:cxnSpLocks/>
+          </p:cNvCxnSpPr>
+          <p:nvPr/>
+        </p:nvCxnSpPr>
+        <p:spPr>
+          <a:xfrm>
+            <a:off x="4249257" y="4514052"/>
+            <a:ext cx="292608" cy="523170"/>
+          </a:xfrm>
+          <a:prstGeom prst="straightConnector1">
+            <a:avLst/>
+          </a:prstGeom>
+          <a:ln w="57150">
+            <a:solidFill>
+              <a:srgbClr val="7030A0"/>
+            </a:solidFill>
+            <a:tailEnd type="triangle"/>
+          </a:ln>
+        </p:spPr>
+        <p:style>
+          <a:lnRef idx="1">
+            <a:schemeClr val="accent1"/>
+          </a:lnRef>
+          <a:fillRef idx="0">
+            <a:schemeClr val="accent1"/>
+          </a:fillRef>
+          <a:effectRef idx="0">
+            <a:schemeClr val="accent1"/>
+          </a:effectRef>
+          <a:fontRef idx="minor">
+            <a:schemeClr val="tx1"/>
+          </a:fontRef>
+        </p:style>
+      </p:cxnSp>
+      <p:sp>
+        <p:nvSpPr>
+          <p:cNvPr id="35" name="ZoneTexte 34">
+            <a:extLst>
+              <a:ext uri="{FF2B5EF4-FFF2-40B4-BE49-F238E27FC236}">
+                <a16:creationId xmlns:a16="http://schemas.microsoft.com/office/drawing/2014/main" id="{D705C9A2-64D5-1CA3-8F96-A237FC003D30}"/>
+              </a:ext>
+            </a:extLst>
+          </p:cNvPr>
+          <p:cNvSpPr txBox="1"/>
+          <p:nvPr/>
+        </p:nvSpPr>
+        <p:spPr>
+          <a:xfrm>
+            <a:off x="4572393" y="4506057"/>
+            <a:ext cx="1160895" cy="369332"/>
+          </a:xfrm>
+          <a:prstGeom prst="rect">
+            <a:avLst/>
+          </a:prstGeom>
+          <a:noFill/>
+        </p:spPr>
+        <p:txBody>
+          <a:bodyPr wrap="none" rtlCol="0">
+            <a:spAutoFit/>
+          </a:bodyPr>
+          <a:lstStyle/>
+          <a:p>
+            <a:r>
+              <a:rPr lang="fr-FR" dirty="0"/>
+              <a:t>instances</a:t>
+            </a:r>
+          </a:p>
+        </p:txBody>
+      </p:sp>
+      <p:sp>
+        <p:nvSpPr>
+          <p:cNvPr id="11" name="Rectangle 10">
+            <a:extLst>
+              <a:ext uri="{FF2B5EF4-FFF2-40B4-BE49-F238E27FC236}">
+                <a16:creationId xmlns:a16="http://schemas.microsoft.com/office/drawing/2014/main" id="{3270964F-9934-AED8-0697-8C3A87BD15F2}"/>
+              </a:ext>
+            </a:extLst>
+          </p:cNvPr>
+          <p:cNvSpPr/>
+          <p:nvPr/>
+        </p:nvSpPr>
+        <p:spPr>
+          <a:xfrm>
+            <a:off x="808064" y="4726495"/>
+            <a:ext cx="3337560" cy="1060914"/>
+          </a:xfrm>
+          <a:prstGeom prst="rect">
+            <a:avLst/>
+          </a:prstGeom>
+          <a:solidFill>
+            <a:srgbClr val="00B0F0"/>
+          </a:solidFill>
+          <a:ln w="28575">
+            <a:solidFill>
+              <a:schemeClr val="tx1"/>
+            </a:solidFill>
+          </a:ln>
+        </p:spPr>
+        <p:style>
+          <a:lnRef idx="2">
+            <a:schemeClr val="accent1">
+              <a:shade val="15000"/>
+            </a:schemeClr>
+          </a:lnRef>
+          <a:fillRef idx="1">
+            <a:schemeClr val="accent1"/>
+          </a:fillRef>
+          <a:effectRef idx="0">
+            <a:schemeClr val="accent1"/>
+          </a:effectRef>
+          <a:fontRef idx="minor">
+            <a:schemeClr val="lt1"/>
+          </a:fontRef>
+        </p:style>
+        <p:txBody>
+          <a:bodyPr rtlCol="0" anchor="ctr"/>
+          <a:lstStyle/>
+          <a:p>
+            <a:pPr algn="ctr"/>
+            <a:r>
+              <a:rPr lang="fr-FR" sz="1600" dirty="0">
+                <a:solidFill>
+                  <a:schemeClr val="tx1"/>
+                </a:solidFill>
+              </a:rPr>
+              <a:t>+ move()</a:t>
+            </a:r>
+          </a:p>
+          <a:p>
+            <a:pPr algn="ctr"/>
+            <a:r>
+              <a:rPr lang="fr-FR" sz="1600" dirty="0">
+                <a:solidFill>
+                  <a:schemeClr val="tx1"/>
+                </a:solidFill>
+              </a:rPr>
+              <a:t>+ </a:t>
+            </a:r>
+            <a:r>
+              <a:rPr lang="fr-FR" sz="1600" dirty="0" err="1">
+                <a:solidFill>
+                  <a:schemeClr val="tx1"/>
+                </a:solidFill>
+              </a:rPr>
+              <a:t>get_age</a:t>
+            </a:r>
+            <a:r>
+              <a:rPr lang="fr-FR" sz="1600" dirty="0">
+                <a:solidFill>
+                  <a:schemeClr val="tx1"/>
+                </a:solidFill>
+              </a:rPr>
+              <a:t>(): </a:t>
+            </a:r>
+            <a:r>
+              <a:rPr lang="fr-FR" sz="1600" dirty="0" err="1">
+                <a:solidFill>
+                  <a:schemeClr val="tx1"/>
+                </a:solidFill>
+              </a:rPr>
+              <a:t>int</a:t>
+            </a:r>
+            <a:endParaRPr lang="fr-FR" sz="1600" dirty="0">
+              <a:solidFill>
+                <a:schemeClr val="tx1"/>
+              </a:solidFill>
+            </a:endParaRPr>
+          </a:p>
+          <a:p>
+            <a:pPr algn="ctr"/>
+            <a:r>
+              <a:rPr lang="fr-FR" sz="1600" dirty="0">
+                <a:solidFill>
+                  <a:schemeClr val="tx1"/>
+                </a:solidFill>
+              </a:rPr>
+              <a:t>+ __</a:t>
+            </a:r>
+            <a:r>
+              <a:rPr lang="fr-FR" sz="1600" dirty="0" err="1">
+                <a:solidFill>
+                  <a:schemeClr val="tx1"/>
+                </a:solidFill>
+              </a:rPr>
+              <a:t>str</a:t>
+            </a:r>
+            <a:r>
+              <a:rPr lang="fr-FR" sz="1600" dirty="0">
+                <a:solidFill>
+                  <a:schemeClr val="tx1"/>
+                </a:solidFill>
+              </a:rPr>
+              <a:t>__()</a:t>
+            </a:r>
+          </a:p>
+        </p:txBody>
+      </p:sp>
+      <p:sp>
+        <p:nvSpPr>
+          <p:cNvPr id="12" name="Rectangle 11">
+            <a:extLst>
+              <a:ext uri="{FF2B5EF4-FFF2-40B4-BE49-F238E27FC236}">
+                <a16:creationId xmlns:a16="http://schemas.microsoft.com/office/drawing/2014/main" id="{5D2F5EC6-B060-FFFD-9EA7-E253C4703DE4}"/>
+              </a:ext>
+            </a:extLst>
+          </p:cNvPr>
+          <p:cNvSpPr/>
+          <p:nvPr/>
+        </p:nvSpPr>
+        <p:spPr>
+          <a:xfrm rot="16200000">
+            <a:off x="-82395" y="5129413"/>
+            <a:ext cx="1060913" cy="255073"/>
+          </a:xfrm>
+          <a:prstGeom prst="rect">
+            <a:avLst/>
+          </a:prstGeom>
+          <a:solidFill>
+            <a:srgbClr val="00B0F0"/>
+          </a:solidFill>
+          <a:ln>
+            <a:noFill/>
+          </a:ln>
+        </p:spPr>
+        <p:style>
+          <a:lnRef idx="2">
+            <a:schemeClr val="accent1">
+              <a:shade val="15000"/>
+            </a:schemeClr>
+          </a:lnRef>
+          <a:fillRef idx="1">
+            <a:schemeClr val="accent1"/>
+          </a:fillRef>
+          <a:effectRef idx="0">
+            <a:schemeClr val="accent1"/>
+          </a:effectRef>
+          <a:fontRef idx="minor">
+            <a:schemeClr val="lt1"/>
+          </a:fontRef>
+        </p:style>
+        <p:txBody>
+          <a:bodyPr vert="horz" rtlCol="0" anchor="ctr"/>
+          <a:lstStyle/>
+          <a:p>
+            <a:pPr algn="ctr"/>
+            <a:r>
+              <a:rPr lang="fr-FR" sz="700" b="1" dirty="0"/>
+              <a:t>COMPORTEMENT</a:t>
+            </a:r>
+          </a:p>
+        </p:txBody>
+      </p:sp>
+      <p:sp>
+        <p:nvSpPr>
+          <p:cNvPr id="24" name="ZoneTexte 23">
+            <a:extLst>
+              <a:ext uri="{FF2B5EF4-FFF2-40B4-BE49-F238E27FC236}">
+                <a16:creationId xmlns:a16="http://schemas.microsoft.com/office/drawing/2014/main" id="{BA284359-8B20-8145-9CF1-B16E4C6496AC}"/>
+              </a:ext>
+            </a:extLst>
+          </p:cNvPr>
+          <p:cNvSpPr txBox="1"/>
+          <p:nvPr/>
+        </p:nvSpPr>
+        <p:spPr>
+          <a:xfrm>
+            <a:off x="808064" y="2011373"/>
+            <a:ext cx="6497160" cy="1077218"/>
+          </a:xfrm>
+          <a:prstGeom prst="rect">
+            <a:avLst/>
+          </a:prstGeom>
+          <a:solidFill>
+            <a:schemeClr val="bg1">
+              <a:lumMod val="95000"/>
+            </a:schemeClr>
+          </a:solidFill>
+        </p:spPr>
+        <p:txBody>
+          <a:bodyPr wrap="square">
+            <a:spAutoFit/>
+          </a:bodyPr>
+          <a:lstStyle/>
+          <a:p>
+            <a:r>
+              <a:rPr lang="fr-FR" sz="1600" b="1" dirty="0"/>
+              <a:t>	</a:t>
+            </a:r>
+            <a:r>
+              <a:rPr lang="fr-FR" sz="1600" b="1" dirty="0" err="1"/>
+              <a:t>def</a:t>
+            </a:r>
+            <a:r>
+              <a:rPr lang="fr-FR" sz="1600" b="1" dirty="0"/>
+              <a:t> </a:t>
+            </a:r>
+            <a:r>
+              <a:rPr lang="fr-FR" sz="1600" i="1" dirty="0"/>
+              <a:t>__</a:t>
+            </a:r>
+            <a:r>
+              <a:rPr lang="fr-FR" sz="1600" i="1" dirty="0" err="1"/>
+              <a:t>str</a:t>
+            </a:r>
+            <a:r>
+              <a:rPr lang="fr-FR" sz="1600" i="1" dirty="0"/>
+              <a:t>__</a:t>
+            </a:r>
+            <a:r>
+              <a:rPr lang="fr-FR" sz="1600" dirty="0"/>
+              <a:t>(</a:t>
+            </a:r>
+            <a:r>
+              <a:rPr lang="fr-FR" sz="1600" b="1" dirty="0"/>
+              <a:t>self</a:t>
+            </a:r>
+            <a:r>
+              <a:rPr lang="fr-FR" sz="1600" dirty="0"/>
+              <a:t>):</a:t>
+            </a:r>
+          </a:p>
+          <a:p>
+            <a:r>
+              <a:rPr lang="fr-FR" sz="1600" b="1" dirty="0"/>
+              <a:t>		</a:t>
+            </a:r>
+            <a:r>
+              <a:rPr lang="fr-FR" sz="1600" dirty="0" err="1"/>
+              <a:t>str</a:t>
+            </a:r>
+            <a:r>
+              <a:rPr lang="fr-FR" sz="1600" b="1" dirty="0"/>
+              <a:t> = </a:t>
+            </a:r>
+            <a:r>
+              <a:rPr lang="fr-FR" sz="1600" b="1" i="1" dirty="0" err="1"/>
+              <a:t>f"</a:t>
+            </a:r>
+            <a:r>
+              <a:rPr lang="fr-FR" sz="1600" dirty="0" err="1"/>
+              <a:t>Animal</a:t>
+            </a:r>
+            <a:r>
+              <a:rPr lang="fr-FR" sz="1600" dirty="0"/>
+              <a:t> [ {</a:t>
+            </a:r>
+            <a:r>
+              <a:rPr lang="fr-FR" sz="1600" b="1" dirty="0"/>
+              <a:t>self.</a:t>
+            </a:r>
+            <a:r>
+              <a:rPr lang="fr-FR" sz="1600" i="1" dirty="0"/>
+              <a:t>name</a:t>
+            </a:r>
+            <a:r>
+              <a:rPr lang="fr-FR" sz="1600" dirty="0"/>
+              <a:t>}</a:t>
+            </a:r>
+            <a:r>
+              <a:rPr lang="fr-FR" sz="1600" b="1" dirty="0"/>
+              <a:t> </a:t>
+            </a:r>
+            <a:r>
+              <a:rPr lang="fr-FR" sz="1600" dirty="0"/>
+              <a:t>] </a:t>
+            </a:r>
+            <a:r>
+              <a:rPr lang="fr-FR" sz="1600" dirty="0" err="1"/>
+              <a:t>born</a:t>
+            </a:r>
+            <a:r>
+              <a:rPr lang="fr-FR" sz="1600" dirty="0"/>
+              <a:t> in {</a:t>
+            </a:r>
+            <a:r>
+              <a:rPr lang="fr-FR" sz="1600" b="1" dirty="0" err="1"/>
+              <a:t>self.</a:t>
+            </a:r>
+            <a:r>
+              <a:rPr lang="fr-FR" sz="1600" i="1" dirty="0" err="1"/>
+              <a:t>birthyear</a:t>
+            </a:r>
+            <a:r>
+              <a:rPr lang="fr-FR" sz="1600" dirty="0"/>
+              <a:t>}</a:t>
+            </a:r>
+            <a:r>
+              <a:rPr lang="fr-FR" sz="1600" b="1" i="1" dirty="0"/>
+              <a:t>"</a:t>
+            </a:r>
+          </a:p>
+          <a:p>
+            <a:r>
+              <a:rPr lang="fr-FR" sz="1600" b="1" dirty="0"/>
+              <a:t>		</a:t>
+            </a:r>
+            <a:r>
+              <a:rPr lang="fr-FR" sz="1600" dirty="0" err="1"/>
+              <a:t>str</a:t>
+            </a:r>
+            <a:r>
+              <a:rPr lang="fr-FR" sz="1600" b="1" dirty="0"/>
+              <a:t> += </a:t>
+            </a:r>
+            <a:r>
+              <a:rPr lang="fr-FR" sz="1600" b="1" i="1" dirty="0"/>
+              <a:t>f"</a:t>
+            </a:r>
+            <a:r>
+              <a:rPr lang="fr-FR" sz="1600" b="1" dirty="0"/>
+              <a:t> </a:t>
+            </a:r>
+            <a:r>
+              <a:rPr lang="fr-FR" sz="1600" dirty="0"/>
+              <a:t>({</a:t>
+            </a:r>
+            <a:r>
+              <a:rPr lang="fr-FR" sz="1600" b="1" dirty="0" err="1"/>
+              <a:t>self.</a:t>
+            </a:r>
+            <a:r>
+              <a:rPr lang="fr-FR" sz="1600" i="1" dirty="0" err="1"/>
+              <a:t>get_age</a:t>
+            </a:r>
+            <a:r>
+              <a:rPr lang="fr-FR" sz="1600" i="1" dirty="0"/>
+              <a:t>()</a:t>
+            </a:r>
+            <a:r>
+              <a:rPr lang="fr-FR" sz="1600" dirty="0"/>
+              <a:t>}</a:t>
+            </a:r>
+            <a:r>
+              <a:rPr lang="fr-FR" sz="1600" b="1" dirty="0"/>
+              <a:t> </a:t>
+            </a:r>
+            <a:r>
+              <a:rPr lang="fr-FR" sz="1600" dirty="0"/>
+              <a:t>yo)</a:t>
+            </a:r>
+            <a:r>
+              <a:rPr lang="fr-FR" sz="1600" b="1" i="1" dirty="0"/>
+              <a:t>"</a:t>
+            </a:r>
+          </a:p>
+          <a:p>
+            <a:r>
+              <a:rPr lang="fr-FR" sz="1600" b="1" dirty="0"/>
+              <a:t>		return </a:t>
+            </a:r>
+            <a:r>
+              <a:rPr lang="fr-FR" sz="1600" dirty="0" err="1"/>
+              <a:t>str</a:t>
+            </a:r>
+            <a:endParaRPr lang="fr-FR" sz="1600" dirty="0"/>
+          </a:p>
+        </p:txBody>
+      </p:sp>
+      <p:sp>
+        <p:nvSpPr>
+          <p:cNvPr id="25" name="ZoneTexte 24">
+            <a:extLst>
+              <a:ext uri="{FF2B5EF4-FFF2-40B4-BE49-F238E27FC236}">
+                <a16:creationId xmlns:a16="http://schemas.microsoft.com/office/drawing/2014/main" id="{21521148-36DB-28C7-D0A6-84B69067529F}"/>
+              </a:ext>
+            </a:extLst>
+          </p:cNvPr>
+          <p:cNvSpPr txBox="1"/>
+          <p:nvPr/>
+        </p:nvSpPr>
+        <p:spPr>
+          <a:xfrm>
+            <a:off x="5388021" y="3319088"/>
+            <a:ext cx="6096000" cy="338554"/>
+          </a:xfrm>
+          <a:prstGeom prst="rect">
+            <a:avLst/>
+          </a:prstGeom>
+          <a:solidFill>
+            <a:schemeClr val="bg1">
+              <a:lumMod val="85000"/>
+            </a:schemeClr>
+          </a:solidFill>
+        </p:spPr>
+        <p:txBody>
+          <a:bodyPr wrap="square">
+            <a:spAutoFit/>
+          </a:bodyPr>
+          <a:lstStyle/>
+          <a:p>
+            <a:r>
+              <a:rPr lang="en-US" sz="1600" dirty="0">
+                <a:highlight>
+                  <a:srgbClr val="D6B4B2"/>
+                </a:highlight>
+              </a:rPr>
+              <a:t>animal1</a:t>
+            </a:r>
+            <a:r>
+              <a:rPr lang="fr-FR" sz="1600" dirty="0"/>
+              <a:t> </a:t>
+            </a:r>
+            <a:r>
+              <a:rPr lang="fr-FR" sz="1600" b="1" dirty="0"/>
+              <a:t>=</a:t>
+            </a:r>
+            <a:r>
+              <a:rPr lang="fr-FR" sz="1600" dirty="0"/>
+              <a:t> Animal("Felix", 2021)</a:t>
+            </a:r>
+          </a:p>
+        </p:txBody>
+      </p:sp>
+      <p:sp>
+        <p:nvSpPr>
+          <p:cNvPr id="26" name="ZoneTexte 25">
+            <a:extLst>
+              <a:ext uri="{FF2B5EF4-FFF2-40B4-BE49-F238E27FC236}">
+                <a16:creationId xmlns:a16="http://schemas.microsoft.com/office/drawing/2014/main" id="{BFD10F90-383A-21AA-89C8-8BF8F903064D}"/>
+              </a:ext>
+            </a:extLst>
+          </p:cNvPr>
+          <p:cNvSpPr txBox="1"/>
+          <p:nvPr/>
+        </p:nvSpPr>
+        <p:spPr>
+          <a:xfrm>
+            <a:off x="5388021" y="3723021"/>
+            <a:ext cx="6096000" cy="338554"/>
+          </a:xfrm>
+          <a:prstGeom prst="rect">
+            <a:avLst/>
+          </a:prstGeom>
+          <a:solidFill>
+            <a:schemeClr val="bg1">
+              <a:lumMod val="85000"/>
+            </a:schemeClr>
+          </a:solidFill>
+        </p:spPr>
+        <p:txBody>
+          <a:bodyPr wrap="square">
+            <a:spAutoFit/>
+          </a:bodyPr>
+          <a:lstStyle/>
+          <a:p>
+            <a:r>
+              <a:rPr lang="en-US" sz="1600" b="1" dirty="0"/>
+              <a:t>print</a:t>
+            </a:r>
+            <a:r>
+              <a:rPr lang="en-US" sz="1600" dirty="0"/>
+              <a:t>(</a:t>
+            </a:r>
+            <a:r>
+              <a:rPr lang="en-US" sz="1600" dirty="0">
+                <a:highlight>
+                  <a:srgbClr val="D6B4B2"/>
+                </a:highlight>
+              </a:rPr>
+              <a:t>animal1</a:t>
+            </a:r>
+            <a:r>
+              <a:rPr lang="en-US" sz="1600" dirty="0"/>
+              <a:t>)</a:t>
+            </a:r>
+            <a:endParaRPr lang="fr-FR" sz="1600" i="1" dirty="0"/>
+          </a:p>
+        </p:txBody>
+      </p:sp>
+      <p:sp>
+        <p:nvSpPr>
+          <p:cNvPr id="27" name="ZoneTexte 26">
+            <a:extLst>
+              <a:ext uri="{FF2B5EF4-FFF2-40B4-BE49-F238E27FC236}">
+                <a16:creationId xmlns:a16="http://schemas.microsoft.com/office/drawing/2014/main" id="{12058F8F-B776-8B19-4704-36E498823C46}"/>
+              </a:ext>
+            </a:extLst>
+          </p:cNvPr>
+          <p:cNvSpPr txBox="1"/>
+          <p:nvPr/>
+        </p:nvSpPr>
+        <p:spPr>
+          <a:xfrm>
+            <a:off x="5751910" y="4206924"/>
+            <a:ext cx="5732111" cy="338554"/>
+          </a:xfrm>
+          <a:prstGeom prst="rect">
+            <a:avLst/>
+          </a:prstGeom>
+          <a:solidFill>
+            <a:schemeClr val="bg1">
+              <a:lumMod val="95000"/>
+            </a:schemeClr>
+          </a:solidFill>
+          <a:ln>
+            <a:solidFill>
+              <a:schemeClr val="accent1"/>
+            </a:solidFill>
+          </a:ln>
+        </p:spPr>
+        <p:txBody>
+          <a:bodyPr wrap="square">
+            <a:spAutoFit/>
+          </a:bodyPr>
+          <a:lstStyle/>
+          <a:p>
+            <a:r>
+              <a:rPr lang="en-US" sz="1600" dirty="0"/>
+              <a:t>&gt;&gt;&gt;  Animal [ Felix ] born in 2021 (4 </a:t>
+            </a:r>
+            <a:r>
+              <a:rPr lang="en-US" sz="1600" dirty="0" err="1"/>
+              <a:t>yo</a:t>
+            </a:r>
+            <a:r>
+              <a:rPr lang="en-US" sz="1600" dirty="0"/>
+              <a:t>)</a:t>
+            </a:r>
+            <a:endParaRPr lang="fr-FR" sz="1600" dirty="0"/>
+          </a:p>
+        </p:txBody>
+      </p:sp>
+    </p:spTree>
+    <p:extLst>
+      <p:ext uri="{BB962C8B-B14F-4D97-AF65-F5344CB8AC3E}">
+        <p14:creationId xmlns:p14="http://schemas.microsoft.com/office/powerpoint/2010/main" val="4125402623"/>
       </p:ext>
     </p:extLst>
   </p:cSld>
@@ -22056,1386 +22819,6 @@
         <p:cNvPr id="1" name="">
           <a:extLst>
             <a:ext uri="{FF2B5EF4-FFF2-40B4-BE49-F238E27FC236}">
-              <a16:creationId xmlns:a16="http://schemas.microsoft.com/office/drawing/2014/main" id="{95FAD80E-04D2-6FD9-43B9-94F9A919D0FC}"/>
-            </a:ext>
-          </a:extLst>
-        </p:cNvPr>
-        <p:cNvGrpSpPr/>
-        <p:nvPr/>
-      </p:nvGrpSpPr>
-      <p:grpSpPr>
-        <a:xfrm>
-          <a:off x="0" y="0"/>
-          <a:ext cx="0" cy="0"/>
-          <a:chOff x="0" y="0"/>
-          <a:chExt cx="0" cy="0"/>
-        </a:xfrm>
-      </p:grpSpPr>
-      <p:sp>
-        <p:nvSpPr>
-          <p:cNvPr id="3" name="Rectangle 2">
-            <a:extLst>
-              <a:ext uri="{FF2B5EF4-FFF2-40B4-BE49-F238E27FC236}">
-                <a16:creationId xmlns:a16="http://schemas.microsoft.com/office/drawing/2014/main" id="{78465FDD-752B-2DD2-5168-E454F8CE2A95}"/>
-              </a:ext>
-            </a:extLst>
-          </p:cNvPr>
-          <p:cNvSpPr/>
-          <p:nvPr/>
-        </p:nvSpPr>
-        <p:spPr>
-          <a:xfrm>
-            <a:off x="673975" y="405113"/>
-            <a:ext cx="11020314" cy="937549"/>
-          </a:xfrm>
-          <a:prstGeom prst="rect">
-            <a:avLst/>
-          </a:prstGeom>
-          <a:solidFill>
-            <a:schemeClr val="bg1"/>
-          </a:solidFill>
-          <a:ln>
-            <a:solidFill>
-              <a:schemeClr val="bg1">
-                <a:lumMod val="95000"/>
-              </a:schemeClr>
-            </a:solidFill>
-          </a:ln>
-          <a:effectLst>
-            <a:outerShdw blurRad="50800" dist="38100" dir="2700000" algn="tl" rotWithShape="0">
-              <a:prstClr val="black">
-                <a:alpha val="40000"/>
-              </a:prstClr>
-            </a:outerShdw>
-          </a:effectLst>
-        </p:spPr>
-        <p:style>
-          <a:lnRef idx="2">
-            <a:schemeClr val="accent1">
-              <a:shade val="15000"/>
-            </a:schemeClr>
-          </a:lnRef>
-          <a:fillRef idx="1">
-            <a:schemeClr val="accent1"/>
-          </a:fillRef>
-          <a:effectRef idx="0">
-            <a:schemeClr val="accent1"/>
-          </a:effectRef>
-          <a:fontRef idx="minor">
-            <a:schemeClr val="lt1"/>
-          </a:fontRef>
-        </p:style>
-        <p:txBody>
-          <a:bodyPr rtlCol="0" anchor="ctr"/>
-          <a:lstStyle/>
-          <a:p>
-            <a:pPr algn="ctr"/>
-            <a:endParaRPr lang="fr-FR"/>
-          </a:p>
-        </p:txBody>
-      </p:sp>
-      <p:sp>
-        <p:nvSpPr>
-          <p:cNvPr id="2" name="Titre 1">
-            <a:extLst>
-              <a:ext uri="{FF2B5EF4-FFF2-40B4-BE49-F238E27FC236}">
-                <a16:creationId xmlns:a16="http://schemas.microsoft.com/office/drawing/2014/main" id="{D37E2AAC-4771-A96B-3515-C36685627387}"/>
-              </a:ext>
-            </a:extLst>
-          </p:cNvPr>
-          <p:cNvSpPr txBox="1">
-            <a:spLocks/>
-          </p:cNvSpPr>
-          <p:nvPr/>
-        </p:nvSpPr>
-        <p:spPr>
-          <a:xfrm>
-            <a:off x="907225" y="583365"/>
-            <a:ext cx="8970548" cy="701426"/>
-          </a:xfrm>
-          <a:prstGeom prst="rect">
-            <a:avLst/>
-          </a:prstGeom>
-        </p:spPr>
-        <p:txBody>
-          <a:bodyPr>
-            <a:normAutofit/>
-          </a:bodyPr>
-          <a:lstStyle>
-            <a:lvl1pPr algn="l" defTabSz="914400" rtl="0" eaLnBrk="1" latinLnBrk="0" hangingPunct="1">
-              <a:lnSpc>
-                <a:spcPct val="90000"/>
-              </a:lnSpc>
-              <a:spcBef>
-                <a:spcPct val="0"/>
-              </a:spcBef>
-              <a:buNone/>
-              <a:defRPr sz="4400" kern="1200">
-                <a:solidFill>
-                  <a:schemeClr val="tx1"/>
-                </a:solidFill>
-                <a:latin typeface="+mj-lt"/>
-                <a:ea typeface="+mj-ea"/>
-                <a:cs typeface="+mj-cs"/>
-              </a:defRPr>
-            </a:lvl1pPr>
-          </a:lstStyle>
-          <a:p>
-            <a:r>
-              <a:rPr lang="fr-FR" sz="4000" dirty="0"/>
-              <a:t>Utilisation d’une classe</a:t>
-            </a:r>
-          </a:p>
-        </p:txBody>
-      </p:sp>
-      <p:sp>
-        <p:nvSpPr>
-          <p:cNvPr id="7" name="Rectangle 6">
-            <a:extLst>
-              <a:ext uri="{FF2B5EF4-FFF2-40B4-BE49-F238E27FC236}">
-                <a16:creationId xmlns:a16="http://schemas.microsoft.com/office/drawing/2014/main" id="{51E388D6-BFFE-5904-66E4-7BCF1A49DE59}"/>
-              </a:ext>
-            </a:extLst>
-          </p:cNvPr>
-          <p:cNvSpPr/>
-          <p:nvPr/>
-        </p:nvSpPr>
-        <p:spPr>
-          <a:xfrm>
-            <a:off x="619125" y="500258"/>
-            <a:ext cx="124142" cy="749808"/>
-          </a:xfrm>
-          <a:prstGeom prst="rect">
-            <a:avLst/>
-          </a:prstGeom>
-          <a:solidFill>
-            <a:srgbClr val="002060"/>
-          </a:solidFill>
-          <a:ln>
-            <a:noFill/>
-          </a:ln>
-        </p:spPr>
-        <p:style>
-          <a:lnRef idx="2">
-            <a:schemeClr val="accent1">
-              <a:shade val="15000"/>
-            </a:schemeClr>
-          </a:lnRef>
-          <a:fillRef idx="1">
-            <a:schemeClr val="accent1"/>
-          </a:fillRef>
-          <a:effectRef idx="0">
-            <a:schemeClr val="accent1"/>
-          </a:effectRef>
-          <a:fontRef idx="minor">
-            <a:schemeClr val="lt1"/>
-          </a:fontRef>
-        </p:style>
-        <p:txBody>
-          <a:bodyPr rtlCol="0" anchor="ctr"/>
-          <a:lstStyle/>
-          <a:p>
-            <a:pPr algn="ctr"/>
-            <a:endParaRPr lang="fr-FR"/>
-          </a:p>
-        </p:txBody>
-      </p:sp>
-      <p:pic>
-        <p:nvPicPr>
-          <p:cNvPr id="4" name="Image 3" descr="Une image contenant texte&#10;&#10;Description générée automatiquement">
-            <a:extLst>
-              <a:ext uri="{FF2B5EF4-FFF2-40B4-BE49-F238E27FC236}">
-                <a16:creationId xmlns:a16="http://schemas.microsoft.com/office/drawing/2014/main" id="{4BA4B56A-14EE-2F5A-EFE1-0F9501797AC2}"/>
-              </a:ext>
-            </a:extLst>
-          </p:cNvPr>
-          <p:cNvPicPr>
-            <a:picLocks noChangeAspect="1"/>
-          </p:cNvPicPr>
-          <p:nvPr/>
-        </p:nvPicPr>
-        <p:blipFill>
-          <a:blip r:embed="rId3" cstate="print">
-            <a:extLst>
-              <a:ext uri="{28A0092B-C50C-407E-A947-70E740481C1C}">
-                <a14:useLocalDpi xmlns:a14="http://schemas.microsoft.com/office/drawing/2010/main" val="0"/>
-              </a:ext>
-            </a:extLst>
-          </a:blip>
-          <a:stretch>
-            <a:fillRect/>
-          </a:stretch>
-        </p:blipFill>
-        <p:spPr>
-          <a:xfrm>
-            <a:off x="9808481" y="509288"/>
-            <a:ext cx="1825291" cy="749808"/>
-          </a:xfrm>
-          <a:prstGeom prst="rect">
-            <a:avLst/>
-          </a:prstGeom>
-        </p:spPr>
-      </p:pic>
-      <p:sp>
-        <p:nvSpPr>
-          <p:cNvPr id="5" name="ZoneTexte 4">
-            <a:extLst>
-              <a:ext uri="{FF2B5EF4-FFF2-40B4-BE49-F238E27FC236}">
-                <a16:creationId xmlns:a16="http://schemas.microsoft.com/office/drawing/2014/main" id="{24B6B41A-2CA3-124D-65EC-85A82B991ACB}"/>
-              </a:ext>
-            </a:extLst>
-          </p:cNvPr>
-          <p:cNvSpPr txBox="1"/>
-          <p:nvPr/>
-        </p:nvSpPr>
-        <p:spPr>
-          <a:xfrm>
-            <a:off x="1572223" y="1361430"/>
-            <a:ext cx="9931799" cy="369332"/>
-          </a:xfrm>
-          <a:prstGeom prst="rect">
-            <a:avLst/>
-          </a:prstGeom>
-          <a:noFill/>
-        </p:spPr>
-        <p:txBody>
-          <a:bodyPr wrap="square">
-            <a:spAutoFit/>
-          </a:bodyPr>
-          <a:lstStyle/>
-          <a:p>
-            <a:r>
-              <a:rPr lang="fr-FR" sz="1800" b="1" dirty="0"/>
-              <a:t>Appel à une méthode à l’intérieur d’une classe</a:t>
-            </a:r>
-            <a:endParaRPr lang="fr-FR" sz="1800" dirty="0"/>
-          </a:p>
-        </p:txBody>
-      </p:sp>
-      <p:sp>
-        <p:nvSpPr>
-          <p:cNvPr id="6" name="ZoneTexte 5">
-            <a:extLst>
-              <a:ext uri="{FF2B5EF4-FFF2-40B4-BE49-F238E27FC236}">
-                <a16:creationId xmlns:a16="http://schemas.microsoft.com/office/drawing/2014/main" id="{3A941652-CD26-6C6E-16F2-0A0DF7E354A2}"/>
-              </a:ext>
-            </a:extLst>
-          </p:cNvPr>
-          <p:cNvSpPr txBox="1"/>
-          <p:nvPr/>
-        </p:nvSpPr>
-        <p:spPr>
-          <a:xfrm>
-            <a:off x="7804250" y="44933"/>
-            <a:ext cx="3679771" cy="307777"/>
-          </a:xfrm>
-          <a:prstGeom prst="rect">
-            <a:avLst/>
-          </a:prstGeom>
-          <a:noFill/>
-        </p:spPr>
-        <p:txBody>
-          <a:bodyPr wrap="square">
-            <a:spAutoFit/>
-          </a:bodyPr>
-          <a:lstStyle/>
-          <a:p>
-            <a:r>
-              <a:rPr lang="fr-FR" sz="1400" dirty="0"/>
-              <a:t>animal_1.py</a:t>
-            </a:r>
-          </a:p>
-        </p:txBody>
-      </p:sp>
-      <p:pic>
-        <p:nvPicPr>
-          <p:cNvPr id="8" name="Picture 4" descr="Résultat de recherche d'images pour &quot;python logo&quot;">
-            <a:extLst>
-              <a:ext uri="{FF2B5EF4-FFF2-40B4-BE49-F238E27FC236}">
-                <a16:creationId xmlns:a16="http://schemas.microsoft.com/office/drawing/2014/main" id="{1C7D1420-9C4D-1F53-2B8E-980C52D92E1E}"/>
-              </a:ext>
-            </a:extLst>
-          </p:cNvPr>
-          <p:cNvPicPr>
-            <a:picLocks noChangeAspect="1" noChangeArrowheads="1"/>
-          </p:cNvPicPr>
-          <p:nvPr/>
-        </p:nvPicPr>
-        <p:blipFill>
-          <a:blip r:embed="rId4" cstate="print">
-            <a:extLst>
-              <a:ext uri="{28A0092B-C50C-407E-A947-70E740481C1C}">
-                <a14:useLocalDpi xmlns:a14="http://schemas.microsoft.com/office/drawing/2010/main" val="0"/>
-              </a:ext>
-            </a:extLst>
-          </a:blip>
-          <a:srcRect/>
-          <a:stretch>
-            <a:fillRect/>
-          </a:stretch>
-        </p:blipFill>
-        <p:spPr bwMode="auto">
-          <a:xfrm>
-            <a:off x="7531280" y="48320"/>
-            <a:ext cx="272970" cy="300073"/>
-          </a:xfrm>
-          <a:prstGeom prst="rect">
-            <a:avLst/>
-          </a:prstGeom>
-          <a:noFill/>
-          <a:extLst>
-            <a:ext uri="{909E8E84-426E-40DD-AFC4-6F175D3DCCD1}">
-              <a14:hiddenFill xmlns:a14="http://schemas.microsoft.com/office/drawing/2010/main">
-                <a:solidFill>
-                  <a:srgbClr val="FFFFFF"/>
-                </a:solidFill>
-              </a14:hiddenFill>
-            </a:ext>
-          </a:extLst>
-        </p:spPr>
-      </p:pic>
-      <p:sp>
-        <p:nvSpPr>
-          <p:cNvPr id="9" name="Rectangle 8">
-            <a:extLst>
-              <a:ext uri="{FF2B5EF4-FFF2-40B4-BE49-F238E27FC236}">
-                <a16:creationId xmlns:a16="http://schemas.microsoft.com/office/drawing/2014/main" id="{50C5C448-2047-96D0-5AED-C76455D47A1A}"/>
-              </a:ext>
-            </a:extLst>
-          </p:cNvPr>
-          <p:cNvSpPr/>
-          <p:nvPr/>
-        </p:nvSpPr>
-        <p:spPr>
-          <a:xfrm>
-            <a:off x="808897" y="3305608"/>
-            <a:ext cx="3337560" cy="434288"/>
-          </a:xfrm>
-          <a:prstGeom prst="rect">
-            <a:avLst/>
-          </a:prstGeom>
-          <a:solidFill>
-            <a:schemeClr val="accent3">
-              <a:lumMod val="60000"/>
-              <a:lumOff val="40000"/>
-            </a:schemeClr>
-          </a:solidFill>
-          <a:ln w="28575">
-            <a:solidFill>
-              <a:schemeClr val="tx1"/>
-            </a:solidFill>
-          </a:ln>
-        </p:spPr>
-        <p:style>
-          <a:lnRef idx="2">
-            <a:schemeClr val="accent1">
-              <a:shade val="15000"/>
-            </a:schemeClr>
-          </a:lnRef>
-          <a:fillRef idx="1">
-            <a:schemeClr val="accent1"/>
-          </a:fillRef>
-          <a:effectRef idx="0">
-            <a:schemeClr val="accent1"/>
-          </a:effectRef>
-          <a:fontRef idx="minor">
-            <a:schemeClr val="lt1"/>
-          </a:fontRef>
-        </p:style>
-        <p:txBody>
-          <a:bodyPr rtlCol="0" anchor="ctr"/>
-          <a:lstStyle/>
-          <a:p>
-            <a:pPr algn="ctr"/>
-            <a:r>
-              <a:rPr lang="fr-FR" sz="1600" b="1" dirty="0">
-                <a:solidFill>
-                  <a:schemeClr val="tx1"/>
-                </a:solidFill>
-              </a:rPr>
-              <a:t>Animal</a:t>
-            </a:r>
-          </a:p>
-        </p:txBody>
-      </p:sp>
-      <p:sp>
-        <p:nvSpPr>
-          <p:cNvPr id="10" name="Rectangle 9">
-            <a:extLst>
-              <a:ext uri="{FF2B5EF4-FFF2-40B4-BE49-F238E27FC236}">
-                <a16:creationId xmlns:a16="http://schemas.microsoft.com/office/drawing/2014/main" id="{FBDFFEF4-FCDF-A201-9C3F-03AA6BABBA41}"/>
-              </a:ext>
-            </a:extLst>
-          </p:cNvPr>
-          <p:cNvSpPr/>
-          <p:nvPr/>
-        </p:nvSpPr>
-        <p:spPr>
-          <a:xfrm>
-            <a:off x="808065" y="3732679"/>
-            <a:ext cx="3337560" cy="993815"/>
-          </a:xfrm>
-          <a:prstGeom prst="rect">
-            <a:avLst/>
-          </a:prstGeom>
-          <a:solidFill>
-            <a:srgbClr val="002060"/>
-          </a:solidFill>
-          <a:ln w="28575">
-            <a:solidFill>
-              <a:schemeClr val="tx1"/>
-            </a:solidFill>
-          </a:ln>
-        </p:spPr>
-        <p:style>
-          <a:lnRef idx="2">
-            <a:schemeClr val="accent1">
-              <a:shade val="15000"/>
-            </a:schemeClr>
-          </a:lnRef>
-          <a:fillRef idx="1">
-            <a:schemeClr val="accent1"/>
-          </a:fillRef>
-          <a:effectRef idx="0">
-            <a:schemeClr val="accent1"/>
-          </a:effectRef>
-          <a:fontRef idx="minor">
-            <a:schemeClr val="lt1"/>
-          </a:fontRef>
-        </p:style>
-        <p:txBody>
-          <a:bodyPr rtlCol="0" anchor="ctr"/>
-          <a:lstStyle/>
-          <a:p>
-            <a:pPr algn="ctr"/>
-            <a:r>
-              <a:rPr lang="fr-FR" sz="1600" dirty="0">
-                <a:solidFill>
-                  <a:schemeClr val="bg1"/>
-                </a:solidFill>
-              </a:rPr>
-              <a:t>+ </a:t>
-            </a:r>
-            <a:r>
-              <a:rPr lang="fr-FR" sz="1600" dirty="0" err="1">
-                <a:solidFill>
-                  <a:schemeClr val="bg1"/>
-                </a:solidFill>
-              </a:rPr>
-              <a:t>name</a:t>
-            </a:r>
-            <a:r>
-              <a:rPr lang="fr-FR" sz="1600" dirty="0">
-                <a:solidFill>
-                  <a:schemeClr val="bg1"/>
-                </a:solidFill>
-              </a:rPr>
-              <a:t>: </a:t>
-            </a:r>
-            <a:r>
-              <a:rPr lang="fr-FR" sz="1600" dirty="0" err="1">
-                <a:solidFill>
-                  <a:schemeClr val="bg1"/>
-                </a:solidFill>
-              </a:rPr>
-              <a:t>str</a:t>
-            </a:r>
-            <a:endParaRPr lang="fr-FR" sz="1600" dirty="0">
-              <a:solidFill>
-                <a:schemeClr val="bg1"/>
-              </a:solidFill>
-            </a:endParaRPr>
-          </a:p>
-          <a:p>
-            <a:pPr algn="ctr"/>
-            <a:r>
-              <a:rPr lang="fr-FR" sz="1600" dirty="0">
-                <a:solidFill>
-                  <a:schemeClr val="bg1"/>
-                </a:solidFill>
-              </a:rPr>
-              <a:t>+ </a:t>
-            </a:r>
-            <a:r>
-              <a:rPr lang="fr-FR" sz="1600" dirty="0" err="1">
-                <a:solidFill>
-                  <a:schemeClr val="bg1"/>
-                </a:solidFill>
-              </a:rPr>
-              <a:t>birthyear</a:t>
-            </a:r>
-            <a:r>
-              <a:rPr lang="fr-FR" sz="1600" dirty="0">
-                <a:solidFill>
-                  <a:schemeClr val="bg1"/>
-                </a:solidFill>
-              </a:rPr>
-              <a:t>: </a:t>
-            </a:r>
-            <a:r>
-              <a:rPr lang="fr-FR" sz="1600" dirty="0" err="1">
-                <a:solidFill>
-                  <a:schemeClr val="bg1"/>
-                </a:solidFill>
-              </a:rPr>
-              <a:t>int</a:t>
-            </a:r>
-            <a:r>
-              <a:rPr lang="fr-FR" sz="1600" dirty="0">
-                <a:solidFill>
-                  <a:schemeClr val="bg1"/>
-                </a:solidFill>
-              </a:rPr>
-              <a:t> </a:t>
-            </a:r>
-          </a:p>
-        </p:txBody>
-      </p:sp>
-      <p:sp>
-        <p:nvSpPr>
-          <p:cNvPr id="13" name="Rectangle 12">
-            <a:extLst>
-              <a:ext uri="{FF2B5EF4-FFF2-40B4-BE49-F238E27FC236}">
-                <a16:creationId xmlns:a16="http://schemas.microsoft.com/office/drawing/2014/main" id="{1314163A-EC6E-2805-D553-EA13CD6D82E8}"/>
-              </a:ext>
-            </a:extLst>
-          </p:cNvPr>
-          <p:cNvSpPr/>
-          <p:nvPr/>
-        </p:nvSpPr>
-        <p:spPr>
-          <a:xfrm rot="16200000">
-            <a:off x="-48846" y="4102049"/>
-            <a:ext cx="993816" cy="255073"/>
-          </a:xfrm>
-          <a:prstGeom prst="rect">
-            <a:avLst/>
-          </a:prstGeom>
-          <a:solidFill>
-            <a:srgbClr val="002060"/>
-          </a:solidFill>
-          <a:ln>
-            <a:noFill/>
-          </a:ln>
-        </p:spPr>
-        <p:style>
-          <a:lnRef idx="2">
-            <a:schemeClr val="accent1">
-              <a:shade val="15000"/>
-            </a:schemeClr>
-          </a:lnRef>
-          <a:fillRef idx="1">
-            <a:schemeClr val="accent1"/>
-          </a:fillRef>
-          <a:effectRef idx="0">
-            <a:schemeClr val="accent1"/>
-          </a:effectRef>
-          <a:fontRef idx="minor">
-            <a:schemeClr val="lt1"/>
-          </a:fontRef>
-        </p:style>
-        <p:txBody>
-          <a:bodyPr vert="horz" rtlCol="0" anchor="ctr"/>
-          <a:lstStyle/>
-          <a:p>
-            <a:pPr algn="ctr"/>
-            <a:r>
-              <a:rPr lang="fr-FR" sz="1200" b="1" dirty="0"/>
-              <a:t>ETAT</a:t>
-            </a:r>
-          </a:p>
-        </p:txBody>
-      </p:sp>
-      <p:sp>
-        <p:nvSpPr>
-          <p:cNvPr id="18" name="Rectangle 17">
-            <a:extLst>
-              <a:ext uri="{FF2B5EF4-FFF2-40B4-BE49-F238E27FC236}">
-                <a16:creationId xmlns:a16="http://schemas.microsoft.com/office/drawing/2014/main" id="{9F6D1D89-1A86-1FE6-E897-014EF0FEC863}"/>
-              </a:ext>
-            </a:extLst>
-          </p:cNvPr>
-          <p:cNvSpPr/>
-          <p:nvPr/>
-        </p:nvSpPr>
-        <p:spPr>
-          <a:xfrm>
-            <a:off x="3677065" y="5130085"/>
-            <a:ext cx="2103120" cy="434288"/>
-          </a:xfrm>
-          <a:prstGeom prst="rect">
-            <a:avLst/>
-          </a:prstGeom>
-          <a:solidFill>
-            <a:srgbClr val="D7C5B5">
-              <a:alpha val="54902"/>
-            </a:srgbClr>
-          </a:solidFill>
-          <a:ln w="28575">
-            <a:solidFill>
-              <a:schemeClr val="tx1"/>
-            </a:solidFill>
-          </a:ln>
-        </p:spPr>
-        <p:style>
-          <a:lnRef idx="2">
-            <a:schemeClr val="accent1">
-              <a:shade val="15000"/>
-            </a:schemeClr>
-          </a:lnRef>
-          <a:fillRef idx="1">
-            <a:schemeClr val="accent1"/>
-          </a:fillRef>
-          <a:effectRef idx="0">
-            <a:schemeClr val="accent1"/>
-          </a:effectRef>
-          <a:fontRef idx="minor">
-            <a:schemeClr val="lt1"/>
-          </a:fontRef>
-        </p:style>
-        <p:txBody>
-          <a:bodyPr rtlCol="0" anchor="ctr"/>
-          <a:lstStyle/>
-          <a:p>
-            <a:pPr algn="ctr"/>
-            <a:r>
-              <a:rPr lang="fr-FR" sz="1600" b="1" dirty="0">
-                <a:solidFill>
-                  <a:schemeClr val="tx1"/>
-                </a:solidFill>
-              </a:rPr>
-              <a:t>animal1</a:t>
-            </a:r>
-          </a:p>
-        </p:txBody>
-      </p:sp>
-      <p:sp>
-        <p:nvSpPr>
-          <p:cNvPr id="19" name="Rectangle 18">
-            <a:extLst>
-              <a:ext uri="{FF2B5EF4-FFF2-40B4-BE49-F238E27FC236}">
-                <a16:creationId xmlns:a16="http://schemas.microsoft.com/office/drawing/2014/main" id="{55AF6DD8-92F6-E531-D88E-06D1A0081330}"/>
-              </a:ext>
-            </a:extLst>
-          </p:cNvPr>
-          <p:cNvSpPr/>
-          <p:nvPr/>
-        </p:nvSpPr>
-        <p:spPr>
-          <a:xfrm>
-            <a:off x="3676233" y="5557156"/>
-            <a:ext cx="2103120" cy="993815"/>
-          </a:xfrm>
-          <a:prstGeom prst="rect">
-            <a:avLst/>
-          </a:prstGeom>
-          <a:solidFill>
-            <a:srgbClr val="002060">
-              <a:alpha val="40000"/>
-            </a:srgbClr>
-          </a:solidFill>
-          <a:ln w="28575">
-            <a:solidFill>
-              <a:schemeClr val="tx1"/>
-            </a:solidFill>
-          </a:ln>
-        </p:spPr>
-        <p:style>
-          <a:lnRef idx="2">
-            <a:schemeClr val="accent1">
-              <a:shade val="15000"/>
-            </a:schemeClr>
-          </a:lnRef>
-          <a:fillRef idx="1">
-            <a:schemeClr val="accent1"/>
-          </a:fillRef>
-          <a:effectRef idx="0">
-            <a:schemeClr val="accent1"/>
-          </a:effectRef>
-          <a:fontRef idx="minor">
-            <a:schemeClr val="lt1"/>
-          </a:fontRef>
-        </p:style>
-        <p:txBody>
-          <a:bodyPr rtlCol="0" anchor="ctr"/>
-          <a:lstStyle/>
-          <a:p>
-            <a:pPr algn="ctr"/>
-            <a:r>
-              <a:rPr lang="fr-FR" sz="1600" dirty="0">
-                <a:solidFill>
-                  <a:schemeClr val="bg1"/>
-                </a:solidFill>
-              </a:rPr>
-              <a:t>+ Felix</a:t>
-            </a:r>
-          </a:p>
-          <a:p>
-            <a:pPr algn="ctr"/>
-            <a:r>
-              <a:rPr lang="fr-FR" sz="1600" dirty="0">
-                <a:solidFill>
-                  <a:schemeClr val="bg1"/>
-                </a:solidFill>
-              </a:rPr>
-              <a:t>+ 2021</a:t>
-            </a:r>
-          </a:p>
-        </p:txBody>
-      </p:sp>
-      <p:cxnSp>
-        <p:nvCxnSpPr>
-          <p:cNvPr id="23" name="Connecteur droit avec flèche 22">
-            <a:extLst>
-              <a:ext uri="{FF2B5EF4-FFF2-40B4-BE49-F238E27FC236}">
-                <a16:creationId xmlns:a16="http://schemas.microsoft.com/office/drawing/2014/main" id="{F3BB1DDE-FD4F-739A-A919-2F4AB29A42BD}"/>
-              </a:ext>
-            </a:extLst>
-          </p:cNvPr>
-          <p:cNvCxnSpPr>
-            <a:cxnSpLocks/>
-          </p:cNvCxnSpPr>
-          <p:nvPr/>
-        </p:nvCxnSpPr>
-        <p:spPr>
-          <a:xfrm>
-            <a:off x="4249257" y="4514052"/>
-            <a:ext cx="292608" cy="523170"/>
-          </a:xfrm>
-          <a:prstGeom prst="straightConnector1">
-            <a:avLst/>
-          </a:prstGeom>
-          <a:ln w="57150">
-            <a:solidFill>
-              <a:srgbClr val="7030A0"/>
-            </a:solidFill>
-            <a:tailEnd type="triangle"/>
-          </a:ln>
-        </p:spPr>
-        <p:style>
-          <a:lnRef idx="1">
-            <a:schemeClr val="accent1"/>
-          </a:lnRef>
-          <a:fillRef idx="0">
-            <a:schemeClr val="accent1"/>
-          </a:fillRef>
-          <a:effectRef idx="0">
-            <a:schemeClr val="accent1"/>
-          </a:effectRef>
-          <a:fontRef idx="minor">
-            <a:schemeClr val="tx1"/>
-          </a:fontRef>
-        </p:style>
-      </p:cxnSp>
-      <p:sp>
-        <p:nvSpPr>
-          <p:cNvPr id="35" name="ZoneTexte 34">
-            <a:extLst>
-              <a:ext uri="{FF2B5EF4-FFF2-40B4-BE49-F238E27FC236}">
-                <a16:creationId xmlns:a16="http://schemas.microsoft.com/office/drawing/2014/main" id="{D705C9A2-64D5-1CA3-8F96-A237FC003D30}"/>
-              </a:ext>
-            </a:extLst>
-          </p:cNvPr>
-          <p:cNvSpPr txBox="1"/>
-          <p:nvPr/>
-        </p:nvSpPr>
-        <p:spPr>
-          <a:xfrm>
-            <a:off x="4572393" y="4506057"/>
-            <a:ext cx="1160895" cy="369332"/>
-          </a:xfrm>
-          <a:prstGeom prst="rect">
-            <a:avLst/>
-          </a:prstGeom>
-          <a:noFill/>
-        </p:spPr>
-        <p:txBody>
-          <a:bodyPr wrap="none" rtlCol="0">
-            <a:spAutoFit/>
-          </a:bodyPr>
-          <a:lstStyle/>
-          <a:p>
-            <a:r>
-              <a:rPr lang="fr-FR" dirty="0"/>
-              <a:t>instances</a:t>
-            </a:r>
-          </a:p>
-        </p:txBody>
-      </p:sp>
-      <p:sp>
-        <p:nvSpPr>
-          <p:cNvPr id="11" name="Rectangle 10">
-            <a:extLst>
-              <a:ext uri="{FF2B5EF4-FFF2-40B4-BE49-F238E27FC236}">
-                <a16:creationId xmlns:a16="http://schemas.microsoft.com/office/drawing/2014/main" id="{3270964F-9934-AED8-0697-8C3A87BD15F2}"/>
-              </a:ext>
-            </a:extLst>
-          </p:cNvPr>
-          <p:cNvSpPr/>
-          <p:nvPr/>
-        </p:nvSpPr>
-        <p:spPr>
-          <a:xfrm>
-            <a:off x="808064" y="4726495"/>
-            <a:ext cx="3337560" cy="1060914"/>
-          </a:xfrm>
-          <a:prstGeom prst="rect">
-            <a:avLst/>
-          </a:prstGeom>
-          <a:solidFill>
-            <a:srgbClr val="00B0F0"/>
-          </a:solidFill>
-          <a:ln w="28575">
-            <a:solidFill>
-              <a:schemeClr val="tx1"/>
-            </a:solidFill>
-          </a:ln>
-        </p:spPr>
-        <p:style>
-          <a:lnRef idx="2">
-            <a:schemeClr val="accent1">
-              <a:shade val="15000"/>
-            </a:schemeClr>
-          </a:lnRef>
-          <a:fillRef idx="1">
-            <a:schemeClr val="accent1"/>
-          </a:fillRef>
-          <a:effectRef idx="0">
-            <a:schemeClr val="accent1"/>
-          </a:effectRef>
-          <a:fontRef idx="minor">
-            <a:schemeClr val="lt1"/>
-          </a:fontRef>
-        </p:style>
-        <p:txBody>
-          <a:bodyPr rtlCol="0" anchor="ctr"/>
-          <a:lstStyle/>
-          <a:p>
-            <a:pPr algn="ctr"/>
-            <a:r>
-              <a:rPr lang="fr-FR" sz="1600" dirty="0">
-                <a:solidFill>
-                  <a:schemeClr val="tx1"/>
-                </a:solidFill>
-              </a:rPr>
-              <a:t>+ move()</a:t>
-            </a:r>
-          </a:p>
-          <a:p>
-            <a:pPr algn="ctr"/>
-            <a:r>
-              <a:rPr lang="fr-FR" sz="1600" dirty="0">
-                <a:solidFill>
-                  <a:schemeClr val="tx1"/>
-                </a:solidFill>
-              </a:rPr>
-              <a:t>+ </a:t>
-            </a:r>
-            <a:r>
-              <a:rPr lang="fr-FR" sz="1600" dirty="0" err="1">
-                <a:solidFill>
-                  <a:schemeClr val="tx1"/>
-                </a:solidFill>
-              </a:rPr>
-              <a:t>get_age</a:t>
-            </a:r>
-            <a:r>
-              <a:rPr lang="fr-FR" sz="1600" dirty="0">
-                <a:solidFill>
-                  <a:schemeClr val="tx1"/>
-                </a:solidFill>
-              </a:rPr>
-              <a:t>(): </a:t>
-            </a:r>
-            <a:r>
-              <a:rPr lang="fr-FR" sz="1600" dirty="0" err="1">
-                <a:solidFill>
-                  <a:schemeClr val="tx1"/>
-                </a:solidFill>
-              </a:rPr>
-              <a:t>int</a:t>
-            </a:r>
-            <a:endParaRPr lang="fr-FR" sz="1600" dirty="0">
-              <a:solidFill>
-                <a:schemeClr val="tx1"/>
-              </a:solidFill>
-            </a:endParaRPr>
-          </a:p>
-          <a:p>
-            <a:pPr algn="ctr"/>
-            <a:r>
-              <a:rPr lang="fr-FR" sz="1600" dirty="0">
-                <a:solidFill>
-                  <a:schemeClr val="tx1"/>
-                </a:solidFill>
-              </a:rPr>
-              <a:t>+ __</a:t>
-            </a:r>
-            <a:r>
-              <a:rPr lang="fr-FR" sz="1600" dirty="0" err="1">
-                <a:solidFill>
-                  <a:schemeClr val="tx1"/>
-                </a:solidFill>
-              </a:rPr>
-              <a:t>str</a:t>
-            </a:r>
-            <a:r>
-              <a:rPr lang="fr-FR" sz="1600" dirty="0">
-                <a:solidFill>
-                  <a:schemeClr val="tx1"/>
-                </a:solidFill>
-              </a:rPr>
-              <a:t>__()</a:t>
-            </a:r>
-          </a:p>
-        </p:txBody>
-      </p:sp>
-      <p:sp>
-        <p:nvSpPr>
-          <p:cNvPr id="12" name="Rectangle 11">
-            <a:extLst>
-              <a:ext uri="{FF2B5EF4-FFF2-40B4-BE49-F238E27FC236}">
-                <a16:creationId xmlns:a16="http://schemas.microsoft.com/office/drawing/2014/main" id="{5D2F5EC6-B060-FFFD-9EA7-E253C4703DE4}"/>
-              </a:ext>
-            </a:extLst>
-          </p:cNvPr>
-          <p:cNvSpPr/>
-          <p:nvPr/>
-        </p:nvSpPr>
-        <p:spPr>
-          <a:xfrm rot="16200000">
-            <a:off x="-82395" y="5129413"/>
-            <a:ext cx="1060913" cy="255073"/>
-          </a:xfrm>
-          <a:prstGeom prst="rect">
-            <a:avLst/>
-          </a:prstGeom>
-          <a:solidFill>
-            <a:srgbClr val="00B0F0"/>
-          </a:solidFill>
-          <a:ln>
-            <a:noFill/>
-          </a:ln>
-        </p:spPr>
-        <p:style>
-          <a:lnRef idx="2">
-            <a:schemeClr val="accent1">
-              <a:shade val="15000"/>
-            </a:schemeClr>
-          </a:lnRef>
-          <a:fillRef idx="1">
-            <a:schemeClr val="accent1"/>
-          </a:fillRef>
-          <a:effectRef idx="0">
-            <a:schemeClr val="accent1"/>
-          </a:effectRef>
-          <a:fontRef idx="minor">
-            <a:schemeClr val="lt1"/>
-          </a:fontRef>
-        </p:style>
-        <p:txBody>
-          <a:bodyPr vert="horz" rtlCol="0" anchor="ctr"/>
-          <a:lstStyle/>
-          <a:p>
-            <a:pPr algn="ctr"/>
-            <a:r>
-              <a:rPr lang="fr-FR" sz="700" b="1" dirty="0"/>
-              <a:t>COMPORTEMENT</a:t>
-            </a:r>
-          </a:p>
-        </p:txBody>
-      </p:sp>
-      <p:sp>
-        <p:nvSpPr>
-          <p:cNvPr id="24" name="ZoneTexte 23">
-            <a:extLst>
-              <a:ext uri="{FF2B5EF4-FFF2-40B4-BE49-F238E27FC236}">
-                <a16:creationId xmlns:a16="http://schemas.microsoft.com/office/drawing/2014/main" id="{BA284359-8B20-8145-9CF1-B16E4C6496AC}"/>
-              </a:ext>
-            </a:extLst>
-          </p:cNvPr>
-          <p:cNvSpPr txBox="1"/>
-          <p:nvPr/>
-        </p:nvSpPr>
-        <p:spPr>
-          <a:xfrm>
-            <a:off x="808064" y="2011373"/>
-            <a:ext cx="6497160" cy="1077218"/>
-          </a:xfrm>
-          <a:prstGeom prst="rect">
-            <a:avLst/>
-          </a:prstGeom>
-          <a:solidFill>
-            <a:schemeClr val="bg1">
-              <a:lumMod val="95000"/>
-            </a:schemeClr>
-          </a:solidFill>
-        </p:spPr>
-        <p:txBody>
-          <a:bodyPr wrap="square">
-            <a:spAutoFit/>
-          </a:bodyPr>
-          <a:lstStyle/>
-          <a:p>
-            <a:r>
-              <a:rPr lang="fr-FR" sz="1600" b="1" dirty="0"/>
-              <a:t>	</a:t>
-            </a:r>
-            <a:r>
-              <a:rPr lang="fr-FR" sz="1600" b="1" dirty="0" err="1"/>
-              <a:t>def</a:t>
-            </a:r>
-            <a:r>
-              <a:rPr lang="fr-FR" sz="1600" b="1" dirty="0"/>
-              <a:t> </a:t>
-            </a:r>
-            <a:r>
-              <a:rPr lang="fr-FR" sz="1600" i="1" dirty="0"/>
-              <a:t>__</a:t>
-            </a:r>
-            <a:r>
-              <a:rPr lang="fr-FR" sz="1600" i="1" dirty="0" err="1"/>
-              <a:t>str</a:t>
-            </a:r>
-            <a:r>
-              <a:rPr lang="fr-FR" sz="1600" i="1" dirty="0"/>
-              <a:t>__</a:t>
-            </a:r>
-            <a:r>
-              <a:rPr lang="fr-FR" sz="1600" dirty="0"/>
-              <a:t>(</a:t>
-            </a:r>
-            <a:r>
-              <a:rPr lang="fr-FR" sz="1600" b="1" dirty="0"/>
-              <a:t>self</a:t>
-            </a:r>
-            <a:r>
-              <a:rPr lang="fr-FR" sz="1600" dirty="0"/>
-              <a:t>):</a:t>
-            </a:r>
-          </a:p>
-          <a:p>
-            <a:r>
-              <a:rPr lang="fr-FR" sz="1600" b="1" dirty="0"/>
-              <a:t>		</a:t>
-            </a:r>
-            <a:r>
-              <a:rPr lang="fr-FR" sz="1600" dirty="0" err="1"/>
-              <a:t>str</a:t>
-            </a:r>
-            <a:r>
-              <a:rPr lang="fr-FR" sz="1600" b="1" dirty="0"/>
-              <a:t> = </a:t>
-            </a:r>
-            <a:r>
-              <a:rPr lang="fr-FR" sz="1600" b="1" i="1" dirty="0" err="1"/>
-              <a:t>f"</a:t>
-            </a:r>
-            <a:r>
-              <a:rPr lang="fr-FR" sz="1600" dirty="0" err="1"/>
-              <a:t>Animal</a:t>
-            </a:r>
-            <a:r>
-              <a:rPr lang="fr-FR" sz="1600" dirty="0"/>
-              <a:t> [ {</a:t>
-            </a:r>
-            <a:r>
-              <a:rPr lang="fr-FR" sz="1600" b="1" dirty="0"/>
-              <a:t>self.</a:t>
-            </a:r>
-            <a:r>
-              <a:rPr lang="fr-FR" sz="1600" i="1" dirty="0"/>
-              <a:t>name</a:t>
-            </a:r>
-            <a:r>
-              <a:rPr lang="fr-FR" sz="1600" dirty="0"/>
-              <a:t>}</a:t>
-            </a:r>
-            <a:r>
-              <a:rPr lang="fr-FR" sz="1600" b="1" dirty="0"/>
-              <a:t> </a:t>
-            </a:r>
-            <a:r>
-              <a:rPr lang="fr-FR" sz="1600" dirty="0"/>
-              <a:t>] </a:t>
-            </a:r>
-            <a:r>
-              <a:rPr lang="fr-FR" sz="1600" dirty="0" err="1"/>
-              <a:t>born</a:t>
-            </a:r>
-            <a:r>
-              <a:rPr lang="fr-FR" sz="1600" dirty="0"/>
-              <a:t> in {</a:t>
-            </a:r>
-            <a:r>
-              <a:rPr lang="fr-FR" sz="1600" b="1" dirty="0" err="1"/>
-              <a:t>self.</a:t>
-            </a:r>
-            <a:r>
-              <a:rPr lang="fr-FR" sz="1600" i="1" dirty="0" err="1"/>
-              <a:t>birthyear</a:t>
-            </a:r>
-            <a:r>
-              <a:rPr lang="fr-FR" sz="1600" dirty="0"/>
-              <a:t>}</a:t>
-            </a:r>
-            <a:r>
-              <a:rPr lang="fr-FR" sz="1600" b="1" i="1" dirty="0"/>
-              <a:t>"</a:t>
-            </a:r>
-          </a:p>
-          <a:p>
-            <a:r>
-              <a:rPr lang="fr-FR" sz="1600" b="1" dirty="0"/>
-              <a:t>		</a:t>
-            </a:r>
-            <a:r>
-              <a:rPr lang="fr-FR" sz="1600" dirty="0" err="1"/>
-              <a:t>str</a:t>
-            </a:r>
-            <a:r>
-              <a:rPr lang="fr-FR" sz="1600" b="1" dirty="0"/>
-              <a:t> += </a:t>
-            </a:r>
-            <a:r>
-              <a:rPr lang="fr-FR" sz="1600" b="1" i="1" dirty="0"/>
-              <a:t>f"</a:t>
-            </a:r>
-            <a:r>
-              <a:rPr lang="fr-FR" sz="1600" b="1" dirty="0"/>
-              <a:t> </a:t>
-            </a:r>
-            <a:r>
-              <a:rPr lang="fr-FR" sz="1600" dirty="0"/>
-              <a:t>({</a:t>
-            </a:r>
-            <a:r>
-              <a:rPr lang="fr-FR" sz="1600" b="1" dirty="0" err="1"/>
-              <a:t>self.</a:t>
-            </a:r>
-            <a:r>
-              <a:rPr lang="fr-FR" sz="1600" i="1" dirty="0" err="1"/>
-              <a:t>get_age</a:t>
-            </a:r>
-            <a:r>
-              <a:rPr lang="fr-FR" sz="1600" i="1" dirty="0"/>
-              <a:t>()</a:t>
-            </a:r>
-            <a:r>
-              <a:rPr lang="fr-FR" sz="1600" dirty="0"/>
-              <a:t>}</a:t>
-            </a:r>
-            <a:r>
-              <a:rPr lang="fr-FR" sz="1600" b="1" dirty="0"/>
-              <a:t> </a:t>
-            </a:r>
-            <a:r>
-              <a:rPr lang="fr-FR" sz="1600" dirty="0"/>
-              <a:t>yo)</a:t>
-            </a:r>
-            <a:r>
-              <a:rPr lang="fr-FR" sz="1600" b="1" i="1" dirty="0"/>
-              <a:t>"</a:t>
-            </a:r>
-          </a:p>
-          <a:p>
-            <a:r>
-              <a:rPr lang="fr-FR" sz="1600" b="1" dirty="0"/>
-              <a:t>		return </a:t>
-            </a:r>
-            <a:r>
-              <a:rPr lang="fr-FR" sz="1600" dirty="0" err="1"/>
-              <a:t>str</a:t>
-            </a:r>
-            <a:endParaRPr lang="fr-FR" sz="1600" dirty="0"/>
-          </a:p>
-        </p:txBody>
-      </p:sp>
-      <p:sp>
-        <p:nvSpPr>
-          <p:cNvPr id="25" name="ZoneTexte 24">
-            <a:extLst>
-              <a:ext uri="{FF2B5EF4-FFF2-40B4-BE49-F238E27FC236}">
-                <a16:creationId xmlns:a16="http://schemas.microsoft.com/office/drawing/2014/main" id="{21521148-36DB-28C7-D0A6-84B69067529F}"/>
-              </a:ext>
-            </a:extLst>
-          </p:cNvPr>
-          <p:cNvSpPr txBox="1"/>
-          <p:nvPr/>
-        </p:nvSpPr>
-        <p:spPr>
-          <a:xfrm>
-            <a:off x="5388021" y="3319088"/>
-            <a:ext cx="6096000" cy="338554"/>
-          </a:xfrm>
-          <a:prstGeom prst="rect">
-            <a:avLst/>
-          </a:prstGeom>
-          <a:solidFill>
-            <a:schemeClr val="bg1">
-              <a:lumMod val="85000"/>
-            </a:schemeClr>
-          </a:solidFill>
-        </p:spPr>
-        <p:txBody>
-          <a:bodyPr wrap="square">
-            <a:spAutoFit/>
-          </a:bodyPr>
-          <a:lstStyle/>
-          <a:p>
-            <a:r>
-              <a:rPr lang="en-US" sz="1600" dirty="0">
-                <a:highlight>
-                  <a:srgbClr val="D6B4B2"/>
-                </a:highlight>
-              </a:rPr>
-              <a:t>animal1</a:t>
-            </a:r>
-            <a:r>
-              <a:rPr lang="fr-FR" sz="1600" dirty="0"/>
-              <a:t> </a:t>
-            </a:r>
-            <a:r>
-              <a:rPr lang="fr-FR" sz="1600" b="1" dirty="0"/>
-              <a:t>=</a:t>
-            </a:r>
-            <a:r>
-              <a:rPr lang="fr-FR" sz="1600" dirty="0"/>
-              <a:t> Animal("Felix", 2021)</a:t>
-            </a:r>
-          </a:p>
-        </p:txBody>
-      </p:sp>
-      <p:sp>
-        <p:nvSpPr>
-          <p:cNvPr id="26" name="ZoneTexte 25">
-            <a:extLst>
-              <a:ext uri="{FF2B5EF4-FFF2-40B4-BE49-F238E27FC236}">
-                <a16:creationId xmlns:a16="http://schemas.microsoft.com/office/drawing/2014/main" id="{BFD10F90-383A-21AA-89C8-8BF8F903064D}"/>
-              </a:ext>
-            </a:extLst>
-          </p:cNvPr>
-          <p:cNvSpPr txBox="1"/>
-          <p:nvPr/>
-        </p:nvSpPr>
-        <p:spPr>
-          <a:xfrm>
-            <a:off x="5388021" y="3723021"/>
-            <a:ext cx="6096000" cy="338554"/>
-          </a:xfrm>
-          <a:prstGeom prst="rect">
-            <a:avLst/>
-          </a:prstGeom>
-          <a:solidFill>
-            <a:schemeClr val="bg1">
-              <a:lumMod val="85000"/>
-            </a:schemeClr>
-          </a:solidFill>
-        </p:spPr>
-        <p:txBody>
-          <a:bodyPr wrap="square">
-            <a:spAutoFit/>
-          </a:bodyPr>
-          <a:lstStyle/>
-          <a:p>
-            <a:r>
-              <a:rPr lang="en-US" sz="1600" b="1" dirty="0"/>
-              <a:t>print</a:t>
-            </a:r>
-            <a:r>
-              <a:rPr lang="en-US" sz="1600" dirty="0"/>
-              <a:t>(</a:t>
-            </a:r>
-            <a:r>
-              <a:rPr lang="en-US" sz="1600" dirty="0">
-                <a:highlight>
-                  <a:srgbClr val="D6B4B2"/>
-                </a:highlight>
-              </a:rPr>
-              <a:t>animal1</a:t>
-            </a:r>
-            <a:r>
-              <a:rPr lang="en-US" sz="1600" dirty="0"/>
-              <a:t>)</a:t>
-            </a:r>
-            <a:endParaRPr lang="fr-FR" sz="1600" i="1" dirty="0"/>
-          </a:p>
-        </p:txBody>
-      </p:sp>
-      <p:sp>
-        <p:nvSpPr>
-          <p:cNvPr id="27" name="ZoneTexte 26">
-            <a:extLst>
-              <a:ext uri="{FF2B5EF4-FFF2-40B4-BE49-F238E27FC236}">
-                <a16:creationId xmlns:a16="http://schemas.microsoft.com/office/drawing/2014/main" id="{12058F8F-B776-8B19-4704-36E498823C46}"/>
-              </a:ext>
-            </a:extLst>
-          </p:cNvPr>
-          <p:cNvSpPr txBox="1"/>
-          <p:nvPr/>
-        </p:nvSpPr>
-        <p:spPr>
-          <a:xfrm>
-            <a:off x="5751910" y="4206924"/>
-            <a:ext cx="5732111" cy="338554"/>
-          </a:xfrm>
-          <a:prstGeom prst="rect">
-            <a:avLst/>
-          </a:prstGeom>
-          <a:solidFill>
-            <a:schemeClr val="bg1">
-              <a:lumMod val="95000"/>
-            </a:schemeClr>
-          </a:solidFill>
-          <a:ln>
-            <a:solidFill>
-              <a:schemeClr val="accent1"/>
-            </a:solidFill>
-          </a:ln>
-        </p:spPr>
-        <p:txBody>
-          <a:bodyPr wrap="square">
-            <a:spAutoFit/>
-          </a:bodyPr>
-          <a:lstStyle/>
-          <a:p>
-            <a:r>
-              <a:rPr lang="en-US" sz="1600" dirty="0"/>
-              <a:t>&gt;&gt;&gt;  Animal [ Felix ] born in 2021 (4 </a:t>
-            </a:r>
-            <a:r>
-              <a:rPr lang="en-US" sz="1600" dirty="0" err="1"/>
-              <a:t>yo</a:t>
-            </a:r>
-            <a:r>
-              <a:rPr lang="en-US" sz="1600" dirty="0"/>
-              <a:t>)</a:t>
-            </a:r>
-            <a:endParaRPr lang="fr-FR" sz="1600" dirty="0"/>
-          </a:p>
-        </p:txBody>
-      </p:sp>
-    </p:spTree>
-    <p:extLst>
-      <p:ext uri="{BB962C8B-B14F-4D97-AF65-F5344CB8AC3E}">
-        <p14:creationId xmlns:p14="http://schemas.microsoft.com/office/powerpoint/2010/main" val="4125402623"/>
-      </p:ext>
-    </p:extLst>
-  </p:cSld>
-  <p:clrMapOvr>
-    <a:masterClrMapping/>
-  </p:clrMapOvr>
-</p:sld>
-</file>
-
-<file path=ppt/slides/slide21.xml><?xml version="1.0" encoding="utf-8"?>
-<p:sld xmlns:a="http://schemas.openxmlformats.org/drawingml/2006/main" xmlns:r="http://schemas.openxmlformats.org/officeDocument/2006/relationships" xmlns:p="http://schemas.openxmlformats.org/presentationml/2006/main">
-  <p:cSld>
-    <p:spTree>
-      <p:nvGrpSpPr>
-        <p:cNvPr id="1" name="">
-          <a:extLst>
-            <a:ext uri="{FF2B5EF4-FFF2-40B4-BE49-F238E27FC236}">
               <a16:creationId xmlns:a16="http://schemas.microsoft.com/office/drawing/2014/main" id="{5C86CB60-0A02-843E-817A-4E4C232C7E57}"/>
             </a:ext>
           </a:extLst>
@@ -24511,7 +23894,7 @@
 </p:sld>
 </file>
 
-<file path=ppt/slides/slide22.xml><?xml version="1.0" encoding="utf-8"?>
+<file path=ppt/slides/slide21.xml><?xml version="1.0" encoding="utf-8"?>
 <p:sld xmlns:a="http://schemas.openxmlformats.org/drawingml/2006/main" xmlns:r="http://schemas.openxmlformats.org/officeDocument/2006/relationships" xmlns:p="http://schemas.openxmlformats.org/presentationml/2006/main">
   <p:cSld>
     <p:bg>
@@ -25023,7 +24406,7 @@
 </p:sld>
 </file>
 
-<file path=ppt/slides/slide23.xml><?xml version="1.0" encoding="utf-8"?>
+<file path=ppt/slides/slide22.xml><?xml version="1.0" encoding="utf-8"?>
 <p:sld xmlns:a="http://schemas.openxmlformats.org/drawingml/2006/main" xmlns:r="http://schemas.openxmlformats.org/officeDocument/2006/relationships" xmlns:p="http://schemas.openxmlformats.org/presentationml/2006/main">
   <p:cSld>
     <p:spTree>
@@ -25721,7 +25104,7 @@
 </p:sld>
 </file>
 
-<file path=ppt/slides/slide24.xml><?xml version="1.0" encoding="utf-8"?>
+<file path=ppt/slides/slide23.xml><?xml version="1.0" encoding="utf-8"?>
 <p:sld xmlns:a="http://schemas.openxmlformats.org/drawingml/2006/main" xmlns:r="http://schemas.openxmlformats.org/officeDocument/2006/relationships" xmlns:p="http://schemas.openxmlformats.org/presentationml/2006/main">
   <p:cSld>
     <p:spTree>
@@ -26660,7 +26043,7 @@
 </p:sld>
 </file>
 
-<file path=ppt/slides/slide25.xml><?xml version="1.0" encoding="utf-8"?>
+<file path=ppt/slides/slide24.xml><?xml version="1.0" encoding="utf-8"?>
 <p:sld xmlns:a="http://schemas.openxmlformats.org/drawingml/2006/main" xmlns:r="http://schemas.openxmlformats.org/officeDocument/2006/relationships" xmlns:p="http://schemas.openxmlformats.org/presentationml/2006/main">
   <p:cSld>
     <p:spTree>
@@ -27419,7 +26802,7 @@
 </p:sld>
 </file>
 
-<file path=ppt/slides/slide26.xml><?xml version="1.0" encoding="utf-8"?>
+<file path=ppt/slides/slide25.xml><?xml version="1.0" encoding="utf-8"?>
 <p:sld xmlns:a="http://schemas.openxmlformats.org/drawingml/2006/main" xmlns:r="http://schemas.openxmlformats.org/officeDocument/2006/relationships" xmlns:p="http://schemas.openxmlformats.org/presentationml/2006/main">
   <p:cSld>
     <p:spTree>
@@ -28405,7 +27788,7 @@
 </p:sld>
 </file>
 
-<file path=ppt/slides/slide27.xml><?xml version="1.0" encoding="utf-8"?>
+<file path=ppt/slides/slide26.xml><?xml version="1.0" encoding="utf-8"?>
 <p:sld xmlns:a="http://schemas.openxmlformats.org/drawingml/2006/main" xmlns:r="http://schemas.openxmlformats.org/officeDocument/2006/relationships" xmlns:p="http://schemas.openxmlformats.org/presentationml/2006/main">
   <p:cSld>
     <p:spTree>
@@ -29446,7 +28829,7 @@
 </p:sld>
 </file>
 
-<file path=ppt/slides/slide28.xml><?xml version="1.0" encoding="utf-8"?>
+<file path=ppt/slides/slide27.xml><?xml version="1.0" encoding="utf-8"?>
 <p:sld xmlns:a="http://schemas.openxmlformats.org/drawingml/2006/main" xmlns:r="http://schemas.openxmlformats.org/officeDocument/2006/relationships" xmlns:p="http://schemas.openxmlformats.org/presentationml/2006/main">
   <p:cSld>
     <p:spTree>
@@ -30755,7 +30138,7 @@
 </p:sld>
 </file>
 
-<file path=ppt/slides/slide29.xml><?xml version="1.0" encoding="utf-8"?>
+<file path=ppt/slides/slide28.xml><?xml version="1.0" encoding="utf-8"?>
 <p:sld xmlns:a="http://schemas.openxmlformats.org/drawingml/2006/main" xmlns:r="http://schemas.openxmlformats.org/officeDocument/2006/relationships" xmlns:p="http://schemas.openxmlformats.org/presentationml/2006/main">
   <p:cSld>
     <p:spTree>
@@ -32000,6 +31383,1167 @@
     <p:extLst>
       <p:ext uri="{BB962C8B-B14F-4D97-AF65-F5344CB8AC3E}">
         <p14:creationId xmlns:p14="http://schemas.microsoft.com/office/powerpoint/2010/main" val="180896055"/>
+      </p:ext>
+    </p:extLst>
+  </p:cSld>
+  <p:clrMapOvr>
+    <a:masterClrMapping/>
+  </p:clrMapOvr>
+</p:sld>
+</file>
+
+<file path=ppt/slides/slide29.xml><?xml version="1.0" encoding="utf-8"?>
+<p:sld xmlns:a="http://schemas.openxmlformats.org/drawingml/2006/main" xmlns:r="http://schemas.openxmlformats.org/officeDocument/2006/relationships" xmlns:p="http://schemas.openxmlformats.org/presentationml/2006/main">
+  <p:cSld>
+    <p:spTree>
+      <p:nvGrpSpPr>
+        <p:cNvPr id="1" name="">
+          <a:extLst>
+            <a:ext uri="{FF2B5EF4-FFF2-40B4-BE49-F238E27FC236}">
+              <a16:creationId xmlns:a16="http://schemas.microsoft.com/office/drawing/2014/main" id="{5662AF62-256E-FEAC-E649-3118D535C9BB}"/>
+            </a:ext>
+          </a:extLst>
+        </p:cNvPr>
+        <p:cNvGrpSpPr/>
+        <p:nvPr/>
+      </p:nvGrpSpPr>
+      <p:grpSpPr>
+        <a:xfrm>
+          <a:off x="0" y="0"/>
+          <a:ext cx="0" cy="0"/>
+          <a:chOff x="0" y="0"/>
+          <a:chExt cx="0" cy="0"/>
+        </a:xfrm>
+      </p:grpSpPr>
+      <p:sp>
+        <p:nvSpPr>
+          <p:cNvPr id="3" name="Rectangle 2">
+            <a:extLst>
+              <a:ext uri="{FF2B5EF4-FFF2-40B4-BE49-F238E27FC236}">
+                <a16:creationId xmlns:a16="http://schemas.microsoft.com/office/drawing/2014/main" id="{C5B62972-B367-1B5A-F6FE-94D2B339D78E}"/>
+              </a:ext>
+            </a:extLst>
+          </p:cNvPr>
+          <p:cNvSpPr/>
+          <p:nvPr/>
+        </p:nvSpPr>
+        <p:spPr>
+          <a:xfrm>
+            <a:off x="673975" y="405113"/>
+            <a:ext cx="11020314" cy="937549"/>
+          </a:xfrm>
+          <a:prstGeom prst="rect">
+            <a:avLst/>
+          </a:prstGeom>
+          <a:solidFill>
+            <a:schemeClr val="bg1"/>
+          </a:solidFill>
+          <a:ln>
+            <a:solidFill>
+              <a:schemeClr val="bg1">
+                <a:lumMod val="95000"/>
+              </a:schemeClr>
+            </a:solidFill>
+          </a:ln>
+          <a:effectLst>
+            <a:outerShdw blurRad="50800" dist="38100" dir="2700000" algn="tl" rotWithShape="0">
+              <a:prstClr val="black">
+                <a:alpha val="40000"/>
+              </a:prstClr>
+            </a:outerShdw>
+          </a:effectLst>
+        </p:spPr>
+        <p:style>
+          <a:lnRef idx="2">
+            <a:schemeClr val="accent1">
+              <a:shade val="15000"/>
+            </a:schemeClr>
+          </a:lnRef>
+          <a:fillRef idx="1">
+            <a:schemeClr val="accent1"/>
+          </a:fillRef>
+          <a:effectRef idx="0">
+            <a:schemeClr val="accent1"/>
+          </a:effectRef>
+          <a:fontRef idx="minor">
+            <a:schemeClr val="lt1"/>
+          </a:fontRef>
+        </p:style>
+        <p:txBody>
+          <a:bodyPr rtlCol="0" anchor="ctr"/>
+          <a:lstStyle/>
+          <a:p>
+            <a:pPr algn="ctr"/>
+            <a:endParaRPr lang="fr-FR"/>
+          </a:p>
+        </p:txBody>
+      </p:sp>
+      <p:sp>
+        <p:nvSpPr>
+          <p:cNvPr id="2" name="Titre 1">
+            <a:extLst>
+              <a:ext uri="{FF2B5EF4-FFF2-40B4-BE49-F238E27FC236}">
+                <a16:creationId xmlns:a16="http://schemas.microsoft.com/office/drawing/2014/main" id="{D272BFD5-FD3A-7032-9017-5CA6A0C58209}"/>
+              </a:ext>
+            </a:extLst>
+          </p:cNvPr>
+          <p:cNvSpPr txBox="1">
+            <a:spLocks/>
+          </p:cNvSpPr>
+          <p:nvPr/>
+        </p:nvSpPr>
+        <p:spPr>
+          <a:xfrm>
+            <a:off x="907225" y="583365"/>
+            <a:ext cx="8970548" cy="701426"/>
+          </a:xfrm>
+          <a:prstGeom prst="rect">
+            <a:avLst/>
+          </a:prstGeom>
+        </p:spPr>
+        <p:txBody>
+          <a:bodyPr>
+            <a:normAutofit/>
+          </a:bodyPr>
+          <a:lstStyle>
+            <a:lvl1pPr algn="l" defTabSz="914400" rtl="0" eaLnBrk="1" latinLnBrk="0" hangingPunct="1">
+              <a:lnSpc>
+                <a:spcPct val="90000"/>
+              </a:lnSpc>
+              <a:spcBef>
+                <a:spcPct val="0"/>
+              </a:spcBef>
+              <a:buNone/>
+              <a:defRPr sz="4400" kern="1200">
+                <a:solidFill>
+                  <a:schemeClr val="tx1"/>
+                </a:solidFill>
+                <a:latin typeface="+mj-lt"/>
+                <a:ea typeface="+mj-ea"/>
+                <a:cs typeface="+mj-cs"/>
+              </a:defRPr>
+            </a:lvl1pPr>
+          </a:lstStyle>
+          <a:p>
+            <a:r>
+              <a:rPr lang="fr-FR" sz="4000" dirty="0"/>
+              <a:t>S’entrainer à la POO</a:t>
+            </a:r>
+          </a:p>
+        </p:txBody>
+      </p:sp>
+      <p:sp>
+        <p:nvSpPr>
+          <p:cNvPr id="7" name="Rectangle 6">
+            <a:extLst>
+              <a:ext uri="{FF2B5EF4-FFF2-40B4-BE49-F238E27FC236}">
+                <a16:creationId xmlns:a16="http://schemas.microsoft.com/office/drawing/2014/main" id="{9CC5EA68-0D31-64BE-793C-203462F9CA7A}"/>
+              </a:ext>
+            </a:extLst>
+          </p:cNvPr>
+          <p:cNvSpPr/>
+          <p:nvPr/>
+        </p:nvSpPr>
+        <p:spPr>
+          <a:xfrm>
+            <a:off x="619125" y="500258"/>
+            <a:ext cx="124142" cy="749808"/>
+          </a:xfrm>
+          <a:prstGeom prst="rect">
+            <a:avLst/>
+          </a:prstGeom>
+          <a:solidFill>
+            <a:srgbClr val="002060"/>
+          </a:solidFill>
+          <a:ln>
+            <a:noFill/>
+          </a:ln>
+        </p:spPr>
+        <p:style>
+          <a:lnRef idx="2">
+            <a:schemeClr val="accent1">
+              <a:shade val="15000"/>
+            </a:schemeClr>
+          </a:lnRef>
+          <a:fillRef idx="1">
+            <a:schemeClr val="accent1"/>
+          </a:fillRef>
+          <a:effectRef idx="0">
+            <a:schemeClr val="accent1"/>
+          </a:effectRef>
+          <a:fontRef idx="minor">
+            <a:schemeClr val="lt1"/>
+          </a:fontRef>
+        </p:style>
+        <p:txBody>
+          <a:bodyPr rtlCol="0" anchor="ctr"/>
+          <a:lstStyle/>
+          <a:p>
+            <a:pPr algn="ctr"/>
+            <a:endParaRPr lang="fr-FR"/>
+          </a:p>
+        </p:txBody>
+      </p:sp>
+      <p:pic>
+        <p:nvPicPr>
+          <p:cNvPr id="4" name="Image 3" descr="Une image contenant texte&#10;&#10;Description générée automatiquement">
+            <a:extLst>
+              <a:ext uri="{FF2B5EF4-FFF2-40B4-BE49-F238E27FC236}">
+                <a16:creationId xmlns:a16="http://schemas.microsoft.com/office/drawing/2014/main" id="{DF87172B-7D02-1A0C-172E-B106A30F27FD}"/>
+              </a:ext>
+            </a:extLst>
+          </p:cNvPr>
+          <p:cNvPicPr>
+            <a:picLocks noChangeAspect="1"/>
+          </p:cNvPicPr>
+          <p:nvPr/>
+        </p:nvPicPr>
+        <p:blipFill>
+          <a:blip r:embed="rId3" cstate="print">
+            <a:extLst>
+              <a:ext uri="{28A0092B-C50C-407E-A947-70E740481C1C}">
+                <a14:useLocalDpi xmlns:a14="http://schemas.microsoft.com/office/drawing/2010/main" val="0"/>
+              </a:ext>
+            </a:extLst>
+          </a:blip>
+          <a:stretch>
+            <a:fillRect/>
+          </a:stretch>
+        </p:blipFill>
+        <p:spPr>
+          <a:xfrm>
+            <a:off x="9808481" y="509288"/>
+            <a:ext cx="1825291" cy="749808"/>
+          </a:xfrm>
+          <a:prstGeom prst="rect">
+            <a:avLst/>
+          </a:prstGeom>
+        </p:spPr>
+      </p:pic>
+      <p:sp>
+        <p:nvSpPr>
+          <p:cNvPr id="5" name="ZoneTexte 4">
+            <a:extLst>
+              <a:ext uri="{FF2B5EF4-FFF2-40B4-BE49-F238E27FC236}">
+                <a16:creationId xmlns:a16="http://schemas.microsoft.com/office/drawing/2014/main" id="{94A50248-075E-FFD9-4A17-0A6FF5057892}"/>
+              </a:ext>
+            </a:extLst>
+          </p:cNvPr>
+          <p:cNvSpPr txBox="1"/>
+          <p:nvPr/>
+        </p:nvSpPr>
+        <p:spPr>
+          <a:xfrm>
+            <a:off x="808897" y="2000517"/>
+            <a:ext cx="6096000" cy="1323439"/>
+          </a:xfrm>
+          <a:prstGeom prst="rect">
+            <a:avLst/>
+          </a:prstGeom>
+          <a:solidFill>
+            <a:schemeClr val="bg1">
+              <a:lumMod val="95000"/>
+            </a:schemeClr>
+          </a:solidFill>
+        </p:spPr>
+        <p:txBody>
+          <a:bodyPr wrap="square">
+            <a:spAutoFit/>
+          </a:bodyPr>
+          <a:lstStyle/>
+          <a:p>
+            <a:r>
+              <a:rPr lang="fr-FR" sz="1600" b="1" dirty="0"/>
+              <a:t>class</a:t>
+            </a:r>
+            <a:r>
+              <a:rPr lang="fr-FR" sz="1600" dirty="0"/>
+              <a:t> Point:	</a:t>
+            </a:r>
+          </a:p>
+          <a:p>
+            <a:r>
+              <a:rPr lang="fr-FR" sz="1600" dirty="0"/>
+              <a:t>	</a:t>
+            </a:r>
+            <a:r>
+              <a:rPr lang="fr-FR" sz="1600" b="1" dirty="0" err="1"/>
+              <a:t>def</a:t>
+            </a:r>
+            <a:r>
+              <a:rPr lang="fr-FR" sz="1600" dirty="0"/>
+              <a:t> </a:t>
+            </a:r>
+            <a:r>
+              <a:rPr lang="fr-FR" sz="1600" b="1" i="1" dirty="0"/>
+              <a:t>__init__</a:t>
+            </a:r>
+            <a:r>
+              <a:rPr lang="fr-FR" sz="1600" dirty="0"/>
+              <a:t>(</a:t>
+            </a:r>
+            <a:r>
+              <a:rPr lang="fr-FR" sz="1600" b="1" dirty="0"/>
+              <a:t>self</a:t>
+            </a:r>
+            <a:r>
+              <a:rPr lang="fr-FR" sz="1600" dirty="0"/>
+              <a:t>, </a:t>
+            </a:r>
+            <a:r>
+              <a:rPr lang="fr-FR" sz="1600" dirty="0">
+                <a:solidFill>
+                  <a:schemeClr val="tx1">
+                    <a:lumMod val="65000"/>
+                    <a:lumOff val="35000"/>
+                  </a:schemeClr>
+                </a:solidFill>
+              </a:rPr>
+              <a:t>x</a:t>
+            </a:r>
+            <a:r>
+              <a:rPr lang="fr-FR" sz="1600" dirty="0"/>
+              <a:t>:</a:t>
+            </a:r>
+            <a:r>
+              <a:rPr lang="fr-FR" sz="1600" b="1" i="1" dirty="0"/>
+              <a:t>float</a:t>
+            </a:r>
+            <a:r>
+              <a:rPr lang="fr-FR" sz="1600" dirty="0"/>
+              <a:t>, </a:t>
+            </a:r>
+            <a:r>
+              <a:rPr lang="fr-FR" sz="1600" dirty="0">
+                <a:solidFill>
+                  <a:schemeClr val="tx1">
+                    <a:lumMod val="65000"/>
+                    <a:lumOff val="35000"/>
+                  </a:schemeClr>
+                </a:solidFill>
+              </a:rPr>
+              <a:t>y</a:t>
+            </a:r>
+            <a:r>
+              <a:rPr lang="fr-FR" sz="1600" dirty="0"/>
+              <a:t>:</a:t>
+            </a:r>
+            <a:r>
+              <a:rPr lang="fr-FR" sz="1600" b="1" i="1" dirty="0"/>
+              <a:t>float</a:t>
+            </a:r>
+            <a:r>
+              <a:rPr lang="fr-FR" sz="1600" dirty="0"/>
+              <a:t>, </a:t>
+            </a:r>
+            <a:r>
+              <a:rPr lang="fr-FR" sz="1600" dirty="0" err="1">
+                <a:solidFill>
+                  <a:schemeClr val="tx1">
+                    <a:lumMod val="65000"/>
+                    <a:lumOff val="35000"/>
+                  </a:schemeClr>
+                </a:solidFill>
+              </a:rPr>
+              <a:t>name</a:t>
+            </a:r>
+            <a:r>
+              <a:rPr lang="fr-FR" sz="1600" dirty="0" err="1"/>
+              <a:t>:</a:t>
+            </a:r>
+            <a:r>
+              <a:rPr lang="fr-FR" sz="1600" b="1" i="1" dirty="0" err="1"/>
+              <a:t>str</a:t>
+            </a:r>
+            <a:r>
+              <a:rPr lang="fr-FR" sz="1600" dirty="0"/>
+              <a:t>):</a:t>
+            </a:r>
+          </a:p>
+          <a:p>
+            <a:r>
+              <a:rPr lang="fr-FR" sz="1600" dirty="0"/>
+              <a:t>		</a:t>
+            </a:r>
+            <a:r>
+              <a:rPr lang="fr-FR" sz="1600" b="1" dirty="0" err="1"/>
+              <a:t>self.</a:t>
+            </a:r>
+            <a:r>
+              <a:rPr lang="fr-FR" sz="1600" i="1" dirty="0" err="1"/>
+              <a:t>x</a:t>
+            </a:r>
+            <a:r>
+              <a:rPr lang="fr-FR" sz="1600" dirty="0"/>
+              <a:t> = x</a:t>
+            </a:r>
+            <a:endParaRPr lang="fr-FR" sz="1600" dirty="0">
+              <a:solidFill>
+                <a:schemeClr val="tx1">
+                  <a:lumMod val="65000"/>
+                  <a:lumOff val="35000"/>
+                </a:schemeClr>
+              </a:solidFill>
+            </a:endParaRPr>
+          </a:p>
+          <a:p>
+            <a:r>
+              <a:rPr lang="fr-FR" sz="1600" dirty="0"/>
+              <a:t>		</a:t>
+            </a:r>
+            <a:r>
+              <a:rPr lang="fr-FR" sz="1600" b="1" dirty="0" err="1"/>
+              <a:t>self.</a:t>
+            </a:r>
+            <a:r>
+              <a:rPr lang="fr-FR" sz="1600" i="1" dirty="0" err="1"/>
+              <a:t>y</a:t>
+            </a:r>
+            <a:r>
+              <a:rPr lang="fr-FR" sz="1600" dirty="0"/>
+              <a:t> = </a:t>
+            </a:r>
+            <a:r>
+              <a:rPr lang="fr-FR" sz="1600" dirty="0">
+                <a:solidFill>
+                  <a:schemeClr val="tx1">
+                    <a:lumMod val="65000"/>
+                    <a:lumOff val="35000"/>
+                  </a:schemeClr>
+                </a:solidFill>
+              </a:rPr>
+              <a:t>y</a:t>
+            </a:r>
+          </a:p>
+          <a:p>
+            <a:r>
+              <a:rPr lang="fr-FR" sz="1600" dirty="0"/>
+              <a:t>		</a:t>
+            </a:r>
+            <a:r>
+              <a:rPr lang="fr-FR" sz="1600" b="1" dirty="0"/>
+              <a:t>self.</a:t>
+            </a:r>
+            <a:r>
+              <a:rPr lang="fr-FR" sz="1600" i="1" dirty="0"/>
+              <a:t>name</a:t>
+            </a:r>
+            <a:r>
+              <a:rPr lang="fr-FR" sz="1600" dirty="0"/>
+              <a:t> = </a:t>
+            </a:r>
+            <a:r>
+              <a:rPr lang="fr-FR" sz="1600" dirty="0" err="1"/>
+              <a:t>name</a:t>
+            </a:r>
+            <a:endParaRPr lang="fr-FR" sz="1600" dirty="0">
+              <a:solidFill>
+                <a:schemeClr val="tx1">
+                  <a:lumMod val="65000"/>
+                  <a:lumOff val="35000"/>
+                </a:schemeClr>
+              </a:solidFill>
+            </a:endParaRPr>
+          </a:p>
+        </p:txBody>
+      </p:sp>
+      <p:sp>
+        <p:nvSpPr>
+          <p:cNvPr id="6" name="Rectangle 5">
+            <a:extLst>
+              <a:ext uri="{FF2B5EF4-FFF2-40B4-BE49-F238E27FC236}">
+                <a16:creationId xmlns:a16="http://schemas.microsoft.com/office/drawing/2014/main" id="{E50D5302-A98E-54AE-2788-685E250FB145}"/>
+              </a:ext>
+            </a:extLst>
+          </p:cNvPr>
+          <p:cNvSpPr/>
+          <p:nvPr/>
+        </p:nvSpPr>
+        <p:spPr>
+          <a:xfrm>
+            <a:off x="7892115" y="2372921"/>
+            <a:ext cx="3337560" cy="434288"/>
+          </a:xfrm>
+          <a:prstGeom prst="rect">
+            <a:avLst/>
+          </a:prstGeom>
+          <a:solidFill>
+            <a:schemeClr val="accent3">
+              <a:lumMod val="60000"/>
+              <a:lumOff val="40000"/>
+            </a:schemeClr>
+          </a:solidFill>
+          <a:ln w="28575">
+            <a:solidFill>
+              <a:schemeClr val="tx1"/>
+            </a:solidFill>
+          </a:ln>
+        </p:spPr>
+        <p:style>
+          <a:lnRef idx="2">
+            <a:schemeClr val="accent1">
+              <a:shade val="15000"/>
+            </a:schemeClr>
+          </a:lnRef>
+          <a:fillRef idx="1">
+            <a:schemeClr val="accent1"/>
+          </a:fillRef>
+          <a:effectRef idx="0">
+            <a:schemeClr val="accent1"/>
+          </a:effectRef>
+          <a:fontRef idx="minor">
+            <a:schemeClr val="lt1"/>
+          </a:fontRef>
+        </p:style>
+        <p:txBody>
+          <a:bodyPr rtlCol="0" anchor="ctr"/>
+          <a:lstStyle/>
+          <a:p>
+            <a:pPr algn="ctr"/>
+            <a:r>
+              <a:rPr lang="fr-FR" sz="1600" b="1" dirty="0">
+                <a:solidFill>
+                  <a:schemeClr val="tx1"/>
+                </a:solidFill>
+              </a:rPr>
+              <a:t>Point</a:t>
+            </a:r>
+          </a:p>
+        </p:txBody>
+      </p:sp>
+      <p:sp>
+        <p:nvSpPr>
+          <p:cNvPr id="8" name="Rectangle 7">
+            <a:extLst>
+              <a:ext uri="{FF2B5EF4-FFF2-40B4-BE49-F238E27FC236}">
+                <a16:creationId xmlns:a16="http://schemas.microsoft.com/office/drawing/2014/main" id="{9CC46E56-6CF3-E76A-8BA2-B91BF5BE6885}"/>
+              </a:ext>
+            </a:extLst>
+          </p:cNvPr>
+          <p:cNvSpPr/>
+          <p:nvPr/>
+        </p:nvSpPr>
+        <p:spPr>
+          <a:xfrm>
+            <a:off x="7891283" y="2799992"/>
+            <a:ext cx="3337560" cy="993815"/>
+          </a:xfrm>
+          <a:prstGeom prst="rect">
+            <a:avLst/>
+          </a:prstGeom>
+          <a:solidFill>
+            <a:srgbClr val="002060"/>
+          </a:solidFill>
+          <a:ln w="28575">
+            <a:solidFill>
+              <a:schemeClr val="tx1"/>
+            </a:solidFill>
+          </a:ln>
+        </p:spPr>
+        <p:style>
+          <a:lnRef idx="2">
+            <a:schemeClr val="accent1">
+              <a:shade val="15000"/>
+            </a:schemeClr>
+          </a:lnRef>
+          <a:fillRef idx="1">
+            <a:schemeClr val="accent1"/>
+          </a:fillRef>
+          <a:effectRef idx="0">
+            <a:schemeClr val="accent1"/>
+          </a:effectRef>
+          <a:fontRef idx="minor">
+            <a:schemeClr val="lt1"/>
+          </a:fontRef>
+        </p:style>
+        <p:txBody>
+          <a:bodyPr rtlCol="0" anchor="ctr"/>
+          <a:lstStyle/>
+          <a:p>
+            <a:pPr algn="ctr"/>
+            <a:r>
+              <a:rPr lang="fr-FR" sz="1600" b="1" dirty="0">
+                <a:solidFill>
+                  <a:schemeClr val="bg1"/>
+                </a:solidFill>
+              </a:rPr>
+              <a:t>x</a:t>
+            </a:r>
+            <a:r>
+              <a:rPr lang="fr-FR" sz="1600" dirty="0">
+                <a:solidFill>
+                  <a:schemeClr val="bg1"/>
+                </a:solidFill>
+              </a:rPr>
+              <a:t> : </a:t>
+            </a:r>
+            <a:r>
+              <a:rPr lang="fr-FR" sz="1600" dirty="0" err="1">
+                <a:solidFill>
+                  <a:schemeClr val="bg1"/>
+                </a:solidFill>
+              </a:rPr>
+              <a:t>float</a:t>
+            </a:r>
+            <a:r>
+              <a:rPr lang="fr-FR" sz="1600" dirty="0">
+                <a:solidFill>
+                  <a:schemeClr val="bg1"/>
+                </a:solidFill>
+              </a:rPr>
+              <a:t> </a:t>
+            </a:r>
+          </a:p>
+          <a:p>
+            <a:pPr algn="ctr"/>
+            <a:r>
+              <a:rPr lang="fr-FR" sz="1600" b="1" dirty="0">
+                <a:solidFill>
+                  <a:schemeClr val="bg1"/>
+                </a:solidFill>
+              </a:rPr>
+              <a:t>y</a:t>
+            </a:r>
+            <a:r>
+              <a:rPr lang="fr-FR" sz="1600" dirty="0">
+                <a:solidFill>
+                  <a:schemeClr val="bg1"/>
+                </a:solidFill>
+              </a:rPr>
+              <a:t> : </a:t>
+            </a:r>
+            <a:r>
+              <a:rPr lang="fr-FR" sz="1600" dirty="0" err="1">
+                <a:solidFill>
+                  <a:schemeClr val="bg1"/>
+                </a:solidFill>
+              </a:rPr>
+              <a:t>float</a:t>
+            </a:r>
+            <a:r>
+              <a:rPr lang="fr-FR" sz="1600" dirty="0">
+                <a:solidFill>
+                  <a:schemeClr val="bg1"/>
+                </a:solidFill>
+              </a:rPr>
+              <a:t> </a:t>
+            </a:r>
+          </a:p>
+          <a:p>
+            <a:pPr algn="ctr"/>
+            <a:r>
+              <a:rPr lang="fr-FR" sz="1600" b="1" dirty="0" err="1">
+                <a:solidFill>
+                  <a:schemeClr val="bg1"/>
+                </a:solidFill>
+              </a:rPr>
+              <a:t>name</a:t>
+            </a:r>
+            <a:r>
+              <a:rPr lang="fr-FR" sz="1600" dirty="0">
+                <a:solidFill>
+                  <a:schemeClr val="bg1"/>
+                </a:solidFill>
+              </a:rPr>
+              <a:t>: </a:t>
+            </a:r>
+            <a:r>
+              <a:rPr lang="fr-FR" sz="1600" dirty="0" err="1">
+                <a:solidFill>
+                  <a:schemeClr val="bg1"/>
+                </a:solidFill>
+              </a:rPr>
+              <a:t>str</a:t>
+            </a:r>
+            <a:endParaRPr lang="fr-FR" sz="1600" dirty="0">
+              <a:solidFill>
+                <a:schemeClr val="bg1"/>
+              </a:solidFill>
+            </a:endParaRPr>
+          </a:p>
+        </p:txBody>
+      </p:sp>
+      <p:sp>
+        <p:nvSpPr>
+          <p:cNvPr id="10" name="Rectangle 9">
+            <a:extLst>
+              <a:ext uri="{FF2B5EF4-FFF2-40B4-BE49-F238E27FC236}">
+                <a16:creationId xmlns:a16="http://schemas.microsoft.com/office/drawing/2014/main" id="{AD7DED79-7A22-273E-C914-93619C62CAEC}"/>
+              </a:ext>
+            </a:extLst>
+          </p:cNvPr>
+          <p:cNvSpPr/>
+          <p:nvPr/>
+        </p:nvSpPr>
+        <p:spPr>
+          <a:xfrm>
+            <a:off x="7891283" y="3793807"/>
+            <a:ext cx="3337560" cy="1472521"/>
+          </a:xfrm>
+          <a:prstGeom prst="rect">
+            <a:avLst/>
+          </a:prstGeom>
+          <a:solidFill>
+            <a:srgbClr val="00B0F0"/>
+          </a:solidFill>
+          <a:ln w="28575">
+            <a:solidFill>
+              <a:schemeClr val="tx1"/>
+            </a:solidFill>
+          </a:ln>
+        </p:spPr>
+        <p:style>
+          <a:lnRef idx="2">
+            <a:schemeClr val="accent1">
+              <a:shade val="15000"/>
+            </a:schemeClr>
+          </a:lnRef>
+          <a:fillRef idx="1">
+            <a:schemeClr val="accent1"/>
+          </a:fillRef>
+          <a:effectRef idx="0">
+            <a:schemeClr val="accent1"/>
+          </a:effectRef>
+          <a:fontRef idx="minor">
+            <a:schemeClr val="lt1"/>
+          </a:fontRef>
+        </p:style>
+        <p:txBody>
+          <a:bodyPr rtlCol="0" anchor="ctr"/>
+          <a:lstStyle/>
+          <a:p>
+            <a:pPr algn="ctr"/>
+            <a:r>
+              <a:rPr lang="fr-FR" sz="1600" b="1" dirty="0">
+                <a:solidFill>
+                  <a:schemeClr val="tx1"/>
+                </a:solidFill>
+              </a:rPr>
+              <a:t>__init__</a:t>
+            </a:r>
+            <a:r>
+              <a:rPr lang="fr-FR" sz="1600" dirty="0">
+                <a:solidFill>
+                  <a:schemeClr val="tx1"/>
+                </a:solidFill>
+              </a:rPr>
+              <a:t>(x: </a:t>
+            </a:r>
+            <a:r>
+              <a:rPr lang="fr-FR" sz="1600" dirty="0" err="1">
+                <a:solidFill>
+                  <a:schemeClr val="tx1"/>
+                </a:solidFill>
+              </a:rPr>
+              <a:t>float</a:t>
+            </a:r>
+            <a:r>
+              <a:rPr lang="fr-FR" sz="1600" dirty="0">
+                <a:solidFill>
+                  <a:schemeClr val="tx1"/>
+                </a:solidFill>
+              </a:rPr>
+              <a:t>, y: </a:t>
+            </a:r>
+            <a:r>
+              <a:rPr lang="fr-FR" sz="1600" dirty="0" err="1">
+                <a:solidFill>
+                  <a:schemeClr val="tx1"/>
+                </a:solidFill>
+              </a:rPr>
+              <a:t>float</a:t>
+            </a:r>
+            <a:r>
+              <a:rPr lang="fr-FR" sz="1600" dirty="0">
+                <a:solidFill>
+                  <a:schemeClr val="tx1"/>
+                </a:solidFill>
+              </a:rPr>
+              <a:t>)  </a:t>
+            </a:r>
+          </a:p>
+          <a:p>
+            <a:pPr algn="ctr"/>
+            <a:r>
+              <a:rPr lang="fr-FR" sz="1600" b="1" dirty="0">
+                <a:solidFill>
+                  <a:schemeClr val="tx1"/>
+                </a:solidFill>
+              </a:rPr>
+              <a:t>__</a:t>
+            </a:r>
+            <a:r>
+              <a:rPr lang="fr-FR" sz="1600" b="1" dirty="0" err="1">
+                <a:solidFill>
+                  <a:schemeClr val="tx1"/>
+                </a:solidFill>
+              </a:rPr>
+              <a:t>str</a:t>
+            </a:r>
+            <a:r>
+              <a:rPr lang="fr-FR" sz="1600" b="1" dirty="0">
+                <a:solidFill>
+                  <a:schemeClr val="tx1"/>
+                </a:solidFill>
+              </a:rPr>
+              <a:t>__</a:t>
+            </a:r>
+            <a:r>
+              <a:rPr lang="fr-FR" sz="1600" dirty="0">
+                <a:solidFill>
+                  <a:schemeClr val="tx1"/>
+                </a:solidFill>
+              </a:rPr>
+              <a:t>()</a:t>
+            </a:r>
+          </a:p>
+          <a:p>
+            <a:pPr algn="ctr"/>
+            <a:r>
+              <a:rPr lang="fr-FR" sz="1600" b="1" dirty="0">
+                <a:solidFill>
+                  <a:schemeClr val="tx1"/>
+                </a:solidFill>
+              </a:rPr>
+              <a:t>move(</a:t>
+            </a:r>
+            <a:r>
+              <a:rPr lang="fr-FR" sz="1600" dirty="0">
+                <a:solidFill>
+                  <a:schemeClr val="tx1"/>
+                </a:solidFill>
+              </a:rPr>
+              <a:t>x: </a:t>
+            </a:r>
+            <a:r>
+              <a:rPr lang="fr-FR" sz="1600" dirty="0" err="1">
+                <a:solidFill>
+                  <a:schemeClr val="tx1"/>
+                </a:solidFill>
+              </a:rPr>
+              <a:t>float</a:t>
+            </a:r>
+            <a:r>
+              <a:rPr lang="fr-FR" sz="1600" dirty="0">
+                <a:solidFill>
+                  <a:schemeClr val="tx1"/>
+                </a:solidFill>
+              </a:rPr>
+              <a:t>, y: </a:t>
+            </a:r>
+            <a:r>
+              <a:rPr lang="fr-FR" sz="1600" dirty="0" err="1">
+                <a:solidFill>
+                  <a:schemeClr val="tx1"/>
+                </a:solidFill>
+              </a:rPr>
+              <a:t>float</a:t>
+            </a:r>
+            <a:r>
+              <a:rPr lang="fr-FR" sz="1600" b="1" dirty="0">
+                <a:solidFill>
+                  <a:schemeClr val="tx1"/>
+                </a:solidFill>
+              </a:rPr>
+              <a:t>)</a:t>
+            </a:r>
+          </a:p>
+          <a:p>
+            <a:pPr algn="ctr"/>
+            <a:r>
+              <a:rPr lang="fr-FR" sz="1600" b="1" dirty="0">
+                <a:solidFill>
+                  <a:schemeClr val="tx1"/>
+                </a:solidFill>
+              </a:rPr>
+              <a:t>distance( </a:t>
+            </a:r>
+            <a:r>
+              <a:rPr lang="fr-FR" sz="1600" dirty="0">
+                <a:solidFill>
+                  <a:schemeClr val="tx1"/>
+                </a:solidFill>
+              </a:rPr>
+              <a:t>?</a:t>
+            </a:r>
+            <a:r>
+              <a:rPr lang="fr-FR" sz="1600" b="1" dirty="0">
+                <a:solidFill>
+                  <a:schemeClr val="tx1"/>
+                </a:solidFill>
+              </a:rPr>
+              <a:t> )</a:t>
+            </a:r>
+            <a:r>
+              <a:rPr lang="fr-FR" sz="1600" i="1" dirty="0">
+                <a:solidFill>
+                  <a:schemeClr val="tx1"/>
+                </a:solidFill>
+              </a:rPr>
+              <a:t>: </a:t>
+            </a:r>
+            <a:r>
+              <a:rPr lang="fr-FR" sz="1600" i="1" dirty="0" err="1">
+                <a:solidFill>
+                  <a:schemeClr val="tx1"/>
+                </a:solidFill>
+              </a:rPr>
+              <a:t>float</a:t>
+            </a:r>
+            <a:endParaRPr lang="fr-FR" sz="1600" i="1" dirty="0">
+              <a:solidFill>
+                <a:schemeClr val="tx1"/>
+              </a:solidFill>
+            </a:endParaRPr>
+          </a:p>
+        </p:txBody>
+      </p:sp>
+      <p:sp>
+        <p:nvSpPr>
+          <p:cNvPr id="11" name="Rectangle 10">
+            <a:extLst>
+              <a:ext uri="{FF2B5EF4-FFF2-40B4-BE49-F238E27FC236}">
+                <a16:creationId xmlns:a16="http://schemas.microsoft.com/office/drawing/2014/main" id="{BC413374-92A9-8C60-4158-3D3499EC6939}"/>
+              </a:ext>
+            </a:extLst>
+          </p:cNvPr>
+          <p:cNvSpPr/>
+          <p:nvPr/>
+        </p:nvSpPr>
+        <p:spPr>
+          <a:xfrm rot="16200000">
+            <a:off x="6795020" y="4402529"/>
+            <a:ext cx="1472520" cy="255073"/>
+          </a:xfrm>
+          <a:prstGeom prst="rect">
+            <a:avLst/>
+          </a:prstGeom>
+          <a:solidFill>
+            <a:srgbClr val="00B0F0"/>
+          </a:solidFill>
+          <a:ln>
+            <a:noFill/>
+          </a:ln>
+        </p:spPr>
+        <p:style>
+          <a:lnRef idx="2">
+            <a:schemeClr val="accent1">
+              <a:shade val="15000"/>
+            </a:schemeClr>
+          </a:lnRef>
+          <a:fillRef idx="1">
+            <a:schemeClr val="accent1"/>
+          </a:fillRef>
+          <a:effectRef idx="0">
+            <a:schemeClr val="accent1"/>
+          </a:effectRef>
+          <a:fontRef idx="minor">
+            <a:schemeClr val="lt1"/>
+          </a:fontRef>
+        </p:style>
+        <p:txBody>
+          <a:bodyPr vert="horz" rtlCol="0" anchor="ctr"/>
+          <a:lstStyle/>
+          <a:p>
+            <a:pPr algn="ctr"/>
+            <a:r>
+              <a:rPr lang="fr-FR" sz="1100" b="1" dirty="0"/>
+              <a:t>COMPORTEMENT</a:t>
+            </a:r>
+          </a:p>
+        </p:txBody>
+      </p:sp>
+      <p:sp>
+        <p:nvSpPr>
+          <p:cNvPr id="14" name="Rectangle 13">
+            <a:extLst>
+              <a:ext uri="{FF2B5EF4-FFF2-40B4-BE49-F238E27FC236}">
+                <a16:creationId xmlns:a16="http://schemas.microsoft.com/office/drawing/2014/main" id="{55558313-49B9-3662-34AF-79892D778FA0}"/>
+              </a:ext>
+            </a:extLst>
+          </p:cNvPr>
+          <p:cNvSpPr/>
+          <p:nvPr/>
+        </p:nvSpPr>
+        <p:spPr>
+          <a:xfrm rot="16200000">
+            <a:off x="7034372" y="3169362"/>
+            <a:ext cx="993816" cy="255073"/>
+          </a:xfrm>
+          <a:prstGeom prst="rect">
+            <a:avLst/>
+          </a:prstGeom>
+          <a:solidFill>
+            <a:srgbClr val="002060"/>
+          </a:solidFill>
+          <a:ln>
+            <a:noFill/>
+          </a:ln>
+        </p:spPr>
+        <p:style>
+          <a:lnRef idx="2">
+            <a:schemeClr val="accent1">
+              <a:shade val="15000"/>
+            </a:schemeClr>
+          </a:lnRef>
+          <a:fillRef idx="1">
+            <a:schemeClr val="accent1"/>
+          </a:fillRef>
+          <a:effectRef idx="0">
+            <a:schemeClr val="accent1"/>
+          </a:effectRef>
+          <a:fontRef idx="minor">
+            <a:schemeClr val="lt1"/>
+          </a:fontRef>
+        </p:style>
+        <p:txBody>
+          <a:bodyPr vert="horz" rtlCol="0" anchor="ctr"/>
+          <a:lstStyle/>
+          <a:p>
+            <a:pPr algn="ctr"/>
+            <a:r>
+              <a:rPr lang="fr-FR" sz="1200" b="1" dirty="0"/>
+              <a:t>ETAT</a:t>
+            </a:r>
+          </a:p>
+        </p:txBody>
+      </p:sp>
+      <p:sp>
+        <p:nvSpPr>
+          <p:cNvPr id="12" name="ZoneTexte 11">
+            <a:extLst>
+              <a:ext uri="{FF2B5EF4-FFF2-40B4-BE49-F238E27FC236}">
+                <a16:creationId xmlns:a16="http://schemas.microsoft.com/office/drawing/2014/main" id="{45BE2059-D850-DEE0-F5E6-C9197ED39184}"/>
+              </a:ext>
+            </a:extLst>
+          </p:cNvPr>
+          <p:cNvSpPr txBox="1"/>
+          <p:nvPr/>
+        </p:nvSpPr>
+        <p:spPr>
+          <a:xfrm>
+            <a:off x="1380743" y="3506323"/>
+            <a:ext cx="5524153" cy="338554"/>
+          </a:xfrm>
+          <a:prstGeom prst="rect">
+            <a:avLst/>
+          </a:prstGeom>
+          <a:solidFill>
+            <a:schemeClr val="bg1">
+              <a:lumMod val="85000"/>
+            </a:schemeClr>
+          </a:solidFill>
+        </p:spPr>
+        <p:txBody>
+          <a:bodyPr wrap="square">
+            <a:spAutoFit/>
+          </a:bodyPr>
+          <a:lstStyle/>
+          <a:p>
+            <a:r>
+              <a:rPr lang="en-US" sz="1600" dirty="0" err="1">
+                <a:highlight>
+                  <a:srgbClr val="D6B4B2"/>
+                </a:highlight>
+              </a:rPr>
+              <a:t>pointA</a:t>
+            </a:r>
+            <a:r>
+              <a:rPr lang="fr-FR" sz="1600" dirty="0"/>
+              <a:t> </a:t>
+            </a:r>
+            <a:r>
+              <a:rPr lang="fr-FR" sz="1600" b="1" dirty="0"/>
+              <a:t>=</a:t>
+            </a:r>
+            <a:r>
+              <a:rPr lang="fr-FR" sz="1600" dirty="0"/>
+              <a:t> Point(-0.5, 5.5, ‘A’)</a:t>
+            </a:r>
+          </a:p>
+        </p:txBody>
+      </p:sp>
+      <p:sp>
+        <p:nvSpPr>
+          <p:cNvPr id="9" name="ZoneTexte 8">
+            <a:extLst>
+              <a:ext uri="{FF2B5EF4-FFF2-40B4-BE49-F238E27FC236}">
+                <a16:creationId xmlns:a16="http://schemas.microsoft.com/office/drawing/2014/main" id="{4388EDFA-1D3D-EBBA-8FDE-EA077319C5CF}"/>
+              </a:ext>
+            </a:extLst>
+          </p:cNvPr>
+          <p:cNvSpPr txBox="1"/>
+          <p:nvPr/>
+        </p:nvSpPr>
+        <p:spPr>
+          <a:xfrm>
+            <a:off x="808897" y="4027244"/>
+            <a:ext cx="6096000" cy="584775"/>
+          </a:xfrm>
+          <a:prstGeom prst="rect">
+            <a:avLst/>
+          </a:prstGeom>
+          <a:solidFill>
+            <a:schemeClr val="bg1">
+              <a:lumMod val="95000"/>
+            </a:schemeClr>
+          </a:solidFill>
+        </p:spPr>
+        <p:txBody>
+          <a:bodyPr wrap="square">
+            <a:spAutoFit/>
+          </a:bodyPr>
+          <a:lstStyle/>
+          <a:p>
+            <a:r>
+              <a:rPr lang="fr-FR" sz="1600" b="1" dirty="0"/>
+              <a:t>	</a:t>
+            </a:r>
+            <a:r>
+              <a:rPr lang="fr-FR" sz="1600" b="1" dirty="0" err="1"/>
+              <a:t>def</a:t>
+            </a:r>
+            <a:r>
+              <a:rPr lang="fr-FR" sz="1600" dirty="0"/>
+              <a:t> </a:t>
+            </a:r>
+            <a:r>
+              <a:rPr lang="fr-FR" sz="1600" i="1" dirty="0"/>
+              <a:t>distance</a:t>
+            </a:r>
+            <a:r>
+              <a:rPr lang="fr-FR" sz="1600" dirty="0"/>
+              <a:t>(</a:t>
+            </a:r>
+            <a:r>
+              <a:rPr lang="fr-FR" sz="1600" b="1" dirty="0"/>
+              <a:t>self</a:t>
+            </a:r>
+            <a:r>
+              <a:rPr lang="fr-FR" sz="1600" dirty="0"/>
+              <a:t>,</a:t>
+            </a:r>
+            <a:r>
+              <a:rPr lang="fr-FR" sz="1600" b="1" dirty="0"/>
+              <a:t> </a:t>
+            </a:r>
+            <a:r>
+              <a:rPr lang="fr-FR" sz="1600" dirty="0"/>
+              <a:t>??):</a:t>
+            </a:r>
+          </a:p>
+          <a:p>
+            <a:r>
+              <a:rPr lang="fr-FR" sz="1600" dirty="0"/>
+              <a:t>		?</a:t>
+            </a:r>
+          </a:p>
+        </p:txBody>
+      </p:sp>
+    </p:spTree>
+    <p:extLst>
+      <p:ext uri="{BB962C8B-B14F-4D97-AF65-F5344CB8AC3E}">
+        <p14:creationId xmlns:p14="http://schemas.microsoft.com/office/powerpoint/2010/main" val="1172841930"/>
       </p:ext>
     </p:extLst>
   </p:cSld>
@@ -32492,7 +33036,7 @@
         <p:cNvPr id="1" name="">
           <a:extLst>
             <a:ext uri="{FF2B5EF4-FFF2-40B4-BE49-F238E27FC236}">
-              <a16:creationId xmlns:a16="http://schemas.microsoft.com/office/drawing/2014/main" id="{5662AF62-256E-FEAC-E649-3118D535C9BB}"/>
+              <a16:creationId xmlns:a16="http://schemas.microsoft.com/office/drawing/2014/main" id="{F5559286-3EA8-14DC-8BDB-B4F26E71F79F}"/>
             </a:ext>
           </a:extLst>
         </p:cNvPr>
@@ -32512,7 +33056,7 @@
           <p:cNvPr id="3" name="Rectangle 2">
             <a:extLst>
               <a:ext uri="{FF2B5EF4-FFF2-40B4-BE49-F238E27FC236}">
-                <a16:creationId xmlns:a16="http://schemas.microsoft.com/office/drawing/2014/main" id="{C5B62972-B367-1B5A-F6FE-94D2B339D78E}"/>
+                <a16:creationId xmlns:a16="http://schemas.microsoft.com/office/drawing/2014/main" id="{F3E8127C-BDFE-459C-4156-16992C1E79BB}"/>
               </a:ext>
             </a:extLst>
           </p:cNvPr>
@@ -32575,7 +33119,7 @@
           <p:cNvPr id="2" name="Titre 1">
             <a:extLst>
               <a:ext uri="{FF2B5EF4-FFF2-40B4-BE49-F238E27FC236}">
-                <a16:creationId xmlns:a16="http://schemas.microsoft.com/office/drawing/2014/main" id="{D272BFD5-FD3A-7032-9017-5CA6A0C58209}"/>
+                <a16:creationId xmlns:a16="http://schemas.microsoft.com/office/drawing/2014/main" id="{6F3C41B0-73B2-2013-88B0-C005998E3F5D}"/>
               </a:ext>
             </a:extLst>
           </p:cNvPr>
@@ -32629,1167 +33173,6 @@
           <p:cNvPr id="7" name="Rectangle 6">
             <a:extLst>
               <a:ext uri="{FF2B5EF4-FFF2-40B4-BE49-F238E27FC236}">
-                <a16:creationId xmlns:a16="http://schemas.microsoft.com/office/drawing/2014/main" id="{9CC5EA68-0D31-64BE-793C-203462F9CA7A}"/>
-              </a:ext>
-            </a:extLst>
-          </p:cNvPr>
-          <p:cNvSpPr/>
-          <p:nvPr/>
-        </p:nvSpPr>
-        <p:spPr>
-          <a:xfrm>
-            <a:off x="619125" y="500258"/>
-            <a:ext cx="124142" cy="749808"/>
-          </a:xfrm>
-          <a:prstGeom prst="rect">
-            <a:avLst/>
-          </a:prstGeom>
-          <a:solidFill>
-            <a:srgbClr val="002060"/>
-          </a:solidFill>
-          <a:ln>
-            <a:noFill/>
-          </a:ln>
-        </p:spPr>
-        <p:style>
-          <a:lnRef idx="2">
-            <a:schemeClr val="accent1">
-              <a:shade val="15000"/>
-            </a:schemeClr>
-          </a:lnRef>
-          <a:fillRef idx="1">
-            <a:schemeClr val="accent1"/>
-          </a:fillRef>
-          <a:effectRef idx="0">
-            <a:schemeClr val="accent1"/>
-          </a:effectRef>
-          <a:fontRef idx="minor">
-            <a:schemeClr val="lt1"/>
-          </a:fontRef>
-        </p:style>
-        <p:txBody>
-          <a:bodyPr rtlCol="0" anchor="ctr"/>
-          <a:lstStyle/>
-          <a:p>
-            <a:pPr algn="ctr"/>
-            <a:endParaRPr lang="fr-FR"/>
-          </a:p>
-        </p:txBody>
-      </p:sp>
-      <p:pic>
-        <p:nvPicPr>
-          <p:cNvPr id="4" name="Image 3" descr="Une image contenant texte&#10;&#10;Description générée automatiquement">
-            <a:extLst>
-              <a:ext uri="{FF2B5EF4-FFF2-40B4-BE49-F238E27FC236}">
-                <a16:creationId xmlns:a16="http://schemas.microsoft.com/office/drawing/2014/main" id="{DF87172B-7D02-1A0C-172E-B106A30F27FD}"/>
-              </a:ext>
-            </a:extLst>
-          </p:cNvPr>
-          <p:cNvPicPr>
-            <a:picLocks noChangeAspect="1"/>
-          </p:cNvPicPr>
-          <p:nvPr/>
-        </p:nvPicPr>
-        <p:blipFill>
-          <a:blip r:embed="rId3" cstate="print">
-            <a:extLst>
-              <a:ext uri="{28A0092B-C50C-407E-A947-70E740481C1C}">
-                <a14:useLocalDpi xmlns:a14="http://schemas.microsoft.com/office/drawing/2010/main" val="0"/>
-              </a:ext>
-            </a:extLst>
-          </a:blip>
-          <a:stretch>
-            <a:fillRect/>
-          </a:stretch>
-        </p:blipFill>
-        <p:spPr>
-          <a:xfrm>
-            <a:off x="9808481" y="509288"/>
-            <a:ext cx="1825291" cy="749808"/>
-          </a:xfrm>
-          <a:prstGeom prst="rect">
-            <a:avLst/>
-          </a:prstGeom>
-        </p:spPr>
-      </p:pic>
-      <p:sp>
-        <p:nvSpPr>
-          <p:cNvPr id="5" name="ZoneTexte 4">
-            <a:extLst>
-              <a:ext uri="{FF2B5EF4-FFF2-40B4-BE49-F238E27FC236}">
-                <a16:creationId xmlns:a16="http://schemas.microsoft.com/office/drawing/2014/main" id="{94A50248-075E-FFD9-4A17-0A6FF5057892}"/>
-              </a:ext>
-            </a:extLst>
-          </p:cNvPr>
-          <p:cNvSpPr txBox="1"/>
-          <p:nvPr/>
-        </p:nvSpPr>
-        <p:spPr>
-          <a:xfrm>
-            <a:off x="808897" y="2000517"/>
-            <a:ext cx="6096000" cy="1323439"/>
-          </a:xfrm>
-          <a:prstGeom prst="rect">
-            <a:avLst/>
-          </a:prstGeom>
-          <a:solidFill>
-            <a:schemeClr val="bg1">
-              <a:lumMod val="95000"/>
-            </a:schemeClr>
-          </a:solidFill>
-        </p:spPr>
-        <p:txBody>
-          <a:bodyPr wrap="square">
-            <a:spAutoFit/>
-          </a:bodyPr>
-          <a:lstStyle/>
-          <a:p>
-            <a:r>
-              <a:rPr lang="fr-FR" sz="1600" b="1" dirty="0"/>
-              <a:t>class</a:t>
-            </a:r>
-            <a:r>
-              <a:rPr lang="fr-FR" sz="1600" dirty="0"/>
-              <a:t> Point:	</a:t>
-            </a:r>
-          </a:p>
-          <a:p>
-            <a:r>
-              <a:rPr lang="fr-FR" sz="1600" dirty="0"/>
-              <a:t>	</a:t>
-            </a:r>
-            <a:r>
-              <a:rPr lang="fr-FR" sz="1600" b="1" dirty="0" err="1"/>
-              <a:t>def</a:t>
-            </a:r>
-            <a:r>
-              <a:rPr lang="fr-FR" sz="1600" dirty="0"/>
-              <a:t> </a:t>
-            </a:r>
-            <a:r>
-              <a:rPr lang="fr-FR" sz="1600" b="1" i="1" dirty="0"/>
-              <a:t>__init__</a:t>
-            </a:r>
-            <a:r>
-              <a:rPr lang="fr-FR" sz="1600" dirty="0"/>
-              <a:t>(</a:t>
-            </a:r>
-            <a:r>
-              <a:rPr lang="fr-FR" sz="1600" b="1" dirty="0"/>
-              <a:t>self</a:t>
-            </a:r>
-            <a:r>
-              <a:rPr lang="fr-FR" sz="1600" dirty="0"/>
-              <a:t>, </a:t>
-            </a:r>
-            <a:r>
-              <a:rPr lang="fr-FR" sz="1600" dirty="0">
-                <a:solidFill>
-                  <a:schemeClr val="tx1">
-                    <a:lumMod val="65000"/>
-                    <a:lumOff val="35000"/>
-                  </a:schemeClr>
-                </a:solidFill>
-              </a:rPr>
-              <a:t>x</a:t>
-            </a:r>
-            <a:r>
-              <a:rPr lang="fr-FR" sz="1600" dirty="0"/>
-              <a:t>:</a:t>
-            </a:r>
-            <a:r>
-              <a:rPr lang="fr-FR" sz="1600" b="1" i="1" dirty="0"/>
-              <a:t>float</a:t>
-            </a:r>
-            <a:r>
-              <a:rPr lang="fr-FR" sz="1600" dirty="0"/>
-              <a:t>, </a:t>
-            </a:r>
-            <a:r>
-              <a:rPr lang="fr-FR" sz="1600" dirty="0">
-                <a:solidFill>
-                  <a:schemeClr val="tx1">
-                    <a:lumMod val="65000"/>
-                    <a:lumOff val="35000"/>
-                  </a:schemeClr>
-                </a:solidFill>
-              </a:rPr>
-              <a:t>y</a:t>
-            </a:r>
-            <a:r>
-              <a:rPr lang="fr-FR" sz="1600" dirty="0"/>
-              <a:t>:</a:t>
-            </a:r>
-            <a:r>
-              <a:rPr lang="fr-FR" sz="1600" b="1" i="1" dirty="0"/>
-              <a:t>float</a:t>
-            </a:r>
-            <a:r>
-              <a:rPr lang="fr-FR" sz="1600" dirty="0"/>
-              <a:t>, </a:t>
-            </a:r>
-            <a:r>
-              <a:rPr lang="fr-FR" sz="1600" dirty="0" err="1">
-                <a:solidFill>
-                  <a:schemeClr val="tx1">
-                    <a:lumMod val="65000"/>
-                    <a:lumOff val="35000"/>
-                  </a:schemeClr>
-                </a:solidFill>
-              </a:rPr>
-              <a:t>name</a:t>
-            </a:r>
-            <a:r>
-              <a:rPr lang="fr-FR" sz="1600" dirty="0" err="1"/>
-              <a:t>:</a:t>
-            </a:r>
-            <a:r>
-              <a:rPr lang="fr-FR" sz="1600" b="1" i="1" dirty="0" err="1"/>
-              <a:t>str</a:t>
-            </a:r>
-            <a:r>
-              <a:rPr lang="fr-FR" sz="1600" dirty="0"/>
-              <a:t>):</a:t>
-            </a:r>
-          </a:p>
-          <a:p>
-            <a:r>
-              <a:rPr lang="fr-FR" sz="1600" dirty="0"/>
-              <a:t>		</a:t>
-            </a:r>
-            <a:r>
-              <a:rPr lang="fr-FR" sz="1600" b="1" dirty="0" err="1"/>
-              <a:t>self.</a:t>
-            </a:r>
-            <a:r>
-              <a:rPr lang="fr-FR" sz="1600" i="1" dirty="0" err="1"/>
-              <a:t>x</a:t>
-            </a:r>
-            <a:r>
-              <a:rPr lang="fr-FR" sz="1600" dirty="0"/>
-              <a:t> = x</a:t>
-            </a:r>
-            <a:endParaRPr lang="fr-FR" sz="1600" dirty="0">
-              <a:solidFill>
-                <a:schemeClr val="tx1">
-                  <a:lumMod val="65000"/>
-                  <a:lumOff val="35000"/>
-                </a:schemeClr>
-              </a:solidFill>
-            </a:endParaRPr>
-          </a:p>
-          <a:p>
-            <a:r>
-              <a:rPr lang="fr-FR" sz="1600" dirty="0"/>
-              <a:t>		</a:t>
-            </a:r>
-            <a:r>
-              <a:rPr lang="fr-FR" sz="1600" b="1" dirty="0" err="1"/>
-              <a:t>self.</a:t>
-            </a:r>
-            <a:r>
-              <a:rPr lang="fr-FR" sz="1600" i="1" dirty="0" err="1"/>
-              <a:t>y</a:t>
-            </a:r>
-            <a:r>
-              <a:rPr lang="fr-FR" sz="1600" dirty="0"/>
-              <a:t> = </a:t>
-            </a:r>
-            <a:r>
-              <a:rPr lang="fr-FR" sz="1600" dirty="0">
-                <a:solidFill>
-                  <a:schemeClr val="tx1">
-                    <a:lumMod val="65000"/>
-                    <a:lumOff val="35000"/>
-                  </a:schemeClr>
-                </a:solidFill>
-              </a:rPr>
-              <a:t>y</a:t>
-            </a:r>
-          </a:p>
-          <a:p>
-            <a:r>
-              <a:rPr lang="fr-FR" sz="1600" dirty="0"/>
-              <a:t>		</a:t>
-            </a:r>
-            <a:r>
-              <a:rPr lang="fr-FR" sz="1600" b="1" dirty="0"/>
-              <a:t>self.</a:t>
-            </a:r>
-            <a:r>
-              <a:rPr lang="fr-FR" sz="1600" i="1" dirty="0"/>
-              <a:t>name</a:t>
-            </a:r>
-            <a:r>
-              <a:rPr lang="fr-FR" sz="1600" dirty="0"/>
-              <a:t> = </a:t>
-            </a:r>
-            <a:r>
-              <a:rPr lang="fr-FR" sz="1600" dirty="0" err="1"/>
-              <a:t>name</a:t>
-            </a:r>
-            <a:endParaRPr lang="fr-FR" sz="1600" dirty="0">
-              <a:solidFill>
-                <a:schemeClr val="tx1">
-                  <a:lumMod val="65000"/>
-                  <a:lumOff val="35000"/>
-                </a:schemeClr>
-              </a:solidFill>
-            </a:endParaRPr>
-          </a:p>
-        </p:txBody>
-      </p:sp>
-      <p:sp>
-        <p:nvSpPr>
-          <p:cNvPr id="6" name="Rectangle 5">
-            <a:extLst>
-              <a:ext uri="{FF2B5EF4-FFF2-40B4-BE49-F238E27FC236}">
-                <a16:creationId xmlns:a16="http://schemas.microsoft.com/office/drawing/2014/main" id="{E50D5302-A98E-54AE-2788-685E250FB145}"/>
-              </a:ext>
-            </a:extLst>
-          </p:cNvPr>
-          <p:cNvSpPr/>
-          <p:nvPr/>
-        </p:nvSpPr>
-        <p:spPr>
-          <a:xfrm>
-            <a:off x="7892115" y="2372921"/>
-            <a:ext cx="3337560" cy="434288"/>
-          </a:xfrm>
-          <a:prstGeom prst="rect">
-            <a:avLst/>
-          </a:prstGeom>
-          <a:solidFill>
-            <a:schemeClr val="accent3">
-              <a:lumMod val="60000"/>
-              <a:lumOff val="40000"/>
-            </a:schemeClr>
-          </a:solidFill>
-          <a:ln w="28575">
-            <a:solidFill>
-              <a:schemeClr val="tx1"/>
-            </a:solidFill>
-          </a:ln>
-        </p:spPr>
-        <p:style>
-          <a:lnRef idx="2">
-            <a:schemeClr val="accent1">
-              <a:shade val="15000"/>
-            </a:schemeClr>
-          </a:lnRef>
-          <a:fillRef idx="1">
-            <a:schemeClr val="accent1"/>
-          </a:fillRef>
-          <a:effectRef idx="0">
-            <a:schemeClr val="accent1"/>
-          </a:effectRef>
-          <a:fontRef idx="minor">
-            <a:schemeClr val="lt1"/>
-          </a:fontRef>
-        </p:style>
-        <p:txBody>
-          <a:bodyPr rtlCol="0" anchor="ctr"/>
-          <a:lstStyle/>
-          <a:p>
-            <a:pPr algn="ctr"/>
-            <a:r>
-              <a:rPr lang="fr-FR" sz="1600" b="1" dirty="0">
-                <a:solidFill>
-                  <a:schemeClr val="tx1"/>
-                </a:solidFill>
-              </a:rPr>
-              <a:t>Point</a:t>
-            </a:r>
-          </a:p>
-        </p:txBody>
-      </p:sp>
-      <p:sp>
-        <p:nvSpPr>
-          <p:cNvPr id="8" name="Rectangle 7">
-            <a:extLst>
-              <a:ext uri="{FF2B5EF4-FFF2-40B4-BE49-F238E27FC236}">
-                <a16:creationId xmlns:a16="http://schemas.microsoft.com/office/drawing/2014/main" id="{9CC46E56-6CF3-E76A-8BA2-B91BF5BE6885}"/>
-              </a:ext>
-            </a:extLst>
-          </p:cNvPr>
-          <p:cNvSpPr/>
-          <p:nvPr/>
-        </p:nvSpPr>
-        <p:spPr>
-          <a:xfrm>
-            <a:off x="7891283" y="2799992"/>
-            <a:ext cx="3337560" cy="993815"/>
-          </a:xfrm>
-          <a:prstGeom prst="rect">
-            <a:avLst/>
-          </a:prstGeom>
-          <a:solidFill>
-            <a:srgbClr val="002060"/>
-          </a:solidFill>
-          <a:ln w="28575">
-            <a:solidFill>
-              <a:schemeClr val="tx1"/>
-            </a:solidFill>
-          </a:ln>
-        </p:spPr>
-        <p:style>
-          <a:lnRef idx="2">
-            <a:schemeClr val="accent1">
-              <a:shade val="15000"/>
-            </a:schemeClr>
-          </a:lnRef>
-          <a:fillRef idx="1">
-            <a:schemeClr val="accent1"/>
-          </a:fillRef>
-          <a:effectRef idx="0">
-            <a:schemeClr val="accent1"/>
-          </a:effectRef>
-          <a:fontRef idx="minor">
-            <a:schemeClr val="lt1"/>
-          </a:fontRef>
-        </p:style>
-        <p:txBody>
-          <a:bodyPr rtlCol="0" anchor="ctr"/>
-          <a:lstStyle/>
-          <a:p>
-            <a:pPr algn="ctr"/>
-            <a:r>
-              <a:rPr lang="fr-FR" sz="1600" b="1" dirty="0">
-                <a:solidFill>
-                  <a:schemeClr val="bg1"/>
-                </a:solidFill>
-              </a:rPr>
-              <a:t>x</a:t>
-            </a:r>
-            <a:r>
-              <a:rPr lang="fr-FR" sz="1600" dirty="0">
-                <a:solidFill>
-                  <a:schemeClr val="bg1"/>
-                </a:solidFill>
-              </a:rPr>
-              <a:t> : </a:t>
-            </a:r>
-            <a:r>
-              <a:rPr lang="fr-FR" sz="1600" dirty="0" err="1">
-                <a:solidFill>
-                  <a:schemeClr val="bg1"/>
-                </a:solidFill>
-              </a:rPr>
-              <a:t>float</a:t>
-            </a:r>
-            <a:r>
-              <a:rPr lang="fr-FR" sz="1600" dirty="0">
-                <a:solidFill>
-                  <a:schemeClr val="bg1"/>
-                </a:solidFill>
-              </a:rPr>
-              <a:t> </a:t>
-            </a:r>
-          </a:p>
-          <a:p>
-            <a:pPr algn="ctr"/>
-            <a:r>
-              <a:rPr lang="fr-FR" sz="1600" b="1" dirty="0">
-                <a:solidFill>
-                  <a:schemeClr val="bg1"/>
-                </a:solidFill>
-              </a:rPr>
-              <a:t>y</a:t>
-            </a:r>
-            <a:r>
-              <a:rPr lang="fr-FR" sz="1600" dirty="0">
-                <a:solidFill>
-                  <a:schemeClr val="bg1"/>
-                </a:solidFill>
-              </a:rPr>
-              <a:t> : </a:t>
-            </a:r>
-            <a:r>
-              <a:rPr lang="fr-FR" sz="1600" dirty="0" err="1">
-                <a:solidFill>
-                  <a:schemeClr val="bg1"/>
-                </a:solidFill>
-              </a:rPr>
-              <a:t>float</a:t>
-            </a:r>
-            <a:r>
-              <a:rPr lang="fr-FR" sz="1600" dirty="0">
-                <a:solidFill>
-                  <a:schemeClr val="bg1"/>
-                </a:solidFill>
-              </a:rPr>
-              <a:t> </a:t>
-            </a:r>
-          </a:p>
-          <a:p>
-            <a:pPr algn="ctr"/>
-            <a:r>
-              <a:rPr lang="fr-FR" sz="1600" b="1" dirty="0" err="1">
-                <a:solidFill>
-                  <a:schemeClr val="bg1"/>
-                </a:solidFill>
-              </a:rPr>
-              <a:t>name</a:t>
-            </a:r>
-            <a:r>
-              <a:rPr lang="fr-FR" sz="1600" dirty="0">
-                <a:solidFill>
-                  <a:schemeClr val="bg1"/>
-                </a:solidFill>
-              </a:rPr>
-              <a:t>: </a:t>
-            </a:r>
-            <a:r>
-              <a:rPr lang="fr-FR" sz="1600" dirty="0" err="1">
-                <a:solidFill>
-                  <a:schemeClr val="bg1"/>
-                </a:solidFill>
-              </a:rPr>
-              <a:t>str</a:t>
-            </a:r>
-            <a:endParaRPr lang="fr-FR" sz="1600" dirty="0">
-              <a:solidFill>
-                <a:schemeClr val="bg1"/>
-              </a:solidFill>
-            </a:endParaRPr>
-          </a:p>
-        </p:txBody>
-      </p:sp>
-      <p:sp>
-        <p:nvSpPr>
-          <p:cNvPr id="10" name="Rectangle 9">
-            <a:extLst>
-              <a:ext uri="{FF2B5EF4-FFF2-40B4-BE49-F238E27FC236}">
-                <a16:creationId xmlns:a16="http://schemas.microsoft.com/office/drawing/2014/main" id="{AD7DED79-7A22-273E-C914-93619C62CAEC}"/>
-              </a:ext>
-            </a:extLst>
-          </p:cNvPr>
-          <p:cNvSpPr/>
-          <p:nvPr/>
-        </p:nvSpPr>
-        <p:spPr>
-          <a:xfrm>
-            <a:off x="7891283" y="3793807"/>
-            <a:ext cx="3337560" cy="1472521"/>
-          </a:xfrm>
-          <a:prstGeom prst="rect">
-            <a:avLst/>
-          </a:prstGeom>
-          <a:solidFill>
-            <a:srgbClr val="00B0F0"/>
-          </a:solidFill>
-          <a:ln w="28575">
-            <a:solidFill>
-              <a:schemeClr val="tx1"/>
-            </a:solidFill>
-          </a:ln>
-        </p:spPr>
-        <p:style>
-          <a:lnRef idx="2">
-            <a:schemeClr val="accent1">
-              <a:shade val="15000"/>
-            </a:schemeClr>
-          </a:lnRef>
-          <a:fillRef idx="1">
-            <a:schemeClr val="accent1"/>
-          </a:fillRef>
-          <a:effectRef idx="0">
-            <a:schemeClr val="accent1"/>
-          </a:effectRef>
-          <a:fontRef idx="minor">
-            <a:schemeClr val="lt1"/>
-          </a:fontRef>
-        </p:style>
-        <p:txBody>
-          <a:bodyPr rtlCol="0" anchor="ctr"/>
-          <a:lstStyle/>
-          <a:p>
-            <a:pPr algn="ctr"/>
-            <a:r>
-              <a:rPr lang="fr-FR" sz="1600" b="1" dirty="0">
-                <a:solidFill>
-                  <a:schemeClr val="tx1"/>
-                </a:solidFill>
-              </a:rPr>
-              <a:t>__init__</a:t>
-            </a:r>
-            <a:r>
-              <a:rPr lang="fr-FR" sz="1600" dirty="0">
-                <a:solidFill>
-                  <a:schemeClr val="tx1"/>
-                </a:solidFill>
-              </a:rPr>
-              <a:t>(x: </a:t>
-            </a:r>
-            <a:r>
-              <a:rPr lang="fr-FR" sz="1600" dirty="0" err="1">
-                <a:solidFill>
-                  <a:schemeClr val="tx1"/>
-                </a:solidFill>
-              </a:rPr>
-              <a:t>float</a:t>
-            </a:r>
-            <a:r>
-              <a:rPr lang="fr-FR" sz="1600" dirty="0">
-                <a:solidFill>
-                  <a:schemeClr val="tx1"/>
-                </a:solidFill>
-              </a:rPr>
-              <a:t>, y: </a:t>
-            </a:r>
-            <a:r>
-              <a:rPr lang="fr-FR" sz="1600" dirty="0" err="1">
-                <a:solidFill>
-                  <a:schemeClr val="tx1"/>
-                </a:solidFill>
-              </a:rPr>
-              <a:t>float</a:t>
-            </a:r>
-            <a:r>
-              <a:rPr lang="fr-FR" sz="1600" dirty="0">
-                <a:solidFill>
-                  <a:schemeClr val="tx1"/>
-                </a:solidFill>
-              </a:rPr>
-              <a:t>)  </a:t>
-            </a:r>
-          </a:p>
-          <a:p>
-            <a:pPr algn="ctr"/>
-            <a:r>
-              <a:rPr lang="fr-FR" sz="1600" b="1" dirty="0">
-                <a:solidFill>
-                  <a:schemeClr val="tx1"/>
-                </a:solidFill>
-              </a:rPr>
-              <a:t>__</a:t>
-            </a:r>
-            <a:r>
-              <a:rPr lang="fr-FR" sz="1600" b="1" dirty="0" err="1">
-                <a:solidFill>
-                  <a:schemeClr val="tx1"/>
-                </a:solidFill>
-              </a:rPr>
-              <a:t>str</a:t>
-            </a:r>
-            <a:r>
-              <a:rPr lang="fr-FR" sz="1600" b="1" dirty="0">
-                <a:solidFill>
-                  <a:schemeClr val="tx1"/>
-                </a:solidFill>
-              </a:rPr>
-              <a:t>__</a:t>
-            </a:r>
-            <a:r>
-              <a:rPr lang="fr-FR" sz="1600" dirty="0">
-                <a:solidFill>
-                  <a:schemeClr val="tx1"/>
-                </a:solidFill>
-              </a:rPr>
-              <a:t>()</a:t>
-            </a:r>
-          </a:p>
-          <a:p>
-            <a:pPr algn="ctr"/>
-            <a:r>
-              <a:rPr lang="fr-FR" sz="1600" b="1" dirty="0">
-                <a:solidFill>
-                  <a:schemeClr val="tx1"/>
-                </a:solidFill>
-              </a:rPr>
-              <a:t>move(</a:t>
-            </a:r>
-            <a:r>
-              <a:rPr lang="fr-FR" sz="1600" dirty="0">
-                <a:solidFill>
-                  <a:schemeClr val="tx1"/>
-                </a:solidFill>
-              </a:rPr>
-              <a:t>x: </a:t>
-            </a:r>
-            <a:r>
-              <a:rPr lang="fr-FR" sz="1600" dirty="0" err="1">
-                <a:solidFill>
-                  <a:schemeClr val="tx1"/>
-                </a:solidFill>
-              </a:rPr>
-              <a:t>float</a:t>
-            </a:r>
-            <a:r>
-              <a:rPr lang="fr-FR" sz="1600" dirty="0">
-                <a:solidFill>
-                  <a:schemeClr val="tx1"/>
-                </a:solidFill>
-              </a:rPr>
-              <a:t>, y: </a:t>
-            </a:r>
-            <a:r>
-              <a:rPr lang="fr-FR" sz="1600" dirty="0" err="1">
-                <a:solidFill>
-                  <a:schemeClr val="tx1"/>
-                </a:solidFill>
-              </a:rPr>
-              <a:t>float</a:t>
-            </a:r>
-            <a:r>
-              <a:rPr lang="fr-FR" sz="1600" b="1" dirty="0">
-                <a:solidFill>
-                  <a:schemeClr val="tx1"/>
-                </a:solidFill>
-              </a:rPr>
-              <a:t>)</a:t>
-            </a:r>
-          </a:p>
-          <a:p>
-            <a:pPr algn="ctr"/>
-            <a:r>
-              <a:rPr lang="fr-FR" sz="1600" b="1" dirty="0">
-                <a:solidFill>
-                  <a:schemeClr val="tx1"/>
-                </a:solidFill>
-              </a:rPr>
-              <a:t>distance( </a:t>
-            </a:r>
-            <a:r>
-              <a:rPr lang="fr-FR" sz="1600" dirty="0">
-                <a:solidFill>
-                  <a:schemeClr val="tx1"/>
-                </a:solidFill>
-              </a:rPr>
-              <a:t>?</a:t>
-            </a:r>
-            <a:r>
-              <a:rPr lang="fr-FR" sz="1600" b="1" dirty="0">
-                <a:solidFill>
-                  <a:schemeClr val="tx1"/>
-                </a:solidFill>
-              </a:rPr>
-              <a:t> )</a:t>
-            </a:r>
-            <a:r>
-              <a:rPr lang="fr-FR" sz="1600" i="1" dirty="0">
-                <a:solidFill>
-                  <a:schemeClr val="tx1"/>
-                </a:solidFill>
-              </a:rPr>
-              <a:t>: </a:t>
-            </a:r>
-            <a:r>
-              <a:rPr lang="fr-FR" sz="1600" i="1" dirty="0" err="1">
-                <a:solidFill>
-                  <a:schemeClr val="tx1"/>
-                </a:solidFill>
-              </a:rPr>
-              <a:t>float</a:t>
-            </a:r>
-            <a:endParaRPr lang="fr-FR" sz="1600" i="1" dirty="0">
-              <a:solidFill>
-                <a:schemeClr val="tx1"/>
-              </a:solidFill>
-            </a:endParaRPr>
-          </a:p>
-        </p:txBody>
-      </p:sp>
-      <p:sp>
-        <p:nvSpPr>
-          <p:cNvPr id="11" name="Rectangle 10">
-            <a:extLst>
-              <a:ext uri="{FF2B5EF4-FFF2-40B4-BE49-F238E27FC236}">
-                <a16:creationId xmlns:a16="http://schemas.microsoft.com/office/drawing/2014/main" id="{BC413374-92A9-8C60-4158-3D3499EC6939}"/>
-              </a:ext>
-            </a:extLst>
-          </p:cNvPr>
-          <p:cNvSpPr/>
-          <p:nvPr/>
-        </p:nvSpPr>
-        <p:spPr>
-          <a:xfrm rot="16200000">
-            <a:off x="6795020" y="4402529"/>
-            <a:ext cx="1472520" cy="255073"/>
-          </a:xfrm>
-          <a:prstGeom prst="rect">
-            <a:avLst/>
-          </a:prstGeom>
-          <a:solidFill>
-            <a:srgbClr val="00B0F0"/>
-          </a:solidFill>
-          <a:ln>
-            <a:noFill/>
-          </a:ln>
-        </p:spPr>
-        <p:style>
-          <a:lnRef idx="2">
-            <a:schemeClr val="accent1">
-              <a:shade val="15000"/>
-            </a:schemeClr>
-          </a:lnRef>
-          <a:fillRef idx="1">
-            <a:schemeClr val="accent1"/>
-          </a:fillRef>
-          <a:effectRef idx="0">
-            <a:schemeClr val="accent1"/>
-          </a:effectRef>
-          <a:fontRef idx="minor">
-            <a:schemeClr val="lt1"/>
-          </a:fontRef>
-        </p:style>
-        <p:txBody>
-          <a:bodyPr vert="horz" rtlCol="0" anchor="ctr"/>
-          <a:lstStyle/>
-          <a:p>
-            <a:pPr algn="ctr"/>
-            <a:r>
-              <a:rPr lang="fr-FR" sz="1100" b="1" dirty="0"/>
-              <a:t>COMPORTEMENT</a:t>
-            </a:r>
-          </a:p>
-        </p:txBody>
-      </p:sp>
-      <p:sp>
-        <p:nvSpPr>
-          <p:cNvPr id="14" name="Rectangle 13">
-            <a:extLst>
-              <a:ext uri="{FF2B5EF4-FFF2-40B4-BE49-F238E27FC236}">
-                <a16:creationId xmlns:a16="http://schemas.microsoft.com/office/drawing/2014/main" id="{55558313-49B9-3662-34AF-79892D778FA0}"/>
-              </a:ext>
-            </a:extLst>
-          </p:cNvPr>
-          <p:cNvSpPr/>
-          <p:nvPr/>
-        </p:nvSpPr>
-        <p:spPr>
-          <a:xfrm rot="16200000">
-            <a:off x="7034372" y="3169362"/>
-            <a:ext cx="993816" cy="255073"/>
-          </a:xfrm>
-          <a:prstGeom prst="rect">
-            <a:avLst/>
-          </a:prstGeom>
-          <a:solidFill>
-            <a:srgbClr val="002060"/>
-          </a:solidFill>
-          <a:ln>
-            <a:noFill/>
-          </a:ln>
-        </p:spPr>
-        <p:style>
-          <a:lnRef idx="2">
-            <a:schemeClr val="accent1">
-              <a:shade val="15000"/>
-            </a:schemeClr>
-          </a:lnRef>
-          <a:fillRef idx="1">
-            <a:schemeClr val="accent1"/>
-          </a:fillRef>
-          <a:effectRef idx="0">
-            <a:schemeClr val="accent1"/>
-          </a:effectRef>
-          <a:fontRef idx="minor">
-            <a:schemeClr val="lt1"/>
-          </a:fontRef>
-        </p:style>
-        <p:txBody>
-          <a:bodyPr vert="horz" rtlCol="0" anchor="ctr"/>
-          <a:lstStyle/>
-          <a:p>
-            <a:pPr algn="ctr"/>
-            <a:r>
-              <a:rPr lang="fr-FR" sz="1200" b="1" dirty="0"/>
-              <a:t>ETAT</a:t>
-            </a:r>
-          </a:p>
-        </p:txBody>
-      </p:sp>
-      <p:sp>
-        <p:nvSpPr>
-          <p:cNvPr id="12" name="ZoneTexte 11">
-            <a:extLst>
-              <a:ext uri="{FF2B5EF4-FFF2-40B4-BE49-F238E27FC236}">
-                <a16:creationId xmlns:a16="http://schemas.microsoft.com/office/drawing/2014/main" id="{45BE2059-D850-DEE0-F5E6-C9197ED39184}"/>
-              </a:ext>
-            </a:extLst>
-          </p:cNvPr>
-          <p:cNvSpPr txBox="1"/>
-          <p:nvPr/>
-        </p:nvSpPr>
-        <p:spPr>
-          <a:xfrm>
-            <a:off x="1380743" y="3506323"/>
-            <a:ext cx="5524153" cy="338554"/>
-          </a:xfrm>
-          <a:prstGeom prst="rect">
-            <a:avLst/>
-          </a:prstGeom>
-          <a:solidFill>
-            <a:schemeClr val="bg1">
-              <a:lumMod val="85000"/>
-            </a:schemeClr>
-          </a:solidFill>
-        </p:spPr>
-        <p:txBody>
-          <a:bodyPr wrap="square">
-            <a:spAutoFit/>
-          </a:bodyPr>
-          <a:lstStyle/>
-          <a:p>
-            <a:r>
-              <a:rPr lang="en-US" sz="1600" dirty="0" err="1">
-                <a:highlight>
-                  <a:srgbClr val="D6B4B2"/>
-                </a:highlight>
-              </a:rPr>
-              <a:t>pointA</a:t>
-            </a:r>
-            <a:r>
-              <a:rPr lang="fr-FR" sz="1600" dirty="0"/>
-              <a:t> </a:t>
-            </a:r>
-            <a:r>
-              <a:rPr lang="fr-FR" sz="1600" b="1" dirty="0"/>
-              <a:t>=</a:t>
-            </a:r>
-            <a:r>
-              <a:rPr lang="fr-FR" sz="1600" dirty="0"/>
-              <a:t> Point(-0.5, 5.5, ‘A’)</a:t>
-            </a:r>
-          </a:p>
-        </p:txBody>
-      </p:sp>
-      <p:sp>
-        <p:nvSpPr>
-          <p:cNvPr id="9" name="ZoneTexte 8">
-            <a:extLst>
-              <a:ext uri="{FF2B5EF4-FFF2-40B4-BE49-F238E27FC236}">
-                <a16:creationId xmlns:a16="http://schemas.microsoft.com/office/drawing/2014/main" id="{4388EDFA-1D3D-EBBA-8FDE-EA077319C5CF}"/>
-              </a:ext>
-            </a:extLst>
-          </p:cNvPr>
-          <p:cNvSpPr txBox="1"/>
-          <p:nvPr/>
-        </p:nvSpPr>
-        <p:spPr>
-          <a:xfrm>
-            <a:off x="808897" y="4027244"/>
-            <a:ext cx="6096000" cy="584775"/>
-          </a:xfrm>
-          <a:prstGeom prst="rect">
-            <a:avLst/>
-          </a:prstGeom>
-          <a:solidFill>
-            <a:schemeClr val="bg1">
-              <a:lumMod val="95000"/>
-            </a:schemeClr>
-          </a:solidFill>
-        </p:spPr>
-        <p:txBody>
-          <a:bodyPr wrap="square">
-            <a:spAutoFit/>
-          </a:bodyPr>
-          <a:lstStyle/>
-          <a:p>
-            <a:r>
-              <a:rPr lang="fr-FR" sz="1600" b="1" dirty="0"/>
-              <a:t>	</a:t>
-            </a:r>
-            <a:r>
-              <a:rPr lang="fr-FR" sz="1600" b="1" dirty="0" err="1"/>
-              <a:t>def</a:t>
-            </a:r>
-            <a:r>
-              <a:rPr lang="fr-FR" sz="1600" dirty="0"/>
-              <a:t> </a:t>
-            </a:r>
-            <a:r>
-              <a:rPr lang="fr-FR" sz="1600" i="1" dirty="0"/>
-              <a:t>distance</a:t>
-            </a:r>
-            <a:r>
-              <a:rPr lang="fr-FR" sz="1600" dirty="0"/>
-              <a:t>(</a:t>
-            </a:r>
-            <a:r>
-              <a:rPr lang="fr-FR" sz="1600" b="1" dirty="0"/>
-              <a:t>self</a:t>
-            </a:r>
-            <a:r>
-              <a:rPr lang="fr-FR" sz="1600" dirty="0"/>
-              <a:t>,</a:t>
-            </a:r>
-            <a:r>
-              <a:rPr lang="fr-FR" sz="1600" b="1" dirty="0"/>
-              <a:t> </a:t>
-            </a:r>
-            <a:r>
-              <a:rPr lang="fr-FR" sz="1600" dirty="0"/>
-              <a:t>??):</a:t>
-            </a:r>
-          </a:p>
-          <a:p>
-            <a:r>
-              <a:rPr lang="fr-FR" sz="1600" dirty="0"/>
-              <a:t>		?</a:t>
-            </a:r>
-          </a:p>
-        </p:txBody>
-      </p:sp>
-    </p:spTree>
-    <p:extLst>
-      <p:ext uri="{BB962C8B-B14F-4D97-AF65-F5344CB8AC3E}">
-        <p14:creationId xmlns:p14="http://schemas.microsoft.com/office/powerpoint/2010/main" val="1172841930"/>
-      </p:ext>
-    </p:extLst>
-  </p:cSld>
-  <p:clrMapOvr>
-    <a:masterClrMapping/>
-  </p:clrMapOvr>
-</p:sld>
-</file>
-
-<file path=ppt/slides/slide31.xml><?xml version="1.0" encoding="utf-8"?>
-<p:sld xmlns:a="http://schemas.openxmlformats.org/drawingml/2006/main" xmlns:r="http://schemas.openxmlformats.org/officeDocument/2006/relationships" xmlns:p="http://schemas.openxmlformats.org/presentationml/2006/main">
-  <p:cSld>
-    <p:spTree>
-      <p:nvGrpSpPr>
-        <p:cNvPr id="1" name="">
-          <a:extLst>
-            <a:ext uri="{FF2B5EF4-FFF2-40B4-BE49-F238E27FC236}">
-              <a16:creationId xmlns:a16="http://schemas.microsoft.com/office/drawing/2014/main" id="{F5559286-3EA8-14DC-8BDB-B4F26E71F79F}"/>
-            </a:ext>
-          </a:extLst>
-        </p:cNvPr>
-        <p:cNvGrpSpPr/>
-        <p:nvPr/>
-      </p:nvGrpSpPr>
-      <p:grpSpPr>
-        <a:xfrm>
-          <a:off x="0" y="0"/>
-          <a:ext cx="0" cy="0"/>
-          <a:chOff x="0" y="0"/>
-          <a:chExt cx="0" cy="0"/>
-        </a:xfrm>
-      </p:grpSpPr>
-      <p:sp>
-        <p:nvSpPr>
-          <p:cNvPr id="3" name="Rectangle 2">
-            <a:extLst>
-              <a:ext uri="{FF2B5EF4-FFF2-40B4-BE49-F238E27FC236}">
-                <a16:creationId xmlns:a16="http://schemas.microsoft.com/office/drawing/2014/main" id="{F3E8127C-BDFE-459C-4156-16992C1E79BB}"/>
-              </a:ext>
-            </a:extLst>
-          </p:cNvPr>
-          <p:cNvSpPr/>
-          <p:nvPr/>
-        </p:nvSpPr>
-        <p:spPr>
-          <a:xfrm>
-            <a:off x="673975" y="405113"/>
-            <a:ext cx="11020314" cy="937549"/>
-          </a:xfrm>
-          <a:prstGeom prst="rect">
-            <a:avLst/>
-          </a:prstGeom>
-          <a:solidFill>
-            <a:schemeClr val="bg1"/>
-          </a:solidFill>
-          <a:ln>
-            <a:solidFill>
-              <a:schemeClr val="bg1">
-                <a:lumMod val="95000"/>
-              </a:schemeClr>
-            </a:solidFill>
-          </a:ln>
-          <a:effectLst>
-            <a:outerShdw blurRad="50800" dist="38100" dir="2700000" algn="tl" rotWithShape="0">
-              <a:prstClr val="black">
-                <a:alpha val="40000"/>
-              </a:prstClr>
-            </a:outerShdw>
-          </a:effectLst>
-        </p:spPr>
-        <p:style>
-          <a:lnRef idx="2">
-            <a:schemeClr val="accent1">
-              <a:shade val="15000"/>
-            </a:schemeClr>
-          </a:lnRef>
-          <a:fillRef idx="1">
-            <a:schemeClr val="accent1"/>
-          </a:fillRef>
-          <a:effectRef idx="0">
-            <a:schemeClr val="accent1"/>
-          </a:effectRef>
-          <a:fontRef idx="minor">
-            <a:schemeClr val="lt1"/>
-          </a:fontRef>
-        </p:style>
-        <p:txBody>
-          <a:bodyPr rtlCol="0" anchor="ctr"/>
-          <a:lstStyle/>
-          <a:p>
-            <a:pPr algn="ctr"/>
-            <a:endParaRPr lang="fr-FR"/>
-          </a:p>
-        </p:txBody>
-      </p:sp>
-      <p:sp>
-        <p:nvSpPr>
-          <p:cNvPr id="2" name="Titre 1">
-            <a:extLst>
-              <a:ext uri="{FF2B5EF4-FFF2-40B4-BE49-F238E27FC236}">
-                <a16:creationId xmlns:a16="http://schemas.microsoft.com/office/drawing/2014/main" id="{6F3C41B0-73B2-2013-88B0-C005998E3F5D}"/>
-              </a:ext>
-            </a:extLst>
-          </p:cNvPr>
-          <p:cNvSpPr txBox="1">
-            <a:spLocks/>
-          </p:cNvSpPr>
-          <p:nvPr/>
-        </p:nvSpPr>
-        <p:spPr>
-          <a:xfrm>
-            <a:off x="907225" y="583365"/>
-            <a:ext cx="8970548" cy="701426"/>
-          </a:xfrm>
-          <a:prstGeom prst="rect">
-            <a:avLst/>
-          </a:prstGeom>
-        </p:spPr>
-        <p:txBody>
-          <a:bodyPr>
-            <a:normAutofit/>
-          </a:bodyPr>
-          <a:lstStyle>
-            <a:lvl1pPr algn="l" defTabSz="914400" rtl="0" eaLnBrk="1" latinLnBrk="0" hangingPunct="1">
-              <a:lnSpc>
-                <a:spcPct val="90000"/>
-              </a:lnSpc>
-              <a:spcBef>
-                <a:spcPct val="0"/>
-              </a:spcBef>
-              <a:buNone/>
-              <a:defRPr sz="4400" kern="1200">
-                <a:solidFill>
-                  <a:schemeClr val="tx1"/>
-                </a:solidFill>
-                <a:latin typeface="+mj-lt"/>
-                <a:ea typeface="+mj-ea"/>
-                <a:cs typeface="+mj-cs"/>
-              </a:defRPr>
-            </a:lvl1pPr>
-          </a:lstStyle>
-          <a:p>
-            <a:r>
-              <a:rPr lang="fr-FR" sz="4000" dirty="0"/>
-              <a:t>S’entrainer à la POO</a:t>
-            </a:r>
-          </a:p>
-        </p:txBody>
-      </p:sp>
-      <p:sp>
-        <p:nvSpPr>
-          <p:cNvPr id="7" name="Rectangle 6">
-            <a:extLst>
-              <a:ext uri="{FF2B5EF4-FFF2-40B4-BE49-F238E27FC236}">
                 <a16:creationId xmlns:a16="http://schemas.microsoft.com/office/drawing/2014/main" id="{43A624B7-81F5-B0DA-F730-9A1DECD875C6}"/>
               </a:ext>
             </a:extLst>
@@ -35034,7 +34417,7 @@
 </p:sld>
 </file>
 
-<file path=ppt/slides/slide32.xml><?xml version="1.0" encoding="utf-8"?>
+<file path=ppt/slides/slide31.xml><?xml version="1.0" encoding="utf-8"?>
 <p:sld xmlns:a="http://schemas.openxmlformats.org/drawingml/2006/main" xmlns:r="http://schemas.openxmlformats.org/officeDocument/2006/relationships" xmlns:p="http://schemas.openxmlformats.org/presentationml/2006/main">
   <p:cSld>
     <p:spTree>
@@ -36152,7 +35535,7 @@
 </p:sld>
 </file>
 
-<file path=ppt/slides/slide33.xml><?xml version="1.0" encoding="utf-8"?>
+<file path=ppt/slides/slide32.xml><?xml version="1.0" encoding="utf-8"?>
 <p:sld xmlns:a="http://schemas.openxmlformats.org/drawingml/2006/main" xmlns:r="http://schemas.openxmlformats.org/officeDocument/2006/relationships" xmlns:p="http://schemas.openxmlformats.org/presentationml/2006/main">
   <p:cSld>
     <p:spTree>
@@ -39654,12 +39037,42 @@
           </a:prstGeom>
         </p:spPr>
       </p:pic>
-      <p:sp>
-        <p:nvSpPr>
-          <p:cNvPr id="5" name="Espace réservé du contenu 2">
-            <a:extLst>
-              <a:ext uri="{FF2B5EF4-FFF2-40B4-BE49-F238E27FC236}">
-                <a16:creationId xmlns:a16="http://schemas.microsoft.com/office/drawing/2014/main" id="{29F8C1A8-09D8-A51E-3B78-9A6767B80440}"/>
+      <p:pic>
+        <p:nvPicPr>
+          <p:cNvPr id="6" name="Image 5">
+            <a:extLst>
+              <a:ext uri="{FF2B5EF4-FFF2-40B4-BE49-F238E27FC236}">
+                <a16:creationId xmlns:a16="http://schemas.microsoft.com/office/drawing/2014/main" id="{A0239141-A152-75F5-9D89-5C341581CC60}"/>
+              </a:ext>
+            </a:extLst>
+          </p:cNvPr>
+          <p:cNvPicPr>
+            <a:picLocks noChangeAspect="1"/>
+          </p:cNvPicPr>
+          <p:nvPr/>
+        </p:nvPicPr>
+        <p:blipFill>
+          <a:blip r:embed="rId4"/>
+          <a:stretch>
+            <a:fillRect/>
+          </a:stretch>
+        </p:blipFill>
+        <p:spPr>
+          <a:xfrm>
+            <a:off x="6676102" y="2888202"/>
+            <a:ext cx="5058390" cy="1436910"/>
+          </a:xfrm>
+          <a:prstGeom prst="rect">
+            <a:avLst/>
+          </a:prstGeom>
+        </p:spPr>
+      </p:pic>
+      <p:sp>
+        <p:nvSpPr>
+          <p:cNvPr id="8" name="Espace réservé du contenu 2">
+            <a:extLst>
+              <a:ext uri="{FF2B5EF4-FFF2-40B4-BE49-F238E27FC236}">
+                <a16:creationId xmlns:a16="http://schemas.microsoft.com/office/drawing/2014/main" id="{C91FA8EB-0426-CEE8-7085-1958DD4DA71D}"/>
               </a:ext>
             </a:extLst>
           </p:cNvPr>
@@ -39851,67 +39264,19 @@
               <a:buNone/>
             </a:pPr>
             <a:r>
-              <a:rPr lang="fr-FR" b="1"/>
-              <a:t>Concepts fondamentaux</a:t>
-            </a:r>
-          </a:p>
-          <a:p>
-            <a:r>
-              <a:rPr lang="fr-FR" sz="2000" b="1"/>
+              <a:rPr lang="fr-FR" b="1" dirty="0"/>
+              <a:t>Concept fondamental</a:t>
+            </a:r>
+          </a:p>
+          <a:p>
+            <a:r>
+              <a:rPr lang="fr-FR" sz="2000" b="1" dirty="0"/>
               <a:t>Encapsulation</a:t>
             </a:r>
             <a:r>
-              <a:rPr lang="fr-FR" sz="2000"/>
+              <a:rPr lang="fr-FR" sz="2000" dirty="0"/>
               <a:t> : regroupement de différentes données et fonctions sous une même entité</a:t>
             </a:r>
-          </a:p>
-          <a:p>
-            <a:r>
-              <a:rPr lang="fr-FR" sz="2000" b="1">
-                <a:solidFill>
-                  <a:schemeClr val="bg1">
-                    <a:lumMod val="75000"/>
-                  </a:schemeClr>
-                </a:solidFill>
-              </a:rPr>
-              <a:t>Héritage</a:t>
-            </a:r>
-            <a:r>
-              <a:rPr lang="fr-FR" sz="2000">
-                <a:solidFill>
-                  <a:schemeClr val="bg1">
-                    <a:lumMod val="75000"/>
-                  </a:schemeClr>
-                </a:solidFill>
-              </a:rPr>
-              <a:t> : arborescence de classes permettant la spécialisation</a:t>
-            </a:r>
-            <a:br>
-              <a:rPr lang="fr-FR" sz="2000">
-                <a:solidFill>
-                  <a:schemeClr val="bg1">
-                    <a:lumMod val="75000"/>
-                  </a:schemeClr>
-                </a:solidFill>
-              </a:rPr>
-            </a:br>
-            <a:r>
-              <a:rPr lang="fr-FR" sz="1400" i="1">
-                <a:solidFill>
-                  <a:schemeClr val="bg1">
-                    <a:lumMod val="65000"/>
-                  </a:schemeClr>
-                </a:solidFill>
-              </a:rPr>
-              <a:t>(notion non abordée dans ce module)</a:t>
-            </a:r>
-            <a:endParaRPr lang="fr-FR" sz="1400">
-              <a:solidFill>
-                <a:schemeClr val="bg1">
-                  <a:lumMod val="65000"/>
-                </a:schemeClr>
-              </a:solidFill>
-            </a:endParaRPr>
           </a:p>
           <a:p>
             <a:pPr marL="0" indent="0">
@@ -39928,36 +39293,6 @@
           </a:p>
         </p:txBody>
       </p:sp>
-      <p:pic>
-        <p:nvPicPr>
-          <p:cNvPr id="6" name="Image 5">
-            <a:extLst>
-              <a:ext uri="{FF2B5EF4-FFF2-40B4-BE49-F238E27FC236}">
-                <a16:creationId xmlns:a16="http://schemas.microsoft.com/office/drawing/2014/main" id="{A0239141-A152-75F5-9D89-5C341581CC60}"/>
-              </a:ext>
-            </a:extLst>
-          </p:cNvPr>
-          <p:cNvPicPr>
-            <a:picLocks noChangeAspect="1"/>
-          </p:cNvPicPr>
-          <p:nvPr/>
-        </p:nvPicPr>
-        <p:blipFill>
-          <a:blip r:embed="rId4"/>
-          <a:stretch>
-            <a:fillRect/>
-          </a:stretch>
-        </p:blipFill>
-        <p:spPr>
-          <a:xfrm>
-            <a:off x="6676102" y="2888202"/>
-            <a:ext cx="5058390" cy="1436910"/>
-          </a:xfrm>
-          <a:prstGeom prst="rect">
-            <a:avLst/>
-          </a:prstGeom>
-        </p:spPr>
-      </p:pic>
     </p:spTree>
     <p:extLst>
       <p:ext uri="{BB962C8B-B14F-4D97-AF65-F5344CB8AC3E}">
@@ -40747,12 +40082,20 @@
 <file path=ppt/slides/slide9.xml><?xml version="1.0" encoding="utf-8"?>
 <p:sld xmlns:a="http://schemas.openxmlformats.org/drawingml/2006/main" xmlns:r="http://schemas.openxmlformats.org/officeDocument/2006/relationships" xmlns:p="http://schemas.openxmlformats.org/presentationml/2006/main">
   <p:cSld>
+    <p:bg>
+      <p:bgPr>
+        <a:solidFill>
+          <a:schemeClr val="bg1"/>
+        </a:solidFill>
+        <a:effectLst/>
+      </p:bgPr>
+    </p:bg>
     <p:spTree>
       <p:nvGrpSpPr>
         <p:cNvPr id="1" name="">
           <a:extLst>
             <a:ext uri="{FF2B5EF4-FFF2-40B4-BE49-F238E27FC236}">
-              <a16:creationId xmlns:a16="http://schemas.microsoft.com/office/drawing/2014/main" id="{3998B9CA-F40C-581A-4B88-8F4EB832D06E}"/>
+              <a16:creationId xmlns:a16="http://schemas.microsoft.com/office/drawing/2014/main" id="{5C203258-A2CD-17E7-4315-4BF5E734A07C}"/>
             </a:ext>
           </a:extLst>
         </p:cNvPr>
@@ -40767,48 +40110,45 @@
           <a:chExt cx="0" cy="0"/>
         </a:xfrm>
       </p:grpSpPr>
-      <p:sp>
-        <p:nvSpPr>
-          <p:cNvPr id="3" name="Rectangle 2">
-            <a:extLst>
-              <a:ext uri="{FF2B5EF4-FFF2-40B4-BE49-F238E27FC236}">
-                <a16:creationId xmlns:a16="http://schemas.microsoft.com/office/drawing/2014/main" id="{C0F2341F-A689-A66F-167A-AFF91D94D07C}"/>
-              </a:ext>
-            </a:extLst>
-          </p:cNvPr>
-          <p:cNvSpPr/>
-          <p:nvPr/>
-        </p:nvSpPr>
-        <p:spPr>
-          <a:xfrm>
-            <a:off x="673975" y="405113"/>
-            <a:ext cx="11020314" cy="937549"/>
-          </a:xfrm>
-          <a:prstGeom prst="rect">
-            <a:avLst/>
-          </a:prstGeom>
-          <a:solidFill>
-            <a:schemeClr val="bg1"/>
-          </a:solidFill>
+      <p:sp useBgFill="1">
+        <p:nvSpPr>
+          <p:cNvPr id="9" name="Rectangle 8">
+            <a:extLst>
+              <a:ext uri="{FF2B5EF4-FFF2-40B4-BE49-F238E27FC236}">
+                <a16:creationId xmlns:a16="http://schemas.microsoft.com/office/drawing/2014/main" id="{07579AD4-B41E-B72E-2B55-FACE16DFCC8A}"/>
+              </a:ext>
+              <a:ext uri="{C183D7F6-B498-43B3-948B-1728B52AA6E4}">
+                <adec:decorative xmlns:adec="http://schemas.microsoft.com/office/drawing/2017/decorative" val="1"/>
+              </a:ext>
+            </a:extLst>
+          </p:cNvPr>
+          <p:cNvSpPr>
+            <a:spLocks noGrp="1" noRot="1" noChangeAspect="1" noMove="1" noResize="1" noEditPoints="1" noAdjustHandles="1" noChangeArrowheads="1" noChangeShapeType="1" noTextEdit="1"/>
+          </p:cNvSpPr>
+          <p:nvPr>
+            <p:extLst>
+              <p:ext uri="{386F3935-93C4-4BCD-93E2-E3B085C9AB24}">
+                <p16:designElem xmlns:p16="http://schemas.microsoft.com/office/powerpoint/2015/main" val="1"/>
+              </p:ext>
+            </p:extLst>
+          </p:nvPr>
+        </p:nvSpPr>
+        <p:spPr>
+          <a:xfrm>
+            <a:off x="0" y="0"/>
+            <a:ext cx="12192000" cy="6858000"/>
+          </a:xfrm>
+          <a:prstGeom prst="rect">
+            <a:avLst/>
+          </a:prstGeom>
           <a:ln>
-            <a:solidFill>
-              <a:schemeClr val="bg1">
-                <a:lumMod val="95000"/>
-              </a:schemeClr>
-            </a:solidFill>
+            <a:noFill/>
           </a:ln>
-          <a:effectLst>
-            <a:outerShdw blurRad="50800" dist="38100" dir="2700000" algn="tl" rotWithShape="0">
-              <a:prstClr val="black">
-                <a:alpha val="40000"/>
-              </a:prstClr>
-            </a:outerShdw>
-          </a:effectLst>
         </p:spPr>
         <p:style>
           <a:lnRef idx="2">
             <a:schemeClr val="accent1">
-              <a:shade val="15000"/>
+              <a:shade val="50000"/>
             </a:schemeClr>
           </a:lnRef>
           <a:fillRef idx="1">
@@ -40826,87 +40166,91 @@
           <a:lstStyle/>
           <a:p>
             <a:pPr algn="ctr"/>
-            <a:endParaRPr lang="fr-FR"/>
-          </a:p>
-        </p:txBody>
-      </p:sp>
-      <p:sp>
-        <p:nvSpPr>
-          <p:cNvPr id="2" name="Titre 1">
-            <a:extLst>
-              <a:ext uri="{FF2B5EF4-FFF2-40B4-BE49-F238E27FC236}">
-                <a16:creationId xmlns:a16="http://schemas.microsoft.com/office/drawing/2014/main" id="{991619B8-39EE-8EA6-FB94-5D3FCCE84201}"/>
-              </a:ext>
-            </a:extLst>
-          </p:cNvPr>
-          <p:cNvSpPr txBox="1">
-            <a:spLocks/>
+            <a:endParaRPr lang="en-US"/>
+          </a:p>
+        </p:txBody>
+      </p:sp>
+      <p:pic>
+        <p:nvPicPr>
+          <p:cNvPr id="4" name="Picture 3">
+            <a:extLst>
+              <a:ext uri="{FF2B5EF4-FFF2-40B4-BE49-F238E27FC236}">
+                <a16:creationId xmlns:a16="http://schemas.microsoft.com/office/drawing/2014/main" id="{9EB4A0B7-81CD-8ADB-9D7D-BDD6390E9C18}"/>
+              </a:ext>
+            </a:extLst>
+          </p:cNvPr>
+          <p:cNvPicPr>
+            <a:picLocks noChangeAspect="1"/>
+          </p:cNvPicPr>
+          <p:nvPr/>
+        </p:nvPicPr>
+        <p:blipFill rotWithShape="1">
+          <a:blip r:embed="rId2"/>
+          <a:srcRect t="11669" r="-1" b="426"/>
+          <a:stretch/>
+        </p:blipFill>
+        <p:spPr>
+          <a:xfrm>
+            <a:off x="-2" y="10"/>
+            <a:ext cx="8668512" cy="6857990"/>
+          </a:xfrm>
+          <a:prstGeom prst="rect">
+            <a:avLst/>
+          </a:prstGeom>
+        </p:spPr>
+      </p:pic>
+      <p:sp>
+        <p:nvSpPr>
+          <p:cNvPr id="11" name="Rectangle 10">
+            <a:extLst>
+              <a:ext uri="{FF2B5EF4-FFF2-40B4-BE49-F238E27FC236}">
+                <a16:creationId xmlns:a16="http://schemas.microsoft.com/office/drawing/2014/main" id="{76DF042B-A4A4-F470-8772-00DF3DE0D3E3}"/>
+              </a:ext>
+              <a:ext uri="{C183D7F6-B498-43B3-948B-1728B52AA6E4}">
+                <adec:decorative xmlns:adec="http://schemas.microsoft.com/office/drawing/2017/decorative" val="1"/>
+              </a:ext>
+            </a:extLst>
+          </p:cNvPr>
+          <p:cNvSpPr>
+            <a:spLocks noGrp="1" noRot="1" noChangeAspect="1" noMove="1" noResize="1" noEditPoints="1" noAdjustHandles="1" noChangeArrowheads="1" noChangeShapeType="1" noTextEdit="1"/>
           </p:cNvSpPr>
-          <p:nvPr/>
-        </p:nvSpPr>
-        <p:spPr>
-          <a:xfrm>
-            <a:off x="907225" y="583365"/>
-            <a:ext cx="8970548" cy="701426"/>
-          </a:xfrm>
-          <a:prstGeom prst="rect">
-            <a:avLst/>
-          </a:prstGeom>
-        </p:spPr>
-        <p:txBody>
-          <a:bodyPr>
-            <a:normAutofit/>
-          </a:bodyPr>
-          <a:lstStyle>
-            <a:lvl1pPr algn="l" defTabSz="914400" rtl="0" eaLnBrk="1" latinLnBrk="0" hangingPunct="1">
-              <a:lnSpc>
-                <a:spcPct val="90000"/>
-              </a:lnSpc>
-              <a:spcBef>
-                <a:spcPct val="0"/>
-              </a:spcBef>
-              <a:buNone/>
-              <a:defRPr sz="4400" kern="1200">
-                <a:solidFill>
-                  <a:schemeClr val="tx1"/>
-                </a:solidFill>
-                <a:latin typeface="+mj-lt"/>
-                <a:ea typeface="+mj-ea"/>
-                <a:cs typeface="+mj-cs"/>
-              </a:defRPr>
-            </a:lvl1pPr>
-          </a:lstStyle>
-          <a:p>
-            <a:r>
-              <a:rPr lang="fr-FR" sz="4000" dirty="0"/>
-              <a:t>Programmation orientée objet</a:t>
-            </a:r>
-          </a:p>
-        </p:txBody>
-      </p:sp>
-      <p:sp>
-        <p:nvSpPr>
-          <p:cNvPr id="7" name="Rectangle 6">
-            <a:extLst>
-              <a:ext uri="{FF2B5EF4-FFF2-40B4-BE49-F238E27FC236}">
-                <a16:creationId xmlns:a16="http://schemas.microsoft.com/office/drawing/2014/main" id="{6E88A0A6-3AEE-E7E7-2A22-B4B6D417875A}"/>
-              </a:ext>
-            </a:extLst>
-          </p:cNvPr>
-          <p:cNvSpPr/>
-          <p:nvPr/>
-        </p:nvSpPr>
-        <p:spPr>
-          <a:xfrm>
-            <a:off x="619125" y="500258"/>
-            <a:ext cx="124142" cy="749808"/>
-          </a:xfrm>
-          <a:prstGeom prst="rect">
-            <a:avLst/>
-          </a:prstGeom>
-          <a:solidFill>
-            <a:srgbClr val="002060"/>
-          </a:solidFill>
+          <p:nvPr>
+            <p:extLst>
+              <p:ext uri="{386F3935-93C4-4BCD-93E2-E3B085C9AB24}">
+                <p16:designElem xmlns:p16="http://schemas.microsoft.com/office/powerpoint/2015/main" val="1"/>
+              </p:ext>
+            </p:extLst>
+          </p:nvPr>
+        </p:nvSpPr>
+        <p:spPr>
+          <a:xfrm flipH="1">
+            <a:off x="2788244" y="0"/>
+            <a:ext cx="9403756" cy="6858000"/>
+          </a:xfrm>
+          <a:prstGeom prst="rect">
+            <a:avLst/>
+          </a:prstGeom>
+          <a:gradFill>
+            <a:gsLst>
+              <a:gs pos="58000">
+                <a:schemeClr val="bg1"/>
+              </a:gs>
+              <a:gs pos="30000">
+                <a:schemeClr val="bg1">
+                  <a:alpha val="64000"/>
+                </a:schemeClr>
+              </a:gs>
+              <a:gs pos="0">
+                <a:schemeClr val="bg1">
+                  <a:alpha val="0"/>
+                </a:schemeClr>
+              </a:gs>
+              <a:gs pos="100000">
+                <a:schemeClr val="bg1"/>
+              </a:gs>
+            </a:gsLst>
+            <a:lin ang="10800000" scaled="0"/>
+          </a:gradFill>
           <a:ln>
             <a:noFill/>
           </a:ln>
@@ -40914,7 +40258,7 @@
         <p:style>
           <a:lnRef idx="2">
             <a:schemeClr val="accent1">
-              <a:shade val="15000"/>
+              <a:shade val="50000"/>
             </a:schemeClr>
           </a:lnRef>
           <a:fillRef idx="1">
@@ -40932,16 +40276,271 @@
           <a:lstStyle/>
           <a:p>
             <a:pPr algn="ctr"/>
-            <a:endParaRPr lang="fr-FR"/>
+            <a:endParaRPr lang="en-US" dirty="0"/>
+          </a:p>
+        </p:txBody>
+      </p:sp>
+      <p:sp>
+        <p:nvSpPr>
+          <p:cNvPr id="2" name="Titre 1">
+            <a:extLst>
+              <a:ext uri="{FF2B5EF4-FFF2-40B4-BE49-F238E27FC236}">
+                <a16:creationId xmlns:a16="http://schemas.microsoft.com/office/drawing/2014/main" id="{00817E5B-47BB-5B10-8DB6-E73DBE70802D}"/>
+              </a:ext>
+            </a:extLst>
+          </p:cNvPr>
+          <p:cNvSpPr>
+            <a:spLocks noGrp="1"/>
+          </p:cNvSpPr>
+          <p:nvPr>
+            <p:ph type="ctrTitle"/>
+          </p:nvPr>
+        </p:nvSpPr>
+        <p:spPr>
+          <a:xfrm>
+            <a:off x="7848600" y="1122363"/>
+            <a:ext cx="4023360" cy="3204134"/>
+          </a:xfrm>
+        </p:spPr>
+        <p:txBody>
+          <a:bodyPr anchor="b">
+            <a:normAutofit/>
+          </a:bodyPr>
+          <a:lstStyle/>
+          <a:p>
+            <a:r>
+              <a:rPr lang="fr-FR" sz="4000" dirty="0"/>
+              <a:t>POO en Python</a:t>
+            </a:r>
+          </a:p>
+        </p:txBody>
+      </p:sp>
+      <p:sp>
+        <p:nvSpPr>
+          <p:cNvPr id="3" name="Sous-titre 2">
+            <a:extLst>
+              <a:ext uri="{FF2B5EF4-FFF2-40B4-BE49-F238E27FC236}">
+                <a16:creationId xmlns:a16="http://schemas.microsoft.com/office/drawing/2014/main" id="{AD883A9C-B856-8A1C-0A41-C3D1D1B5FCA5}"/>
+              </a:ext>
+            </a:extLst>
+          </p:cNvPr>
+          <p:cNvSpPr>
+            <a:spLocks noGrp="1"/>
+          </p:cNvSpPr>
+          <p:nvPr>
+            <p:ph type="subTitle" idx="1"/>
+          </p:nvPr>
+        </p:nvSpPr>
+        <p:spPr>
+          <a:xfrm>
+            <a:off x="7848600" y="4872922"/>
+            <a:ext cx="4023360" cy="1208141"/>
+          </a:xfrm>
+        </p:spPr>
+        <p:txBody>
+          <a:bodyPr>
+            <a:normAutofit/>
+          </a:bodyPr>
+          <a:lstStyle/>
+          <a:p>
+            <a:r>
+              <a:rPr lang="fr-FR" sz="2000" dirty="0"/>
+              <a:t>Outils Numériques / Semestre 6 / Institut d’Optique / ONIP-2</a:t>
+            </a:r>
+          </a:p>
+        </p:txBody>
+      </p:sp>
+      <p:sp>
+        <p:nvSpPr>
+          <p:cNvPr id="32" name="Rectangle 12">
+            <a:extLst>
+              <a:ext uri="{FF2B5EF4-FFF2-40B4-BE49-F238E27FC236}">
+                <a16:creationId xmlns:a16="http://schemas.microsoft.com/office/drawing/2014/main" id="{C498FF9D-8DE4-2C7D-F77B-43BD825B7A92}"/>
+              </a:ext>
+              <a:ext uri="{C183D7F6-B498-43B3-948B-1728B52AA6E4}">
+                <adec:decorative xmlns:adec="http://schemas.microsoft.com/office/drawing/2017/decorative" val="1"/>
+              </a:ext>
+            </a:extLst>
+          </p:cNvPr>
+          <p:cNvSpPr>
+            <a:spLocks noGrp="1" noRot="1" noChangeAspect="1" noMove="1" noResize="1" noEditPoints="1" noAdjustHandles="1" noChangeArrowheads="1" noChangeShapeType="1" noTextEdit="1"/>
+          </p:cNvSpPr>
+          <p:nvPr>
+            <p:extLst>
+              <p:ext uri="{386F3935-93C4-4BCD-93E2-E3B085C9AB24}">
+                <p16:designElem xmlns:p16="http://schemas.microsoft.com/office/powerpoint/2015/main" val="1"/>
+              </p:ext>
+            </p:extLst>
+          </p:nvPr>
+        </p:nvSpPr>
+        <p:spPr>
+          <a:xfrm rot="5400000">
+            <a:off x="8130540" y="346791"/>
+            <a:ext cx="146304" cy="704088"/>
+          </a:xfrm>
+          <a:prstGeom prst="rect">
+            <a:avLst/>
+          </a:prstGeom>
+          <a:solidFill>
+            <a:schemeClr val="accent1"/>
+          </a:solidFill>
+          <a:ln>
+            <a:noFill/>
+          </a:ln>
+        </p:spPr>
+        <p:style>
+          <a:lnRef idx="2">
+            <a:schemeClr val="accent1">
+              <a:shade val="50000"/>
+            </a:schemeClr>
+          </a:lnRef>
+          <a:fillRef idx="1">
+            <a:schemeClr val="accent1"/>
+          </a:fillRef>
+          <a:effectRef idx="0">
+            <a:schemeClr val="accent1"/>
+          </a:effectRef>
+          <a:fontRef idx="minor">
+            <a:schemeClr val="lt1"/>
+          </a:fontRef>
+        </p:style>
+        <p:txBody>
+          <a:bodyPr rtlCol="0" anchor="ctr"/>
+          <a:lstStyle/>
+          <a:p>
+            <a:pPr marL="0" marR="0" lvl="0" indent="0" algn="ctr" defTabSz="914400" rtl="0" eaLnBrk="1" fontAlgn="auto" latinLnBrk="0" hangingPunct="1">
+              <a:lnSpc>
+                <a:spcPct val="100000"/>
+              </a:lnSpc>
+              <a:spcBef>
+                <a:spcPts val="0"/>
+              </a:spcBef>
+              <a:spcAft>
+                <a:spcPts val="0"/>
+              </a:spcAft>
+              <a:buClrTx/>
+              <a:buSzTx/>
+              <a:buFontTx/>
+              <a:buNone/>
+              <a:tabLst/>
+              <a:defRPr/>
+            </a:pPr>
+            <a:endParaRPr kumimoji="0" lang="en-US" sz="1800" b="0" i="0" u="none" strike="noStrike" kern="1200" cap="none" spc="0" normalizeH="0" baseline="0" noProof="0">
+              <a:ln>
+                <a:noFill/>
+              </a:ln>
+              <a:solidFill>
+                <a:prstClr val="white"/>
+              </a:solidFill>
+              <a:effectLst/>
+              <a:uLnTx/>
+              <a:uFillTx/>
+              <a:latin typeface="Calibri" panose="020F0502020204030204"/>
+              <a:ea typeface="+mn-ea"/>
+              <a:cs typeface="+mn-cs"/>
+            </a:endParaRPr>
+          </a:p>
+        </p:txBody>
+      </p:sp>
+      <p:sp>
+        <p:nvSpPr>
+          <p:cNvPr id="33" name="Rectangle 14">
+            <a:extLst>
+              <a:ext uri="{FF2B5EF4-FFF2-40B4-BE49-F238E27FC236}">
+                <a16:creationId xmlns:a16="http://schemas.microsoft.com/office/drawing/2014/main" id="{001F81F1-7A70-53AB-2A14-F25A68E97D9C}"/>
+              </a:ext>
+              <a:ext uri="{C183D7F6-B498-43B3-948B-1728B52AA6E4}">
+                <adec:decorative xmlns:adec="http://schemas.microsoft.com/office/drawing/2017/decorative" val="1"/>
+              </a:ext>
+            </a:extLst>
+          </p:cNvPr>
+          <p:cNvSpPr>
+            <a:spLocks noGrp="1" noRot="1" noChangeAspect="1" noMove="1" noResize="1" noEditPoints="1" noAdjustHandles="1" noChangeArrowheads="1" noChangeShapeType="1" noTextEdit="1"/>
+          </p:cNvSpPr>
+          <p:nvPr>
+            <p:extLst>
+              <p:ext uri="{386F3935-93C4-4BCD-93E2-E3B085C9AB24}">
+                <p16:designElem xmlns:p16="http://schemas.microsoft.com/office/powerpoint/2015/main" val="1"/>
+              </p:ext>
+            </p:extLst>
+          </p:nvPr>
+        </p:nvSpPr>
+        <p:spPr>
+          <a:xfrm>
+            <a:off x="7851648" y="4546920"/>
+            <a:ext cx="4023360" cy="18288"/>
+          </a:xfrm>
+          <a:prstGeom prst="rect">
+            <a:avLst/>
+          </a:prstGeom>
+          <a:solidFill>
+            <a:schemeClr val="tx1"/>
+          </a:solidFill>
+          <a:ln w="3175">
+            <a:noFill/>
+          </a:ln>
+          <a:effectLst/>
+        </p:spPr>
+        <p:style>
+          <a:lnRef idx="2">
+            <a:schemeClr val="accent1">
+              <a:shade val="50000"/>
+            </a:schemeClr>
+          </a:lnRef>
+          <a:fillRef idx="1">
+            <a:schemeClr val="accent1"/>
+          </a:fillRef>
+          <a:effectRef idx="0">
+            <a:schemeClr val="accent1"/>
+          </a:effectRef>
+          <a:fontRef idx="minor">
+            <a:schemeClr val="lt1"/>
+          </a:fontRef>
+        </p:style>
+        <p:txBody>
+          <a:bodyPr rtlCol="0" anchor="ctr"/>
+          <a:lstStyle/>
+          <a:p>
+            <a:pPr marL="0" marR="0" lvl="0" indent="0" algn="ctr" defTabSz="914400" rtl="0" eaLnBrk="1" fontAlgn="auto" latinLnBrk="0" hangingPunct="1">
+              <a:lnSpc>
+                <a:spcPct val="100000"/>
+              </a:lnSpc>
+              <a:spcBef>
+                <a:spcPts val="0"/>
+              </a:spcBef>
+              <a:spcAft>
+                <a:spcPts val="0"/>
+              </a:spcAft>
+              <a:buClrTx/>
+              <a:buSzTx/>
+              <a:buFontTx/>
+              <a:buNone/>
+              <a:tabLst/>
+              <a:defRPr/>
+            </a:pPr>
+            <a:endParaRPr kumimoji="0" lang="en-US" sz="1800" b="0" i="0" u="none" strike="noStrike" kern="1200" cap="none" spc="0" normalizeH="0" baseline="0" noProof="0">
+              <a:ln>
+                <a:noFill/>
+              </a:ln>
+              <a:solidFill>
+                <a:prstClr val="white"/>
+              </a:solidFill>
+              <a:effectLst/>
+              <a:uLnTx/>
+              <a:uFillTx/>
+              <a:latin typeface="Calibri" panose="020F0502020204030204"/>
+              <a:ea typeface="+mn-ea"/>
+              <a:cs typeface="+mn-cs"/>
+            </a:endParaRPr>
           </a:p>
         </p:txBody>
       </p:sp>
       <p:pic>
         <p:nvPicPr>
-          <p:cNvPr id="4" name="Image 3" descr="Une image contenant texte&#10;&#10;Description générée automatiquement">
-            <a:extLst>
-              <a:ext uri="{FF2B5EF4-FFF2-40B4-BE49-F238E27FC236}">
-                <a16:creationId xmlns:a16="http://schemas.microsoft.com/office/drawing/2014/main" id="{E3E3C4D0-DCB9-FB0B-356E-D38B3A2C4CD8}"/>
+          <p:cNvPr id="5" name="Image 4" descr="Une image contenant texte&#10;&#10;Description générée automatiquement">
+            <a:extLst>
+              <a:ext uri="{FF2B5EF4-FFF2-40B4-BE49-F238E27FC236}">
+                <a16:creationId xmlns:a16="http://schemas.microsoft.com/office/drawing/2014/main" id="{26D9B741-0CB1-9F83-A6CD-9522AA5E84EA}"/>
               </a:ext>
             </a:extLst>
           </p:cNvPr>
@@ -40951,7 +40550,7 @@
           <p:nvPr/>
         </p:nvPicPr>
         <p:blipFill>
-          <a:blip r:embed="rId3" cstate="print">
+          <a:blip r:embed="rId3">
             <a:extLst>
               <a:ext uri="{28A0092B-C50C-407E-A947-70E740481C1C}">
                 <a14:useLocalDpi xmlns:a14="http://schemas.microsoft.com/office/drawing/2010/main" val="0"/>
@@ -40964,464 +40563,23 @@
         </p:blipFill>
         <p:spPr>
           <a:xfrm>
-            <a:off x="9808481" y="509288"/>
-            <a:ext cx="1825291" cy="749808"/>
+            <a:off x="168033" y="195172"/>
+            <a:ext cx="2452178" cy="1007326"/>
           </a:xfrm>
           <a:prstGeom prst="rect">
             <a:avLst/>
           </a:prstGeom>
         </p:spPr>
       </p:pic>
-      <p:sp>
-        <p:nvSpPr>
-          <p:cNvPr id="8" name="Espace réservé du contenu 2">
-            <a:extLst>
-              <a:ext uri="{FF2B5EF4-FFF2-40B4-BE49-F238E27FC236}">
-                <a16:creationId xmlns:a16="http://schemas.microsoft.com/office/drawing/2014/main" id="{0288E5FD-6F24-1188-DB1F-7E1E13281119}"/>
-              </a:ext>
-            </a:extLst>
-          </p:cNvPr>
-          <p:cNvSpPr txBox="1">
-            <a:spLocks/>
-          </p:cNvSpPr>
-          <p:nvPr/>
-        </p:nvSpPr>
-        <p:spPr>
-          <a:xfrm>
-            <a:off x="1115568" y="2478024"/>
-            <a:ext cx="4937760" cy="3694176"/>
-          </a:xfrm>
-          <a:prstGeom prst="rect">
-            <a:avLst/>
-          </a:prstGeom>
-        </p:spPr>
-        <p:txBody>
-          <a:bodyPr>
-            <a:normAutofit/>
-          </a:bodyPr>
-          <a:lstStyle>
-            <a:lvl1pPr marL="228600" indent="-228600" algn="l" defTabSz="914400" rtl="0" eaLnBrk="1" latinLnBrk="0" hangingPunct="1">
-              <a:lnSpc>
-                <a:spcPct val="110000"/>
-              </a:lnSpc>
-              <a:spcBef>
-                <a:spcPts val="1000"/>
-              </a:spcBef>
-              <a:buFont typeface="Arial" panose="020B0604020202020204" pitchFamily="34" charset="0"/>
-              <a:buChar char="•"/>
-              <a:defRPr sz="2800" kern="1200">
-                <a:solidFill>
-                  <a:schemeClr val="tx1"/>
-                </a:solidFill>
-                <a:latin typeface="+mn-lt"/>
-                <a:ea typeface="+mn-ea"/>
-                <a:cs typeface="+mn-cs"/>
-              </a:defRPr>
-            </a:lvl1pPr>
-            <a:lvl2pPr marL="685800" indent="-228600" algn="l" defTabSz="914400" rtl="0" eaLnBrk="1" latinLnBrk="0" hangingPunct="1">
-              <a:lnSpc>
-                <a:spcPct val="110000"/>
-              </a:lnSpc>
-              <a:spcBef>
-                <a:spcPts val="500"/>
-              </a:spcBef>
-              <a:buFont typeface="Arial" panose="020B0604020202020204" pitchFamily="34" charset="0"/>
-              <a:buChar char="•"/>
-              <a:defRPr sz="2400" kern="1200">
-                <a:solidFill>
-                  <a:schemeClr val="tx1"/>
-                </a:solidFill>
-                <a:latin typeface="+mn-lt"/>
-                <a:ea typeface="+mn-ea"/>
-                <a:cs typeface="+mn-cs"/>
-              </a:defRPr>
-            </a:lvl2pPr>
-            <a:lvl3pPr marL="1143000" indent="-228600" algn="l" defTabSz="914400" rtl="0" eaLnBrk="1" latinLnBrk="0" hangingPunct="1">
-              <a:lnSpc>
-                <a:spcPct val="110000"/>
-              </a:lnSpc>
-              <a:spcBef>
-                <a:spcPts val="500"/>
-              </a:spcBef>
-              <a:buFont typeface="Arial" panose="020B0604020202020204" pitchFamily="34" charset="0"/>
-              <a:buChar char="•"/>
-              <a:defRPr sz="2000" kern="1200">
-                <a:solidFill>
-                  <a:schemeClr val="tx1"/>
-                </a:solidFill>
-                <a:latin typeface="+mn-lt"/>
-                <a:ea typeface="+mn-ea"/>
-                <a:cs typeface="+mn-cs"/>
-              </a:defRPr>
-            </a:lvl3pPr>
-            <a:lvl4pPr marL="1600200" indent="-228600" algn="l" defTabSz="914400" rtl="0" eaLnBrk="1" latinLnBrk="0" hangingPunct="1">
-              <a:lnSpc>
-                <a:spcPct val="110000"/>
-              </a:lnSpc>
-              <a:spcBef>
-                <a:spcPts val="500"/>
-              </a:spcBef>
-              <a:buFont typeface="Arial" panose="020B0604020202020204" pitchFamily="34" charset="0"/>
-              <a:buChar char="•"/>
-              <a:defRPr sz="1800" kern="1200">
-                <a:solidFill>
-                  <a:schemeClr val="tx1"/>
-                </a:solidFill>
-                <a:latin typeface="+mn-lt"/>
-                <a:ea typeface="+mn-ea"/>
-                <a:cs typeface="+mn-cs"/>
-              </a:defRPr>
-            </a:lvl4pPr>
-            <a:lvl5pPr marL="2057400" indent="-228600" algn="l" defTabSz="914400" rtl="0" eaLnBrk="1" latinLnBrk="0" hangingPunct="1">
-              <a:lnSpc>
-                <a:spcPct val="110000"/>
-              </a:lnSpc>
-              <a:spcBef>
-                <a:spcPts val="500"/>
-              </a:spcBef>
-              <a:buFont typeface="Arial" panose="020B0604020202020204" pitchFamily="34" charset="0"/>
-              <a:buChar char="•"/>
-              <a:defRPr sz="1800" kern="1200">
-                <a:solidFill>
-                  <a:schemeClr val="tx1"/>
-                </a:solidFill>
-                <a:latin typeface="+mn-lt"/>
-                <a:ea typeface="+mn-ea"/>
-                <a:cs typeface="+mn-cs"/>
-              </a:defRPr>
-            </a:lvl5pPr>
-            <a:lvl6pPr marL="2514600" indent="-228600" algn="l" defTabSz="914400" rtl="0" eaLnBrk="1" latinLnBrk="0" hangingPunct="1">
-              <a:lnSpc>
-                <a:spcPct val="90000"/>
-              </a:lnSpc>
-              <a:spcBef>
-                <a:spcPts val="500"/>
-              </a:spcBef>
-              <a:buFont typeface="Arial" panose="020B0604020202020204" pitchFamily="34" charset="0"/>
-              <a:buChar char="•"/>
-              <a:defRPr sz="1800" kern="1200">
-                <a:solidFill>
-                  <a:schemeClr val="tx1"/>
-                </a:solidFill>
-                <a:latin typeface="+mn-lt"/>
-                <a:ea typeface="+mn-ea"/>
-                <a:cs typeface="+mn-cs"/>
-              </a:defRPr>
-            </a:lvl6pPr>
-            <a:lvl7pPr marL="2971800" indent="-228600" algn="l" defTabSz="914400" rtl="0" eaLnBrk="1" latinLnBrk="0" hangingPunct="1">
-              <a:lnSpc>
-                <a:spcPct val="90000"/>
-              </a:lnSpc>
-              <a:spcBef>
-                <a:spcPts val="500"/>
-              </a:spcBef>
-              <a:buFont typeface="Arial" panose="020B0604020202020204" pitchFamily="34" charset="0"/>
-              <a:buChar char="•"/>
-              <a:defRPr sz="1800" kern="1200">
-                <a:solidFill>
-                  <a:schemeClr val="tx1"/>
-                </a:solidFill>
-                <a:latin typeface="+mn-lt"/>
-                <a:ea typeface="+mn-ea"/>
-                <a:cs typeface="+mn-cs"/>
-              </a:defRPr>
-            </a:lvl7pPr>
-            <a:lvl8pPr marL="3429000" indent="-228600" algn="l" defTabSz="914400" rtl="0" eaLnBrk="1" latinLnBrk="0" hangingPunct="1">
-              <a:lnSpc>
-                <a:spcPct val="90000"/>
-              </a:lnSpc>
-              <a:spcBef>
-                <a:spcPts val="500"/>
-              </a:spcBef>
-              <a:buFont typeface="Arial" panose="020B0604020202020204" pitchFamily="34" charset="0"/>
-              <a:buChar char="•"/>
-              <a:defRPr sz="1800" kern="1200">
-                <a:solidFill>
-                  <a:schemeClr val="tx1"/>
-                </a:solidFill>
-                <a:latin typeface="+mn-lt"/>
-                <a:ea typeface="+mn-ea"/>
-                <a:cs typeface="+mn-cs"/>
-              </a:defRPr>
-            </a:lvl8pPr>
-            <a:lvl9pPr marL="3886200" indent="-228600" algn="l" defTabSz="914400" rtl="0" eaLnBrk="1" latinLnBrk="0" hangingPunct="1">
-              <a:lnSpc>
-                <a:spcPct val="90000"/>
-              </a:lnSpc>
-              <a:spcBef>
-                <a:spcPts val="500"/>
-              </a:spcBef>
-              <a:buFont typeface="Arial" panose="020B0604020202020204" pitchFamily="34" charset="0"/>
-              <a:buChar char="•"/>
-              <a:defRPr sz="1800" kern="1200">
-                <a:solidFill>
-                  <a:schemeClr val="tx1"/>
-                </a:solidFill>
-                <a:latin typeface="+mn-lt"/>
-                <a:ea typeface="+mn-ea"/>
-                <a:cs typeface="+mn-cs"/>
-              </a:defRPr>
-            </a:lvl9pPr>
-          </a:lstStyle>
-          <a:p>
-            <a:pPr marL="0" indent="0">
-              <a:buFont typeface="Arial" panose="020B0604020202020204" pitchFamily="34" charset="0"/>
-              <a:buNone/>
-            </a:pPr>
-            <a:r>
-              <a:rPr lang="fr-FR" b="1"/>
-              <a:t>Concepts fondamentaux</a:t>
-            </a:r>
-          </a:p>
-          <a:p>
-            <a:r>
-              <a:rPr lang="fr-FR" sz="2000" b="1"/>
-              <a:t>Encapsulation</a:t>
-            </a:r>
-            <a:r>
-              <a:rPr lang="fr-FR" sz="2000"/>
-              <a:t> : regroupement de différentes données et fonctions sous une même entité</a:t>
-            </a:r>
-          </a:p>
-          <a:p>
-            <a:r>
-              <a:rPr lang="fr-FR" sz="2000" b="1"/>
-              <a:t>Héritage</a:t>
-            </a:r>
-            <a:r>
-              <a:rPr lang="fr-FR" sz="2000"/>
-              <a:t> : arborescence de classes permettant la spécialisation</a:t>
-            </a:r>
-            <a:br>
-              <a:rPr lang="fr-FR" sz="2000"/>
-            </a:br>
-            <a:r>
-              <a:rPr lang="fr-FR" sz="1400" i="1"/>
-              <a:t>(notion non abordée dans ce module)</a:t>
-            </a:r>
-            <a:endParaRPr lang="fr-FR" sz="2000" i="1" dirty="0"/>
-          </a:p>
-        </p:txBody>
-      </p:sp>
-      <p:sp>
-        <p:nvSpPr>
-          <p:cNvPr id="9" name="ZoneTexte 8">
-            <a:extLst>
-              <a:ext uri="{FF2B5EF4-FFF2-40B4-BE49-F238E27FC236}">
-                <a16:creationId xmlns:a16="http://schemas.microsoft.com/office/drawing/2014/main" id="{30A32FA9-E3CE-82C7-28E7-3E4841735B2C}"/>
-              </a:ext>
-            </a:extLst>
-          </p:cNvPr>
-          <p:cNvSpPr txBox="1"/>
-          <p:nvPr/>
-        </p:nvSpPr>
-        <p:spPr>
-          <a:xfrm>
-            <a:off x="7516961" y="2108692"/>
-            <a:ext cx="1472519" cy="369332"/>
-          </a:xfrm>
-          <a:prstGeom prst="rect">
-            <a:avLst/>
-          </a:prstGeom>
-          <a:noFill/>
-        </p:spPr>
-        <p:txBody>
-          <a:bodyPr wrap="none" rtlCol="0">
-            <a:spAutoFit/>
-          </a:bodyPr>
-          <a:lstStyle/>
-          <a:p>
-            <a:r>
-              <a:rPr lang="fr-FR" dirty="0"/>
-              <a:t>Classe mère</a:t>
-            </a:r>
-          </a:p>
-        </p:txBody>
-      </p:sp>
-      <p:sp>
-        <p:nvSpPr>
-          <p:cNvPr id="10" name="ZoneTexte 9">
-            <a:extLst>
-              <a:ext uri="{FF2B5EF4-FFF2-40B4-BE49-F238E27FC236}">
-                <a16:creationId xmlns:a16="http://schemas.microsoft.com/office/drawing/2014/main" id="{37E5EC30-F497-8D5D-35F9-F2FD51F7AD2B}"/>
-              </a:ext>
-            </a:extLst>
-          </p:cNvPr>
-          <p:cNvSpPr txBox="1"/>
-          <p:nvPr/>
-        </p:nvSpPr>
-        <p:spPr>
-          <a:xfrm>
-            <a:off x="7516961" y="6400800"/>
-            <a:ext cx="1503938" cy="369332"/>
-          </a:xfrm>
-          <a:prstGeom prst="rect">
-            <a:avLst/>
-          </a:prstGeom>
-          <a:noFill/>
-        </p:spPr>
-        <p:txBody>
-          <a:bodyPr wrap="none" rtlCol="0">
-            <a:spAutoFit/>
-          </a:bodyPr>
-          <a:lstStyle/>
-          <a:p>
-            <a:r>
-              <a:rPr lang="fr-FR" dirty="0"/>
-              <a:t>Classes filles</a:t>
-            </a:r>
-          </a:p>
-        </p:txBody>
-      </p:sp>
-      <p:pic>
-        <p:nvPicPr>
-          <p:cNvPr id="11" name="Image 10">
-            <a:extLst>
-              <a:ext uri="{FF2B5EF4-FFF2-40B4-BE49-F238E27FC236}">
-                <a16:creationId xmlns:a16="http://schemas.microsoft.com/office/drawing/2014/main" id="{9C65DBA4-FBF8-1DF2-BA15-257EF25A2EF3}"/>
-              </a:ext>
-            </a:extLst>
-          </p:cNvPr>
-          <p:cNvPicPr>
-            <a:picLocks noChangeAspect="1"/>
-          </p:cNvPicPr>
-          <p:nvPr/>
-        </p:nvPicPr>
-        <p:blipFill>
-          <a:blip r:embed="rId4"/>
-          <a:stretch>
-            <a:fillRect/>
-          </a:stretch>
-        </p:blipFill>
-        <p:spPr>
-          <a:xfrm>
-            <a:off x="7827202" y="2478025"/>
-            <a:ext cx="3628715" cy="3922776"/>
-          </a:xfrm>
-          <a:prstGeom prst="rect">
-            <a:avLst/>
-          </a:prstGeom>
-        </p:spPr>
-      </p:pic>
-      <p:sp>
-        <p:nvSpPr>
-          <p:cNvPr id="5" name="Rectangle 4">
-            <a:extLst>
-              <a:ext uri="{FF2B5EF4-FFF2-40B4-BE49-F238E27FC236}">
-                <a16:creationId xmlns:a16="http://schemas.microsoft.com/office/drawing/2014/main" id="{B7DCDC45-9057-6B6A-374F-CE0E0BCB1831}"/>
-              </a:ext>
-            </a:extLst>
-          </p:cNvPr>
-          <p:cNvSpPr/>
-          <p:nvPr/>
-        </p:nvSpPr>
-        <p:spPr>
-          <a:xfrm>
-            <a:off x="6944708" y="3829959"/>
-            <a:ext cx="1472520" cy="255073"/>
-          </a:xfrm>
-          <a:prstGeom prst="rect">
-            <a:avLst/>
-          </a:prstGeom>
-          <a:solidFill>
-            <a:srgbClr val="00B0F0"/>
-          </a:solidFill>
-          <a:ln>
-            <a:noFill/>
-          </a:ln>
-        </p:spPr>
-        <p:style>
-          <a:lnRef idx="2">
-            <a:schemeClr val="accent1">
-              <a:shade val="15000"/>
-            </a:schemeClr>
-          </a:lnRef>
-          <a:fillRef idx="1">
-            <a:schemeClr val="accent1"/>
-          </a:fillRef>
-          <a:effectRef idx="0">
-            <a:schemeClr val="accent1"/>
-          </a:effectRef>
-          <a:fontRef idx="minor">
-            <a:schemeClr val="lt1"/>
-          </a:fontRef>
-        </p:style>
-        <p:txBody>
-          <a:bodyPr vert="horz" rtlCol="0" anchor="ctr"/>
-          <a:lstStyle/>
-          <a:p>
-            <a:pPr algn="ctr"/>
-            <a:r>
-              <a:rPr lang="fr-FR" sz="1100" b="1" dirty="0"/>
-              <a:t>COMPORTEMENT</a:t>
-            </a:r>
-          </a:p>
-        </p:txBody>
-      </p:sp>
-      <p:sp>
-        <p:nvSpPr>
-          <p:cNvPr id="6" name="Rectangle 5">
-            <a:extLst>
-              <a:ext uri="{FF2B5EF4-FFF2-40B4-BE49-F238E27FC236}">
-                <a16:creationId xmlns:a16="http://schemas.microsoft.com/office/drawing/2014/main" id="{BF895C31-4F1C-CC57-05B4-C455E71D7F9D}"/>
-              </a:ext>
-            </a:extLst>
-          </p:cNvPr>
-          <p:cNvSpPr/>
-          <p:nvPr/>
-        </p:nvSpPr>
-        <p:spPr>
-          <a:xfrm>
-            <a:off x="6935822" y="2931709"/>
-            <a:ext cx="1472520" cy="255073"/>
-          </a:xfrm>
-          <a:prstGeom prst="rect">
-            <a:avLst/>
-          </a:prstGeom>
-          <a:solidFill>
-            <a:srgbClr val="002060"/>
-          </a:solidFill>
-          <a:ln>
-            <a:noFill/>
-          </a:ln>
-        </p:spPr>
-        <p:style>
-          <a:lnRef idx="2">
-            <a:schemeClr val="accent1">
-              <a:shade val="15000"/>
-            </a:schemeClr>
-          </a:lnRef>
-          <a:fillRef idx="1">
-            <a:schemeClr val="accent1"/>
-          </a:fillRef>
-          <a:effectRef idx="0">
-            <a:schemeClr val="accent1"/>
-          </a:effectRef>
-          <a:fontRef idx="minor">
-            <a:schemeClr val="lt1"/>
-          </a:fontRef>
-        </p:style>
-        <p:txBody>
-          <a:bodyPr vert="horz" rtlCol="0" anchor="ctr"/>
-          <a:lstStyle/>
-          <a:p>
-            <a:pPr algn="ctr"/>
-            <a:r>
-              <a:rPr lang="fr-FR" sz="1200" b="1" dirty="0"/>
-              <a:t>ETAT</a:t>
-            </a:r>
-          </a:p>
-        </p:txBody>
-      </p:sp>
     </p:spTree>
     <p:extLst>
       <p:ext uri="{BB962C8B-B14F-4D97-AF65-F5344CB8AC3E}">
-        <p14:creationId xmlns:p14="http://schemas.microsoft.com/office/powerpoint/2010/main" val="2323777874"/>
+        <p14:creationId xmlns:p14="http://schemas.microsoft.com/office/powerpoint/2010/main" val="3098312688"/>
       </p:ext>
     </p:extLst>
   </p:cSld>
   <p:clrMapOvr>
-    <a:masterClrMapping/>
+    <a:overrideClrMapping bg1="dk1" tx1="lt1" bg2="dk2" tx2="lt2" accent1="accent1" accent2="accent2" accent3="accent3" accent4="accent4" accent5="accent5" accent6="accent6" hlink="hlink" folHlink="folHlink"/>
   </p:clrMapOvr>
 </p:sld>
 </file>
